--- a/Session 5/Softdev Session 5 2016.pptx
+++ b/Session 5/Softdev Session 5 2016.pptx
@@ -20,34 +20,40 @@
     <p:sldId id="347" r:id="rId14"/>
     <p:sldId id="348" r:id="rId15"/>
     <p:sldId id="349" r:id="rId16"/>
-    <p:sldId id="321" r:id="rId17"/>
-    <p:sldId id="322" r:id="rId18"/>
-    <p:sldId id="323" r:id="rId19"/>
-    <p:sldId id="324" r:id="rId20"/>
-    <p:sldId id="325" r:id="rId21"/>
-    <p:sldId id="326" r:id="rId22"/>
-    <p:sldId id="327" r:id="rId23"/>
-    <p:sldId id="328" r:id="rId24"/>
-    <p:sldId id="329" r:id="rId25"/>
-    <p:sldId id="330" r:id="rId26"/>
-    <p:sldId id="331" r:id="rId27"/>
-    <p:sldId id="332" r:id="rId28"/>
-    <p:sldId id="333" r:id="rId29"/>
-    <p:sldId id="334" r:id="rId30"/>
-    <p:sldId id="335" r:id="rId31"/>
-    <p:sldId id="336" r:id="rId32"/>
-    <p:sldId id="337" r:id="rId33"/>
-    <p:sldId id="338" r:id="rId34"/>
-    <p:sldId id="339" r:id="rId35"/>
-    <p:sldId id="340" r:id="rId36"/>
-    <p:sldId id="341" r:id="rId37"/>
-    <p:sldId id="342" r:id="rId38"/>
-    <p:sldId id="343" r:id="rId39"/>
-    <p:sldId id="344" r:id="rId40"/>
-    <p:sldId id="345" r:id="rId41"/>
-    <p:sldId id="346" r:id="rId42"/>
-    <p:sldId id="307" r:id="rId43"/>
-    <p:sldId id="285" r:id="rId44"/>
+    <p:sldId id="350" r:id="rId17"/>
+    <p:sldId id="351" r:id="rId18"/>
+    <p:sldId id="352" r:id="rId19"/>
+    <p:sldId id="353" r:id="rId20"/>
+    <p:sldId id="354" r:id="rId21"/>
+    <p:sldId id="355" r:id="rId22"/>
+    <p:sldId id="321" r:id="rId23"/>
+    <p:sldId id="322" r:id="rId24"/>
+    <p:sldId id="323" r:id="rId25"/>
+    <p:sldId id="324" r:id="rId26"/>
+    <p:sldId id="325" r:id="rId27"/>
+    <p:sldId id="326" r:id="rId28"/>
+    <p:sldId id="327" r:id="rId29"/>
+    <p:sldId id="328" r:id="rId30"/>
+    <p:sldId id="329" r:id="rId31"/>
+    <p:sldId id="330" r:id="rId32"/>
+    <p:sldId id="331" r:id="rId33"/>
+    <p:sldId id="332" r:id="rId34"/>
+    <p:sldId id="333" r:id="rId35"/>
+    <p:sldId id="334" r:id="rId36"/>
+    <p:sldId id="335" r:id="rId37"/>
+    <p:sldId id="336" r:id="rId38"/>
+    <p:sldId id="337" r:id="rId39"/>
+    <p:sldId id="338" r:id="rId40"/>
+    <p:sldId id="339" r:id="rId41"/>
+    <p:sldId id="340" r:id="rId42"/>
+    <p:sldId id="341" r:id="rId43"/>
+    <p:sldId id="342" r:id="rId44"/>
+    <p:sldId id="343" r:id="rId45"/>
+    <p:sldId id="344" r:id="rId46"/>
+    <p:sldId id="345" r:id="rId47"/>
+    <p:sldId id="346" r:id="rId48"/>
+    <p:sldId id="307" r:id="rId49"/>
+    <p:sldId id="285" r:id="rId50"/>
   </p:sldIdLst>
   <p:sldSz cx="12192000" cy="6858000"/>
   <p:notesSz cx="6858000" cy="9144000"/>
@@ -6845,7 +6851,7 @@
           </a:p>
           <a:p>
             <a:r>
-              <a:rPr lang="en-ZA" smtClean="0"/>
+              <a:rPr lang="en-ZA" dirty="0" smtClean="0"/>
               <a:t>User Satisfaction</a:t>
             </a:r>
           </a:p>
@@ -6898,6 +6904,823 @@
           <a:p>
             <a:r>
               <a:rPr lang="en-ZA" dirty="0" smtClean="0"/>
+              <a:t>Why?</a:t>
+            </a:r>
+            <a:endParaRPr lang="en-ZA" dirty="0"/>
+          </a:p>
+        </p:txBody>
+      </p:sp>
+      <p:sp>
+        <p:nvSpPr>
+          <p:cNvPr id="3" name="Content Placeholder 2"/>
+          <p:cNvSpPr>
+            <a:spLocks noGrp="1"/>
+          </p:cNvSpPr>
+          <p:nvPr>
+            <p:ph idx="1"/>
+          </p:nvPr>
+        </p:nvSpPr>
+        <p:spPr/>
+        <p:txBody>
+          <a:bodyPr/>
+          <a:lstStyle/>
+          <a:p>
+            <a:r>
+              <a:rPr lang="en-ZA" dirty="0" smtClean="0"/>
+              <a:t>Better chance of delivery</a:t>
+            </a:r>
+          </a:p>
+          <a:p>
+            <a:r>
+              <a:rPr lang="en-ZA" dirty="0" smtClean="0"/>
+              <a:t>Avoid scope creep</a:t>
+            </a:r>
+          </a:p>
+          <a:p>
+            <a:r>
+              <a:rPr lang="en-ZA" dirty="0" smtClean="0"/>
+              <a:t>Insights into the user’s expectations</a:t>
+            </a:r>
+          </a:p>
+          <a:p>
+            <a:r>
+              <a:rPr lang="en-ZA" dirty="0" smtClean="0"/>
+              <a:t>Ease of use</a:t>
+            </a:r>
+          </a:p>
+          <a:p>
+            <a:r>
+              <a:rPr lang="en-ZA" dirty="0" smtClean="0"/>
+              <a:t>Crowd-funding </a:t>
+            </a:r>
+          </a:p>
+          <a:p>
+            <a:endParaRPr lang="en-ZA" dirty="0"/>
+          </a:p>
+        </p:txBody>
+      </p:sp>
+    </p:spTree>
+    <p:extLst>
+      <p:ext uri="{BB962C8B-B14F-4D97-AF65-F5344CB8AC3E}">
+        <p14:creationId xmlns:p14="http://schemas.microsoft.com/office/powerpoint/2010/main" val="3102411531"/>
+      </p:ext>
+    </p:extLst>
+  </p:cSld>
+  <p:clrMapOvr>
+    <a:masterClrMapping/>
+  </p:clrMapOvr>
+</p:sld>
+</file>
+
+<file path=ppt/slides/slide17.xml><?xml version="1.0" encoding="utf-8"?>
+<p:sld xmlns:a="http://schemas.openxmlformats.org/drawingml/2006/main" xmlns:r="http://schemas.openxmlformats.org/officeDocument/2006/relationships" xmlns:p="http://schemas.openxmlformats.org/presentationml/2006/main">
+  <p:cSld>
+    <p:spTree>
+      <p:nvGrpSpPr>
+        <p:cNvPr id="1" name=""/>
+        <p:cNvGrpSpPr/>
+        <p:nvPr/>
+      </p:nvGrpSpPr>
+      <p:grpSpPr>
+        <a:xfrm>
+          <a:off x="0" y="0"/>
+          <a:ext cx="0" cy="0"/>
+          <a:chOff x="0" y="0"/>
+          <a:chExt cx="0" cy="0"/>
+        </a:xfrm>
+      </p:grpSpPr>
+      <p:pic>
+        <p:nvPicPr>
+          <p:cNvPr id="7" name="Content Placeholder 6"/>
+          <p:cNvPicPr>
+            <a:picLocks noGrp="1" noChangeAspect="1"/>
+          </p:cNvPicPr>
+          <p:nvPr>
+            <p:ph idx="1"/>
+          </p:nvPr>
+        </p:nvPicPr>
+        <p:blipFill>
+          <a:blip r:embed="rId2">
+            <a:extLst>
+              <a:ext uri="{28A0092B-C50C-407E-A947-70E740481C1C}">
+                <a14:useLocalDpi xmlns:a14="http://schemas.microsoft.com/office/drawing/2010/main" val="0"/>
+              </a:ext>
+            </a:extLst>
+          </a:blip>
+          <a:stretch>
+            <a:fillRect/>
+          </a:stretch>
+        </p:blipFill>
+        <p:spPr>
+          <a:xfrm>
+            <a:off x="2250694" y="2052638"/>
+            <a:ext cx="6652388" cy="4195762"/>
+          </a:xfrm>
+        </p:spPr>
+      </p:pic>
+      <p:sp>
+        <p:nvSpPr>
+          <p:cNvPr id="5" name="AutoShape 2" descr="C:\Users\jason\Downloads\Untitled Diagram.png"/>
+          <p:cNvSpPr>
+            <a:spLocks noGrp="1" noChangeAspect="1" noChangeArrowheads="1"/>
+          </p:cNvSpPr>
+          <p:nvPr>
+            <p:ph type="title"/>
+          </p:nvPr>
+        </p:nvSpPr>
+        <p:spPr bwMode="auto">
+          <a:prstGeom prst="rect">
+            <a:avLst/>
+          </a:prstGeom>
+          <a:noFill/>
+          <a:extLst>
+            <a:ext uri="{909E8E84-426E-40DD-AFC4-6F175D3DCCD1}">
+              <a14:hiddenFill xmlns:a14="http://schemas.microsoft.com/office/drawing/2010/main">
+                <a:solidFill>
+                  <a:srgbClr val="FFFFFF"/>
+                </a:solidFill>
+              </a14:hiddenFill>
+            </a:ext>
+          </a:extLst>
+        </p:spPr>
+        <p:txBody>
+          <a:bodyPr vert="horz" wrap="square" lIns="91440" tIns="45720" rIns="91440" bIns="45720" numCol="1" anchor="t" anchorCtr="0" compatLnSpc="1">
+            <a:prstTxWarp prst="textNoShape">
+              <a:avLst/>
+            </a:prstTxWarp>
+          </a:bodyPr>
+          <a:lstStyle/>
+          <a:p>
+            <a:endParaRPr lang="en-ZA"/>
+          </a:p>
+        </p:txBody>
+      </p:sp>
+    </p:spTree>
+    <p:extLst>
+      <p:ext uri="{BB962C8B-B14F-4D97-AF65-F5344CB8AC3E}">
+        <p14:creationId xmlns:p14="http://schemas.microsoft.com/office/powerpoint/2010/main" val="3632689941"/>
+      </p:ext>
+    </p:extLst>
+  </p:cSld>
+  <p:clrMapOvr>
+    <a:masterClrMapping/>
+  </p:clrMapOvr>
+</p:sld>
+</file>
+
+<file path=ppt/slides/slide18.xml><?xml version="1.0" encoding="utf-8"?>
+<p:sld xmlns:a="http://schemas.openxmlformats.org/drawingml/2006/main" xmlns:r="http://schemas.openxmlformats.org/officeDocument/2006/relationships" xmlns:p="http://schemas.openxmlformats.org/presentationml/2006/main">
+  <p:cSld>
+    <p:spTree>
+      <p:nvGrpSpPr>
+        <p:cNvPr id="1" name=""/>
+        <p:cNvGrpSpPr/>
+        <p:nvPr/>
+      </p:nvGrpSpPr>
+      <p:grpSpPr>
+        <a:xfrm>
+          <a:off x="0" y="0"/>
+          <a:ext cx="0" cy="0"/>
+          <a:chOff x="0" y="0"/>
+          <a:chExt cx="0" cy="0"/>
+        </a:xfrm>
+      </p:grpSpPr>
+      <p:sp>
+        <p:nvSpPr>
+          <p:cNvPr id="2" name="Title 1"/>
+          <p:cNvSpPr>
+            <a:spLocks noGrp="1"/>
+          </p:cNvSpPr>
+          <p:nvPr>
+            <p:ph type="title"/>
+          </p:nvPr>
+        </p:nvSpPr>
+        <p:spPr/>
+        <p:txBody>
+          <a:bodyPr/>
+          <a:lstStyle/>
+          <a:p>
+            <a:endParaRPr lang="en-ZA"/>
+          </a:p>
+        </p:txBody>
+      </p:sp>
+      <p:pic>
+        <p:nvPicPr>
+          <p:cNvPr id="4" name="Content Placeholder 3"/>
+          <p:cNvPicPr>
+            <a:picLocks noGrp="1" noChangeAspect="1"/>
+          </p:cNvPicPr>
+          <p:nvPr>
+            <p:ph idx="1"/>
+          </p:nvPr>
+        </p:nvPicPr>
+        <p:blipFill>
+          <a:blip r:embed="rId2">
+            <a:extLst>
+              <a:ext uri="{28A0092B-C50C-407E-A947-70E740481C1C}">
+                <a14:useLocalDpi xmlns:a14="http://schemas.microsoft.com/office/drawing/2010/main" val="0"/>
+              </a:ext>
+            </a:extLst>
+          </a:blip>
+          <a:stretch>
+            <a:fillRect/>
+          </a:stretch>
+        </p:blipFill>
+        <p:spPr>
+          <a:xfrm>
+            <a:off x="2276475" y="2088356"/>
+            <a:ext cx="6600825" cy="4124325"/>
+          </a:xfrm>
+        </p:spPr>
+      </p:pic>
+    </p:spTree>
+    <p:extLst>
+      <p:ext uri="{BB962C8B-B14F-4D97-AF65-F5344CB8AC3E}">
+        <p14:creationId xmlns:p14="http://schemas.microsoft.com/office/powerpoint/2010/main" val="4032108567"/>
+      </p:ext>
+    </p:extLst>
+  </p:cSld>
+  <p:clrMapOvr>
+    <a:masterClrMapping/>
+  </p:clrMapOvr>
+</p:sld>
+</file>
+
+<file path=ppt/slides/slide19.xml><?xml version="1.0" encoding="utf-8"?>
+<p:sld xmlns:a="http://schemas.openxmlformats.org/drawingml/2006/main" xmlns:r="http://schemas.openxmlformats.org/officeDocument/2006/relationships" xmlns:p="http://schemas.openxmlformats.org/presentationml/2006/main">
+  <p:cSld>
+    <p:spTree>
+      <p:nvGrpSpPr>
+        <p:cNvPr id="1" name=""/>
+        <p:cNvGrpSpPr/>
+        <p:nvPr/>
+      </p:nvGrpSpPr>
+      <p:grpSpPr>
+        <a:xfrm>
+          <a:off x="0" y="0"/>
+          <a:ext cx="0" cy="0"/>
+          <a:chOff x="0" y="0"/>
+          <a:chExt cx="0" cy="0"/>
+        </a:xfrm>
+      </p:grpSpPr>
+      <p:sp>
+        <p:nvSpPr>
+          <p:cNvPr id="2" name="Title 1"/>
+          <p:cNvSpPr>
+            <a:spLocks noGrp="1"/>
+          </p:cNvSpPr>
+          <p:nvPr>
+            <p:ph type="title"/>
+          </p:nvPr>
+        </p:nvSpPr>
+        <p:spPr/>
+        <p:txBody>
+          <a:bodyPr/>
+          <a:lstStyle/>
+          <a:p>
+            <a:r>
+              <a:rPr lang="en-ZA" dirty="0" smtClean="0"/>
+              <a:t>Research</a:t>
+            </a:r>
+            <a:endParaRPr lang="en-ZA" dirty="0"/>
+          </a:p>
+        </p:txBody>
+      </p:sp>
+      <p:graphicFrame>
+        <p:nvGraphicFramePr>
+          <p:cNvPr id="4" name="Content Placeholder 3"/>
+          <p:cNvGraphicFramePr>
+            <a:graphicFrameLocks noGrp="1"/>
+          </p:cNvGraphicFramePr>
+          <p:nvPr>
+            <p:ph idx="1"/>
+            <p:extLst>
+              <p:ext uri="{D42A27DB-BD31-4B8C-83A1-F6EECF244321}">
+                <p14:modId xmlns:p14="http://schemas.microsoft.com/office/powerpoint/2010/main" val="679882166"/>
+              </p:ext>
+            </p:extLst>
+          </p:nvPr>
+        </p:nvGraphicFramePr>
+        <p:xfrm>
+          <a:off x="1103313" y="2052638"/>
+          <a:ext cx="8947150" cy="1854200"/>
+        </p:xfrm>
+        <a:graphic>
+          <a:graphicData uri="http://schemas.openxmlformats.org/drawingml/2006/table">
+            <a:tbl>
+              <a:tblPr firstRow="1" bandRow="1">
+                <a:tableStyleId>{5C22544A-7EE6-4342-B048-85BDC9FD1C3A}</a:tableStyleId>
+              </a:tblPr>
+              <a:tblGrid>
+                <a:gridCol w="4473575"/>
+                <a:gridCol w="4473575"/>
+              </a:tblGrid>
+              <a:tr h="370840">
+                <a:tc>
+                  <a:txBody>
+                    <a:bodyPr/>
+                    <a:lstStyle/>
+                    <a:p>
+                      <a:r>
+                        <a:rPr lang="en-ZA" dirty="0" smtClean="0"/>
+                        <a:t>Qualitative – Why</a:t>
+                      </a:r>
+                      <a:endParaRPr lang="en-ZA" dirty="0"/>
+                    </a:p>
+                  </a:txBody>
+                  <a:tcPr/>
+                </a:tc>
+                <a:tc>
+                  <a:txBody>
+                    <a:bodyPr/>
+                    <a:lstStyle/>
+                    <a:p>
+                      <a:r>
+                        <a:rPr lang="en-ZA" dirty="0" smtClean="0"/>
+                        <a:t>Quantitative – What</a:t>
+                      </a:r>
+                      <a:endParaRPr lang="en-ZA" dirty="0"/>
+                    </a:p>
+                  </a:txBody>
+                  <a:tcPr/>
+                </a:tc>
+              </a:tr>
+              <a:tr h="370840">
+                <a:tc>
+                  <a:txBody>
+                    <a:bodyPr/>
+                    <a:lstStyle/>
+                    <a:p>
+                      <a:r>
+                        <a:rPr lang="en-ZA" dirty="0" smtClean="0"/>
+                        <a:t>Interviews</a:t>
+                      </a:r>
+                      <a:endParaRPr lang="en-ZA" dirty="0"/>
+                    </a:p>
+                  </a:txBody>
+                  <a:tcPr/>
+                </a:tc>
+                <a:tc>
+                  <a:txBody>
+                    <a:bodyPr/>
+                    <a:lstStyle/>
+                    <a:p>
+                      <a:r>
+                        <a:rPr lang="en-ZA" dirty="0" smtClean="0"/>
+                        <a:t>Surveys</a:t>
+                      </a:r>
+                      <a:endParaRPr lang="en-ZA" dirty="0"/>
+                    </a:p>
+                  </a:txBody>
+                  <a:tcPr/>
+                </a:tc>
+              </a:tr>
+              <a:tr h="370840">
+                <a:tc>
+                  <a:txBody>
+                    <a:bodyPr/>
+                    <a:lstStyle/>
+                    <a:p>
+                      <a:r>
+                        <a:rPr lang="en-ZA" dirty="0" smtClean="0"/>
+                        <a:t>Focus Groups</a:t>
+                      </a:r>
+                      <a:endParaRPr lang="en-ZA" dirty="0"/>
+                    </a:p>
+                  </a:txBody>
+                  <a:tcPr/>
+                </a:tc>
+                <a:tc>
+                  <a:txBody>
+                    <a:bodyPr/>
+                    <a:lstStyle/>
+                    <a:p>
+                      <a:r>
+                        <a:rPr lang="en-ZA" dirty="0" smtClean="0"/>
+                        <a:t>Web Analytics</a:t>
+                      </a:r>
+                      <a:endParaRPr lang="en-ZA" dirty="0"/>
+                    </a:p>
+                  </a:txBody>
+                  <a:tcPr/>
+                </a:tc>
+              </a:tr>
+              <a:tr h="370840">
+                <a:tc>
+                  <a:txBody>
+                    <a:bodyPr/>
+                    <a:lstStyle/>
+                    <a:p>
+                      <a:r>
+                        <a:rPr lang="en-ZA" dirty="0" smtClean="0"/>
+                        <a:t>Personas</a:t>
+                      </a:r>
+                      <a:endParaRPr lang="en-ZA" dirty="0"/>
+                    </a:p>
+                  </a:txBody>
+                  <a:tcPr/>
+                </a:tc>
+                <a:tc>
+                  <a:txBody>
+                    <a:bodyPr/>
+                    <a:lstStyle/>
+                    <a:p>
+                      <a:endParaRPr lang="en-ZA" dirty="0"/>
+                    </a:p>
+                  </a:txBody>
+                  <a:tcPr/>
+                </a:tc>
+              </a:tr>
+              <a:tr h="370840">
+                <a:tc>
+                  <a:txBody>
+                    <a:bodyPr/>
+                    <a:lstStyle/>
+                    <a:p>
+                      <a:r>
+                        <a:rPr lang="en-ZA" dirty="0" smtClean="0"/>
+                        <a:t>User Stories</a:t>
+                      </a:r>
+                      <a:endParaRPr lang="en-ZA" dirty="0"/>
+                    </a:p>
+                  </a:txBody>
+                  <a:tcPr/>
+                </a:tc>
+                <a:tc>
+                  <a:txBody>
+                    <a:bodyPr/>
+                    <a:lstStyle/>
+                    <a:p>
+                      <a:endParaRPr lang="en-ZA"/>
+                    </a:p>
+                  </a:txBody>
+                  <a:tcPr/>
+                </a:tc>
+              </a:tr>
+            </a:tbl>
+          </a:graphicData>
+        </a:graphic>
+      </p:graphicFrame>
+    </p:spTree>
+    <p:extLst>
+      <p:ext uri="{BB962C8B-B14F-4D97-AF65-F5344CB8AC3E}">
+        <p14:creationId xmlns:p14="http://schemas.microsoft.com/office/powerpoint/2010/main" val="1194597886"/>
+      </p:ext>
+    </p:extLst>
+  </p:cSld>
+  <p:clrMapOvr>
+    <a:masterClrMapping/>
+  </p:clrMapOvr>
+</p:sld>
+</file>
+
+<file path=ppt/slides/slide2.xml><?xml version="1.0" encoding="utf-8"?>
+<p:sld xmlns:a="http://schemas.openxmlformats.org/drawingml/2006/main" xmlns:r="http://schemas.openxmlformats.org/officeDocument/2006/relationships" xmlns:p="http://schemas.openxmlformats.org/presentationml/2006/main">
+  <p:cSld>
+    <p:spTree>
+      <p:nvGrpSpPr>
+        <p:cNvPr id="1" name=""/>
+        <p:cNvGrpSpPr/>
+        <p:nvPr/>
+      </p:nvGrpSpPr>
+      <p:grpSpPr>
+        <a:xfrm>
+          <a:off x="0" y="0"/>
+          <a:ext cx="0" cy="0"/>
+          <a:chOff x="0" y="0"/>
+          <a:chExt cx="0" cy="0"/>
+        </a:xfrm>
+      </p:grpSpPr>
+      <p:sp>
+        <p:nvSpPr>
+          <p:cNvPr id="2" name="Title 1"/>
+          <p:cNvSpPr>
+            <a:spLocks noGrp="1"/>
+          </p:cNvSpPr>
+          <p:nvPr>
+            <p:ph type="title"/>
+          </p:nvPr>
+        </p:nvSpPr>
+        <p:spPr/>
+        <p:txBody>
+          <a:bodyPr/>
+          <a:lstStyle/>
+          <a:p>
+            <a:r>
+              <a:rPr lang="en-ZA" dirty="0" smtClean="0"/>
+              <a:t>The Homework from session </a:t>
+            </a:r>
+            <a:r>
+              <a:rPr lang="en-ZA" dirty="0" smtClean="0"/>
+              <a:t>4</a:t>
+            </a:r>
+            <a:endParaRPr lang="en-ZA" dirty="0"/>
+          </a:p>
+        </p:txBody>
+      </p:sp>
+      <p:sp>
+        <p:nvSpPr>
+          <p:cNvPr id="3" name="Content Placeholder 2"/>
+          <p:cNvSpPr>
+            <a:spLocks noGrp="1"/>
+          </p:cNvSpPr>
+          <p:nvPr>
+            <p:ph idx="1"/>
+          </p:nvPr>
+        </p:nvSpPr>
+        <p:spPr/>
+        <p:txBody>
+          <a:bodyPr/>
+          <a:lstStyle/>
+          <a:p>
+            <a:r>
+              <a:rPr lang="en-ZA" dirty="0" smtClean="0"/>
+              <a:t>See Example</a:t>
+            </a:r>
+            <a:endParaRPr lang="en-ZA" dirty="0"/>
+          </a:p>
+        </p:txBody>
+      </p:sp>
+    </p:spTree>
+    <p:extLst>
+      <p:ext uri="{BB962C8B-B14F-4D97-AF65-F5344CB8AC3E}">
+        <p14:creationId xmlns:p14="http://schemas.microsoft.com/office/powerpoint/2010/main" val="1518874736"/>
+      </p:ext>
+    </p:extLst>
+  </p:cSld>
+  <p:clrMapOvr>
+    <a:masterClrMapping/>
+  </p:clrMapOvr>
+  <p:timing>
+    <p:tnLst>
+      <p:par>
+        <p:cTn id="1" dur="indefinite" restart="never" nodeType="tmRoot"/>
+      </p:par>
+    </p:tnLst>
+  </p:timing>
+</p:sld>
+</file>
+
+<file path=ppt/slides/slide20.xml><?xml version="1.0" encoding="utf-8"?>
+<p:sld xmlns:a="http://schemas.openxmlformats.org/drawingml/2006/main" xmlns:r="http://schemas.openxmlformats.org/officeDocument/2006/relationships" xmlns:p="http://schemas.openxmlformats.org/presentationml/2006/main">
+  <p:cSld>
+    <p:spTree>
+      <p:nvGrpSpPr>
+        <p:cNvPr id="1" name=""/>
+        <p:cNvGrpSpPr/>
+        <p:nvPr/>
+      </p:nvGrpSpPr>
+      <p:grpSpPr>
+        <a:xfrm>
+          <a:off x="0" y="0"/>
+          <a:ext cx="0" cy="0"/>
+          <a:chOff x="0" y="0"/>
+          <a:chExt cx="0" cy="0"/>
+        </a:xfrm>
+      </p:grpSpPr>
+      <p:sp>
+        <p:nvSpPr>
+          <p:cNvPr id="2" name="Title 1"/>
+          <p:cNvSpPr>
+            <a:spLocks noGrp="1"/>
+          </p:cNvSpPr>
+          <p:nvPr>
+            <p:ph type="title"/>
+          </p:nvPr>
+        </p:nvSpPr>
+        <p:spPr/>
+        <p:txBody>
+          <a:bodyPr/>
+          <a:lstStyle/>
+          <a:p>
+            <a:r>
+              <a:rPr lang="en-ZA" dirty="0" smtClean="0"/>
+              <a:t>User Persona</a:t>
+            </a:r>
+            <a:endParaRPr lang="en-ZA" dirty="0"/>
+          </a:p>
+        </p:txBody>
+      </p:sp>
+      <p:sp>
+        <p:nvSpPr>
+          <p:cNvPr id="3" name="Content Placeholder 2"/>
+          <p:cNvSpPr>
+            <a:spLocks noGrp="1"/>
+          </p:cNvSpPr>
+          <p:nvPr>
+            <p:ph idx="1"/>
+          </p:nvPr>
+        </p:nvSpPr>
+        <p:spPr/>
+        <p:txBody>
+          <a:bodyPr>
+            <a:normAutofit lnSpcReduction="10000"/>
+          </a:bodyPr>
+          <a:lstStyle/>
+          <a:p>
+            <a:r>
+              <a:rPr lang="en-ZA" dirty="0" smtClean="0"/>
+              <a:t>Name</a:t>
+            </a:r>
+          </a:p>
+          <a:p>
+            <a:r>
+              <a:rPr lang="en-ZA" dirty="0" smtClean="0"/>
+              <a:t>Picture</a:t>
+            </a:r>
+          </a:p>
+          <a:p>
+            <a:r>
+              <a:rPr lang="en-ZA" dirty="0" smtClean="0"/>
+              <a:t>Who Are They?</a:t>
+            </a:r>
+          </a:p>
+          <a:p>
+            <a:r>
+              <a:rPr lang="en-ZA" dirty="0" smtClean="0"/>
+              <a:t>Demographics</a:t>
+            </a:r>
+          </a:p>
+          <a:p>
+            <a:r>
+              <a:rPr lang="en-ZA" dirty="0" smtClean="0"/>
+              <a:t>Role</a:t>
+            </a:r>
+          </a:p>
+          <a:p>
+            <a:r>
+              <a:rPr lang="en-ZA" dirty="0" smtClean="0"/>
+              <a:t>Activities</a:t>
+            </a:r>
+          </a:p>
+          <a:p>
+            <a:r>
+              <a:rPr lang="en-ZA" dirty="0" smtClean="0"/>
+              <a:t>Behaviours</a:t>
+            </a:r>
+          </a:p>
+          <a:p>
+            <a:r>
+              <a:rPr lang="en-ZA" dirty="0" smtClean="0"/>
+              <a:t>Attitudes</a:t>
+            </a:r>
+          </a:p>
+          <a:p>
+            <a:r>
+              <a:rPr lang="en-ZA" dirty="0" smtClean="0"/>
+              <a:t>Technology Experience</a:t>
+            </a:r>
+          </a:p>
+          <a:p>
+            <a:r>
+              <a:rPr lang="en-ZA" dirty="0" smtClean="0"/>
+              <a:t>Goals which are tied to the product</a:t>
+            </a:r>
+            <a:endParaRPr lang="en-ZA" dirty="0"/>
+          </a:p>
+        </p:txBody>
+      </p:sp>
+    </p:spTree>
+    <p:extLst>
+      <p:ext uri="{BB962C8B-B14F-4D97-AF65-F5344CB8AC3E}">
+        <p14:creationId xmlns:p14="http://schemas.microsoft.com/office/powerpoint/2010/main" val="4101349770"/>
+      </p:ext>
+    </p:extLst>
+  </p:cSld>
+  <p:clrMapOvr>
+    <a:masterClrMapping/>
+  </p:clrMapOvr>
+</p:sld>
+</file>
+
+<file path=ppt/slides/slide21.xml><?xml version="1.0" encoding="utf-8"?>
+<p:sld xmlns:a="http://schemas.openxmlformats.org/drawingml/2006/main" xmlns:r="http://schemas.openxmlformats.org/officeDocument/2006/relationships" xmlns:p="http://schemas.openxmlformats.org/presentationml/2006/main">
+  <p:cSld>
+    <p:spTree>
+      <p:nvGrpSpPr>
+        <p:cNvPr id="1" name=""/>
+        <p:cNvGrpSpPr/>
+        <p:nvPr/>
+      </p:nvGrpSpPr>
+      <p:grpSpPr>
+        <a:xfrm>
+          <a:off x="0" y="0"/>
+          <a:ext cx="0" cy="0"/>
+          <a:chOff x="0" y="0"/>
+          <a:chExt cx="0" cy="0"/>
+        </a:xfrm>
+      </p:grpSpPr>
+      <p:sp>
+        <p:nvSpPr>
+          <p:cNvPr id="2" name="Title 1"/>
+          <p:cNvSpPr>
+            <a:spLocks noGrp="1"/>
+          </p:cNvSpPr>
+          <p:nvPr>
+            <p:ph type="title"/>
+          </p:nvPr>
+        </p:nvSpPr>
+        <p:spPr/>
+        <p:txBody>
+          <a:bodyPr/>
+          <a:lstStyle/>
+          <a:p>
+            <a:r>
+              <a:rPr lang="en-ZA" dirty="0" smtClean="0"/>
+              <a:t>Create a user story	</a:t>
+            </a:r>
+            <a:endParaRPr lang="en-ZA" dirty="0"/>
+          </a:p>
+        </p:txBody>
+      </p:sp>
+      <p:sp>
+        <p:nvSpPr>
+          <p:cNvPr id="3" name="Content Placeholder 2"/>
+          <p:cNvSpPr>
+            <a:spLocks noGrp="1"/>
+          </p:cNvSpPr>
+          <p:nvPr>
+            <p:ph idx="1"/>
+          </p:nvPr>
+        </p:nvSpPr>
+        <p:spPr/>
+        <p:txBody>
+          <a:bodyPr/>
+          <a:lstStyle/>
+          <a:p>
+            <a:r>
+              <a:rPr lang="en-ZA" dirty="0" smtClean="0"/>
+              <a:t>Develop Primary and Secondary Personas</a:t>
+            </a:r>
+          </a:p>
+          <a:p>
+            <a:r>
+              <a:rPr lang="en-ZA" dirty="0" smtClean="0"/>
+              <a:t>Use primary goals to develop product functionality</a:t>
+            </a:r>
+          </a:p>
+          <a:p>
+            <a:r>
+              <a:rPr lang="en-ZA" dirty="0" smtClean="0"/>
+              <a:t>Capture the user-sequence of how functions will be used, the visual design and the non-functional qualities required</a:t>
+            </a:r>
+          </a:p>
+          <a:p>
+            <a:r>
+              <a:rPr lang="en-ZA" dirty="0" smtClean="0"/>
+              <a:t>Decompose functions into user stories</a:t>
+            </a:r>
+            <a:endParaRPr lang="en-ZA" dirty="0"/>
+          </a:p>
+        </p:txBody>
+      </p:sp>
+    </p:spTree>
+    <p:extLst>
+      <p:ext uri="{BB962C8B-B14F-4D97-AF65-F5344CB8AC3E}">
+        <p14:creationId xmlns:p14="http://schemas.microsoft.com/office/powerpoint/2010/main" val="4100689204"/>
+      </p:ext>
+    </p:extLst>
+  </p:cSld>
+  <p:clrMapOvr>
+    <a:masterClrMapping/>
+  </p:clrMapOvr>
+</p:sld>
+</file>
+
+<file path=ppt/slides/slide22.xml><?xml version="1.0" encoding="utf-8"?>
+<p:sld xmlns:a="http://schemas.openxmlformats.org/drawingml/2006/main" xmlns:r="http://schemas.openxmlformats.org/officeDocument/2006/relationships" xmlns:p="http://schemas.openxmlformats.org/presentationml/2006/main">
+  <p:cSld>
+    <p:spTree>
+      <p:nvGrpSpPr>
+        <p:cNvPr id="1" name=""/>
+        <p:cNvGrpSpPr/>
+        <p:nvPr/>
+      </p:nvGrpSpPr>
+      <p:grpSpPr>
+        <a:xfrm>
+          <a:off x="0" y="0"/>
+          <a:ext cx="0" cy="0"/>
+          <a:chOff x="0" y="0"/>
+          <a:chExt cx="0" cy="0"/>
+        </a:xfrm>
+      </p:grpSpPr>
+      <p:sp>
+        <p:nvSpPr>
+          <p:cNvPr id="2" name="Title 1"/>
+          <p:cNvSpPr>
+            <a:spLocks noGrp="1"/>
+          </p:cNvSpPr>
+          <p:nvPr>
+            <p:ph type="title"/>
+          </p:nvPr>
+        </p:nvSpPr>
+        <p:spPr/>
+        <p:txBody>
+          <a:bodyPr/>
+          <a:lstStyle/>
+          <a:p>
+            <a:r>
+              <a:rPr lang="en-ZA" dirty="0" smtClean="0"/>
               <a:t>Design Guidelines</a:t>
             </a:r>
             <a:endParaRPr lang="en-ZA" dirty="0"/>
@@ -6975,7 +7798,7 @@
 </p:sld>
 </file>
 
-<file path=ppt/slides/slide17.xml><?xml version="1.0" encoding="utf-8"?>
+<file path=ppt/slides/slide23.xml><?xml version="1.0" encoding="utf-8"?>
 <p:sld xmlns:a="http://schemas.openxmlformats.org/drawingml/2006/main" xmlns:r="http://schemas.openxmlformats.org/officeDocument/2006/relationships" xmlns:p="http://schemas.openxmlformats.org/presentationml/2006/main">
   <p:cSld>
     <p:spTree>
@@ -7078,7 +7901,7 @@
 </p:sld>
 </file>
 
-<file path=ppt/slides/slide18.xml><?xml version="1.0" encoding="utf-8"?>
+<file path=ppt/slides/slide24.xml><?xml version="1.0" encoding="utf-8"?>
 <p:sld xmlns:a="http://schemas.openxmlformats.org/drawingml/2006/main" xmlns:r="http://schemas.openxmlformats.org/officeDocument/2006/relationships" xmlns:p="http://schemas.openxmlformats.org/presentationml/2006/main">
   <p:cSld>
     <p:spTree>
@@ -7306,7 +8129,7 @@
 </p:sld>
 </file>
 
-<file path=ppt/slides/slide19.xml><?xml version="1.0" encoding="utf-8"?>
+<file path=ppt/slides/slide25.xml><?xml version="1.0" encoding="utf-8"?>
 <p:sld xmlns:a="http://schemas.openxmlformats.org/drawingml/2006/main" xmlns:r="http://schemas.openxmlformats.org/officeDocument/2006/relationships" xmlns:p="http://schemas.openxmlformats.org/presentationml/2006/main">
   <p:cSld>
     <p:spTree>
@@ -7448,94 +8271,7 @@
 </p:sld>
 </file>
 
-<file path=ppt/slides/slide2.xml><?xml version="1.0" encoding="utf-8"?>
-<p:sld xmlns:a="http://schemas.openxmlformats.org/drawingml/2006/main" xmlns:r="http://schemas.openxmlformats.org/officeDocument/2006/relationships" xmlns:p="http://schemas.openxmlformats.org/presentationml/2006/main">
-  <p:cSld>
-    <p:spTree>
-      <p:nvGrpSpPr>
-        <p:cNvPr id="1" name=""/>
-        <p:cNvGrpSpPr/>
-        <p:nvPr/>
-      </p:nvGrpSpPr>
-      <p:grpSpPr>
-        <a:xfrm>
-          <a:off x="0" y="0"/>
-          <a:ext cx="0" cy="0"/>
-          <a:chOff x="0" y="0"/>
-          <a:chExt cx="0" cy="0"/>
-        </a:xfrm>
-      </p:grpSpPr>
-      <p:sp>
-        <p:nvSpPr>
-          <p:cNvPr id="2" name="Title 1"/>
-          <p:cNvSpPr>
-            <a:spLocks noGrp="1"/>
-          </p:cNvSpPr>
-          <p:nvPr>
-            <p:ph type="title"/>
-          </p:nvPr>
-        </p:nvSpPr>
-        <p:spPr/>
-        <p:txBody>
-          <a:bodyPr/>
-          <a:lstStyle/>
-          <a:p>
-            <a:r>
-              <a:rPr lang="en-ZA" dirty="0" smtClean="0"/>
-              <a:t>The Homework from session </a:t>
-            </a:r>
-            <a:r>
-              <a:rPr lang="en-ZA" dirty="0" smtClean="0"/>
-              <a:t>4</a:t>
-            </a:r>
-            <a:endParaRPr lang="en-ZA" dirty="0"/>
-          </a:p>
-        </p:txBody>
-      </p:sp>
-      <p:sp>
-        <p:nvSpPr>
-          <p:cNvPr id="3" name="Content Placeholder 2"/>
-          <p:cNvSpPr>
-            <a:spLocks noGrp="1"/>
-          </p:cNvSpPr>
-          <p:nvPr>
-            <p:ph idx="1"/>
-          </p:nvPr>
-        </p:nvSpPr>
-        <p:spPr/>
-        <p:txBody>
-          <a:bodyPr/>
-          <a:lstStyle/>
-          <a:p>
-            <a:r>
-              <a:rPr lang="en-ZA" dirty="0" smtClean="0"/>
-              <a:t>See Example</a:t>
-            </a:r>
-            <a:endParaRPr lang="en-ZA" dirty="0"/>
-          </a:p>
-        </p:txBody>
-      </p:sp>
-    </p:spTree>
-    <p:extLst>
-      <p:ext uri="{BB962C8B-B14F-4D97-AF65-F5344CB8AC3E}">
-        <p14:creationId xmlns:p14="http://schemas.microsoft.com/office/powerpoint/2010/main" val="1518874736"/>
-      </p:ext>
-    </p:extLst>
-  </p:cSld>
-  <p:clrMapOvr>
-    <a:masterClrMapping/>
-  </p:clrMapOvr>
-  <p:timing>
-    <p:tnLst>
-      <p:par>
-        <p:cTn id="1" dur="indefinite" restart="never" nodeType="tmRoot"/>
-      </p:par>
-    </p:tnLst>
-  </p:timing>
-</p:sld>
-</file>
-
-<file path=ppt/slides/slide20.xml><?xml version="1.0" encoding="utf-8"?>
+<file path=ppt/slides/slide26.xml><?xml version="1.0" encoding="utf-8"?>
 <p:sld xmlns:a="http://schemas.openxmlformats.org/drawingml/2006/main" xmlns:r="http://schemas.openxmlformats.org/officeDocument/2006/relationships" xmlns:p="http://schemas.openxmlformats.org/presentationml/2006/main">
   <p:cSld>
     <p:spTree>
@@ -7665,7 +8401,7 @@
 </p:sld>
 </file>
 
-<file path=ppt/slides/slide21.xml><?xml version="1.0" encoding="utf-8"?>
+<file path=ppt/slides/slide27.xml><?xml version="1.0" encoding="utf-8"?>
 <p:sld xmlns:a="http://schemas.openxmlformats.org/drawingml/2006/main" xmlns:r="http://schemas.openxmlformats.org/officeDocument/2006/relationships" xmlns:p="http://schemas.openxmlformats.org/presentationml/2006/main">
   <p:cSld>
     <p:spTree>
@@ -7778,7 +8514,7 @@
 </p:sld>
 </file>
 
-<file path=ppt/slides/slide22.xml><?xml version="1.0" encoding="utf-8"?>
+<file path=ppt/slides/slide28.xml><?xml version="1.0" encoding="utf-8"?>
 <p:sld xmlns:a="http://schemas.openxmlformats.org/drawingml/2006/main" xmlns:r="http://schemas.openxmlformats.org/officeDocument/2006/relationships" xmlns:p="http://schemas.openxmlformats.org/presentationml/2006/main">
   <p:cSld>
     <p:spTree>
@@ -7879,7 +8615,7 @@
 </p:sld>
 </file>
 
-<file path=ppt/slides/slide23.xml><?xml version="1.0" encoding="utf-8"?>
+<file path=ppt/slides/slide29.xml><?xml version="1.0" encoding="utf-8"?>
 <p:sld xmlns:a="http://schemas.openxmlformats.org/drawingml/2006/main" xmlns:r="http://schemas.openxmlformats.org/officeDocument/2006/relationships" xmlns:p="http://schemas.openxmlformats.org/presentationml/2006/main">
   <p:cSld>
     <p:spTree>
@@ -7987,7 +8723,124 @@
 </p:sld>
 </file>
 
-<file path=ppt/slides/slide24.xml><?xml version="1.0" encoding="utf-8"?>
+<file path=ppt/slides/slide3.xml><?xml version="1.0" encoding="utf-8"?>
+<p:sld xmlns:a="http://schemas.openxmlformats.org/drawingml/2006/main" xmlns:r="http://schemas.openxmlformats.org/officeDocument/2006/relationships" xmlns:p="http://schemas.openxmlformats.org/presentationml/2006/main">
+  <p:cSld>
+    <p:spTree>
+      <p:nvGrpSpPr>
+        <p:cNvPr id="1" name=""/>
+        <p:cNvGrpSpPr/>
+        <p:nvPr/>
+      </p:nvGrpSpPr>
+      <p:grpSpPr>
+        <a:xfrm>
+          <a:off x="0" y="0"/>
+          <a:ext cx="0" cy="0"/>
+          <a:chOff x="0" y="0"/>
+          <a:chExt cx="0" cy="0"/>
+        </a:xfrm>
+      </p:grpSpPr>
+      <p:sp>
+        <p:nvSpPr>
+          <p:cNvPr id="2" name="Title 1"/>
+          <p:cNvSpPr>
+            <a:spLocks noGrp="1"/>
+          </p:cNvSpPr>
+          <p:nvPr>
+            <p:ph type="title"/>
+          </p:nvPr>
+        </p:nvSpPr>
+        <p:spPr/>
+        <p:txBody>
+          <a:bodyPr/>
+          <a:lstStyle/>
+          <a:p>
+            <a:r>
+              <a:rPr lang="en-ZA" dirty="0" smtClean="0"/>
+              <a:t>Reporting and Information Systems</a:t>
+            </a:r>
+            <a:endParaRPr lang="en-ZA" dirty="0"/>
+          </a:p>
+        </p:txBody>
+      </p:sp>
+      <p:sp>
+        <p:nvSpPr>
+          <p:cNvPr id="3" name="Content Placeholder 2"/>
+          <p:cNvSpPr>
+            <a:spLocks noGrp="1"/>
+          </p:cNvSpPr>
+          <p:nvPr>
+            <p:ph idx="1"/>
+          </p:nvPr>
+        </p:nvSpPr>
+        <p:spPr/>
+        <p:txBody>
+          <a:bodyPr/>
+          <a:lstStyle/>
+          <a:p>
+            <a:pPr>
+              <a:buFont typeface="Arial" panose="020B0604020202020204" pitchFamily="34" charset="0"/>
+              <a:buChar char="•"/>
+            </a:pPr>
+            <a:r>
+              <a:rPr lang="en-ZA" dirty="0" smtClean="0"/>
+              <a:t>A report is any outcome of an information system where the result is interpretable information which has been extrapolated from data.</a:t>
+            </a:r>
+          </a:p>
+          <a:p>
+            <a:pPr>
+              <a:buFont typeface="Arial" panose="020B0604020202020204" pitchFamily="34" charset="0"/>
+              <a:buChar char="•"/>
+            </a:pPr>
+            <a:r>
+              <a:rPr lang="en-ZA" dirty="0" smtClean="0"/>
+              <a:t>Can be a website dashboard</a:t>
+            </a:r>
+          </a:p>
+          <a:p>
+            <a:pPr>
+              <a:buFont typeface="Arial" panose="020B0604020202020204" pitchFamily="34" charset="0"/>
+              <a:buChar char="•"/>
+            </a:pPr>
+            <a:r>
+              <a:rPr lang="en-ZA" dirty="0" smtClean="0"/>
+              <a:t>Can be a form</a:t>
+            </a:r>
+          </a:p>
+          <a:p>
+            <a:pPr>
+              <a:buFont typeface="Arial" panose="020B0604020202020204" pitchFamily="34" charset="0"/>
+              <a:buChar char="•"/>
+            </a:pPr>
+            <a:r>
+              <a:rPr lang="en-ZA" dirty="0" smtClean="0"/>
+              <a:t>Can be a spreadsheet or other document</a:t>
+            </a:r>
+            <a:endParaRPr lang="en-ZA" dirty="0"/>
+          </a:p>
+        </p:txBody>
+      </p:sp>
+    </p:spTree>
+    <p:extLst>
+      <p:ext uri="{BB962C8B-B14F-4D97-AF65-F5344CB8AC3E}">
+        <p14:creationId xmlns:p14="http://schemas.microsoft.com/office/powerpoint/2010/main" val="3551211492"/>
+      </p:ext>
+    </p:extLst>
+  </p:cSld>
+  <p:clrMapOvr>
+    <a:masterClrMapping/>
+  </p:clrMapOvr>
+  <p:timing>
+    <p:tnLst>
+      <p:par>
+        <p:cTn id="1" dur="indefinite" restart="never" nodeType="tmRoot"/>
+      </p:par>
+    </p:tnLst>
+  </p:timing>
+</p:sld>
+</file>
+
+<file path=ppt/slides/slide30.xml><?xml version="1.0" encoding="utf-8"?>
 <p:sld xmlns:a="http://schemas.openxmlformats.org/drawingml/2006/main" xmlns:r="http://schemas.openxmlformats.org/officeDocument/2006/relationships" xmlns:p="http://schemas.openxmlformats.org/presentationml/2006/main">
   <p:cSld>
     <p:spTree>
@@ -8137,7 +8990,7 @@
 </p:sld>
 </file>
 
-<file path=ppt/slides/slide25.xml><?xml version="1.0" encoding="utf-8"?>
+<file path=ppt/slides/slide31.xml><?xml version="1.0" encoding="utf-8"?>
 <p:sld xmlns:a="http://schemas.openxmlformats.org/drawingml/2006/main" xmlns:r="http://schemas.openxmlformats.org/officeDocument/2006/relationships" xmlns:p="http://schemas.openxmlformats.org/presentationml/2006/main">
   <p:cSld>
     <p:spTree>
@@ -8291,7 +9144,7 @@
 </p:sld>
 </file>
 
-<file path=ppt/slides/slide26.xml><?xml version="1.0" encoding="utf-8"?>
+<file path=ppt/slides/slide32.xml><?xml version="1.0" encoding="utf-8"?>
 <p:sld xmlns:a="http://schemas.openxmlformats.org/drawingml/2006/main" xmlns:r="http://schemas.openxmlformats.org/officeDocument/2006/relationships" xmlns:p="http://schemas.openxmlformats.org/presentationml/2006/main">
   <p:cSld>
     <p:spTree>
@@ -8470,7 +9323,7 @@
 </p:sld>
 </file>
 
-<file path=ppt/slides/slide27.xml><?xml version="1.0" encoding="utf-8"?>
+<file path=ppt/slides/slide33.xml><?xml version="1.0" encoding="utf-8"?>
 <p:sld xmlns:a="http://schemas.openxmlformats.org/drawingml/2006/main" xmlns:r="http://schemas.openxmlformats.org/officeDocument/2006/relationships" xmlns:p="http://schemas.openxmlformats.org/presentationml/2006/main">
   <p:cSld>
     <p:spTree>
@@ -8571,1049 +9424,6 @@
 </p:sld>
 </file>
 
-<file path=ppt/slides/slide28.xml><?xml version="1.0" encoding="utf-8"?>
-<p:sld xmlns:a="http://schemas.openxmlformats.org/drawingml/2006/main" xmlns:r="http://schemas.openxmlformats.org/officeDocument/2006/relationships" xmlns:p="http://schemas.openxmlformats.org/presentationml/2006/main">
-  <p:cSld>
-    <p:spTree>
-      <p:nvGrpSpPr>
-        <p:cNvPr id="1" name=""/>
-        <p:cNvGrpSpPr/>
-        <p:nvPr/>
-      </p:nvGrpSpPr>
-      <p:grpSpPr>
-        <a:xfrm>
-          <a:off x="0" y="0"/>
-          <a:ext cx="0" cy="0"/>
-          <a:chOff x="0" y="0"/>
-          <a:chExt cx="0" cy="0"/>
-        </a:xfrm>
-      </p:grpSpPr>
-      <p:sp>
-        <p:nvSpPr>
-          <p:cNvPr id="2" name="Title 1"/>
-          <p:cNvSpPr>
-            <a:spLocks noGrp="1"/>
-          </p:cNvSpPr>
-          <p:nvPr>
-            <p:ph type="title"/>
-          </p:nvPr>
-        </p:nvSpPr>
-        <p:spPr/>
-        <p:txBody>
-          <a:bodyPr/>
-          <a:lstStyle/>
-          <a:p>
-            <a:r>
-              <a:rPr lang="en-ZA" dirty="0" smtClean="0"/>
-              <a:t>What went Wrong?</a:t>
-            </a:r>
-            <a:endParaRPr lang="en-ZA" dirty="0"/>
-          </a:p>
-        </p:txBody>
-      </p:sp>
-      <p:sp>
-        <p:nvSpPr>
-          <p:cNvPr id="3" name="Content Placeholder 2"/>
-          <p:cNvSpPr>
-            <a:spLocks noGrp="1"/>
-          </p:cNvSpPr>
-          <p:nvPr>
-            <p:ph idx="1"/>
-          </p:nvPr>
-        </p:nvSpPr>
-        <p:spPr/>
-        <p:txBody>
-          <a:bodyPr/>
-          <a:lstStyle/>
-          <a:p>
-            <a:pPr>
-              <a:buFont typeface="Arial" panose="020B0604020202020204" pitchFamily="34" charset="0"/>
-              <a:buChar char="•"/>
-            </a:pPr>
-            <a:r>
-              <a:rPr lang="en-ZA" dirty="0" smtClean="0"/>
-              <a:t>Learned intuitiveness </a:t>
-            </a:r>
-            <a:r>
-              <a:rPr lang="en-ZA" dirty="0" err="1" smtClean="0"/>
-              <a:t>vs</a:t>
-            </a:r>
-            <a:r>
-              <a:rPr lang="en-ZA" dirty="0" smtClean="0"/>
-              <a:t> natural intuitiveness</a:t>
-            </a:r>
-          </a:p>
-          <a:p>
-            <a:pPr>
-              <a:buFont typeface="Arial" panose="020B0604020202020204" pitchFamily="34" charset="0"/>
-              <a:buChar char="•"/>
-            </a:pPr>
-            <a:r>
-              <a:rPr lang="en-ZA" dirty="0" smtClean="0"/>
-              <a:t>Microsoft removed convention and “old” consistency</a:t>
-            </a:r>
-          </a:p>
-          <a:p>
-            <a:pPr>
-              <a:buFont typeface="Arial" panose="020B0604020202020204" pitchFamily="34" charset="0"/>
-              <a:buChar char="•"/>
-            </a:pPr>
-            <a:r>
-              <a:rPr lang="en-ZA" dirty="0" smtClean="0"/>
-              <a:t>People panicked</a:t>
-            </a:r>
-            <a:endParaRPr lang="en-ZA" dirty="0"/>
-          </a:p>
-        </p:txBody>
-      </p:sp>
-    </p:spTree>
-    <p:extLst>
-      <p:ext uri="{BB962C8B-B14F-4D97-AF65-F5344CB8AC3E}">
-        <p14:creationId xmlns:p14="http://schemas.microsoft.com/office/powerpoint/2010/main" val="946059531"/>
-      </p:ext>
-    </p:extLst>
-  </p:cSld>
-  <p:clrMapOvr>
-    <a:masterClrMapping/>
-  </p:clrMapOvr>
-  <p:timing>
-    <p:tnLst>
-      <p:par>
-        <p:cTn id="1" dur="indefinite" restart="never" nodeType="tmRoot"/>
-      </p:par>
-    </p:tnLst>
-  </p:timing>
-</p:sld>
-</file>
-
-<file path=ppt/slides/slide29.xml><?xml version="1.0" encoding="utf-8"?>
-<p:sld xmlns:a="http://schemas.openxmlformats.org/drawingml/2006/main" xmlns:r="http://schemas.openxmlformats.org/officeDocument/2006/relationships" xmlns:p="http://schemas.openxmlformats.org/presentationml/2006/main">
-  <p:cSld>
-    <p:spTree>
-      <p:nvGrpSpPr>
-        <p:cNvPr id="1" name=""/>
-        <p:cNvGrpSpPr/>
-        <p:nvPr/>
-      </p:nvGrpSpPr>
-      <p:grpSpPr>
-        <a:xfrm>
-          <a:off x="0" y="0"/>
-          <a:ext cx="0" cy="0"/>
-          <a:chOff x="0" y="0"/>
-          <a:chExt cx="0" cy="0"/>
-        </a:xfrm>
-      </p:grpSpPr>
-      <p:sp>
-        <p:nvSpPr>
-          <p:cNvPr id="2" name="Title 1"/>
-          <p:cNvSpPr>
-            <a:spLocks noGrp="1"/>
-          </p:cNvSpPr>
-          <p:nvPr>
-            <p:ph type="title"/>
-          </p:nvPr>
-        </p:nvSpPr>
-        <p:spPr/>
-        <p:txBody>
-          <a:bodyPr/>
-          <a:lstStyle/>
-          <a:p>
-            <a:r>
-              <a:rPr lang="en-ZA" dirty="0" smtClean="0"/>
-              <a:t>Metro UI Tutorial</a:t>
-            </a:r>
-            <a:endParaRPr lang="en-ZA" dirty="0"/>
-          </a:p>
-        </p:txBody>
-      </p:sp>
-      <p:sp>
-        <p:nvSpPr>
-          <p:cNvPr id="3" name="Content Placeholder 2"/>
-          <p:cNvSpPr>
-            <a:spLocks noGrp="1"/>
-          </p:cNvSpPr>
-          <p:nvPr>
-            <p:ph idx="1"/>
-          </p:nvPr>
-        </p:nvSpPr>
-        <p:spPr/>
-        <p:txBody>
-          <a:bodyPr/>
-          <a:lstStyle/>
-          <a:p>
-            <a:pPr>
-              <a:buFont typeface="Arial" panose="020B0604020202020204" pitchFamily="34" charset="0"/>
-              <a:buChar char="•"/>
-            </a:pPr>
-            <a:r>
-              <a:rPr lang="en-ZA" dirty="0">
-                <a:hlinkClick r:id="rId2"/>
-              </a:rPr>
-              <a:t>http://denricdenise.info/2014/09/how-to-use-winforms-modern-ui</a:t>
-            </a:r>
-            <a:r>
-              <a:rPr lang="en-ZA" dirty="0" smtClean="0">
-                <a:hlinkClick r:id="rId2"/>
-              </a:rPr>
-              <a:t>/</a:t>
-            </a:r>
-            <a:endParaRPr lang="en-ZA" dirty="0" smtClean="0"/>
-          </a:p>
-          <a:p>
-            <a:pPr>
-              <a:buFont typeface="Arial" panose="020B0604020202020204" pitchFamily="34" charset="0"/>
-              <a:buChar char="•"/>
-            </a:pPr>
-            <a:r>
-              <a:rPr lang="en-ZA" dirty="0">
-                <a:hlinkClick r:id="rId3"/>
-              </a:rPr>
-              <a:t>http://thielj.github.io/MetroFramework</a:t>
-            </a:r>
-            <a:r>
-              <a:rPr lang="en-ZA" dirty="0" smtClean="0">
-                <a:hlinkClick r:id="rId3"/>
-              </a:rPr>
-              <a:t>/</a:t>
-            </a:r>
-            <a:endParaRPr lang="en-ZA" dirty="0" smtClean="0"/>
-          </a:p>
-          <a:p>
-            <a:pPr>
-              <a:buFont typeface="Arial" panose="020B0604020202020204" pitchFamily="34" charset="0"/>
-              <a:buChar char="•"/>
-            </a:pPr>
-            <a:endParaRPr lang="en-ZA" dirty="0"/>
-          </a:p>
-          <a:p>
-            <a:pPr marL="0" indent="0"/>
-            <a:r>
-              <a:rPr lang="en-ZA" dirty="0" smtClean="0"/>
-              <a:t>Another Framework</a:t>
-            </a:r>
-          </a:p>
-          <a:p>
-            <a:pPr>
-              <a:buFont typeface="Arial" panose="020B0604020202020204" pitchFamily="34" charset="0"/>
-              <a:buChar char="•"/>
-            </a:pPr>
-            <a:r>
-              <a:rPr lang="en-ZA" dirty="0">
-                <a:hlinkClick r:id="rId4"/>
-              </a:rPr>
-              <a:t>http://mahapps.com</a:t>
-            </a:r>
-            <a:r>
-              <a:rPr lang="en-ZA" dirty="0" smtClean="0">
-                <a:hlinkClick r:id="rId4"/>
-              </a:rPr>
-              <a:t>/</a:t>
-            </a:r>
-            <a:endParaRPr lang="en-ZA" dirty="0" smtClean="0"/>
-          </a:p>
-          <a:p>
-            <a:pPr>
-              <a:buFont typeface="Arial" panose="020B0604020202020204" pitchFamily="34" charset="0"/>
-              <a:buChar char="•"/>
-            </a:pPr>
-            <a:r>
-              <a:rPr lang="en-ZA" dirty="0">
-                <a:hlinkClick r:id="rId5"/>
-              </a:rPr>
-              <a:t>http://</a:t>
-            </a:r>
-            <a:r>
-              <a:rPr lang="en-ZA" dirty="0" smtClean="0">
-                <a:hlinkClick r:id="rId5"/>
-              </a:rPr>
-              <a:t>mahapps.com/guides/quick-start.html</a:t>
-            </a:r>
-            <a:endParaRPr lang="en-ZA" dirty="0" smtClean="0"/>
-          </a:p>
-          <a:p>
-            <a:pPr>
-              <a:buFont typeface="Arial" panose="020B0604020202020204" pitchFamily="34" charset="0"/>
-              <a:buChar char="•"/>
-            </a:pPr>
-            <a:endParaRPr lang="en-ZA" dirty="0" smtClean="0"/>
-          </a:p>
-          <a:p>
-            <a:pPr>
-              <a:buFont typeface="Arial" panose="020B0604020202020204" pitchFamily="34" charset="0"/>
-              <a:buChar char="•"/>
-            </a:pPr>
-            <a:endParaRPr lang="en-ZA" dirty="0" smtClean="0"/>
-          </a:p>
-          <a:p>
-            <a:pPr>
-              <a:buFont typeface="Arial" panose="020B0604020202020204" pitchFamily="34" charset="0"/>
-              <a:buChar char="•"/>
-            </a:pPr>
-            <a:endParaRPr lang="en-ZA" dirty="0"/>
-          </a:p>
-        </p:txBody>
-      </p:sp>
-    </p:spTree>
-    <p:extLst>
-      <p:ext uri="{BB962C8B-B14F-4D97-AF65-F5344CB8AC3E}">
-        <p14:creationId xmlns:p14="http://schemas.microsoft.com/office/powerpoint/2010/main" val="2512861413"/>
-      </p:ext>
-    </p:extLst>
-  </p:cSld>
-  <p:clrMapOvr>
-    <a:masterClrMapping/>
-  </p:clrMapOvr>
-  <p:timing>
-    <p:tnLst>
-      <p:par>
-        <p:cTn id="1" dur="indefinite" restart="never" nodeType="tmRoot"/>
-      </p:par>
-    </p:tnLst>
-  </p:timing>
-</p:sld>
-</file>
-
-<file path=ppt/slides/slide3.xml><?xml version="1.0" encoding="utf-8"?>
-<p:sld xmlns:a="http://schemas.openxmlformats.org/drawingml/2006/main" xmlns:r="http://schemas.openxmlformats.org/officeDocument/2006/relationships" xmlns:p="http://schemas.openxmlformats.org/presentationml/2006/main">
-  <p:cSld>
-    <p:spTree>
-      <p:nvGrpSpPr>
-        <p:cNvPr id="1" name=""/>
-        <p:cNvGrpSpPr/>
-        <p:nvPr/>
-      </p:nvGrpSpPr>
-      <p:grpSpPr>
-        <a:xfrm>
-          <a:off x="0" y="0"/>
-          <a:ext cx="0" cy="0"/>
-          <a:chOff x="0" y="0"/>
-          <a:chExt cx="0" cy="0"/>
-        </a:xfrm>
-      </p:grpSpPr>
-      <p:sp>
-        <p:nvSpPr>
-          <p:cNvPr id="2" name="Title 1"/>
-          <p:cNvSpPr>
-            <a:spLocks noGrp="1"/>
-          </p:cNvSpPr>
-          <p:nvPr>
-            <p:ph type="title"/>
-          </p:nvPr>
-        </p:nvSpPr>
-        <p:spPr/>
-        <p:txBody>
-          <a:bodyPr/>
-          <a:lstStyle/>
-          <a:p>
-            <a:r>
-              <a:rPr lang="en-ZA" dirty="0" smtClean="0"/>
-              <a:t>Reporting and Information Systems</a:t>
-            </a:r>
-            <a:endParaRPr lang="en-ZA" dirty="0"/>
-          </a:p>
-        </p:txBody>
-      </p:sp>
-      <p:sp>
-        <p:nvSpPr>
-          <p:cNvPr id="3" name="Content Placeholder 2"/>
-          <p:cNvSpPr>
-            <a:spLocks noGrp="1"/>
-          </p:cNvSpPr>
-          <p:nvPr>
-            <p:ph idx="1"/>
-          </p:nvPr>
-        </p:nvSpPr>
-        <p:spPr/>
-        <p:txBody>
-          <a:bodyPr/>
-          <a:lstStyle/>
-          <a:p>
-            <a:pPr>
-              <a:buFont typeface="Arial" panose="020B0604020202020204" pitchFamily="34" charset="0"/>
-              <a:buChar char="•"/>
-            </a:pPr>
-            <a:r>
-              <a:rPr lang="en-ZA" dirty="0" smtClean="0"/>
-              <a:t>A report is any outcome of an information system where the result is interpretable information which has been extrapolated from data.</a:t>
-            </a:r>
-          </a:p>
-          <a:p>
-            <a:pPr>
-              <a:buFont typeface="Arial" panose="020B0604020202020204" pitchFamily="34" charset="0"/>
-              <a:buChar char="•"/>
-            </a:pPr>
-            <a:r>
-              <a:rPr lang="en-ZA" dirty="0" smtClean="0"/>
-              <a:t>Can be a website dashboard</a:t>
-            </a:r>
-          </a:p>
-          <a:p>
-            <a:pPr>
-              <a:buFont typeface="Arial" panose="020B0604020202020204" pitchFamily="34" charset="0"/>
-              <a:buChar char="•"/>
-            </a:pPr>
-            <a:r>
-              <a:rPr lang="en-ZA" dirty="0" smtClean="0"/>
-              <a:t>Can be a form</a:t>
-            </a:r>
-          </a:p>
-          <a:p>
-            <a:pPr>
-              <a:buFont typeface="Arial" panose="020B0604020202020204" pitchFamily="34" charset="0"/>
-              <a:buChar char="•"/>
-            </a:pPr>
-            <a:r>
-              <a:rPr lang="en-ZA" dirty="0" smtClean="0"/>
-              <a:t>Can be a spreadsheet or other document</a:t>
-            </a:r>
-            <a:endParaRPr lang="en-ZA" dirty="0"/>
-          </a:p>
-        </p:txBody>
-      </p:sp>
-    </p:spTree>
-    <p:extLst>
-      <p:ext uri="{BB962C8B-B14F-4D97-AF65-F5344CB8AC3E}">
-        <p14:creationId xmlns:p14="http://schemas.microsoft.com/office/powerpoint/2010/main" val="3551211492"/>
-      </p:ext>
-    </p:extLst>
-  </p:cSld>
-  <p:clrMapOvr>
-    <a:masterClrMapping/>
-  </p:clrMapOvr>
-  <p:timing>
-    <p:tnLst>
-      <p:par>
-        <p:cTn id="1" dur="indefinite" restart="never" nodeType="tmRoot"/>
-      </p:par>
-    </p:tnLst>
-  </p:timing>
-</p:sld>
-</file>
-
-<file path=ppt/slides/slide30.xml><?xml version="1.0" encoding="utf-8"?>
-<p:sld xmlns:a="http://schemas.openxmlformats.org/drawingml/2006/main" xmlns:r="http://schemas.openxmlformats.org/officeDocument/2006/relationships" xmlns:p="http://schemas.openxmlformats.org/presentationml/2006/main">
-  <p:cSld>
-    <p:spTree>
-      <p:nvGrpSpPr>
-        <p:cNvPr id="1" name=""/>
-        <p:cNvGrpSpPr/>
-        <p:nvPr/>
-      </p:nvGrpSpPr>
-      <p:grpSpPr>
-        <a:xfrm>
-          <a:off x="0" y="0"/>
-          <a:ext cx="0" cy="0"/>
-          <a:chOff x="0" y="0"/>
-          <a:chExt cx="0" cy="0"/>
-        </a:xfrm>
-      </p:grpSpPr>
-      <p:sp>
-        <p:nvSpPr>
-          <p:cNvPr id="2" name="Title 1"/>
-          <p:cNvSpPr>
-            <a:spLocks noGrp="1"/>
-          </p:cNvSpPr>
-          <p:nvPr>
-            <p:ph type="title"/>
-          </p:nvPr>
-        </p:nvSpPr>
-        <p:spPr/>
-        <p:txBody>
-          <a:bodyPr/>
-          <a:lstStyle/>
-          <a:p>
-            <a:r>
-              <a:rPr lang="en-ZA" dirty="0" smtClean="0"/>
-              <a:t>Metro UI Links</a:t>
-            </a:r>
-            <a:endParaRPr lang="en-ZA" dirty="0"/>
-          </a:p>
-        </p:txBody>
-      </p:sp>
-      <p:sp>
-        <p:nvSpPr>
-          <p:cNvPr id="3" name="Content Placeholder 2"/>
-          <p:cNvSpPr>
-            <a:spLocks noGrp="1"/>
-          </p:cNvSpPr>
-          <p:nvPr>
-            <p:ph idx="1"/>
-          </p:nvPr>
-        </p:nvSpPr>
-        <p:spPr/>
-        <p:txBody>
-          <a:bodyPr/>
-          <a:lstStyle/>
-          <a:p>
-            <a:pPr>
-              <a:buFont typeface="Arial" panose="020B0604020202020204" pitchFamily="34" charset="0"/>
-              <a:buChar char="•"/>
-            </a:pPr>
-            <a:r>
-              <a:rPr lang="en-ZA" dirty="0">
-                <a:hlinkClick r:id="rId2"/>
-              </a:rPr>
-              <a:t>https://msdn.microsoft.com/en-us/library/windows/apps/hh465424.aspx</a:t>
-            </a:r>
-          </a:p>
-          <a:p>
-            <a:pPr>
-              <a:buFont typeface="Arial" panose="020B0604020202020204" pitchFamily="34" charset="0"/>
-              <a:buChar char="•"/>
-            </a:pPr>
-            <a:r>
-              <a:rPr lang="en-ZA" dirty="0" smtClean="0">
-                <a:hlinkClick r:id="rId2"/>
-              </a:rPr>
-              <a:t>https</a:t>
-            </a:r>
-            <a:r>
-              <a:rPr lang="en-ZA" dirty="0">
-                <a:hlinkClick r:id="rId2"/>
-              </a:rPr>
-              <a:t>://en.wikipedia.org/wiki/Metro_(design_language</a:t>
-            </a:r>
-            <a:r>
-              <a:rPr lang="en-ZA" dirty="0" smtClean="0">
-                <a:hlinkClick r:id="rId2"/>
-              </a:rPr>
-              <a:t>)</a:t>
-            </a:r>
-            <a:endParaRPr lang="en-ZA" dirty="0" smtClean="0"/>
-          </a:p>
-          <a:p>
-            <a:pPr>
-              <a:buFont typeface="Arial" panose="020B0604020202020204" pitchFamily="34" charset="0"/>
-              <a:buChar char="•"/>
-            </a:pPr>
-            <a:r>
-              <a:rPr lang="en-ZA" dirty="0">
-                <a:hlinkClick r:id="rId3"/>
-              </a:rPr>
-              <a:t>https://</a:t>
-            </a:r>
-            <a:r>
-              <a:rPr lang="en-ZA" dirty="0" smtClean="0">
-                <a:hlinkClick r:id="rId3"/>
-              </a:rPr>
-              <a:t>dev.windows.com/en-us/design</a:t>
-            </a:r>
-            <a:endParaRPr lang="en-ZA" dirty="0" smtClean="0"/>
-          </a:p>
-          <a:p>
-            <a:pPr>
-              <a:buFont typeface="Arial" panose="020B0604020202020204" pitchFamily="34" charset="0"/>
-              <a:buChar char="•"/>
-            </a:pPr>
-            <a:endParaRPr lang="en-ZA" dirty="0" smtClean="0"/>
-          </a:p>
-          <a:p>
-            <a:pPr>
-              <a:buFont typeface="Arial" panose="020B0604020202020204" pitchFamily="34" charset="0"/>
-              <a:buChar char="•"/>
-            </a:pPr>
-            <a:r>
-              <a:rPr lang="en-ZA" dirty="0">
-                <a:hlinkClick r:id="rId4"/>
-              </a:rPr>
-              <a:t>http://</a:t>
-            </a:r>
-            <a:r>
-              <a:rPr lang="en-ZA" dirty="0" smtClean="0">
-                <a:hlinkClick r:id="rId4"/>
-              </a:rPr>
-              <a:t>www.newyorker.com/business/currency/how-new-yorks-subway-signs-came-to-be</a:t>
-            </a:r>
-            <a:endParaRPr lang="en-ZA" dirty="0" smtClean="0"/>
-          </a:p>
-          <a:p>
-            <a:pPr>
-              <a:buFont typeface="Arial" panose="020B0604020202020204" pitchFamily="34" charset="0"/>
-              <a:buChar char="•"/>
-            </a:pPr>
-            <a:endParaRPr lang="en-ZA" dirty="0"/>
-          </a:p>
-        </p:txBody>
-      </p:sp>
-    </p:spTree>
-    <p:extLst>
-      <p:ext uri="{BB962C8B-B14F-4D97-AF65-F5344CB8AC3E}">
-        <p14:creationId xmlns:p14="http://schemas.microsoft.com/office/powerpoint/2010/main" val="1323944117"/>
-      </p:ext>
-    </p:extLst>
-  </p:cSld>
-  <p:clrMapOvr>
-    <a:masterClrMapping/>
-  </p:clrMapOvr>
-  <p:timing>
-    <p:tnLst>
-      <p:par>
-        <p:cTn id="1" dur="indefinite" restart="never" nodeType="tmRoot"/>
-      </p:par>
-    </p:tnLst>
-  </p:timing>
-</p:sld>
-</file>
-
-<file path=ppt/slides/slide31.xml><?xml version="1.0" encoding="utf-8"?>
-<p:sld xmlns:a="http://schemas.openxmlformats.org/drawingml/2006/main" xmlns:r="http://schemas.openxmlformats.org/officeDocument/2006/relationships" xmlns:p="http://schemas.openxmlformats.org/presentationml/2006/main">
-  <p:cSld>
-    <p:spTree>
-      <p:nvGrpSpPr>
-        <p:cNvPr id="1" name=""/>
-        <p:cNvGrpSpPr/>
-        <p:nvPr/>
-      </p:nvGrpSpPr>
-      <p:grpSpPr>
-        <a:xfrm>
-          <a:off x="0" y="0"/>
-          <a:ext cx="0" cy="0"/>
-          <a:chOff x="0" y="0"/>
-          <a:chExt cx="0" cy="0"/>
-        </a:xfrm>
-      </p:grpSpPr>
-      <p:sp>
-        <p:nvSpPr>
-          <p:cNvPr id="2" name="Title 1"/>
-          <p:cNvSpPr>
-            <a:spLocks noGrp="1"/>
-          </p:cNvSpPr>
-          <p:nvPr>
-            <p:ph type="title"/>
-          </p:nvPr>
-        </p:nvSpPr>
-        <p:spPr/>
-        <p:txBody>
-          <a:bodyPr/>
-          <a:lstStyle/>
-          <a:p>
-            <a:r>
-              <a:rPr lang="en-ZA" dirty="0"/>
-              <a:t>Google Materials Design</a:t>
-            </a:r>
-          </a:p>
-        </p:txBody>
-      </p:sp>
-      <p:sp>
-        <p:nvSpPr>
-          <p:cNvPr id="3" name="Content Placeholder 2"/>
-          <p:cNvSpPr>
-            <a:spLocks noGrp="1"/>
-          </p:cNvSpPr>
-          <p:nvPr>
-            <p:ph idx="1"/>
-          </p:nvPr>
-        </p:nvSpPr>
-        <p:spPr/>
-        <p:txBody>
-          <a:bodyPr/>
-          <a:lstStyle/>
-          <a:p>
-            <a:pPr>
-              <a:buFont typeface="Arial" panose="020B0604020202020204" pitchFamily="34" charset="0"/>
-              <a:buChar char="•"/>
-            </a:pPr>
-            <a:r>
-              <a:rPr lang="en-ZA" dirty="0" smtClean="0"/>
-              <a:t>Similar to </a:t>
-            </a:r>
-            <a:r>
-              <a:rPr lang="en-ZA" dirty="0" err="1" smtClean="0"/>
-              <a:t>MetroUI</a:t>
-            </a:r>
-            <a:endParaRPr lang="en-ZA" dirty="0" smtClean="0"/>
-          </a:p>
-          <a:p>
-            <a:pPr>
-              <a:buFont typeface="Arial" panose="020B0604020202020204" pitchFamily="34" charset="0"/>
-              <a:buChar char="•"/>
-            </a:pPr>
-            <a:r>
-              <a:rPr lang="en-ZA" dirty="0" smtClean="0"/>
-              <a:t>Focuses on the correct focal points</a:t>
-            </a:r>
-          </a:p>
-          <a:p>
-            <a:pPr>
-              <a:buFont typeface="Arial" panose="020B0604020202020204" pitchFamily="34" charset="0"/>
-              <a:buChar char="•"/>
-            </a:pPr>
-            <a:r>
-              <a:rPr lang="en-ZA" dirty="0" smtClean="0"/>
-              <a:t>Is 3D space</a:t>
-            </a:r>
-          </a:p>
-          <a:p>
-            <a:pPr>
-              <a:buFont typeface="Arial" panose="020B0604020202020204" pitchFamily="34" charset="0"/>
-              <a:buChar char="•"/>
-            </a:pPr>
-            <a:r>
-              <a:rPr lang="en-ZA" dirty="0" smtClean="0"/>
-              <a:t>Looks at shadow and colour</a:t>
-            </a:r>
-          </a:p>
-          <a:p>
-            <a:pPr>
-              <a:buFont typeface="Arial" panose="020B0604020202020204" pitchFamily="34" charset="0"/>
-              <a:buChar char="•"/>
-            </a:pPr>
-            <a:r>
-              <a:rPr lang="en-ZA" dirty="0" smtClean="0"/>
-              <a:t>Where Metro and Chrome UI meet</a:t>
-            </a:r>
-          </a:p>
-          <a:p>
-            <a:pPr>
-              <a:buFont typeface="Arial" panose="020B0604020202020204" pitchFamily="34" charset="0"/>
-              <a:buChar char="•"/>
-            </a:pPr>
-            <a:r>
-              <a:rPr lang="en-ZA" dirty="0" smtClean="0"/>
-              <a:t>Interactive elements</a:t>
-            </a:r>
-            <a:endParaRPr lang="en-ZA" dirty="0"/>
-          </a:p>
-          <a:p>
-            <a:pPr marL="0" indent="0"/>
-            <a:r>
-              <a:rPr lang="en-ZA" dirty="0" smtClean="0"/>
-              <a:t>See Examples:</a:t>
-            </a:r>
-            <a:endParaRPr lang="en-ZA" dirty="0"/>
-          </a:p>
-        </p:txBody>
-      </p:sp>
-    </p:spTree>
-    <p:extLst>
-      <p:ext uri="{BB962C8B-B14F-4D97-AF65-F5344CB8AC3E}">
-        <p14:creationId xmlns:p14="http://schemas.microsoft.com/office/powerpoint/2010/main" val="1363303588"/>
-      </p:ext>
-    </p:extLst>
-  </p:cSld>
-  <p:clrMapOvr>
-    <a:masterClrMapping/>
-  </p:clrMapOvr>
-  <p:timing>
-    <p:tnLst>
-      <p:par>
-        <p:cTn id="1" dur="indefinite" restart="never" nodeType="tmRoot"/>
-      </p:par>
-    </p:tnLst>
-  </p:timing>
-</p:sld>
-</file>
-
-<file path=ppt/slides/slide32.xml><?xml version="1.0" encoding="utf-8"?>
-<p:sld xmlns:a="http://schemas.openxmlformats.org/drawingml/2006/main" xmlns:r="http://schemas.openxmlformats.org/officeDocument/2006/relationships" xmlns:p="http://schemas.openxmlformats.org/presentationml/2006/main">
-  <p:cSld>
-    <p:spTree>
-      <p:nvGrpSpPr>
-        <p:cNvPr id="1" name=""/>
-        <p:cNvGrpSpPr/>
-        <p:nvPr/>
-      </p:nvGrpSpPr>
-      <p:grpSpPr>
-        <a:xfrm>
-          <a:off x="0" y="0"/>
-          <a:ext cx="0" cy="0"/>
-          <a:chOff x="0" y="0"/>
-          <a:chExt cx="0" cy="0"/>
-        </a:xfrm>
-      </p:grpSpPr>
-      <p:sp>
-        <p:nvSpPr>
-          <p:cNvPr id="2" name="Title 1"/>
-          <p:cNvSpPr>
-            <a:spLocks noGrp="1"/>
-          </p:cNvSpPr>
-          <p:nvPr>
-            <p:ph type="title"/>
-          </p:nvPr>
-        </p:nvSpPr>
-        <p:spPr/>
-        <p:txBody>
-          <a:bodyPr/>
-          <a:lstStyle/>
-          <a:p>
-            <a:r>
-              <a:rPr lang="en-ZA" dirty="0" smtClean="0"/>
-              <a:t>Google Materials Design</a:t>
-            </a:r>
-            <a:endParaRPr lang="en-ZA" dirty="0"/>
-          </a:p>
-        </p:txBody>
-      </p:sp>
-      <p:sp>
-        <p:nvSpPr>
-          <p:cNvPr id="3" name="Content Placeholder 2"/>
-          <p:cNvSpPr>
-            <a:spLocks noGrp="1"/>
-          </p:cNvSpPr>
-          <p:nvPr>
-            <p:ph idx="1"/>
-          </p:nvPr>
-        </p:nvSpPr>
-        <p:spPr/>
-        <p:txBody>
-          <a:bodyPr>
-            <a:normAutofit lnSpcReduction="10000"/>
-          </a:bodyPr>
-          <a:lstStyle/>
-          <a:p>
-            <a:pPr marL="0" indent="0"/>
-            <a:r>
-              <a:rPr lang="en-ZA" dirty="0"/>
-              <a:t>Guidelines:</a:t>
-            </a:r>
-          </a:p>
-          <a:p>
-            <a:pPr>
-              <a:buFont typeface="Arial" panose="020B0604020202020204" pitchFamily="34" charset="0"/>
-              <a:buChar char="•"/>
-            </a:pPr>
-            <a:r>
-              <a:rPr lang="en-ZA" dirty="0">
-                <a:hlinkClick r:id="rId2"/>
-              </a:rPr>
-              <a:t>https://www.google.com/design/spec/material-design/introduction.html#</a:t>
-            </a:r>
-            <a:endParaRPr lang="en-ZA" dirty="0"/>
-          </a:p>
-          <a:p>
-            <a:pPr>
-              <a:buFont typeface="Arial" panose="020B0604020202020204" pitchFamily="34" charset="0"/>
-              <a:buChar char="•"/>
-            </a:pPr>
-            <a:r>
-              <a:rPr lang="en-ZA" dirty="0">
-                <a:hlinkClick r:id="rId3"/>
-              </a:rPr>
-              <a:t>https://design.google.com</a:t>
-            </a:r>
-            <a:r>
-              <a:rPr lang="en-ZA" dirty="0" smtClean="0">
-                <a:hlinkClick r:id="rId3"/>
-              </a:rPr>
-              <a:t>/</a:t>
-            </a:r>
-            <a:endParaRPr lang="en-ZA" dirty="0" smtClean="0"/>
-          </a:p>
-          <a:p>
-            <a:pPr>
-              <a:buFont typeface="Arial" panose="020B0604020202020204" pitchFamily="34" charset="0"/>
-              <a:buChar char="•"/>
-            </a:pPr>
-            <a:r>
-              <a:rPr lang="en-ZA" dirty="0">
-                <a:hlinkClick r:id="rId4"/>
-              </a:rPr>
-              <a:t>https://</a:t>
-            </a:r>
-            <a:r>
-              <a:rPr lang="en-ZA" dirty="0" smtClean="0">
-                <a:hlinkClick r:id="rId4"/>
-              </a:rPr>
-              <a:t>www.google.com/design/spec/style/color.html</a:t>
-            </a:r>
-            <a:endParaRPr lang="en-ZA" dirty="0"/>
-          </a:p>
-          <a:p>
-            <a:pPr>
-              <a:buFont typeface="Arial" panose="020B0604020202020204" pitchFamily="34" charset="0"/>
-              <a:buChar char="•"/>
-            </a:pPr>
-            <a:r>
-              <a:rPr lang="en-ZA" dirty="0">
-                <a:hlinkClick r:id="rId5"/>
-              </a:rPr>
-              <a:t>http://www.getmdl.io/</a:t>
-            </a:r>
-            <a:endParaRPr lang="en-ZA" dirty="0"/>
-          </a:p>
-          <a:p>
-            <a:r>
-              <a:rPr lang="en-ZA" dirty="0"/>
-              <a:t>Tutorial:</a:t>
-            </a:r>
-          </a:p>
-          <a:p>
-            <a:pPr>
-              <a:buFont typeface="Arial" panose="020B0604020202020204" pitchFamily="34" charset="0"/>
-              <a:buChar char="•"/>
-            </a:pPr>
-            <a:r>
-              <a:rPr lang="en-ZA" dirty="0">
-                <a:hlinkClick r:id="rId6"/>
-              </a:rPr>
-              <a:t>http://materialdesigninxaml.net</a:t>
-            </a:r>
-            <a:r>
-              <a:rPr lang="en-ZA" dirty="0" smtClean="0">
-                <a:hlinkClick r:id="rId6"/>
-              </a:rPr>
-              <a:t>/</a:t>
-            </a:r>
-            <a:endParaRPr lang="en-ZA" dirty="0" smtClean="0"/>
-          </a:p>
-          <a:p>
-            <a:pPr>
-              <a:buFont typeface="Arial" panose="020B0604020202020204" pitchFamily="34" charset="0"/>
-              <a:buChar char="•"/>
-            </a:pPr>
-            <a:r>
-              <a:rPr lang="en-ZA" dirty="0" smtClean="0">
-                <a:hlinkClick r:id="rId7"/>
-              </a:rPr>
-              <a:t>https</a:t>
-            </a:r>
-            <a:r>
-              <a:rPr lang="en-ZA" dirty="0">
-                <a:hlinkClick r:id="rId7"/>
-              </a:rPr>
-              <a:t>://github.com/ButchersBoy/MaterialDesignInXamlToolkit/</a:t>
-            </a:r>
-            <a:endParaRPr lang="en-ZA" dirty="0"/>
-          </a:p>
-          <a:p>
-            <a:pPr>
-              <a:buFont typeface="Arial" panose="020B0604020202020204" pitchFamily="34" charset="0"/>
-              <a:buChar char="•"/>
-            </a:pPr>
-            <a:r>
-              <a:rPr lang="en-ZA" dirty="0">
-                <a:hlinkClick r:id="rId8"/>
-              </a:rPr>
-              <a:t>http://www.c-sharpcorner.com/UploadFile/c7830b/material-design-themed-timepicker-and-clock-controls-for-wpf/</a:t>
-            </a:r>
-            <a:endParaRPr lang="en-ZA" dirty="0"/>
-          </a:p>
-          <a:p>
-            <a:pPr>
-              <a:buFont typeface="Arial" panose="020B0604020202020204" pitchFamily="34" charset="0"/>
-              <a:buChar char="•"/>
-            </a:pPr>
-            <a:endParaRPr lang="en-ZA" dirty="0"/>
-          </a:p>
-        </p:txBody>
-      </p:sp>
-    </p:spTree>
-    <p:extLst>
-      <p:ext uri="{BB962C8B-B14F-4D97-AF65-F5344CB8AC3E}">
-        <p14:creationId xmlns:p14="http://schemas.microsoft.com/office/powerpoint/2010/main" val="2634096932"/>
-      </p:ext>
-    </p:extLst>
-  </p:cSld>
-  <p:clrMapOvr>
-    <a:masterClrMapping/>
-  </p:clrMapOvr>
-  <p:timing>
-    <p:tnLst>
-      <p:par>
-        <p:cTn id="1" dur="indefinite" restart="never" nodeType="tmRoot"/>
-      </p:par>
-    </p:tnLst>
-  </p:timing>
-</p:sld>
-</file>
-
-<file path=ppt/slides/slide33.xml><?xml version="1.0" encoding="utf-8"?>
-<p:sld xmlns:a="http://schemas.openxmlformats.org/drawingml/2006/main" xmlns:r="http://schemas.openxmlformats.org/officeDocument/2006/relationships" xmlns:p="http://schemas.openxmlformats.org/presentationml/2006/main">
-  <p:cSld>
-    <p:spTree>
-      <p:nvGrpSpPr>
-        <p:cNvPr id="1" name=""/>
-        <p:cNvGrpSpPr/>
-        <p:nvPr/>
-      </p:nvGrpSpPr>
-      <p:grpSpPr>
-        <a:xfrm>
-          <a:off x="0" y="0"/>
-          <a:ext cx="0" cy="0"/>
-          <a:chOff x="0" y="0"/>
-          <a:chExt cx="0" cy="0"/>
-        </a:xfrm>
-      </p:grpSpPr>
-      <p:sp>
-        <p:nvSpPr>
-          <p:cNvPr id="2" name="Title 1"/>
-          <p:cNvSpPr>
-            <a:spLocks noGrp="1"/>
-          </p:cNvSpPr>
-          <p:nvPr>
-            <p:ph type="title"/>
-          </p:nvPr>
-        </p:nvSpPr>
-        <p:spPr/>
-        <p:txBody>
-          <a:bodyPr/>
-          <a:lstStyle/>
-          <a:p>
-            <a:r>
-              <a:rPr lang="en-ZA" dirty="0" smtClean="0"/>
-              <a:t>Chrome / Apple Design</a:t>
-            </a:r>
-            <a:endParaRPr lang="en-ZA" dirty="0"/>
-          </a:p>
-        </p:txBody>
-      </p:sp>
-      <p:sp>
-        <p:nvSpPr>
-          <p:cNvPr id="3" name="Content Placeholder 2"/>
-          <p:cNvSpPr>
-            <a:spLocks noGrp="1"/>
-          </p:cNvSpPr>
-          <p:nvPr>
-            <p:ph idx="1"/>
-          </p:nvPr>
-        </p:nvSpPr>
-        <p:spPr/>
-        <p:txBody>
-          <a:bodyPr/>
-          <a:lstStyle/>
-          <a:p>
-            <a:pPr>
-              <a:buFont typeface="Arial" panose="020B0604020202020204" pitchFamily="34" charset="0"/>
-              <a:buChar char="•"/>
-            </a:pPr>
-            <a:r>
-              <a:rPr lang="en-ZA" dirty="0" smtClean="0"/>
-              <a:t>Original one which others take ideas from</a:t>
-            </a:r>
-          </a:p>
-          <a:p>
-            <a:pPr>
-              <a:buFont typeface="Arial" panose="020B0604020202020204" pitchFamily="34" charset="0"/>
-              <a:buChar char="•"/>
-            </a:pPr>
-            <a:r>
-              <a:rPr lang="en-ZA" dirty="0" smtClean="0"/>
-              <a:t>Tried to improve on “old school” Windows design</a:t>
-            </a:r>
-            <a:endParaRPr lang="en-ZA" dirty="0"/>
-          </a:p>
-        </p:txBody>
-      </p:sp>
-    </p:spTree>
-    <p:extLst>
-      <p:ext uri="{BB962C8B-B14F-4D97-AF65-F5344CB8AC3E}">
-        <p14:creationId xmlns:p14="http://schemas.microsoft.com/office/powerpoint/2010/main" val="1960221591"/>
-      </p:ext>
-    </p:extLst>
-  </p:cSld>
-  <p:clrMapOvr>
-    <a:masterClrMapping/>
-  </p:clrMapOvr>
-  <p:timing>
-    <p:tnLst>
-      <p:par>
-        <p:cTn id="1" dur="indefinite" restart="never" nodeType="tmRoot"/>
-      </p:par>
-    </p:tnLst>
-  </p:timing>
-</p:sld>
-</file>
-
 <file path=ppt/slides/slide34.xml><?xml version="1.0" encoding="utf-8"?>
 <p:sld xmlns:a="http://schemas.openxmlformats.org/drawingml/2006/main" xmlns:r="http://schemas.openxmlformats.org/officeDocument/2006/relationships" xmlns:p="http://schemas.openxmlformats.org/presentationml/2006/main">
   <p:cSld>
@@ -9648,7 +9458,7 @@
           <a:p>
             <a:r>
               <a:rPr lang="en-ZA" dirty="0" smtClean="0"/>
-              <a:t>Chrome Principles</a:t>
+              <a:t>What went Wrong?</a:t>
             </a:r>
             <a:endParaRPr lang="en-ZA" dirty="0"/>
           </a:p>
@@ -9674,12 +9484,16 @@
               <a:buChar char="•"/>
             </a:pPr>
             <a:r>
-              <a:rPr lang="en-ZA" dirty="0"/>
-              <a:t>Aesthetic </a:t>
-            </a:r>
-            <a:r>
-              <a:rPr lang="en-ZA" dirty="0" smtClean="0"/>
-              <a:t>Integrity</a:t>
+              <a:rPr lang="en-ZA" dirty="0" smtClean="0"/>
+              <a:t>Learned intuitiveness </a:t>
+            </a:r>
+            <a:r>
+              <a:rPr lang="en-ZA" dirty="0" err="1" smtClean="0"/>
+              <a:t>vs</a:t>
+            </a:r>
+            <a:r>
+              <a:rPr lang="en-ZA" dirty="0" smtClean="0"/>
+              <a:t> natural intuitiveness</a:t>
             </a:r>
           </a:p>
           <a:p>
@@ -9689,9 +9503,8 @@
             </a:pPr>
             <a:r>
               <a:rPr lang="en-ZA" dirty="0" smtClean="0"/>
-              <a:t>Consistency</a:t>
-            </a:r>
-            <a:endParaRPr lang="en-ZA" dirty="0"/>
+              <a:t>Microsoft removed convention and “old” consistency</a:t>
+            </a:r>
           </a:p>
           <a:p>
             <a:pPr>
@@ -9699,43 +9512,8 @@
               <a:buChar char="•"/>
             </a:pPr>
             <a:r>
-              <a:rPr lang="en-ZA" dirty="0"/>
-              <a:t>Direct </a:t>
-            </a:r>
-            <a:r>
-              <a:rPr lang="en-ZA" dirty="0" smtClean="0"/>
-              <a:t>Manipulation</a:t>
-            </a:r>
-            <a:endParaRPr lang="en-ZA" dirty="0"/>
-          </a:p>
-          <a:p>
-            <a:pPr>
-              <a:buFont typeface="Arial" panose="020B0604020202020204" pitchFamily="34" charset="0"/>
-              <a:buChar char="•"/>
-            </a:pPr>
-            <a:r>
-              <a:rPr lang="en-ZA" dirty="0" smtClean="0"/>
-              <a:t>Feedback</a:t>
-            </a:r>
-          </a:p>
-          <a:p>
-            <a:pPr>
-              <a:buFont typeface="Arial" panose="020B0604020202020204" pitchFamily="34" charset="0"/>
-              <a:buChar char="•"/>
-            </a:pPr>
-            <a:r>
-              <a:rPr lang="en-ZA" dirty="0" smtClean="0"/>
-              <a:t>UI Metaphors</a:t>
-            </a:r>
-          </a:p>
-          <a:p>
-            <a:pPr>
-              <a:buFont typeface="Arial" panose="020B0604020202020204" pitchFamily="34" charset="0"/>
-              <a:buChar char="•"/>
-            </a:pPr>
-            <a:r>
-              <a:rPr lang="en-ZA" dirty="0" smtClean="0"/>
-              <a:t>User driven control</a:t>
+              <a:rPr lang="en-ZA" dirty="0" smtClean="0"/>
+              <a:t>People panicked</a:t>
             </a:r>
             <a:endParaRPr lang="en-ZA" dirty="0"/>
           </a:p>
@@ -9744,7 +9522,7 @@
     </p:spTree>
     <p:extLst>
       <p:ext uri="{BB962C8B-B14F-4D97-AF65-F5344CB8AC3E}">
-        <p14:creationId xmlns:p14="http://schemas.microsoft.com/office/powerpoint/2010/main" val="1356450910"/>
+        <p14:creationId xmlns:p14="http://schemas.microsoft.com/office/powerpoint/2010/main" val="946059531"/>
       </p:ext>
     </p:extLst>
   </p:cSld>
@@ -9795,7 +9573,7 @@
           <a:p>
             <a:r>
               <a:rPr lang="en-ZA" dirty="0" smtClean="0"/>
-              <a:t>Chrome Design</a:t>
+              <a:t>Metro UI Tutorial</a:t>
             </a:r>
             <a:endParaRPr lang="en-ZA" dirty="0"/>
           </a:p>
@@ -9816,36 +9594,34 @@
           <a:bodyPr/>
           <a:lstStyle/>
           <a:p>
-            <a:r>
-              <a:rPr lang="en-ZA" dirty="0"/>
-              <a:t>See principles: </a:t>
-            </a:r>
+            <a:pPr>
+              <a:buFont typeface="Arial" panose="020B0604020202020204" pitchFamily="34" charset="0"/>
+              <a:buChar char="•"/>
+            </a:pPr>
             <a:r>
               <a:rPr lang="en-ZA" dirty="0">
                 <a:hlinkClick r:id="rId2"/>
               </a:rPr>
-              <a:t>https://</a:t>
+              <a:t>http://denricdenise.info/2014/09/how-to-use-winforms-modern-ui</a:t>
             </a:r>
             <a:r>
               <a:rPr lang="en-ZA" dirty="0" smtClean="0">
                 <a:hlinkClick r:id="rId2"/>
               </a:rPr>
-              <a:t>developer.apple.com/library/ios/documentation/UserExperience/Conceptual/MobileHIG/Principles.html</a:t>
+              <a:t>/</a:t>
             </a:r>
             <a:endParaRPr lang="en-ZA" dirty="0" smtClean="0"/>
           </a:p>
           <a:p>
-            <a:r>
-              <a:rPr lang="en-ZA" dirty="0" smtClean="0"/>
-              <a:t>OSX:</a:t>
-            </a:r>
-          </a:p>
-          <a:p>
+            <a:pPr>
+              <a:buFont typeface="Arial" panose="020B0604020202020204" pitchFamily="34" charset="0"/>
+              <a:buChar char="•"/>
+            </a:pPr>
             <a:r>
               <a:rPr lang="en-ZA" dirty="0">
                 <a:hlinkClick r:id="rId3"/>
               </a:rPr>
-              <a:t>https://developer.apple.com/library/mac/documentation/UserExperience/Conceptual/OSXHIGuidelines</a:t>
+              <a:t>http://thielj.github.io/MetroFramework</a:t>
             </a:r>
             <a:r>
               <a:rPr lang="en-ZA" dirty="0" smtClean="0">
@@ -9856,6 +9632,76 @@
             <a:endParaRPr lang="en-ZA" dirty="0" smtClean="0"/>
           </a:p>
           <a:p>
+            <a:pPr>
+              <a:buFont typeface="Arial" panose="020B0604020202020204" pitchFamily="34" charset="0"/>
+              <a:buChar char="•"/>
+            </a:pPr>
+            <a:endParaRPr lang="en-ZA" dirty="0"/>
+          </a:p>
+          <a:p>
+            <a:pPr marL="0" indent="0"/>
+            <a:r>
+              <a:rPr lang="en-ZA" dirty="0" smtClean="0"/>
+              <a:t>Another Framework</a:t>
+            </a:r>
+          </a:p>
+          <a:p>
+            <a:pPr>
+              <a:buFont typeface="Arial" panose="020B0604020202020204" pitchFamily="34" charset="0"/>
+              <a:buChar char="•"/>
+            </a:pPr>
+            <a:r>
+              <a:rPr lang="en-ZA" dirty="0">
+                <a:hlinkClick r:id="rId4"/>
+              </a:rPr>
+              <a:t>http://mahapps.com</a:t>
+            </a:r>
+            <a:r>
+              <a:rPr lang="en-ZA" dirty="0" smtClean="0">
+                <a:hlinkClick r:id="rId4"/>
+              </a:rPr>
+              <a:t>/</a:t>
+            </a:r>
+            <a:endParaRPr lang="en-ZA" dirty="0" smtClean="0"/>
+          </a:p>
+          <a:p>
+            <a:pPr>
+              <a:buFont typeface="Arial" panose="020B0604020202020204" pitchFamily="34" charset="0"/>
+              <a:buChar char="•"/>
+            </a:pPr>
+            <a:r>
+              <a:rPr lang="en-ZA" dirty="0">
+                <a:hlinkClick r:id="rId5"/>
+              </a:rPr>
+              <a:t>http://</a:t>
+            </a:r>
+            <a:r>
+              <a:rPr lang="en-ZA" dirty="0" smtClean="0">
+                <a:hlinkClick r:id="rId5"/>
+              </a:rPr>
+              <a:t>mahapps.com/guides/quick-start.html</a:t>
+            </a:r>
+            <a:endParaRPr lang="en-ZA" dirty="0" smtClean="0"/>
+          </a:p>
+          <a:p>
+            <a:pPr>
+              <a:buFont typeface="Arial" panose="020B0604020202020204" pitchFamily="34" charset="0"/>
+              <a:buChar char="•"/>
+            </a:pPr>
+            <a:endParaRPr lang="en-ZA" dirty="0" smtClean="0"/>
+          </a:p>
+          <a:p>
+            <a:pPr>
+              <a:buFont typeface="Arial" panose="020B0604020202020204" pitchFamily="34" charset="0"/>
+              <a:buChar char="•"/>
+            </a:pPr>
+            <a:endParaRPr lang="en-ZA" dirty="0" smtClean="0"/>
+          </a:p>
+          <a:p>
+            <a:pPr>
+              <a:buFont typeface="Arial" panose="020B0604020202020204" pitchFamily="34" charset="0"/>
+              <a:buChar char="•"/>
+            </a:pPr>
             <a:endParaRPr lang="en-ZA" dirty="0"/>
           </a:p>
         </p:txBody>
@@ -9863,7 +9709,7 @@
     </p:spTree>
     <p:extLst>
       <p:ext uri="{BB962C8B-B14F-4D97-AF65-F5344CB8AC3E}">
-        <p14:creationId xmlns:p14="http://schemas.microsoft.com/office/powerpoint/2010/main" val="2166421590"/>
+        <p14:creationId xmlns:p14="http://schemas.microsoft.com/office/powerpoint/2010/main" val="2512861413"/>
       </p:ext>
     </p:extLst>
   </p:cSld>
@@ -9914,7 +9760,7 @@
           <a:p>
             <a:r>
               <a:rPr lang="en-ZA" dirty="0" smtClean="0"/>
-              <a:t>Web Design</a:t>
+              <a:t>Metro UI Links</a:t>
             </a:r>
             <a:endParaRPr lang="en-ZA" dirty="0"/>
           </a:p>
@@ -9940,8 +9786,10 @@
               <a:buChar char="•"/>
             </a:pPr>
             <a:r>
-              <a:rPr lang="en-ZA" dirty="0" smtClean="0"/>
-              <a:t>Takes on similar design principles of the desktop</a:t>
+              <a:rPr lang="en-ZA" dirty="0">
+                <a:hlinkClick r:id="rId2"/>
+              </a:rPr>
+              <a:t>https://msdn.microsoft.com/en-us/library/windows/apps/hh465424.aspx</a:t>
             </a:r>
           </a:p>
           <a:p>
@@ -9950,9 +9798,24 @@
               <a:buChar char="•"/>
             </a:pPr>
             <a:r>
-              <a:rPr lang="en-ZA" dirty="0" smtClean="0"/>
-              <a:t>Uses web technologies to achieve this</a:t>
-            </a:r>
+              <a:rPr lang="en-ZA" dirty="0" smtClean="0">
+                <a:hlinkClick r:id="rId2"/>
+              </a:rPr>
+              <a:t>https</a:t>
+            </a:r>
+            <a:r>
+              <a:rPr lang="en-ZA" dirty="0">
+                <a:hlinkClick r:id="rId2"/>
+              </a:rPr>
+              <a:t>://en.wikipedia.org/wiki/Metro_(design_language</a:t>
+            </a:r>
+            <a:r>
+              <a:rPr lang="en-ZA" dirty="0" smtClean="0">
+                <a:hlinkClick r:id="rId2"/>
+              </a:rPr>
+              <a:t>)</a:t>
+            </a:r>
+            <a:endParaRPr lang="en-ZA" dirty="0" smtClean="0"/>
           </a:p>
           <a:p>
             <a:pPr>
@@ -9960,9 +9823,50 @@
               <a:buChar char="•"/>
             </a:pPr>
             <a:r>
-              <a:rPr lang="en-ZA" dirty="0" smtClean="0"/>
-              <a:t>Lots of animations</a:t>
-            </a:r>
+              <a:rPr lang="en-ZA" dirty="0">
+                <a:hlinkClick r:id="rId3"/>
+              </a:rPr>
+              <a:t>https://</a:t>
+            </a:r>
+            <a:r>
+              <a:rPr lang="en-ZA" dirty="0" smtClean="0">
+                <a:hlinkClick r:id="rId3"/>
+              </a:rPr>
+              <a:t>dev.windows.com/en-us/design</a:t>
+            </a:r>
+            <a:endParaRPr lang="en-ZA" dirty="0" smtClean="0"/>
+          </a:p>
+          <a:p>
+            <a:pPr>
+              <a:buFont typeface="Arial" panose="020B0604020202020204" pitchFamily="34" charset="0"/>
+              <a:buChar char="•"/>
+            </a:pPr>
+            <a:endParaRPr lang="en-ZA" dirty="0" smtClean="0"/>
+          </a:p>
+          <a:p>
+            <a:pPr>
+              <a:buFont typeface="Arial" panose="020B0604020202020204" pitchFamily="34" charset="0"/>
+              <a:buChar char="•"/>
+            </a:pPr>
+            <a:r>
+              <a:rPr lang="en-ZA" dirty="0">
+                <a:hlinkClick r:id="rId4"/>
+              </a:rPr>
+              <a:t>http://</a:t>
+            </a:r>
+            <a:r>
+              <a:rPr lang="en-ZA" dirty="0" smtClean="0">
+                <a:hlinkClick r:id="rId4"/>
+              </a:rPr>
+              <a:t>www.newyorker.com/business/currency/how-new-yorks-subway-signs-came-to-be</a:t>
+            </a:r>
+            <a:endParaRPr lang="en-ZA" dirty="0" smtClean="0"/>
+          </a:p>
+          <a:p>
+            <a:pPr>
+              <a:buFont typeface="Arial" panose="020B0604020202020204" pitchFamily="34" charset="0"/>
+              <a:buChar char="•"/>
+            </a:pPr>
             <a:endParaRPr lang="en-ZA" dirty="0"/>
           </a:p>
         </p:txBody>
@@ -9970,7 +9874,7 @@
     </p:spTree>
     <p:extLst>
       <p:ext uri="{BB962C8B-B14F-4D97-AF65-F5344CB8AC3E}">
-        <p14:creationId xmlns:p14="http://schemas.microsoft.com/office/powerpoint/2010/main" val="3553760989"/>
+        <p14:creationId xmlns:p14="http://schemas.microsoft.com/office/powerpoint/2010/main" val="1323944117"/>
       </p:ext>
     </p:extLst>
   </p:cSld>
@@ -10020,6 +9924,982 @@
           <a:lstStyle/>
           <a:p>
             <a:r>
+              <a:rPr lang="en-ZA" dirty="0"/>
+              <a:t>Google Materials Design</a:t>
+            </a:r>
+          </a:p>
+        </p:txBody>
+      </p:sp>
+      <p:sp>
+        <p:nvSpPr>
+          <p:cNvPr id="3" name="Content Placeholder 2"/>
+          <p:cNvSpPr>
+            <a:spLocks noGrp="1"/>
+          </p:cNvSpPr>
+          <p:nvPr>
+            <p:ph idx="1"/>
+          </p:nvPr>
+        </p:nvSpPr>
+        <p:spPr/>
+        <p:txBody>
+          <a:bodyPr/>
+          <a:lstStyle/>
+          <a:p>
+            <a:pPr>
+              <a:buFont typeface="Arial" panose="020B0604020202020204" pitchFamily="34" charset="0"/>
+              <a:buChar char="•"/>
+            </a:pPr>
+            <a:r>
+              <a:rPr lang="en-ZA" dirty="0" smtClean="0"/>
+              <a:t>Similar to </a:t>
+            </a:r>
+            <a:r>
+              <a:rPr lang="en-ZA" dirty="0" err="1" smtClean="0"/>
+              <a:t>MetroUI</a:t>
+            </a:r>
+            <a:endParaRPr lang="en-ZA" dirty="0" smtClean="0"/>
+          </a:p>
+          <a:p>
+            <a:pPr>
+              <a:buFont typeface="Arial" panose="020B0604020202020204" pitchFamily="34" charset="0"/>
+              <a:buChar char="•"/>
+            </a:pPr>
+            <a:r>
+              <a:rPr lang="en-ZA" dirty="0" smtClean="0"/>
+              <a:t>Focuses on the correct focal points</a:t>
+            </a:r>
+          </a:p>
+          <a:p>
+            <a:pPr>
+              <a:buFont typeface="Arial" panose="020B0604020202020204" pitchFamily="34" charset="0"/>
+              <a:buChar char="•"/>
+            </a:pPr>
+            <a:r>
+              <a:rPr lang="en-ZA" dirty="0" smtClean="0"/>
+              <a:t>Is 3D space</a:t>
+            </a:r>
+          </a:p>
+          <a:p>
+            <a:pPr>
+              <a:buFont typeface="Arial" panose="020B0604020202020204" pitchFamily="34" charset="0"/>
+              <a:buChar char="•"/>
+            </a:pPr>
+            <a:r>
+              <a:rPr lang="en-ZA" dirty="0" smtClean="0"/>
+              <a:t>Looks at shadow and colour</a:t>
+            </a:r>
+          </a:p>
+          <a:p>
+            <a:pPr>
+              <a:buFont typeface="Arial" panose="020B0604020202020204" pitchFamily="34" charset="0"/>
+              <a:buChar char="•"/>
+            </a:pPr>
+            <a:r>
+              <a:rPr lang="en-ZA" dirty="0" smtClean="0"/>
+              <a:t>Where Metro and Chrome UI meet</a:t>
+            </a:r>
+          </a:p>
+          <a:p>
+            <a:pPr>
+              <a:buFont typeface="Arial" panose="020B0604020202020204" pitchFamily="34" charset="0"/>
+              <a:buChar char="•"/>
+            </a:pPr>
+            <a:r>
+              <a:rPr lang="en-ZA" dirty="0" smtClean="0"/>
+              <a:t>Interactive elements</a:t>
+            </a:r>
+            <a:endParaRPr lang="en-ZA" dirty="0"/>
+          </a:p>
+          <a:p>
+            <a:pPr marL="0" indent="0"/>
+            <a:r>
+              <a:rPr lang="en-ZA" dirty="0" smtClean="0"/>
+              <a:t>See Examples:</a:t>
+            </a:r>
+            <a:endParaRPr lang="en-ZA" dirty="0"/>
+          </a:p>
+        </p:txBody>
+      </p:sp>
+    </p:spTree>
+    <p:extLst>
+      <p:ext uri="{BB962C8B-B14F-4D97-AF65-F5344CB8AC3E}">
+        <p14:creationId xmlns:p14="http://schemas.microsoft.com/office/powerpoint/2010/main" val="1363303588"/>
+      </p:ext>
+    </p:extLst>
+  </p:cSld>
+  <p:clrMapOvr>
+    <a:masterClrMapping/>
+  </p:clrMapOvr>
+  <p:timing>
+    <p:tnLst>
+      <p:par>
+        <p:cTn id="1" dur="indefinite" restart="never" nodeType="tmRoot"/>
+      </p:par>
+    </p:tnLst>
+  </p:timing>
+</p:sld>
+</file>
+
+<file path=ppt/slides/slide38.xml><?xml version="1.0" encoding="utf-8"?>
+<p:sld xmlns:a="http://schemas.openxmlformats.org/drawingml/2006/main" xmlns:r="http://schemas.openxmlformats.org/officeDocument/2006/relationships" xmlns:p="http://schemas.openxmlformats.org/presentationml/2006/main">
+  <p:cSld>
+    <p:spTree>
+      <p:nvGrpSpPr>
+        <p:cNvPr id="1" name=""/>
+        <p:cNvGrpSpPr/>
+        <p:nvPr/>
+      </p:nvGrpSpPr>
+      <p:grpSpPr>
+        <a:xfrm>
+          <a:off x="0" y="0"/>
+          <a:ext cx="0" cy="0"/>
+          <a:chOff x="0" y="0"/>
+          <a:chExt cx="0" cy="0"/>
+        </a:xfrm>
+      </p:grpSpPr>
+      <p:sp>
+        <p:nvSpPr>
+          <p:cNvPr id="2" name="Title 1"/>
+          <p:cNvSpPr>
+            <a:spLocks noGrp="1"/>
+          </p:cNvSpPr>
+          <p:nvPr>
+            <p:ph type="title"/>
+          </p:nvPr>
+        </p:nvSpPr>
+        <p:spPr/>
+        <p:txBody>
+          <a:bodyPr/>
+          <a:lstStyle/>
+          <a:p>
+            <a:r>
+              <a:rPr lang="en-ZA" dirty="0" smtClean="0"/>
+              <a:t>Google Materials Design</a:t>
+            </a:r>
+            <a:endParaRPr lang="en-ZA" dirty="0"/>
+          </a:p>
+        </p:txBody>
+      </p:sp>
+      <p:sp>
+        <p:nvSpPr>
+          <p:cNvPr id="3" name="Content Placeholder 2"/>
+          <p:cNvSpPr>
+            <a:spLocks noGrp="1"/>
+          </p:cNvSpPr>
+          <p:nvPr>
+            <p:ph idx="1"/>
+          </p:nvPr>
+        </p:nvSpPr>
+        <p:spPr/>
+        <p:txBody>
+          <a:bodyPr>
+            <a:normAutofit lnSpcReduction="10000"/>
+          </a:bodyPr>
+          <a:lstStyle/>
+          <a:p>
+            <a:pPr marL="0" indent="0"/>
+            <a:r>
+              <a:rPr lang="en-ZA" dirty="0"/>
+              <a:t>Guidelines:</a:t>
+            </a:r>
+          </a:p>
+          <a:p>
+            <a:pPr>
+              <a:buFont typeface="Arial" panose="020B0604020202020204" pitchFamily="34" charset="0"/>
+              <a:buChar char="•"/>
+            </a:pPr>
+            <a:r>
+              <a:rPr lang="en-ZA" dirty="0">
+                <a:hlinkClick r:id="rId2"/>
+              </a:rPr>
+              <a:t>https://www.google.com/design/spec/material-design/introduction.html#</a:t>
+            </a:r>
+            <a:endParaRPr lang="en-ZA" dirty="0"/>
+          </a:p>
+          <a:p>
+            <a:pPr>
+              <a:buFont typeface="Arial" panose="020B0604020202020204" pitchFamily="34" charset="0"/>
+              <a:buChar char="•"/>
+            </a:pPr>
+            <a:r>
+              <a:rPr lang="en-ZA" dirty="0">
+                <a:hlinkClick r:id="rId3"/>
+              </a:rPr>
+              <a:t>https://design.google.com</a:t>
+            </a:r>
+            <a:r>
+              <a:rPr lang="en-ZA" dirty="0" smtClean="0">
+                <a:hlinkClick r:id="rId3"/>
+              </a:rPr>
+              <a:t>/</a:t>
+            </a:r>
+            <a:endParaRPr lang="en-ZA" dirty="0" smtClean="0"/>
+          </a:p>
+          <a:p>
+            <a:pPr>
+              <a:buFont typeface="Arial" panose="020B0604020202020204" pitchFamily="34" charset="0"/>
+              <a:buChar char="•"/>
+            </a:pPr>
+            <a:r>
+              <a:rPr lang="en-ZA" dirty="0">
+                <a:hlinkClick r:id="rId4"/>
+              </a:rPr>
+              <a:t>https://</a:t>
+            </a:r>
+            <a:r>
+              <a:rPr lang="en-ZA" dirty="0" smtClean="0">
+                <a:hlinkClick r:id="rId4"/>
+              </a:rPr>
+              <a:t>www.google.com/design/spec/style/color.html</a:t>
+            </a:r>
+            <a:endParaRPr lang="en-ZA" dirty="0"/>
+          </a:p>
+          <a:p>
+            <a:pPr>
+              <a:buFont typeface="Arial" panose="020B0604020202020204" pitchFamily="34" charset="0"/>
+              <a:buChar char="•"/>
+            </a:pPr>
+            <a:r>
+              <a:rPr lang="en-ZA" dirty="0">
+                <a:hlinkClick r:id="rId5"/>
+              </a:rPr>
+              <a:t>http://www.getmdl.io/</a:t>
+            </a:r>
+            <a:endParaRPr lang="en-ZA" dirty="0"/>
+          </a:p>
+          <a:p>
+            <a:r>
+              <a:rPr lang="en-ZA" dirty="0"/>
+              <a:t>Tutorial:</a:t>
+            </a:r>
+          </a:p>
+          <a:p>
+            <a:pPr>
+              <a:buFont typeface="Arial" panose="020B0604020202020204" pitchFamily="34" charset="0"/>
+              <a:buChar char="•"/>
+            </a:pPr>
+            <a:r>
+              <a:rPr lang="en-ZA" dirty="0">
+                <a:hlinkClick r:id="rId6"/>
+              </a:rPr>
+              <a:t>http://materialdesigninxaml.net</a:t>
+            </a:r>
+            <a:r>
+              <a:rPr lang="en-ZA" dirty="0" smtClean="0">
+                <a:hlinkClick r:id="rId6"/>
+              </a:rPr>
+              <a:t>/</a:t>
+            </a:r>
+            <a:endParaRPr lang="en-ZA" dirty="0" smtClean="0"/>
+          </a:p>
+          <a:p>
+            <a:pPr>
+              <a:buFont typeface="Arial" panose="020B0604020202020204" pitchFamily="34" charset="0"/>
+              <a:buChar char="•"/>
+            </a:pPr>
+            <a:r>
+              <a:rPr lang="en-ZA" dirty="0" smtClean="0">
+                <a:hlinkClick r:id="rId7"/>
+              </a:rPr>
+              <a:t>https</a:t>
+            </a:r>
+            <a:r>
+              <a:rPr lang="en-ZA" dirty="0">
+                <a:hlinkClick r:id="rId7"/>
+              </a:rPr>
+              <a:t>://github.com/ButchersBoy/MaterialDesignInXamlToolkit/</a:t>
+            </a:r>
+            <a:endParaRPr lang="en-ZA" dirty="0"/>
+          </a:p>
+          <a:p>
+            <a:pPr>
+              <a:buFont typeface="Arial" panose="020B0604020202020204" pitchFamily="34" charset="0"/>
+              <a:buChar char="•"/>
+            </a:pPr>
+            <a:r>
+              <a:rPr lang="en-ZA" dirty="0">
+                <a:hlinkClick r:id="rId8"/>
+              </a:rPr>
+              <a:t>http://www.c-sharpcorner.com/UploadFile/c7830b/material-design-themed-timepicker-and-clock-controls-for-wpf/</a:t>
+            </a:r>
+            <a:endParaRPr lang="en-ZA" dirty="0"/>
+          </a:p>
+          <a:p>
+            <a:pPr>
+              <a:buFont typeface="Arial" panose="020B0604020202020204" pitchFamily="34" charset="0"/>
+              <a:buChar char="•"/>
+            </a:pPr>
+            <a:endParaRPr lang="en-ZA" dirty="0"/>
+          </a:p>
+        </p:txBody>
+      </p:sp>
+    </p:spTree>
+    <p:extLst>
+      <p:ext uri="{BB962C8B-B14F-4D97-AF65-F5344CB8AC3E}">
+        <p14:creationId xmlns:p14="http://schemas.microsoft.com/office/powerpoint/2010/main" val="2634096932"/>
+      </p:ext>
+    </p:extLst>
+  </p:cSld>
+  <p:clrMapOvr>
+    <a:masterClrMapping/>
+  </p:clrMapOvr>
+  <p:timing>
+    <p:tnLst>
+      <p:par>
+        <p:cTn id="1" dur="indefinite" restart="never" nodeType="tmRoot"/>
+      </p:par>
+    </p:tnLst>
+  </p:timing>
+</p:sld>
+</file>
+
+<file path=ppt/slides/slide39.xml><?xml version="1.0" encoding="utf-8"?>
+<p:sld xmlns:a="http://schemas.openxmlformats.org/drawingml/2006/main" xmlns:r="http://schemas.openxmlformats.org/officeDocument/2006/relationships" xmlns:p="http://schemas.openxmlformats.org/presentationml/2006/main">
+  <p:cSld>
+    <p:spTree>
+      <p:nvGrpSpPr>
+        <p:cNvPr id="1" name=""/>
+        <p:cNvGrpSpPr/>
+        <p:nvPr/>
+      </p:nvGrpSpPr>
+      <p:grpSpPr>
+        <a:xfrm>
+          <a:off x="0" y="0"/>
+          <a:ext cx="0" cy="0"/>
+          <a:chOff x="0" y="0"/>
+          <a:chExt cx="0" cy="0"/>
+        </a:xfrm>
+      </p:grpSpPr>
+      <p:sp>
+        <p:nvSpPr>
+          <p:cNvPr id="2" name="Title 1"/>
+          <p:cNvSpPr>
+            <a:spLocks noGrp="1"/>
+          </p:cNvSpPr>
+          <p:nvPr>
+            <p:ph type="title"/>
+          </p:nvPr>
+        </p:nvSpPr>
+        <p:spPr/>
+        <p:txBody>
+          <a:bodyPr/>
+          <a:lstStyle/>
+          <a:p>
+            <a:r>
+              <a:rPr lang="en-ZA" dirty="0" smtClean="0"/>
+              <a:t>Chrome / Apple Design</a:t>
+            </a:r>
+            <a:endParaRPr lang="en-ZA" dirty="0"/>
+          </a:p>
+        </p:txBody>
+      </p:sp>
+      <p:sp>
+        <p:nvSpPr>
+          <p:cNvPr id="3" name="Content Placeholder 2"/>
+          <p:cNvSpPr>
+            <a:spLocks noGrp="1"/>
+          </p:cNvSpPr>
+          <p:nvPr>
+            <p:ph idx="1"/>
+          </p:nvPr>
+        </p:nvSpPr>
+        <p:spPr/>
+        <p:txBody>
+          <a:bodyPr/>
+          <a:lstStyle/>
+          <a:p>
+            <a:pPr>
+              <a:buFont typeface="Arial" panose="020B0604020202020204" pitchFamily="34" charset="0"/>
+              <a:buChar char="•"/>
+            </a:pPr>
+            <a:r>
+              <a:rPr lang="en-ZA" dirty="0" smtClean="0"/>
+              <a:t>Original one which others take ideas from</a:t>
+            </a:r>
+          </a:p>
+          <a:p>
+            <a:pPr>
+              <a:buFont typeface="Arial" panose="020B0604020202020204" pitchFamily="34" charset="0"/>
+              <a:buChar char="•"/>
+            </a:pPr>
+            <a:r>
+              <a:rPr lang="en-ZA" dirty="0" smtClean="0"/>
+              <a:t>Tried to improve on “old school” Windows design</a:t>
+            </a:r>
+            <a:endParaRPr lang="en-ZA" dirty="0"/>
+          </a:p>
+        </p:txBody>
+      </p:sp>
+    </p:spTree>
+    <p:extLst>
+      <p:ext uri="{BB962C8B-B14F-4D97-AF65-F5344CB8AC3E}">
+        <p14:creationId xmlns:p14="http://schemas.microsoft.com/office/powerpoint/2010/main" val="1960221591"/>
+      </p:ext>
+    </p:extLst>
+  </p:cSld>
+  <p:clrMapOvr>
+    <a:masterClrMapping/>
+  </p:clrMapOvr>
+  <p:timing>
+    <p:tnLst>
+      <p:par>
+        <p:cTn id="1" dur="indefinite" restart="never" nodeType="tmRoot"/>
+      </p:par>
+    </p:tnLst>
+  </p:timing>
+</p:sld>
+</file>
+
+<file path=ppt/slides/slide4.xml><?xml version="1.0" encoding="utf-8"?>
+<p:sld xmlns:a="http://schemas.openxmlformats.org/drawingml/2006/main" xmlns:r="http://schemas.openxmlformats.org/officeDocument/2006/relationships" xmlns:p="http://schemas.openxmlformats.org/presentationml/2006/main">
+  <p:cSld>
+    <p:spTree>
+      <p:nvGrpSpPr>
+        <p:cNvPr id="1" name=""/>
+        <p:cNvGrpSpPr/>
+        <p:nvPr/>
+      </p:nvGrpSpPr>
+      <p:grpSpPr>
+        <a:xfrm>
+          <a:off x="0" y="0"/>
+          <a:ext cx="0" cy="0"/>
+          <a:chOff x="0" y="0"/>
+          <a:chExt cx="0" cy="0"/>
+        </a:xfrm>
+      </p:grpSpPr>
+      <p:sp>
+        <p:nvSpPr>
+          <p:cNvPr id="2" name="Title 1"/>
+          <p:cNvSpPr>
+            <a:spLocks noGrp="1"/>
+          </p:cNvSpPr>
+          <p:nvPr>
+            <p:ph type="title"/>
+          </p:nvPr>
+        </p:nvSpPr>
+        <p:spPr/>
+        <p:txBody>
+          <a:bodyPr/>
+          <a:lstStyle/>
+          <a:p>
+            <a:r>
+              <a:rPr lang="en-ZA" dirty="0" smtClean="0"/>
+              <a:t>Basic User Interface strategies</a:t>
+            </a:r>
+            <a:endParaRPr lang="en-ZA" dirty="0"/>
+          </a:p>
+        </p:txBody>
+      </p:sp>
+      <p:sp>
+        <p:nvSpPr>
+          <p:cNvPr id="3" name="Content Placeholder 2"/>
+          <p:cNvSpPr>
+            <a:spLocks noGrp="1"/>
+          </p:cNvSpPr>
+          <p:nvPr>
+            <p:ph idx="1"/>
+          </p:nvPr>
+        </p:nvSpPr>
+        <p:spPr/>
+        <p:txBody>
+          <a:bodyPr/>
+          <a:lstStyle/>
+          <a:p>
+            <a:pPr marL="0" indent="0"/>
+            <a:r>
+              <a:rPr lang="en-ZA" dirty="0" smtClean="0"/>
+              <a:t>Very Intuitive</a:t>
+            </a:r>
+          </a:p>
+          <a:p>
+            <a:pPr>
+              <a:buFont typeface="Arial" panose="020B0604020202020204" pitchFamily="34" charset="0"/>
+              <a:buChar char="•"/>
+            </a:pPr>
+            <a:r>
+              <a:rPr lang="en-ZA" dirty="0" smtClean="0"/>
+              <a:t>Double Coding</a:t>
+            </a:r>
+          </a:p>
+          <a:p>
+            <a:pPr>
+              <a:buFont typeface="Arial" panose="020B0604020202020204" pitchFamily="34" charset="0"/>
+              <a:buChar char="•"/>
+            </a:pPr>
+            <a:r>
+              <a:rPr lang="en-ZA" dirty="0" smtClean="0"/>
+              <a:t>Data Grouping</a:t>
+            </a:r>
+          </a:p>
+          <a:p>
+            <a:pPr>
+              <a:buFont typeface="Arial" panose="020B0604020202020204" pitchFamily="34" charset="0"/>
+              <a:buChar char="•"/>
+            </a:pPr>
+            <a:r>
+              <a:rPr lang="en-ZA" dirty="0" smtClean="0"/>
+              <a:t>Symmetry</a:t>
+            </a:r>
+          </a:p>
+          <a:p>
+            <a:pPr>
+              <a:buFont typeface="Arial" panose="020B0604020202020204" pitchFamily="34" charset="0"/>
+              <a:buChar char="•"/>
+            </a:pPr>
+            <a:r>
+              <a:rPr lang="en-ZA" dirty="0" smtClean="0"/>
+              <a:t>Data Density</a:t>
+            </a:r>
+          </a:p>
+          <a:p>
+            <a:pPr>
+              <a:buFont typeface="Arial" panose="020B0604020202020204" pitchFamily="34" charset="0"/>
+              <a:buChar char="•"/>
+            </a:pPr>
+            <a:r>
+              <a:rPr lang="en-ZA" dirty="0" smtClean="0"/>
+              <a:t>Contrast</a:t>
+            </a:r>
+          </a:p>
+          <a:p>
+            <a:pPr>
+              <a:buFont typeface="Arial" panose="020B0604020202020204" pitchFamily="34" charset="0"/>
+              <a:buChar char="•"/>
+            </a:pPr>
+            <a:r>
+              <a:rPr lang="en-ZA" dirty="0" smtClean="0"/>
+              <a:t>Consistency</a:t>
+            </a:r>
+            <a:endParaRPr lang="en-ZA" dirty="0"/>
+          </a:p>
+        </p:txBody>
+      </p:sp>
+    </p:spTree>
+    <p:extLst>
+      <p:ext uri="{BB962C8B-B14F-4D97-AF65-F5344CB8AC3E}">
+        <p14:creationId xmlns:p14="http://schemas.microsoft.com/office/powerpoint/2010/main" val="2605404799"/>
+      </p:ext>
+    </p:extLst>
+  </p:cSld>
+  <p:clrMapOvr>
+    <a:masterClrMapping/>
+  </p:clrMapOvr>
+  <p:timing>
+    <p:tnLst>
+      <p:par>
+        <p:cTn id="1" dur="indefinite" restart="never" nodeType="tmRoot"/>
+      </p:par>
+    </p:tnLst>
+  </p:timing>
+</p:sld>
+</file>
+
+<file path=ppt/slides/slide40.xml><?xml version="1.0" encoding="utf-8"?>
+<p:sld xmlns:a="http://schemas.openxmlformats.org/drawingml/2006/main" xmlns:r="http://schemas.openxmlformats.org/officeDocument/2006/relationships" xmlns:p="http://schemas.openxmlformats.org/presentationml/2006/main">
+  <p:cSld>
+    <p:spTree>
+      <p:nvGrpSpPr>
+        <p:cNvPr id="1" name=""/>
+        <p:cNvGrpSpPr/>
+        <p:nvPr/>
+      </p:nvGrpSpPr>
+      <p:grpSpPr>
+        <a:xfrm>
+          <a:off x="0" y="0"/>
+          <a:ext cx="0" cy="0"/>
+          <a:chOff x="0" y="0"/>
+          <a:chExt cx="0" cy="0"/>
+        </a:xfrm>
+      </p:grpSpPr>
+      <p:sp>
+        <p:nvSpPr>
+          <p:cNvPr id="2" name="Title 1"/>
+          <p:cNvSpPr>
+            <a:spLocks noGrp="1"/>
+          </p:cNvSpPr>
+          <p:nvPr>
+            <p:ph type="title"/>
+          </p:nvPr>
+        </p:nvSpPr>
+        <p:spPr/>
+        <p:txBody>
+          <a:bodyPr/>
+          <a:lstStyle/>
+          <a:p>
+            <a:r>
+              <a:rPr lang="en-ZA" dirty="0" smtClean="0"/>
+              <a:t>Chrome Principles</a:t>
+            </a:r>
+            <a:endParaRPr lang="en-ZA" dirty="0"/>
+          </a:p>
+        </p:txBody>
+      </p:sp>
+      <p:sp>
+        <p:nvSpPr>
+          <p:cNvPr id="3" name="Content Placeholder 2"/>
+          <p:cNvSpPr>
+            <a:spLocks noGrp="1"/>
+          </p:cNvSpPr>
+          <p:nvPr>
+            <p:ph idx="1"/>
+          </p:nvPr>
+        </p:nvSpPr>
+        <p:spPr/>
+        <p:txBody>
+          <a:bodyPr/>
+          <a:lstStyle/>
+          <a:p>
+            <a:pPr>
+              <a:buFont typeface="Arial" panose="020B0604020202020204" pitchFamily="34" charset="0"/>
+              <a:buChar char="•"/>
+            </a:pPr>
+            <a:r>
+              <a:rPr lang="en-ZA" dirty="0"/>
+              <a:t>Aesthetic </a:t>
+            </a:r>
+            <a:r>
+              <a:rPr lang="en-ZA" dirty="0" smtClean="0"/>
+              <a:t>Integrity</a:t>
+            </a:r>
+          </a:p>
+          <a:p>
+            <a:pPr>
+              <a:buFont typeface="Arial" panose="020B0604020202020204" pitchFamily="34" charset="0"/>
+              <a:buChar char="•"/>
+            </a:pPr>
+            <a:r>
+              <a:rPr lang="en-ZA" dirty="0" smtClean="0"/>
+              <a:t>Consistency</a:t>
+            </a:r>
+            <a:endParaRPr lang="en-ZA" dirty="0"/>
+          </a:p>
+          <a:p>
+            <a:pPr>
+              <a:buFont typeface="Arial" panose="020B0604020202020204" pitchFamily="34" charset="0"/>
+              <a:buChar char="•"/>
+            </a:pPr>
+            <a:r>
+              <a:rPr lang="en-ZA" dirty="0"/>
+              <a:t>Direct </a:t>
+            </a:r>
+            <a:r>
+              <a:rPr lang="en-ZA" dirty="0" smtClean="0"/>
+              <a:t>Manipulation</a:t>
+            </a:r>
+            <a:endParaRPr lang="en-ZA" dirty="0"/>
+          </a:p>
+          <a:p>
+            <a:pPr>
+              <a:buFont typeface="Arial" panose="020B0604020202020204" pitchFamily="34" charset="0"/>
+              <a:buChar char="•"/>
+            </a:pPr>
+            <a:r>
+              <a:rPr lang="en-ZA" dirty="0" smtClean="0"/>
+              <a:t>Feedback</a:t>
+            </a:r>
+          </a:p>
+          <a:p>
+            <a:pPr>
+              <a:buFont typeface="Arial" panose="020B0604020202020204" pitchFamily="34" charset="0"/>
+              <a:buChar char="•"/>
+            </a:pPr>
+            <a:r>
+              <a:rPr lang="en-ZA" dirty="0" smtClean="0"/>
+              <a:t>UI Metaphors</a:t>
+            </a:r>
+          </a:p>
+          <a:p>
+            <a:pPr>
+              <a:buFont typeface="Arial" panose="020B0604020202020204" pitchFamily="34" charset="0"/>
+              <a:buChar char="•"/>
+            </a:pPr>
+            <a:r>
+              <a:rPr lang="en-ZA" dirty="0" smtClean="0"/>
+              <a:t>User driven control</a:t>
+            </a:r>
+            <a:endParaRPr lang="en-ZA" dirty="0"/>
+          </a:p>
+        </p:txBody>
+      </p:sp>
+    </p:spTree>
+    <p:extLst>
+      <p:ext uri="{BB962C8B-B14F-4D97-AF65-F5344CB8AC3E}">
+        <p14:creationId xmlns:p14="http://schemas.microsoft.com/office/powerpoint/2010/main" val="1356450910"/>
+      </p:ext>
+    </p:extLst>
+  </p:cSld>
+  <p:clrMapOvr>
+    <a:masterClrMapping/>
+  </p:clrMapOvr>
+  <p:timing>
+    <p:tnLst>
+      <p:par>
+        <p:cTn id="1" dur="indefinite" restart="never" nodeType="tmRoot"/>
+      </p:par>
+    </p:tnLst>
+  </p:timing>
+</p:sld>
+</file>
+
+<file path=ppt/slides/slide41.xml><?xml version="1.0" encoding="utf-8"?>
+<p:sld xmlns:a="http://schemas.openxmlformats.org/drawingml/2006/main" xmlns:r="http://schemas.openxmlformats.org/officeDocument/2006/relationships" xmlns:p="http://schemas.openxmlformats.org/presentationml/2006/main">
+  <p:cSld>
+    <p:spTree>
+      <p:nvGrpSpPr>
+        <p:cNvPr id="1" name=""/>
+        <p:cNvGrpSpPr/>
+        <p:nvPr/>
+      </p:nvGrpSpPr>
+      <p:grpSpPr>
+        <a:xfrm>
+          <a:off x="0" y="0"/>
+          <a:ext cx="0" cy="0"/>
+          <a:chOff x="0" y="0"/>
+          <a:chExt cx="0" cy="0"/>
+        </a:xfrm>
+      </p:grpSpPr>
+      <p:sp>
+        <p:nvSpPr>
+          <p:cNvPr id="2" name="Title 1"/>
+          <p:cNvSpPr>
+            <a:spLocks noGrp="1"/>
+          </p:cNvSpPr>
+          <p:nvPr>
+            <p:ph type="title"/>
+          </p:nvPr>
+        </p:nvSpPr>
+        <p:spPr/>
+        <p:txBody>
+          <a:bodyPr/>
+          <a:lstStyle/>
+          <a:p>
+            <a:r>
+              <a:rPr lang="en-ZA" dirty="0" smtClean="0"/>
+              <a:t>Chrome Design</a:t>
+            </a:r>
+            <a:endParaRPr lang="en-ZA" dirty="0"/>
+          </a:p>
+        </p:txBody>
+      </p:sp>
+      <p:sp>
+        <p:nvSpPr>
+          <p:cNvPr id="3" name="Content Placeholder 2"/>
+          <p:cNvSpPr>
+            <a:spLocks noGrp="1"/>
+          </p:cNvSpPr>
+          <p:nvPr>
+            <p:ph idx="1"/>
+          </p:nvPr>
+        </p:nvSpPr>
+        <p:spPr/>
+        <p:txBody>
+          <a:bodyPr/>
+          <a:lstStyle/>
+          <a:p>
+            <a:r>
+              <a:rPr lang="en-ZA" dirty="0"/>
+              <a:t>See principles: </a:t>
+            </a:r>
+            <a:r>
+              <a:rPr lang="en-ZA" dirty="0">
+                <a:hlinkClick r:id="rId2"/>
+              </a:rPr>
+              <a:t>https://</a:t>
+            </a:r>
+            <a:r>
+              <a:rPr lang="en-ZA" dirty="0" smtClean="0">
+                <a:hlinkClick r:id="rId2"/>
+              </a:rPr>
+              <a:t>developer.apple.com/library/ios/documentation/UserExperience/Conceptual/MobileHIG/Principles.html</a:t>
+            </a:r>
+            <a:endParaRPr lang="en-ZA" dirty="0" smtClean="0"/>
+          </a:p>
+          <a:p>
+            <a:r>
+              <a:rPr lang="en-ZA" dirty="0" smtClean="0"/>
+              <a:t>OSX:</a:t>
+            </a:r>
+          </a:p>
+          <a:p>
+            <a:r>
+              <a:rPr lang="en-ZA" dirty="0">
+                <a:hlinkClick r:id="rId3"/>
+              </a:rPr>
+              <a:t>https://developer.apple.com/library/mac/documentation/UserExperience/Conceptual/OSXHIGuidelines</a:t>
+            </a:r>
+            <a:r>
+              <a:rPr lang="en-ZA" dirty="0" smtClean="0">
+                <a:hlinkClick r:id="rId3"/>
+              </a:rPr>
+              <a:t>/</a:t>
+            </a:r>
+            <a:endParaRPr lang="en-ZA" dirty="0" smtClean="0"/>
+          </a:p>
+          <a:p>
+            <a:endParaRPr lang="en-ZA" dirty="0"/>
+          </a:p>
+        </p:txBody>
+      </p:sp>
+    </p:spTree>
+    <p:extLst>
+      <p:ext uri="{BB962C8B-B14F-4D97-AF65-F5344CB8AC3E}">
+        <p14:creationId xmlns:p14="http://schemas.microsoft.com/office/powerpoint/2010/main" val="2166421590"/>
+      </p:ext>
+    </p:extLst>
+  </p:cSld>
+  <p:clrMapOvr>
+    <a:masterClrMapping/>
+  </p:clrMapOvr>
+  <p:timing>
+    <p:tnLst>
+      <p:par>
+        <p:cTn id="1" dur="indefinite" restart="never" nodeType="tmRoot"/>
+      </p:par>
+    </p:tnLst>
+  </p:timing>
+</p:sld>
+</file>
+
+<file path=ppt/slides/slide42.xml><?xml version="1.0" encoding="utf-8"?>
+<p:sld xmlns:a="http://schemas.openxmlformats.org/drawingml/2006/main" xmlns:r="http://schemas.openxmlformats.org/officeDocument/2006/relationships" xmlns:p="http://schemas.openxmlformats.org/presentationml/2006/main">
+  <p:cSld>
+    <p:spTree>
+      <p:nvGrpSpPr>
+        <p:cNvPr id="1" name=""/>
+        <p:cNvGrpSpPr/>
+        <p:nvPr/>
+      </p:nvGrpSpPr>
+      <p:grpSpPr>
+        <a:xfrm>
+          <a:off x="0" y="0"/>
+          <a:ext cx="0" cy="0"/>
+          <a:chOff x="0" y="0"/>
+          <a:chExt cx="0" cy="0"/>
+        </a:xfrm>
+      </p:grpSpPr>
+      <p:sp>
+        <p:nvSpPr>
+          <p:cNvPr id="2" name="Title 1"/>
+          <p:cNvSpPr>
+            <a:spLocks noGrp="1"/>
+          </p:cNvSpPr>
+          <p:nvPr>
+            <p:ph type="title"/>
+          </p:nvPr>
+        </p:nvSpPr>
+        <p:spPr/>
+        <p:txBody>
+          <a:bodyPr/>
+          <a:lstStyle/>
+          <a:p>
+            <a:r>
+              <a:rPr lang="en-ZA" dirty="0" smtClean="0"/>
+              <a:t>Web Design</a:t>
+            </a:r>
+            <a:endParaRPr lang="en-ZA" dirty="0"/>
+          </a:p>
+        </p:txBody>
+      </p:sp>
+      <p:sp>
+        <p:nvSpPr>
+          <p:cNvPr id="3" name="Content Placeholder 2"/>
+          <p:cNvSpPr>
+            <a:spLocks noGrp="1"/>
+          </p:cNvSpPr>
+          <p:nvPr>
+            <p:ph idx="1"/>
+          </p:nvPr>
+        </p:nvSpPr>
+        <p:spPr/>
+        <p:txBody>
+          <a:bodyPr/>
+          <a:lstStyle/>
+          <a:p>
+            <a:pPr>
+              <a:buFont typeface="Arial" panose="020B0604020202020204" pitchFamily="34" charset="0"/>
+              <a:buChar char="•"/>
+            </a:pPr>
+            <a:r>
+              <a:rPr lang="en-ZA" dirty="0" smtClean="0"/>
+              <a:t>Takes on similar design principles of the desktop</a:t>
+            </a:r>
+          </a:p>
+          <a:p>
+            <a:pPr>
+              <a:buFont typeface="Arial" panose="020B0604020202020204" pitchFamily="34" charset="0"/>
+              <a:buChar char="•"/>
+            </a:pPr>
+            <a:r>
+              <a:rPr lang="en-ZA" dirty="0" smtClean="0"/>
+              <a:t>Uses web technologies to achieve this</a:t>
+            </a:r>
+          </a:p>
+          <a:p>
+            <a:pPr>
+              <a:buFont typeface="Arial" panose="020B0604020202020204" pitchFamily="34" charset="0"/>
+              <a:buChar char="•"/>
+            </a:pPr>
+            <a:r>
+              <a:rPr lang="en-ZA" dirty="0" smtClean="0"/>
+              <a:t>Lots of animations</a:t>
+            </a:r>
+            <a:endParaRPr lang="en-ZA" dirty="0"/>
+          </a:p>
+        </p:txBody>
+      </p:sp>
+    </p:spTree>
+    <p:extLst>
+      <p:ext uri="{BB962C8B-B14F-4D97-AF65-F5344CB8AC3E}">
+        <p14:creationId xmlns:p14="http://schemas.microsoft.com/office/powerpoint/2010/main" val="3553760989"/>
+      </p:ext>
+    </p:extLst>
+  </p:cSld>
+  <p:clrMapOvr>
+    <a:masterClrMapping/>
+  </p:clrMapOvr>
+  <p:timing>
+    <p:tnLst>
+      <p:par>
+        <p:cTn id="1" dur="indefinite" restart="never" nodeType="tmRoot"/>
+      </p:par>
+    </p:tnLst>
+  </p:timing>
+</p:sld>
+</file>
+
+<file path=ppt/slides/slide43.xml><?xml version="1.0" encoding="utf-8"?>
+<p:sld xmlns:a="http://schemas.openxmlformats.org/drawingml/2006/main" xmlns:r="http://schemas.openxmlformats.org/officeDocument/2006/relationships" xmlns:p="http://schemas.openxmlformats.org/presentationml/2006/main">
+  <p:cSld>
+    <p:spTree>
+      <p:nvGrpSpPr>
+        <p:cNvPr id="1" name=""/>
+        <p:cNvGrpSpPr/>
+        <p:nvPr/>
+      </p:nvGrpSpPr>
+      <p:grpSpPr>
+        <a:xfrm>
+          <a:off x="0" y="0"/>
+          <a:ext cx="0" cy="0"/>
+          <a:chOff x="0" y="0"/>
+          <a:chExt cx="0" cy="0"/>
+        </a:xfrm>
+      </p:grpSpPr>
+      <p:sp>
+        <p:nvSpPr>
+          <p:cNvPr id="2" name="Title 1"/>
+          <p:cNvSpPr>
+            <a:spLocks noGrp="1"/>
+          </p:cNvSpPr>
+          <p:nvPr>
+            <p:ph type="title"/>
+          </p:nvPr>
+        </p:nvSpPr>
+        <p:spPr/>
+        <p:txBody>
+          <a:bodyPr/>
+          <a:lstStyle/>
+          <a:p>
+            <a:r>
               <a:rPr lang="en-ZA" dirty="0" smtClean="0"/>
               <a:t>Web Design Technologies </a:t>
             </a:r>
@@ -10206,7 +11086,7 @@
 </p:sld>
 </file>
 
-<file path=ppt/slides/slide38.xml><?xml version="1.0" encoding="utf-8"?>
+<file path=ppt/slides/slide44.xml><?xml version="1.0" encoding="utf-8"?>
 <p:sld xmlns:a="http://schemas.openxmlformats.org/drawingml/2006/main" xmlns:r="http://schemas.openxmlformats.org/officeDocument/2006/relationships" xmlns:p="http://schemas.openxmlformats.org/presentationml/2006/main">
   <p:cSld>
     <p:spTree>
@@ -10344,7 +11224,7 @@
 </p:sld>
 </file>
 
-<file path=ppt/slides/slide39.xml><?xml version="1.0" encoding="utf-8"?>
+<file path=ppt/slides/slide45.xml><?xml version="1.0" encoding="utf-8"?>
 <p:sld xmlns:a="http://schemas.openxmlformats.org/drawingml/2006/main" xmlns:r="http://schemas.openxmlformats.org/officeDocument/2006/relationships" xmlns:p="http://schemas.openxmlformats.org/presentationml/2006/main">
   <p:cSld>
     <p:spTree>
@@ -10482,151 +11362,7 @@
 </p:sld>
 </file>
 
-<file path=ppt/slides/slide4.xml><?xml version="1.0" encoding="utf-8"?>
-<p:sld xmlns:a="http://schemas.openxmlformats.org/drawingml/2006/main" xmlns:r="http://schemas.openxmlformats.org/officeDocument/2006/relationships" xmlns:p="http://schemas.openxmlformats.org/presentationml/2006/main">
-  <p:cSld>
-    <p:spTree>
-      <p:nvGrpSpPr>
-        <p:cNvPr id="1" name=""/>
-        <p:cNvGrpSpPr/>
-        <p:nvPr/>
-      </p:nvGrpSpPr>
-      <p:grpSpPr>
-        <a:xfrm>
-          <a:off x="0" y="0"/>
-          <a:ext cx="0" cy="0"/>
-          <a:chOff x="0" y="0"/>
-          <a:chExt cx="0" cy="0"/>
-        </a:xfrm>
-      </p:grpSpPr>
-      <p:sp>
-        <p:nvSpPr>
-          <p:cNvPr id="2" name="Title 1"/>
-          <p:cNvSpPr>
-            <a:spLocks noGrp="1"/>
-          </p:cNvSpPr>
-          <p:nvPr>
-            <p:ph type="title"/>
-          </p:nvPr>
-        </p:nvSpPr>
-        <p:spPr/>
-        <p:txBody>
-          <a:bodyPr/>
-          <a:lstStyle/>
-          <a:p>
-            <a:r>
-              <a:rPr lang="en-ZA" dirty="0" smtClean="0"/>
-              <a:t>Basic User Interface strategies</a:t>
-            </a:r>
-            <a:endParaRPr lang="en-ZA" dirty="0"/>
-          </a:p>
-        </p:txBody>
-      </p:sp>
-      <p:sp>
-        <p:nvSpPr>
-          <p:cNvPr id="3" name="Content Placeholder 2"/>
-          <p:cNvSpPr>
-            <a:spLocks noGrp="1"/>
-          </p:cNvSpPr>
-          <p:nvPr>
-            <p:ph idx="1"/>
-          </p:nvPr>
-        </p:nvSpPr>
-        <p:spPr/>
-        <p:txBody>
-          <a:bodyPr/>
-          <a:lstStyle/>
-          <a:p>
-            <a:pPr marL="0" indent="0"/>
-            <a:r>
-              <a:rPr lang="en-ZA" dirty="0" smtClean="0"/>
-              <a:t>Very Intuitive</a:t>
-            </a:r>
-          </a:p>
-          <a:p>
-            <a:pPr>
-              <a:buFont typeface="Arial" panose="020B0604020202020204" pitchFamily="34" charset="0"/>
-              <a:buChar char="•"/>
-            </a:pPr>
-            <a:r>
-              <a:rPr lang="en-ZA" dirty="0" smtClean="0"/>
-              <a:t>Double Coding</a:t>
-            </a:r>
-          </a:p>
-          <a:p>
-            <a:pPr>
-              <a:buFont typeface="Arial" panose="020B0604020202020204" pitchFamily="34" charset="0"/>
-              <a:buChar char="•"/>
-            </a:pPr>
-            <a:r>
-              <a:rPr lang="en-ZA" dirty="0" smtClean="0"/>
-              <a:t>Data Grouping</a:t>
-            </a:r>
-          </a:p>
-          <a:p>
-            <a:pPr>
-              <a:buFont typeface="Arial" panose="020B0604020202020204" pitchFamily="34" charset="0"/>
-              <a:buChar char="•"/>
-            </a:pPr>
-            <a:r>
-              <a:rPr lang="en-ZA" dirty="0" smtClean="0"/>
-              <a:t>Symmetry</a:t>
-            </a:r>
-          </a:p>
-          <a:p>
-            <a:pPr>
-              <a:buFont typeface="Arial" panose="020B0604020202020204" pitchFamily="34" charset="0"/>
-              <a:buChar char="•"/>
-            </a:pPr>
-            <a:r>
-              <a:rPr lang="en-ZA" dirty="0" smtClean="0"/>
-              <a:t>Data Density</a:t>
-            </a:r>
-          </a:p>
-          <a:p>
-            <a:pPr>
-              <a:buFont typeface="Arial" panose="020B0604020202020204" pitchFamily="34" charset="0"/>
-              <a:buChar char="•"/>
-            </a:pPr>
-            <a:r>
-              <a:rPr lang="en-ZA" dirty="0" smtClean="0"/>
-              <a:t>Contrast</a:t>
-            </a:r>
-          </a:p>
-          <a:p>
-            <a:pPr>
-              <a:buFont typeface="Arial" panose="020B0604020202020204" pitchFamily="34" charset="0"/>
-              <a:buChar char="•"/>
-            </a:pPr>
-            <a:r>
-              <a:rPr lang="en-ZA" dirty="0" smtClean="0"/>
-              <a:t>Consistency</a:t>
-            </a:r>
-            <a:endParaRPr lang="en-ZA" dirty="0"/>
-          </a:p>
-        </p:txBody>
-      </p:sp>
-    </p:spTree>
-    <p:extLst>
-      <p:ext uri="{BB962C8B-B14F-4D97-AF65-F5344CB8AC3E}">
-        <p14:creationId xmlns:p14="http://schemas.microsoft.com/office/powerpoint/2010/main" val="2605404799"/>
-      </p:ext>
-    </p:extLst>
-  </p:cSld>
-  <p:clrMapOvr>
-    <a:masterClrMapping/>
-  </p:clrMapOvr>
-  <p:timing>
-    <p:tnLst>
-      <p:par>
-        <p:cTn id="1" dur="indefinite" restart="never" nodeType="tmRoot"/>
-      </p:par>
-    </p:tnLst>
-  </p:timing>
-</p:sld>
-</file>
-
-<file path=ppt/slides/slide40.xml><?xml version="1.0" encoding="utf-8"?>
+<file path=ppt/slides/slide46.xml><?xml version="1.0" encoding="utf-8"?>
 <p:sld xmlns:a="http://schemas.openxmlformats.org/drawingml/2006/main" xmlns:r="http://schemas.openxmlformats.org/officeDocument/2006/relationships" xmlns:p="http://schemas.openxmlformats.org/presentationml/2006/main">
   <p:cSld>
     <p:spTree>
@@ -10729,7 +11465,7 @@
 </p:sld>
 </file>
 
-<file path=ppt/slides/slide41.xml><?xml version="1.0" encoding="utf-8"?>
+<file path=ppt/slides/slide47.xml><?xml version="1.0" encoding="utf-8"?>
 <p:sld xmlns:a="http://schemas.openxmlformats.org/drawingml/2006/main" xmlns:r="http://schemas.openxmlformats.org/officeDocument/2006/relationships" xmlns:p="http://schemas.openxmlformats.org/presentationml/2006/main">
   <p:cSld>
     <p:spTree>
@@ -10850,7 +11586,7 @@
 </p:sld>
 </file>
 
-<file path=ppt/slides/slide42.xml><?xml version="1.0" encoding="utf-8"?>
+<file path=ppt/slides/slide48.xml><?xml version="1.0" encoding="utf-8"?>
 <p:sld xmlns:a="http://schemas.openxmlformats.org/drawingml/2006/main" xmlns:r="http://schemas.openxmlformats.org/officeDocument/2006/relationships" xmlns:p="http://schemas.openxmlformats.org/presentationml/2006/main">
   <p:cSld>
     <p:spTree>
@@ -11004,7 +11740,7 @@
 </p:sld>
 </file>
 
-<file path=ppt/slides/slide43.xml><?xml version="1.0" encoding="utf-8"?>
+<file path=ppt/slides/slide49.xml><?xml version="1.0" encoding="utf-8"?>
 <p:sld xmlns:a="http://schemas.openxmlformats.org/drawingml/2006/main" xmlns:r="http://schemas.openxmlformats.org/officeDocument/2006/relationships" xmlns:p="http://schemas.openxmlformats.org/presentationml/2006/main">
   <p:cSld>
     <p:spTree>

--- a/Session 5/Softdev Session 5 2016.pptx
+++ b/Session 5/Softdev Session 5 2016.pptx
@@ -23,37 +23,40 @@
     <p:sldId id="350" r:id="rId17"/>
     <p:sldId id="351" r:id="rId18"/>
     <p:sldId id="352" r:id="rId19"/>
-    <p:sldId id="353" r:id="rId20"/>
-    <p:sldId id="354" r:id="rId21"/>
-    <p:sldId id="355" r:id="rId22"/>
-    <p:sldId id="321" r:id="rId23"/>
-    <p:sldId id="322" r:id="rId24"/>
-    <p:sldId id="323" r:id="rId25"/>
-    <p:sldId id="324" r:id="rId26"/>
-    <p:sldId id="325" r:id="rId27"/>
-    <p:sldId id="326" r:id="rId28"/>
-    <p:sldId id="327" r:id="rId29"/>
-    <p:sldId id="328" r:id="rId30"/>
-    <p:sldId id="329" r:id="rId31"/>
-    <p:sldId id="330" r:id="rId32"/>
-    <p:sldId id="331" r:id="rId33"/>
-    <p:sldId id="332" r:id="rId34"/>
-    <p:sldId id="333" r:id="rId35"/>
-    <p:sldId id="334" r:id="rId36"/>
-    <p:sldId id="335" r:id="rId37"/>
-    <p:sldId id="336" r:id="rId38"/>
-    <p:sldId id="337" r:id="rId39"/>
-    <p:sldId id="338" r:id="rId40"/>
-    <p:sldId id="339" r:id="rId41"/>
-    <p:sldId id="340" r:id="rId42"/>
-    <p:sldId id="341" r:id="rId43"/>
-    <p:sldId id="342" r:id="rId44"/>
-    <p:sldId id="343" r:id="rId45"/>
-    <p:sldId id="344" r:id="rId46"/>
-    <p:sldId id="345" r:id="rId47"/>
+    <p:sldId id="321" r:id="rId20"/>
+    <p:sldId id="322" r:id="rId21"/>
+    <p:sldId id="323" r:id="rId22"/>
+    <p:sldId id="324" r:id="rId23"/>
+    <p:sldId id="325" r:id="rId24"/>
+    <p:sldId id="326" r:id="rId25"/>
+    <p:sldId id="327" r:id="rId26"/>
+    <p:sldId id="328" r:id="rId27"/>
+    <p:sldId id="329" r:id="rId28"/>
+    <p:sldId id="330" r:id="rId29"/>
+    <p:sldId id="331" r:id="rId30"/>
+    <p:sldId id="332" r:id="rId31"/>
+    <p:sldId id="333" r:id="rId32"/>
+    <p:sldId id="334" r:id="rId33"/>
+    <p:sldId id="335" r:id="rId34"/>
+    <p:sldId id="336" r:id="rId35"/>
+    <p:sldId id="337" r:id="rId36"/>
+    <p:sldId id="338" r:id="rId37"/>
+    <p:sldId id="339" r:id="rId38"/>
+    <p:sldId id="340" r:id="rId39"/>
+    <p:sldId id="341" r:id="rId40"/>
+    <p:sldId id="342" r:id="rId41"/>
+    <p:sldId id="353" r:id="rId42"/>
+    <p:sldId id="343" r:id="rId43"/>
+    <p:sldId id="354" r:id="rId44"/>
+    <p:sldId id="344" r:id="rId45"/>
+    <p:sldId id="345" r:id="rId46"/>
+    <p:sldId id="355" r:id="rId47"/>
     <p:sldId id="346" r:id="rId48"/>
-    <p:sldId id="307" r:id="rId49"/>
-    <p:sldId id="285" r:id="rId50"/>
+    <p:sldId id="356" r:id="rId49"/>
+    <p:sldId id="358" r:id="rId50"/>
+    <p:sldId id="307" r:id="rId51"/>
+    <p:sldId id="357" r:id="rId52"/>
+    <p:sldId id="285" r:id="rId53"/>
   </p:sldIdLst>
   <p:sldSz cx="12192000" cy="6858000"/>
   <p:notesSz cx="6858000" cy="9144000"/>
@@ -357,7 +360,7 @@
           <a:p>
             <a:fld id="{FBDF5932-50BA-4683-BD71-901965AADFF2}" type="datetimeFigureOut">
               <a:rPr lang="en-ZA" smtClean="0"/>
-              <a:t>2016/12/19</a:t>
+              <a:t>2016/12/20</a:t>
             </a:fld>
             <a:endParaRPr lang="en-ZA"/>
           </a:p>
@@ -632,7 +635,7 @@
           <a:p>
             <a:fld id="{FBDF5932-50BA-4683-BD71-901965AADFF2}" type="datetimeFigureOut">
               <a:rPr lang="en-ZA" smtClean="0"/>
-              <a:t>2016/12/19</a:t>
+              <a:t>2016/12/20</a:t>
             </a:fld>
             <a:endParaRPr lang="en-ZA"/>
           </a:p>
@@ -826,7 +829,7 @@
           <a:p>
             <a:fld id="{FBDF5932-50BA-4683-BD71-901965AADFF2}" type="datetimeFigureOut">
               <a:rPr lang="en-ZA" smtClean="0"/>
-              <a:t>2016/12/19</a:t>
+              <a:t>2016/12/20</a:t>
             </a:fld>
             <a:endParaRPr lang="en-ZA"/>
           </a:p>
@@ -1097,7 +1100,7 @@
           <a:p>
             <a:fld id="{FBDF5932-50BA-4683-BD71-901965AADFF2}" type="datetimeFigureOut">
               <a:rPr lang="en-ZA" smtClean="0"/>
-              <a:t>2016/12/19</a:t>
+              <a:t>2016/12/20</a:t>
             </a:fld>
             <a:endParaRPr lang="en-ZA"/>
           </a:p>
@@ -1424,7 +1427,7 @@
           <a:p>
             <a:fld id="{FBDF5932-50BA-4683-BD71-901965AADFF2}" type="datetimeFigureOut">
               <a:rPr lang="en-ZA" smtClean="0"/>
-              <a:t>2016/12/19</a:t>
+              <a:t>2016/12/20</a:t>
             </a:fld>
             <a:endParaRPr lang="en-ZA"/>
           </a:p>
@@ -2043,7 +2046,7 @@
           <a:p>
             <a:fld id="{FBDF5932-50BA-4683-BD71-901965AADFF2}" type="datetimeFigureOut">
               <a:rPr lang="en-ZA" smtClean="0"/>
-              <a:t>2016/12/19</a:t>
+              <a:t>2016/12/20</a:t>
             </a:fld>
             <a:endParaRPr lang="en-ZA"/>
           </a:p>
@@ -2890,7 +2893,7 @@
           <a:p>
             <a:fld id="{FBDF5932-50BA-4683-BD71-901965AADFF2}" type="datetimeFigureOut">
               <a:rPr lang="en-ZA" smtClean="0"/>
-              <a:t>2016/12/19</a:t>
+              <a:t>2016/12/20</a:t>
             </a:fld>
             <a:endParaRPr lang="en-ZA"/>
           </a:p>
@@ -3060,7 +3063,7 @@
           <a:p>
             <a:fld id="{FBDF5932-50BA-4683-BD71-901965AADFF2}" type="datetimeFigureOut">
               <a:rPr lang="en-ZA" smtClean="0"/>
-              <a:t>2016/12/19</a:t>
+              <a:t>2016/12/20</a:t>
             </a:fld>
             <a:endParaRPr lang="en-ZA"/>
           </a:p>
@@ -3240,7 +3243,7 @@
           <a:p>
             <a:fld id="{FBDF5932-50BA-4683-BD71-901965AADFF2}" type="datetimeFigureOut">
               <a:rPr lang="en-ZA" smtClean="0"/>
-              <a:t>2016/12/19</a:t>
+              <a:t>2016/12/20</a:t>
             </a:fld>
             <a:endParaRPr lang="en-ZA"/>
           </a:p>
@@ -3410,7 +3413,7 @@
           <a:p>
             <a:fld id="{FBDF5932-50BA-4683-BD71-901965AADFF2}" type="datetimeFigureOut">
               <a:rPr lang="en-ZA" smtClean="0"/>
-              <a:t>2016/12/19</a:t>
+              <a:t>2016/12/20</a:t>
             </a:fld>
             <a:endParaRPr lang="en-ZA"/>
           </a:p>
@@ -3657,7 +3660,7 @@
           <a:p>
             <a:fld id="{FBDF5932-50BA-4683-BD71-901965AADFF2}" type="datetimeFigureOut">
               <a:rPr lang="en-ZA" smtClean="0"/>
-              <a:t>2016/12/19</a:t>
+              <a:t>2016/12/20</a:t>
             </a:fld>
             <a:endParaRPr lang="en-ZA"/>
           </a:p>
@@ -3949,7 +3952,7 @@
           <a:p>
             <a:fld id="{FBDF5932-50BA-4683-BD71-901965AADFF2}" type="datetimeFigureOut">
               <a:rPr lang="en-ZA" smtClean="0"/>
-              <a:t>2016/12/19</a:t>
+              <a:t>2016/12/20</a:t>
             </a:fld>
             <a:endParaRPr lang="en-ZA"/>
           </a:p>
@@ -4393,7 +4396,7 @@
           <a:p>
             <a:fld id="{FBDF5932-50BA-4683-BD71-901965AADFF2}" type="datetimeFigureOut">
               <a:rPr lang="en-ZA" smtClean="0"/>
-              <a:t>2016/12/19</a:t>
+              <a:t>2016/12/20</a:t>
             </a:fld>
             <a:endParaRPr lang="en-ZA"/>
           </a:p>
@@ -4511,7 +4514,7 @@
           <a:p>
             <a:fld id="{FBDF5932-50BA-4683-BD71-901965AADFF2}" type="datetimeFigureOut">
               <a:rPr lang="en-ZA" smtClean="0"/>
-              <a:t>2016/12/19</a:t>
+              <a:t>2016/12/20</a:t>
             </a:fld>
             <a:endParaRPr lang="en-ZA"/>
           </a:p>
@@ -4606,7 +4609,7 @@
           <a:p>
             <a:fld id="{FBDF5932-50BA-4683-BD71-901965AADFF2}" type="datetimeFigureOut">
               <a:rPr lang="en-ZA" smtClean="0"/>
-              <a:t>2016/12/19</a:t>
+              <a:t>2016/12/20</a:t>
             </a:fld>
             <a:endParaRPr lang="en-ZA"/>
           </a:p>
@@ -4885,7 +4888,7 @@
           <a:p>
             <a:fld id="{FBDF5932-50BA-4683-BD71-901965AADFF2}" type="datetimeFigureOut">
               <a:rPr lang="en-ZA" smtClean="0"/>
-              <a:t>2016/12/19</a:t>
+              <a:t>2016/12/20</a:t>
             </a:fld>
             <a:endParaRPr lang="en-ZA"/>
           </a:p>
@@ -5160,7 +5163,7 @@
           <a:p>
             <a:fld id="{FBDF5932-50BA-4683-BD71-901965AADFF2}" type="datetimeFigureOut">
               <a:rPr lang="en-ZA" smtClean="0"/>
-              <a:t>2016/12/19</a:t>
+              <a:t>2016/12/20</a:t>
             </a:fld>
             <a:endParaRPr lang="en-ZA"/>
           </a:p>
@@ -5583,7 +5586,7 @@
           <a:p>
             <a:fld id="{FBDF5932-50BA-4683-BD71-901965AADFF2}" type="datetimeFigureOut">
               <a:rPr lang="en-ZA" smtClean="0"/>
-              <a:t>2016/12/19</a:t>
+              <a:t>2016/12/20</a:t>
             </a:fld>
             <a:endParaRPr lang="en-ZA"/>
           </a:p>
@@ -6152,7 +6155,6 @@
               <a:rPr lang="en-ZA" dirty="0"/>
               <a:t>5</a:t>
             </a:r>
-            <a:endParaRPr lang="en-ZA" dirty="0"/>
           </a:p>
         </p:txBody>
       </p:sp>
@@ -6564,7 +6566,11 @@
           <a:p>
             <a:r>
               <a:rPr lang="en-ZA" dirty="0" smtClean="0"/>
-              <a:t>User Experience (UX)</a:t>
+              <a:t>User Experience (UX</a:t>
+            </a:r>
+            <a:r>
+              <a:rPr lang="en-ZA" dirty="0" smtClean="0"/>
+              <a:t>) and User Centred Design (UCD)</a:t>
             </a:r>
             <a:endParaRPr lang="en-ZA" dirty="0"/>
           </a:p>
@@ -6705,7 +6711,7 @@
           <a:p>
             <a:r>
               <a:rPr lang="en-ZA" dirty="0" smtClean="0"/>
-              <a:t>UX</a:t>
+              <a:t>UX and UCD</a:t>
             </a:r>
             <a:endParaRPr lang="en-ZA" dirty="0"/>
           </a:p>
@@ -7051,7 +7057,11 @@
           </a:bodyPr>
           <a:lstStyle/>
           <a:p>
-            <a:endParaRPr lang="en-ZA"/>
+            <a:r>
+              <a:rPr lang="en-ZA" dirty="0" smtClean="0"/>
+              <a:t>UCD</a:t>
+            </a:r>
+            <a:endParaRPr lang="en-ZA" dirty="0"/>
           </a:p>
         </p:txBody>
       </p:sp>
@@ -7100,7 +7110,11 @@
           <a:bodyPr/>
           <a:lstStyle/>
           <a:p>
-            <a:endParaRPr lang="en-ZA"/>
+            <a:r>
+              <a:rPr lang="en-ZA" dirty="0" smtClean="0"/>
+              <a:t>UCD</a:t>
+            </a:r>
+            <a:endParaRPr lang="en-ZA" dirty="0"/>
           </a:p>
         </p:txBody>
       </p:sp>
@@ -7180,6 +7194,3402 @@
           <a:p>
             <a:r>
               <a:rPr lang="en-ZA" dirty="0" smtClean="0"/>
+              <a:t>Design Guidelines</a:t>
+            </a:r>
+            <a:endParaRPr lang="en-ZA" dirty="0"/>
+          </a:p>
+        </p:txBody>
+      </p:sp>
+      <p:sp>
+        <p:nvSpPr>
+          <p:cNvPr id="3" name="Content Placeholder 2"/>
+          <p:cNvSpPr>
+            <a:spLocks noGrp="1"/>
+          </p:cNvSpPr>
+          <p:nvPr>
+            <p:ph idx="1"/>
+          </p:nvPr>
+        </p:nvSpPr>
+        <p:spPr/>
+        <p:txBody>
+          <a:bodyPr/>
+          <a:lstStyle/>
+          <a:p>
+            <a:pPr>
+              <a:buFont typeface="Arial" panose="020B0604020202020204" pitchFamily="34" charset="0"/>
+              <a:buChar char="•"/>
+            </a:pPr>
+            <a:r>
+              <a:rPr lang="en-ZA" dirty="0" smtClean="0"/>
+              <a:t>Guidelines which have been authored for specific </a:t>
+            </a:r>
+            <a:r>
+              <a:rPr lang="en-ZA" dirty="0" err="1" smtClean="0"/>
+              <a:t>OSes</a:t>
+            </a:r>
+            <a:r>
+              <a:rPr lang="en-ZA" dirty="0" smtClean="0"/>
+              <a:t> by their respective companies</a:t>
+            </a:r>
+          </a:p>
+          <a:p>
+            <a:pPr>
+              <a:buFont typeface="Arial" panose="020B0604020202020204" pitchFamily="34" charset="0"/>
+              <a:buChar char="•"/>
+            </a:pPr>
+            <a:r>
+              <a:rPr lang="en-ZA" dirty="0" smtClean="0"/>
+              <a:t>Provides consistency on a device</a:t>
+            </a:r>
+          </a:p>
+          <a:p>
+            <a:pPr>
+              <a:buFont typeface="Arial" panose="020B0604020202020204" pitchFamily="34" charset="0"/>
+              <a:buChar char="•"/>
+            </a:pPr>
+            <a:endParaRPr lang="en-ZA" dirty="0"/>
+          </a:p>
+        </p:txBody>
+      </p:sp>
+    </p:spTree>
+    <p:extLst>
+      <p:ext uri="{BB962C8B-B14F-4D97-AF65-F5344CB8AC3E}">
+        <p14:creationId xmlns:p14="http://schemas.microsoft.com/office/powerpoint/2010/main" val="2881363480"/>
+      </p:ext>
+    </p:extLst>
+  </p:cSld>
+  <p:clrMapOvr>
+    <a:masterClrMapping/>
+  </p:clrMapOvr>
+  <p:timing>
+    <p:tnLst>
+      <p:par>
+        <p:cTn id="1" dur="indefinite" restart="never" nodeType="tmRoot"/>
+      </p:par>
+    </p:tnLst>
+  </p:timing>
+</p:sld>
+</file>
+
+<file path=ppt/slides/slide2.xml><?xml version="1.0" encoding="utf-8"?>
+<p:sld xmlns:a="http://schemas.openxmlformats.org/drawingml/2006/main" xmlns:r="http://schemas.openxmlformats.org/officeDocument/2006/relationships" xmlns:p="http://schemas.openxmlformats.org/presentationml/2006/main">
+  <p:cSld>
+    <p:spTree>
+      <p:nvGrpSpPr>
+        <p:cNvPr id="1" name=""/>
+        <p:cNvGrpSpPr/>
+        <p:nvPr/>
+      </p:nvGrpSpPr>
+      <p:grpSpPr>
+        <a:xfrm>
+          <a:off x="0" y="0"/>
+          <a:ext cx="0" cy="0"/>
+          <a:chOff x="0" y="0"/>
+          <a:chExt cx="0" cy="0"/>
+        </a:xfrm>
+      </p:grpSpPr>
+      <p:sp>
+        <p:nvSpPr>
+          <p:cNvPr id="2" name="Title 1"/>
+          <p:cNvSpPr>
+            <a:spLocks noGrp="1"/>
+          </p:cNvSpPr>
+          <p:nvPr>
+            <p:ph type="title"/>
+          </p:nvPr>
+        </p:nvSpPr>
+        <p:spPr/>
+        <p:txBody>
+          <a:bodyPr/>
+          <a:lstStyle/>
+          <a:p>
+            <a:r>
+              <a:rPr lang="en-ZA" dirty="0" smtClean="0"/>
+              <a:t>The Homework from session 4</a:t>
+            </a:r>
+            <a:endParaRPr lang="en-ZA" dirty="0"/>
+          </a:p>
+        </p:txBody>
+      </p:sp>
+      <p:sp>
+        <p:nvSpPr>
+          <p:cNvPr id="3" name="Content Placeholder 2"/>
+          <p:cNvSpPr>
+            <a:spLocks noGrp="1"/>
+          </p:cNvSpPr>
+          <p:nvPr>
+            <p:ph idx="1"/>
+          </p:nvPr>
+        </p:nvSpPr>
+        <p:spPr/>
+        <p:txBody>
+          <a:bodyPr/>
+          <a:lstStyle/>
+          <a:p>
+            <a:r>
+              <a:rPr lang="en-ZA" dirty="0" smtClean="0"/>
+              <a:t>See Example</a:t>
+            </a:r>
+            <a:endParaRPr lang="en-ZA" dirty="0"/>
+          </a:p>
+        </p:txBody>
+      </p:sp>
+    </p:spTree>
+    <p:extLst>
+      <p:ext uri="{BB962C8B-B14F-4D97-AF65-F5344CB8AC3E}">
+        <p14:creationId xmlns:p14="http://schemas.microsoft.com/office/powerpoint/2010/main" val="1518874736"/>
+      </p:ext>
+    </p:extLst>
+  </p:cSld>
+  <p:clrMapOvr>
+    <a:masterClrMapping/>
+  </p:clrMapOvr>
+  <p:timing>
+    <p:tnLst>
+      <p:par>
+        <p:cTn id="1" dur="indefinite" restart="never" nodeType="tmRoot"/>
+      </p:par>
+    </p:tnLst>
+  </p:timing>
+</p:sld>
+</file>
+
+<file path=ppt/slides/slide20.xml><?xml version="1.0" encoding="utf-8"?>
+<p:sld xmlns:a="http://schemas.openxmlformats.org/drawingml/2006/main" xmlns:r="http://schemas.openxmlformats.org/officeDocument/2006/relationships" xmlns:p="http://schemas.openxmlformats.org/presentationml/2006/main">
+  <p:cSld>
+    <p:spTree>
+      <p:nvGrpSpPr>
+        <p:cNvPr id="1" name=""/>
+        <p:cNvGrpSpPr/>
+        <p:nvPr/>
+      </p:nvGrpSpPr>
+      <p:grpSpPr>
+        <a:xfrm>
+          <a:off x="0" y="0"/>
+          <a:ext cx="0" cy="0"/>
+          <a:chOff x="0" y="0"/>
+          <a:chExt cx="0" cy="0"/>
+        </a:xfrm>
+      </p:grpSpPr>
+      <p:sp>
+        <p:nvSpPr>
+          <p:cNvPr id="2" name="Title 1"/>
+          <p:cNvSpPr>
+            <a:spLocks noGrp="1"/>
+          </p:cNvSpPr>
+          <p:nvPr>
+            <p:ph type="title"/>
+          </p:nvPr>
+        </p:nvSpPr>
+        <p:spPr/>
+        <p:txBody>
+          <a:bodyPr/>
+          <a:lstStyle/>
+          <a:p>
+            <a:r>
+              <a:rPr lang="en-ZA" dirty="0" smtClean="0"/>
+              <a:t>METRO UI</a:t>
+            </a:r>
+            <a:endParaRPr lang="en-ZA" dirty="0"/>
+          </a:p>
+        </p:txBody>
+      </p:sp>
+      <p:pic>
+        <p:nvPicPr>
+          <p:cNvPr id="1028" name="Picture 4" descr="http://devcomponents.com/blog/wp-content/uploads/DotNetBarMetroUI.png"/>
+          <p:cNvPicPr>
+            <a:picLocks noGrp="1" noChangeAspect="1" noChangeArrowheads="1"/>
+          </p:cNvPicPr>
+          <p:nvPr>
+            <p:ph idx="1"/>
+          </p:nvPr>
+        </p:nvPicPr>
+        <p:blipFill>
+          <a:blip r:embed="rId2">
+            <a:extLst>
+              <a:ext uri="{28A0092B-C50C-407E-A947-70E740481C1C}">
+                <a14:useLocalDpi xmlns:a14="http://schemas.microsoft.com/office/drawing/2010/main" val="0"/>
+              </a:ext>
+            </a:extLst>
+          </a:blip>
+          <a:srcRect/>
+          <a:stretch>
+            <a:fillRect/>
+          </a:stretch>
+        </p:blipFill>
+        <p:spPr bwMode="auto">
+          <a:xfrm>
+            <a:off x="3490776" y="1100138"/>
+            <a:ext cx="5232672" cy="3579812"/>
+          </a:xfrm>
+          <a:prstGeom prst="rect">
+            <a:avLst/>
+          </a:prstGeom>
+          <a:noFill/>
+          <a:extLst>
+            <a:ext uri="{909E8E84-426E-40DD-AFC4-6F175D3DCCD1}">
+              <a14:hiddenFill xmlns:a14="http://schemas.microsoft.com/office/drawing/2010/main">
+                <a:solidFill>
+                  <a:srgbClr val="FFFFFF"/>
+                </a:solidFill>
+              </a14:hiddenFill>
+            </a:ext>
+          </a:extLst>
+        </p:spPr>
+      </p:pic>
+    </p:spTree>
+    <p:extLst>
+      <p:ext uri="{BB962C8B-B14F-4D97-AF65-F5344CB8AC3E}">
+        <p14:creationId xmlns:p14="http://schemas.microsoft.com/office/powerpoint/2010/main" val="3596513607"/>
+      </p:ext>
+    </p:extLst>
+  </p:cSld>
+  <p:clrMapOvr>
+    <a:masterClrMapping/>
+  </p:clrMapOvr>
+  <p:timing>
+    <p:tnLst>
+      <p:par>
+        <p:cTn id="1" dur="indefinite" restart="never" nodeType="tmRoot"/>
+      </p:par>
+    </p:tnLst>
+  </p:timing>
+</p:sld>
+</file>
+
+<file path=ppt/slides/slide21.xml><?xml version="1.0" encoding="utf-8"?>
+<p:sld xmlns:a="http://schemas.openxmlformats.org/drawingml/2006/main" xmlns:r="http://schemas.openxmlformats.org/officeDocument/2006/relationships" xmlns:p="http://schemas.openxmlformats.org/presentationml/2006/main">
+  <p:cSld>
+    <p:spTree>
+      <p:nvGrpSpPr>
+        <p:cNvPr id="1" name=""/>
+        <p:cNvGrpSpPr/>
+        <p:nvPr/>
+      </p:nvGrpSpPr>
+      <p:grpSpPr>
+        <a:xfrm>
+          <a:off x="0" y="0"/>
+          <a:ext cx="0" cy="0"/>
+          <a:chOff x="0" y="0"/>
+          <a:chExt cx="0" cy="0"/>
+        </a:xfrm>
+      </p:grpSpPr>
+      <p:sp>
+        <p:nvSpPr>
+          <p:cNvPr id="8" name="Content Placeholder 2"/>
+          <p:cNvSpPr>
+            <a:spLocks noGrp="1"/>
+          </p:cNvSpPr>
+          <p:nvPr>
+            <p:ph sz="quarter" idx="4294967295"/>
+          </p:nvPr>
+        </p:nvSpPr>
+        <p:spPr>
+          <a:xfrm>
+            <a:off x="1479164" y="1853248"/>
+            <a:ext cx="7924800" cy="4114800"/>
+          </a:xfrm>
+          <a:prstGeom prst="rect">
+            <a:avLst/>
+          </a:prstGeom>
+        </p:spPr>
+        <p:txBody>
+          <a:bodyPr>
+            <a:normAutofit lnSpcReduction="10000"/>
+          </a:bodyPr>
+          <a:lstStyle/>
+          <a:p>
+            <a:r>
+              <a:rPr lang="en-ZA" dirty="0" smtClean="0"/>
+              <a:t>Visual cues everywhere</a:t>
+            </a:r>
+          </a:p>
+          <a:p>
+            <a:pPr lvl="1"/>
+            <a:r>
+              <a:rPr lang="en-ZA" dirty="0" smtClean="0"/>
+              <a:t>Driving</a:t>
+            </a:r>
+          </a:p>
+          <a:p>
+            <a:pPr lvl="1"/>
+            <a:r>
+              <a:rPr lang="en-ZA" dirty="0" smtClean="0"/>
+              <a:t>Airport</a:t>
+            </a:r>
+          </a:p>
+          <a:p>
+            <a:pPr lvl="1"/>
+            <a:r>
+              <a:rPr lang="en-ZA" dirty="0" smtClean="0"/>
+              <a:t>Looking for the bathroom</a:t>
+            </a:r>
+          </a:p>
+          <a:p>
+            <a:pPr lvl="1"/>
+            <a:r>
+              <a:rPr lang="en-ZA" dirty="0" smtClean="0"/>
+              <a:t>Train station</a:t>
+            </a:r>
+          </a:p>
+          <a:p>
+            <a:r>
+              <a:rPr lang="en-ZA" dirty="0" smtClean="0"/>
+              <a:t>Simple signs</a:t>
+            </a:r>
+          </a:p>
+          <a:p>
+            <a:pPr lvl="1"/>
+            <a:r>
+              <a:rPr lang="en-ZA" dirty="0" smtClean="0"/>
+              <a:t>“Bathroom this way”</a:t>
+            </a:r>
+          </a:p>
+          <a:p>
+            <a:pPr marL="514350" indent="-457200"/>
+            <a:r>
+              <a:rPr lang="en-ZA" dirty="0" smtClean="0"/>
+              <a:t>The whole concept behind metro</a:t>
+            </a:r>
+          </a:p>
+          <a:p>
+            <a:pPr>
+              <a:buFont typeface="Arial" panose="020B0604020202020204" pitchFamily="34" charset="0"/>
+              <a:buChar char="•"/>
+            </a:pPr>
+            <a:r>
+              <a:rPr lang="en-ZA" dirty="0"/>
+              <a:t>Very little code</a:t>
+            </a:r>
+          </a:p>
+          <a:p>
+            <a:pPr>
+              <a:buFont typeface="Arial" panose="020B0604020202020204" pitchFamily="34" charset="0"/>
+              <a:buChar char="•"/>
+            </a:pPr>
+            <a:r>
+              <a:rPr lang="en-ZA" dirty="0"/>
+              <a:t>Very little information on screen</a:t>
+            </a:r>
+          </a:p>
+          <a:p>
+            <a:pPr marL="514350" indent="-457200"/>
+            <a:endParaRPr lang="en-ZA" dirty="0"/>
+          </a:p>
+        </p:txBody>
+      </p:sp>
+      <p:pic>
+        <p:nvPicPr>
+          <p:cNvPr id="2050" name="Picture 2" descr="http://home.wangjianshuo.com/archives/2005/01/04/newyrok-subway-signs.jpg"/>
+          <p:cNvPicPr>
+            <a:picLocks noChangeAspect="1" noChangeArrowheads="1"/>
+          </p:cNvPicPr>
+          <p:nvPr/>
+        </p:nvPicPr>
+        <p:blipFill>
+          <a:blip r:embed="rId2">
+            <a:extLst>
+              <a:ext uri="{28A0092B-C50C-407E-A947-70E740481C1C}">
+                <a14:useLocalDpi xmlns:a14="http://schemas.microsoft.com/office/drawing/2010/main" val="0"/>
+              </a:ext>
+            </a:extLst>
+          </a:blip>
+          <a:srcRect/>
+          <a:stretch>
+            <a:fillRect/>
+          </a:stretch>
+        </p:blipFill>
+        <p:spPr bwMode="auto">
+          <a:xfrm>
+            <a:off x="7133168" y="1638982"/>
+            <a:ext cx="2925233" cy="2193925"/>
+          </a:xfrm>
+          <a:prstGeom prst="rect">
+            <a:avLst/>
+          </a:prstGeom>
+          <a:noFill/>
+          <a:extLst>
+            <a:ext uri="{909E8E84-426E-40DD-AFC4-6F175D3DCCD1}">
+              <a14:hiddenFill xmlns:a14="http://schemas.microsoft.com/office/drawing/2010/main">
+                <a:solidFill>
+                  <a:srgbClr val="FFFFFF"/>
+                </a:solidFill>
+              </a14:hiddenFill>
+            </a:ext>
+          </a:extLst>
+        </p:spPr>
+      </p:pic>
+      <p:sp>
+        <p:nvSpPr>
+          <p:cNvPr id="5" name="Title 1"/>
+          <p:cNvSpPr>
+            <a:spLocks noGrp="1"/>
+          </p:cNvSpPr>
+          <p:nvPr>
+            <p:ph type="title"/>
+          </p:nvPr>
+        </p:nvSpPr>
+        <p:spPr>
+          <a:xfrm>
+            <a:off x="646111" y="452718"/>
+            <a:ext cx="9404723" cy="1400530"/>
+          </a:xfrm>
+        </p:spPr>
+        <p:txBody>
+          <a:bodyPr/>
+          <a:lstStyle/>
+          <a:p>
+            <a:r>
+              <a:rPr lang="en-ZA" dirty="0" smtClean="0"/>
+              <a:t>Story of Metro</a:t>
+            </a:r>
+            <a:endParaRPr lang="en-ZA" dirty="0"/>
+          </a:p>
+        </p:txBody>
+      </p:sp>
+    </p:spTree>
+    <p:extLst>
+      <p:ext uri="{BB962C8B-B14F-4D97-AF65-F5344CB8AC3E}">
+        <p14:creationId xmlns:p14="http://schemas.microsoft.com/office/powerpoint/2010/main" val="2899917012"/>
+      </p:ext>
+    </p:extLst>
+  </p:cSld>
+  <p:clrMapOvr>
+    <a:masterClrMapping/>
+  </p:clrMapOvr>
+  <p:timing>
+    <p:tnLst>
+      <p:par>
+        <p:cTn id="1" dur="indefinite" restart="never" nodeType="tmRoot"/>
+      </p:par>
+    </p:tnLst>
+  </p:timing>
+</p:sld>
+</file>
+
+<file path=ppt/slides/slide22.xml><?xml version="1.0" encoding="utf-8"?>
+<p:sld xmlns:a="http://schemas.openxmlformats.org/drawingml/2006/main" xmlns:r="http://schemas.openxmlformats.org/officeDocument/2006/relationships" xmlns:p="http://schemas.openxmlformats.org/presentationml/2006/main">
+  <p:cSld>
+    <p:spTree>
+      <p:nvGrpSpPr>
+        <p:cNvPr id="1" name=""/>
+        <p:cNvGrpSpPr/>
+        <p:nvPr/>
+      </p:nvGrpSpPr>
+      <p:grpSpPr>
+        <a:xfrm>
+          <a:off x="0" y="0"/>
+          <a:ext cx="0" cy="0"/>
+          <a:chOff x="0" y="0"/>
+          <a:chExt cx="0" cy="0"/>
+        </a:xfrm>
+      </p:grpSpPr>
+      <p:sp>
+        <p:nvSpPr>
+          <p:cNvPr id="2" name="Title 1"/>
+          <p:cNvSpPr>
+            <a:spLocks noGrp="1"/>
+          </p:cNvSpPr>
+          <p:nvPr>
+            <p:ph type="title"/>
+          </p:nvPr>
+        </p:nvSpPr>
+        <p:spPr/>
+        <p:txBody>
+          <a:bodyPr/>
+          <a:lstStyle/>
+          <a:p>
+            <a:r>
+              <a:rPr lang="en-ZA" dirty="0" smtClean="0"/>
+              <a:t>Abu Dhabi VS OR Tambo</a:t>
+            </a:r>
+            <a:endParaRPr lang="en-ZA" dirty="0"/>
+          </a:p>
+        </p:txBody>
+      </p:sp>
+      <p:pic>
+        <p:nvPicPr>
+          <p:cNvPr id="4" name="Picture 4" descr="https://thepurplejournal.files.wordpress.com/2009/09/metro3.jpg"/>
+          <p:cNvPicPr>
+            <a:picLocks noChangeAspect="1" noChangeArrowheads="1"/>
+          </p:cNvPicPr>
+          <p:nvPr/>
+        </p:nvPicPr>
+        <p:blipFill>
+          <a:blip r:embed="rId2" cstate="print">
+            <a:extLst>
+              <a:ext uri="{28A0092B-C50C-407E-A947-70E740481C1C}">
+                <a14:useLocalDpi xmlns:a14="http://schemas.microsoft.com/office/drawing/2010/main" val="0"/>
+              </a:ext>
+            </a:extLst>
+          </a:blip>
+          <a:srcRect/>
+          <a:stretch>
+            <a:fillRect/>
+          </a:stretch>
+        </p:blipFill>
+        <p:spPr bwMode="auto">
+          <a:xfrm>
+            <a:off x="1874033" y="1484784"/>
+            <a:ext cx="3850493" cy="2560168"/>
+          </a:xfrm>
+          <a:prstGeom prst="rect">
+            <a:avLst/>
+          </a:prstGeom>
+          <a:noFill/>
+          <a:extLst>
+            <a:ext uri="{909E8E84-426E-40DD-AFC4-6F175D3DCCD1}">
+              <a14:hiddenFill xmlns:a14="http://schemas.microsoft.com/office/drawing/2010/main">
+                <a:solidFill>
+                  <a:srgbClr val="FFFFFF"/>
+                </a:solidFill>
+              </a14:hiddenFill>
+            </a:ext>
+          </a:extLst>
+        </p:spPr>
+      </p:pic>
+      <p:pic>
+        <p:nvPicPr>
+          <p:cNvPr id="3074" name="Picture 2" descr="http://www.emerald-guesthouse.co.za/UserFiles/terminal-a-arrival-sign.jpg"/>
+          <p:cNvPicPr>
+            <a:picLocks noChangeAspect="1" noChangeArrowheads="1"/>
+          </p:cNvPicPr>
+          <p:nvPr/>
+        </p:nvPicPr>
+        <p:blipFill>
+          <a:blip r:embed="rId3">
+            <a:extLst>
+              <a:ext uri="{28A0092B-C50C-407E-A947-70E740481C1C}">
+                <a14:useLocalDpi xmlns:a14="http://schemas.microsoft.com/office/drawing/2010/main" val="0"/>
+              </a:ext>
+            </a:extLst>
+          </a:blip>
+          <a:srcRect/>
+          <a:stretch>
+            <a:fillRect/>
+          </a:stretch>
+        </p:blipFill>
+        <p:spPr bwMode="auto">
+          <a:xfrm>
+            <a:off x="6107431" y="1736168"/>
+            <a:ext cx="4143375" cy="2057401"/>
+          </a:xfrm>
+          <a:prstGeom prst="rect">
+            <a:avLst/>
+          </a:prstGeom>
+          <a:noFill/>
+          <a:extLst>
+            <a:ext uri="{909E8E84-426E-40DD-AFC4-6F175D3DCCD1}">
+              <a14:hiddenFill xmlns:a14="http://schemas.microsoft.com/office/drawing/2010/main">
+                <a:solidFill>
+                  <a:srgbClr val="FFFFFF"/>
+                </a:solidFill>
+              </a14:hiddenFill>
+            </a:ext>
+          </a:extLst>
+        </p:spPr>
+      </p:pic>
+    </p:spTree>
+    <p:extLst>
+      <p:ext uri="{BB962C8B-B14F-4D97-AF65-F5344CB8AC3E}">
+        <p14:creationId xmlns:p14="http://schemas.microsoft.com/office/powerpoint/2010/main" val="366767816"/>
+      </p:ext>
+    </p:extLst>
+  </p:cSld>
+  <p:clrMapOvr>
+    <a:masterClrMapping/>
+  </p:clrMapOvr>
+  <p:timing>
+    <p:tnLst>
+      <p:par>
+        <p:cTn id="1" dur="indefinite" restart="never" nodeType="tmRoot"/>
+      </p:par>
+    </p:tnLst>
+  </p:timing>
+</p:sld>
+</file>
+
+<file path=ppt/slides/slide23.xml><?xml version="1.0" encoding="utf-8"?>
+<p:sld xmlns:a="http://schemas.openxmlformats.org/drawingml/2006/main" xmlns:r="http://schemas.openxmlformats.org/officeDocument/2006/relationships" xmlns:p="http://schemas.openxmlformats.org/presentationml/2006/main">
+  <p:cSld>
+    <p:spTree>
+      <p:nvGrpSpPr>
+        <p:cNvPr id="1" name=""/>
+        <p:cNvGrpSpPr/>
+        <p:nvPr/>
+      </p:nvGrpSpPr>
+      <p:grpSpPr>
+        <a:xfrm>
+          <a:off x="0" y="0"/>
+          <a:ext cx="0" cy="0"/>
+          <a:chOff x="0" y="0"/>
+          <a:chExt cx="0" cy="0"/>
+        </a:xfrm>
+      </p:grpSpPr>
+      <p:sp>
+        <p:nvSpPr>
+          <p:cNvPr id="2" name="Title 1"/>
+          <p:cNvSpPr>
+            <a:spLocks noGrp="1"/>
+          </p:cNvSpPr>
+          <p:nvPr>
+            <p:ph type="title"/>
+          </p:nvPr>
+        </p:nvSpPr>
+        <p:spPr/>
+        <p:txBody>
+          <a:bodyPr/>
+          <a:lstStyle/>
+          <a:p>
+            <a:r>
+              <a:rPr lang="en-ZA" dirty="0" smtClean="0"/>
+              <a:t>What Microsoft faced</a:t>
+            </a:r>
+            <a:endParaRPr lang="en-ZA" dirty="0"/>
+          </a:p>
+        </p:txBody>
+      </p:sp>
+      <p:sp>
+        <p:nvSpPr>
+          <p:cNvPr id="3" name="Content Placeholder 2"/>
+          <p:cNvSpPr>
+            <a:spLocks noGrp="1"/>
+          </p:cNvSpPr>
+          <p:nvPr>
+            <p:ph idx="1"/>
+          </p:nvPr>
+        </p:nvSpPr>
+        <p:spPr/>
+        <p:txBody>
+          <a:bodyPr/>
+          <a:lstStyle/>
+          <a:p>
+            <a:r>
+              <a:rPr lang="en-ZA" dirty="0"/>
+              <a:t>Windows Mobile</a:t>
+            </a:r>
+          </a:p>
+          <a:p>
+            <a:pPr lvl="1"/>
+            <a:r>
+              <a:rPr lang="en-ZA" dirty="0"/>
+              <a:t>Took explorer and “squashed” it into a tiny display</a:t>
+            </a:r>
+          </a:p>
+          <a:p>
+            <a:pPr lvl="1"/>
+            <a:r>
+              <a:rPr lang="en-ZA" dirty="0"/>
+              <a:t>Open menu =&gt; see nothing</a:t>
+            </a:r>
+          </a:p>
+          <a:p>
+            <a:pPr lvl="1"/>
+            <a:endParaRPr lang="en-ZA" dirty="0"/>
+          </a:p>
+          <a:p>
+            <a:r>
+              <a:rPr lang="en-ZA" dirty="0"/>
+              <a:t>Microsoft’s “screen” targets</a:t>
+            </a:r>
+          </a:p>
+          <a:p>
+            <a:pPr lvl="1"/>
+            <a:r>
+              <a:rPr lang="en-ZA" dirty="0"/>
+              <a:t>PC</a:t>
+            </a:r>
+          </a:p>
+          <a:p>
+            <a:pPr lvl="1"/>
+            <a:r>
+              <a:rPr lang="en-ZA" dirty="0"/>
+              <a:t>TV (Xbox)</a:t>
+            </a:r>
+          </a:p>
+          <a:p>
+            <a:pPr lvl="1"/>
+            <a:r>
+              <a:rPr lang="en-ZA" dirty="0"/>
+              <a:t>Mobile devices</a:t>
+            </a:r>
+          </a:p>
+          <a:p>
+            <a:endParaRPr lang="en-ZA" dirty="0"/>
+          </a:p>
+        </p:txBody>
+      </p:sp>
+    </p:spTree>
+    <p:extLst>
+      <p:ext uri="{BB962C8B-B14F-4D97-AF65-F5344CB8AC3E}">
+        <p14:creationId xmlns:p14="http://schemas.microsoft.com/office/powerpoint/2010/main" val="852261126"/>
+      </p:ext>
+    </p:extLst>
+  </p:cSld>
+  <p:clrMapOvr>
+    <a:masterClrMapping/>
+  </p:clrMapOvr>
+  <p:timing>
+    <p:tnLst>
+      <p:par>
+        <p:cTn id="1" dur="indefinite" restart="never" nodeType="tmRoot"/>
+      </p:par>
+    </p:tnLst>
+  </p:timing>
+</p:sld>
+</file>
+
+<file path=ppt/slides/slide24.xml><?xml version="1.0" encoding="utf-8"?>
+<p:sld xmlns:a="http://schemas.openxmlformats.org/drawingml/2006/main" xmlns:r="http://schemas.openxmlformats.org/officeDocument/2006/relationships" xmlns:p="http://schemas.openxmlformats.org/presentationml/2006/main">
+  <p:cSld>
+    <p:spTree>
+      <p:nvGrpSpPr>
+        <p:cNvPr id="1" name=""/>
+        <p:cNvGrpSpPr/>
+        <p:nvPr/>
+      </p:nvGrpSpPr>
+      <p:grpSpPr>
+        <a:xfrm>
+          <a:off x="0" y="0"/>
+          <a:ext cx="0" cy="0"/>
+          <a:chOff x="0" y="0"/>
+          <a:chExt cx="0" cy="0"/>
+        </a:xfrm>
+      </p:grpSpPr>
+      <p:sp>
+        <p:nvSpPr>
+          <p:cNvPr id="2" name="Title 1"/>
+          <p:cNvSpPr>
+            <a:spLocks noGrp="1"/>
+          </p:cNvSpPr>
+          <p:nvPr>
+            <p:ph type="title"/>
+          </p:nvPr>
+        </p:nvSpPr>
+        <p:spPr/>
+        <p:txBody>
+          <a:bodyPr/>
+          <a:lstStyle/>
+          <a:p>
+            <a:r>
+              <a:rPr lang="en-ZA" dirty="0" smtClean="0"/>
+              <a:t>Now What?</a:t>
+            </a:r>
+            <a:endParaRPr lang="en-ZA" dirty="0"/>
+          </a:p>
+        </p:txBody>
+      </p:sp>
+      <p:sp>
+        <p:nvSpPr>
+          <p:cNvPr id="3" name="Content Placeholder 2"/>
+          <p:cNvSpPr>
+            <a:spLocks noGrp="1"/>
+          </p:cNvSpPr>
+          <p:nvPr>
+            <p:ph idx="1"/>
+          </p:nvPr>
+        </p:nvSpPr>
+        <p:spPr/>
+        <p:txBody>
+          <a:bodyPr/>
+          <a:lstStyle/>
+          <a:p>
+            <a:r>
+              <a:rPr lang="en-ZA" dirty="0"/>
+              <a:t>“explorer” interface will </a:t>
+            </a:r>
+            <a:r>
+              <a:rPr lang="en-ZA" dirty="0" smtClean="0"/>
+              <a:t>disappear</a:t>
+            </a:r>
+            <a:endParaRPr lang="en-ZA" dirty="0"/>
+          </a:p>
+          <a:p>
+            <a:endParaRPr lang="en-ZA" dirty="0"/>
+          </a:p>
+          <a:p>
+            <a:r>
+              <a:rPr lang="en-ZA" dirty="0"/>
+              <a:t>Basic concept</a:t>
+            </a:r>
+          </a:p>
+          <a:p>
+            <a:pPr lvl="1"/>
+            <a:r>
+              <a:rPr lang="en-ZA" dirty="0"/>
+              <a:t>Get a lot of information quickly</a:t>
+            </a:r>
+          </a:p>
+          <a:p>
+            <a:pPr lvl="1"/>
+            <a:r>
+              <a:rPr lang="en-ZA" dirty="0"/>
+              <a:t>The UI shouldn’t be distracting</a:t>
+            </a:r>
+          </a:p>
+          <a:p>
+            <a:endParaRPr lang="en-ZA" dirty="0"/>
+          </a:p>
+        </p:txBody>
+      </p:sp>
+    </p:spTree>
+    <p:extLst>
+      <p:ext uri="{BB962C8B-B14F-4D97-AF65-F5344CB8AC3E}">
+        <p14:creationId xmlns:p14="http://schemas.microsoft.com/office/powerpoint/2010/main" val="3668673638"/>
+      </p:ext>
+    </p:extLst>
+  </p:cSld>
+  <p:clrMapOvr>
+    <a:masterClrMapping/>
+  </p:clrMapOvr>
+  <p:timing>
+    <p:tnLst>
+      <p:par>
+        <p:cTn id="1" dur="indefinite" restart="never" nodeType="tmRoot"/>
+      </p:par>
+    </p:tnLst>
+  </p:timing>
+</p:sld>
+</file>
+
+<file path=ppt/slides/slide25.xml><?xml version="1.0" encoding="utf-8"?>
+<p:sld xmlns:a="http://schemas.openxmlformats.org/drawingml/2006/main" xmlns:r="http://schemas.openxmlformats.org/officeDocument/2006/relationships" xmlns:p="http://schemas.openxmlformats.org/presentationml/2006/main">
+  <p:cSld>
+    <p:spTree>
+      <p:nvGrpSpPr>
+        <p:cNvPr id="1" name=""/>
+        <p:cNvGrpSpPr/>
+        <p:nvPr/>
+      </p:nvGrpSpPr>
+      <p:grpSpPr>
+        <a:xfrm>
+          <a:off x="0" y="0"/>
+          <a:ext cx="0" cy="0"/>
+          <a:chOff x="0" y="0"/>
+          <a:chExt cx="0" cy="0"/>
+        </a:xfrm>
+      </p:grpSpPr>
+      <p:sp>
+        <p:nvSpPr>
+          <p:cNvPr id="2" name="Title 1"/>
+          <p:cNvSpPr>
+            <a:spLocks noGrp="1"/>
+          </p:cNvSpPr>
+          <p:nvPr>
+            <p:ph type="title"/>
+          </p:nvPr>
+        </p:nvSpPr>
+        <p:spPr/>
+        <p:txBody>
+          <a:bodyPr/>
+          <a:lstStyle/>
+          <a:p>
+            <a:r>
+              <a:rPr lang="en-ZA" dirty="0" smtClean="0"/>
+              <a:t>Chrome UI</a:t>
+            </a:r>
+            <a:endParaRPr lang="en-ZA" dirty="0"/>
+          </a:p>
+        </p:txBody>
+      </p:sp>
+      <p:pic>
+        <p:nvPicPr>
+          <p:cNvPr id="4" name="Picture 2" descr="http://images.apple.com/ios/shared/what-is/images/interface.jpg"/>
+          <p:cNvPicPr>
+            <a:picLocks noChangeAspect="1" noChangeArrowheads="1"/>
+          </p:cNvPicPr>
+          <p:nvPr/>
+        </p:nvPicPr>
+        <p:blipFill>
+          <a:blip r:embed="rId2">
+            <a:extLst>
+              <a:ext uri="{28A0092B-C50C-407E-A947-70E740481C1C}">
+                <a14:useLocalDpi xmlns:a14="http://schemas.microsoft.com/office/drawing/2010/main" val="0"/>
+              </a:ext>
+            </a:extLst>
+          </a:blip>
+          <a:srcRect/>
+          <a:stretch>
+            <a:fillRect/>
+          </a:stretch>
+        </p:blipFill>
+        <p:spPr bwMode="auto">
+          <a:xfrm>
+            <a:off x="3073132" y="1468178"/>
+            <a:ext cx="6480720" cy="4856521"/>
+          </a:xfrm>
+          <a:prstGeom prst="rect">
+            <a:avLst/>
+          </a:prstGeom>
+          <a:noFill/>
+          <a:extLst>
+            <a:ext uri="{909E8E84-426E-40DD-AFC4-6F175D3DCCD1}">
+              <a14:hiddenFill xmlns:a14="http://schemas.microsoft.com/office/drawing/2010/main">
+                <a:solidFill>
+                  <a:srgbClr val="FFFFFF"/>
+                </a:solidFill>
+              </a14:hiddenFill>
+            </a:ext>
+          </a:extLst>
+        </p:spPr>
+      </p:pic>
+    </p:spTree>
+    <p:extLst>
+      <p:ext uri="{BB962C8B-B14F-4D97-AF65-F5344CB8AC3E}">
+        <p14:creationId xmlns:p14="http://schemas.microsoft.com/office/powerpoint/2010/main" val="1095303791"/>
+      </p:ext>
+    </p:extLst>
+  </p:cSld>
+  <p:clrMapOvr>
+    <a:masterClrMapping/>
+  </p:clrMapOvr>
+  <p:timing>
+    <p:tnLst>
+      <p:par>
+        <p:cTn id="1" dur="indefinite" restart="never" nodeType="tmRoot"/>
+      </p:par>
+    </p:tnLst>
+  </p:timing>
+</p:sld>
+</file>
+
+<file path=ppt/slides/slide26.xml><?xml version="1.0" encoding="utf-8"?>
+<p:sld xmlns:a="http://schemas.openxmlformats.org/drawingml/2006/main" xmlns:r="http://schemas.openxmlformats.org/officeDocument/2006/relationships" xmlns:p="http://schemas.openxmlformats.org/presentationml/2006/main">
+  <p:cSld>
+    <p:spTree>
+      <p:nvGrpSpPr>
+        <p:cNvPr id="1" name=""/>
+        <p:cNvGrpSpPr/>
+        <p:nvPr/>
+      </p:nvGrpSpPr>
+      <p:grpSpPr>
+        <a:xfrm>
+          <a:off x="0" y="0"/>
+          <a:ext cx="0" cy="0"/>
+          <a:chOff x="0" y="0"/>
+          <a:chExt cx="0" cy="0"/>
+        </a:xfrm>
+      </p:grpSpPr>
+      <p:sp>
+        <p:nvSpPr>
+          <p:cNvPr id="2" name="Title 1"/>
+          <p:cNvSpPr>
+            <a:spLocks noGrp="1"/>
+          </p:cNvSpPr>
+          <p:nvPr>
+            <p:ph type="title"/>
+          </p:nvPr>
+        </p:nvSpPr>
+        <p:spPr/>
+        <p:txBody>
+          <a:bodyPr/>
+          <a:lstStyle/>
+          <a:p>
+            <a:r>
+              <a:rPr lang="en-ZA" dirty="0" smtClean="0"/>
+              <a:t>What It Does Right</a:t>
+            </a:r>
+            <a:endParaRPr lang="en-ZA" dirty="0"/>
+          </a:p>
+        </p:txBody>
+      </p:sp>
+      <p:sp>
+        <p:nvSpPr>
+          <p:cNvPr id="3" name="Content Placeholder 2"/>
+          <p:cNvSpPr>
+            <a:spLocks noGrp="1"/>
+          </p:cNvSpPr>
+          <p:nvPr>
+            <p:ph idx="1"/>
+          </p:nvPr>
+        </p:nvSpPr>
+        <p:spPr/>
+        <p:txBody>
+          <a:bodyPr/>
+          <a:lstStyle/>
+          <a:p>
+            <a:r>
+              <a:rPr lang="en-ZA" dirty="0"/>
+              <a:t>iPhone</a:t>
+            </a:r>
+          </a:p>
+          <a:p>
+            <a:pPr lvl="1"/>
+            <a:r>
+              <a:rPr lang="en-ZA" dirty="0"/>
+              <a:t>Page through applications to see the information</a:t>
+            </a:r>
+          </a:p>
+          <a:p>
+            <a:pPr lvl="1"/>
+            <a:endParaRPr lang="en-ZA" dirty="0"/>
+          </a:p>
+          <a:p>
+            <a:r>
+              <a:rPr lang="en-ZA" dirty="0"/>
+              <a:t>Take information and boil it down as much as we can</a:t>
+            </a:r>
+          </a:p>
+          <a:p>
+            <a:r>
+              <a:rPr lang="en-ZA" dirty="0"/>
+              <a:t>Make information relevant</a:t>
+            </a:r>
+          </a:p>
+          <a:p>
+            <a:endParaRPr lang="en-ZA" dirty="0"/>
+          </a:p>
+        </p:txBody>
+      </p:sp>
+    </p:spTree>
+    <p:extLst>
+      <p:ext uri="{BB962C8B-B14F-4D97-AF65-F5344CB8AC3E}">
+        <p14:creationId xmlns:p14="http://schemas.microsoft.com/office/powerpoint/2010/main" val="2804578572"/>
+      </p:ext>
+    </p:extLst>
+  </p:cSld>
+  <p:clrMapOvr>
+    <a:masterClrMapping/>
+  </p:clrMapOvr>
+  <p:timing>
+    <p:tnLst>
+      <p:par>
+        <p:cTn id="1" dur="indefinite" restart="never" nodeType="tmRoot"/>
+      </p:par>
+    </p:tnLst>
+  </p:timing>
+</p:sld>
+</file>
+
+<file path=ppt/slides/slide27.xml><?xml version="1.0" encoding="utf-8"?>
+<p:sld xmlns:a="http://schemas.openxmlformats.org/drawingml/2006/main" xmlns:r="http://schemas.openxmlformats.org/officeDocument/2006/relationships" xmlns:p="http://schemas.openxmlformats.org/presentationml/2006/main">
+  <p:cSld>
+    <p:spTree>
+      <p:nvGrpSpPr>
+        <p:cNvPr id="1" name=""/>
+        <p:cNvGrpSpPr/>
+        <p:nvPr/>
+      </p:nvGrpSpPr>
+      <p:grpSpPr>
+        <a:xfrm>
+          <a:off x="0" y="0"/>
+          <a:ext cx="0" cy="0"/>
+          <a:chOff x="0" y="0"/>
+          <a:chExt cx="0" cy="0"/>
+        </a:xfrm>
+      </p:grpSpPr>
+      <p:sp>
+        <p:nvSpPr>
+          <p:cNvPr id="2" name="Title 1"/>
+          <p:cNvSpPr>
+            <a:spLocks noGrp="1"/>
+          </p:cNvSpPr>
+          <p:nvPr>
+            <p:ph type="title"/>
+          </p:nvPr>
+        </p:nvSpPr>
+        <p:spPr/>
+        <p:txBody>
+          <a:bodyPr/>
+          <a:lstStyle/>
+          <a:p>
+            <a:r>
+              <a:rPr lang="en-ZA" dirty="0" smtClean="0"/>
+              <a:t>Why not Chrome UI?</a:t>
+            </a:r>
+            <a:endParaRPr lang="en-ZA" dirty="0"/>
+          </a:p>
+        </p:txBody>
+      </p:sp>
+      <p:sp>
+        <p:nvSpPr>
+          <p:cNvPr id="3" name="Content Placeholder 2"/>
+          <p:cNvSpPr>
+            <a:spLocks noGrp="1"/>
+          </p:cNvSpPr>
+          <p:nvPr>
+            <p:ph idx="1"/>
+          </p:nvPr>
+        </p:nvSpPr>
+        <p:spPr/>
+        <p:txBody>
+          <a:bodyPr/>
+          <a:lstStyle/>
+          <a:p>
+            <a:r>
+              <a:rPr lang="en-ZA" dirty="0"/>
+              <a:t>Round edges on icons distracts users</a:t>
+            </a:r>
+          </a:p>
+          <a:p>
+            <a:pPr lvl="1"/>
+            <a:r>
+              <a:rPr lang="en-ZA" dirty="0"/>
+              <a:t>Hence flat</a:t>
+            </a:r>
+          </a:p>
+          <a:p>
+            <a:pPr lvl="1"/>
+            <a:r>
+              <a:rPr lang="en-ZA" dirty="0"/>
+              <a:t>How many round signs have you seen?</a:t>
+            </a:r>
+          </a:p>
+          <a:p>
+            <a:pPr lvl="1"/>
+            <a:endParaRPr lang="en-ZA" dirty="0"/>
+          </a:p>
+          <a:p>
+            <a:r>
+              <a:rPr lang="en-ZA" dirty="0"/>
+              <a:t>The cue is taken from basic signage everywhere</a:t>
+            </a:r>
+          </a:p>
+          <a:p>
+            <a:endParaRPr lang="en-ZA" dirty="0"/>
+          </a:p>
+        </p:txBody>
+      </p:sp>
+      <p:pic>
+        <p:nvPicPr>
+          <p:cNvPr id="4" name="Picture 2" descr="http://media.onsugar.com/files/ons1/264/2643897/20_2009/741256c80856a577_WallSign_Sets_219_New-York-Subway-Signs-Posters.jpg"/>
+          <p:cNvPicPr>
+            <a:picLocks noChangeAspect="1" noChangeArrowheads="1"/>
+          </p:cNvPicPr>
+          <p:nvPr/>
+        </p:nvPicPr>
+        <p:blipFill>
+          <a:blip r:embed="rId2">
+            <a:extLst>
+              <a:ext uri="{28A0092B-C50C-407E-A947-70E740481C1C}">
+                <a14:useLocalDpi xmlns:a14="http://schemas.microsoft.com/office/drawing/2010/main" val="0"/>
+              </a:ext>
+            </a:extLst>
+          </a:blip>
+          <a:srcRect/>
+          <a:stretch>
+            <a:fillRect/>
+          </a:stretch>
+        </p:blipFill>
+        <p:spPr bwMode="auto">
+          <a:xfrm>
+            <a:off x="7914067" y="1653647"/>
+            <a:ext cx="3810000" cy="3943350"/>
+          </a:xfrm>
+          <a:prstGeom prst="rect">
+            <a:avLst/>
+          </a:prstGeom>
+          <a:noFill/>
+          <a:extLst>
+            <a:ext uri="{909E8E84-426E-40DD-AFC4-6F175D3DCCD1}">
+              <a14:hiddenFill xmlns:a14="http://schemas.microsoft.com/office/drawing/2010/main">
+                <a:solidFill>
+                  <a:srgbClr val="FFFFFF"/>
+                </a:solidFill>
+              </a14:hiddenFill>
+            </a:ext>
+          </a:extLst>
+        </p:spPr>
+      </p:pic>
+    </p:spTree>
+    <p:extLst>
+      <p:ext uri="{BB962C8B-B14F-4D97-AF65-F5344CB8AC3E}">
+        <p14:creationId xmlns:p14="http://schemas.microsoft.com/office/powerpoint/2010/main" val="3355597519"/>
+      </p:ext>
+    </p:extLst>
+  </p:cSld>
+  <p:clrMapOvr>
+    <a:masterClrMapping/>
+  </p:clrMapOvr>
+  <p:timing>
+    <p:tnLst>
+      <p:par>
+        <p:cTn id="1" dur="indefinite" restart="never" nodeType="tmRoot"/>
+      </p:par>
+    </p:tnLst>
+  </p:timing>
+</p:sld>
+</file>
+
+<file path=ppt/slides/slide28.xml><?xml version="1.0" encoding="utf-8"?>
+<p:sld xmlns:a="http://schemas.openxmlformats.org/drawingml/2006/main" xmlns:r="http://schemas.openxmlformats.org/officeDocument/2006/relationships" xmlns:p="http://schemas.openxmlformats.org/presentationml/2006/main">
+  <p:cSld>
+    <p:spTree>
+      <p:nvGrpSpPr>
+        <p:cNvPr id="1" name=""/>
+        <p:cNvGrpSpPr/>
+        <p:nvPr/>
+      </p:nvGrpSpPr>
+      <p:grpSpPr>
+        <a:xfrm>
+          <a:off x="0" y="0"/>
+          <a:ext cx="0" cy="0"/>
+          <a:chOff x="0" y="0"/>
+          <a:chExt cx="0" cy="0"/>
+        </a:xfrm>
+      </p:grpSpPr>
+      <p:sp>
+        <p:nvSpPr>
+          <p:cNvPr id="2" name="Title 1"/>
+          <p:cNvSpPr>
+            <a:spLocks noGrp="1"/>
+          </p:cNvSpPr>
+          <p:nvPr>
+            <p:ph type="title"/>
+          </p:nvPr>
+        </p:nvSpPr>
+        <p:spPr/>
+        <p:txBody>
+          <a:bodyPr/>
+          <a:lstStyle/>
+          <a:p>
+            <a:r>
+              <a:rPr lang="en-ZA" dirty="0" smtClean="0"/>
+              <a:t>Principles</a:t>
+            </a:r>
+            <a:endParaRPr lang="en-ZA" dirty="0"/>
+          </a:p>
+        </p:txBody>
+      </p:sp>
+      <p:sp>
+        <p:nvSpPr>
+          <p:cNvPr id="3" name="Content Placeholder 2"/>
+          <p:cNvSpPr>
+            <a:spLocks noGrp="1"/>
+          </p:cNvSpPr>
+          <p:nvPr>
+            <p:ph idx="1"/>
+          </p:nvPr>
+        </p:nvSpPr>
+        <p:spPr/>
+        <p:txBody>
+          <a:bodyPr/>
+          <a:lstStyle/>
+          <a:p>
+            <a:r>
+              <a:rPr lang="en-ZA" dirty="0"/>
+              <a:t>Text becomes part of the experience</a:t>
+            </a:r>
+          </a:p>
+          <a:p>
+            <a:pPr marL="0" lvl="1" indent="0">
+              <a:buNone/>
+            </a:pPr>
+            <a:r>
+              <a:rPr lang="en-ZA" dirty="0"/>
+              <a:t>Things scrolling off left or right still partially visible</a:t>
+            </a:r>
+          </a:p>
+          <a:p>
+            <a:pPr>
+              <a:buFont typeface="Arial" panose="020B0604020202020204" pitchFamily="34" charset="0"/>
+              <a:buChar char="•"/>
+            </a:pPr>
+            <a:r>
+              <a:rPr lang="en-ZA" dirty="0"/>
+              <a:t>Feels fast and responsive</a:t>
+            </a:r>
+          </a:p>
+          <a:p>
+            <a:pPr>
+              <a:buFont typeface="Arial" panose="020B0604020202020204" pitchFamily="34" charset="0"/>
+              <a:buChar char="•"/>
+            </a:pPr>
+            <a:r>
+              <a:rPr lang="en-ZA" dirty="0"/>
+              <a:t>Focus on Primary Tasks</a:t>
+            </a:r>
+          </a:p>
+          <a:p>
+            <a:pPr>
+              <a:buFont typeface="Arial" panose="020B0604020202020204" pitchFamily="34" charset="0"/>
+              <a:buChar char="•"/>
+            </a:pPr>
+            <a:r>
+              <a:rPr lang="en-ZA" dirty="0"/>
+              <a:t>Do a lot with very little</a:t>
+            </a:r>
+          </a:p>
+          <a:p>
+            <a:pPr>
+              <a:buFont typeface="Arial" panose="020B0604020202020204" pitchFamily="34" charset="0"/>
+              <a:buChar char="•"/>
+            </a:pPr>
+            <a:r>
+              <a:rPr lang="en-ZA" dirty="0"/>
+              <a:t>Fierce reduction of the unnecessary</a:t>
+            </a:r>
+          </a:p>
+          <a:p>
+            <a:pPr>
+              <a:buFont typeface="Arial" panose="020B0604020202020204" pitchFamily="34" charset="0"/>
+              <a:buChar char="•"/>
+            </a:pPr>
+            <a:r>
+              <a:rPr lang="en-ZA" dirty="0"/>
+              <a:t>Delightful use of whitespace</a:t>
+            </a:r>
+          </a:p>
+          <a:p>
+            <a:pPr>
+              <a:buFont typeface="Arial" panose="020B0604020202020204" pitchFamily="34" charset="0"/>
+              <a:buChar char="•"/>
+            </a:pPr>
+            <a:r>
+              <a:rPr lang="en-ZA" dirty="0"/>
+              <a:t>Full bleed canvas</a:t>
+            </a:r>
+          </a:p>
+          <a:p>
+            <a:endParaRPr lang="en-ZA" dirty="0"/>
+          </a:p>
+        </p:txBody>
+      </p:sp>
+    </p:spTree>
+    <p:extLst>
+      <p:ext uri="{BB962C8B-B14F-4D97-AF65-F5344CB8AC3E}">
+        <p14:creationId xmlns:p14="http://schemas.microsoft.com/office/powerpoint/2010/main" val="1150209280"/>
+      </p:ext>
+    </p:extLst>
+  </p:cSld>
+  <p:clrMapOvr>
+    <a:masterClrMapping/>
+  </p:clrMapOvr>
+  <p:timing>
+    <p:tnLst>
+      <p:par>
+        <p:cTn id="1" dur="indefinite" restart="never" nodeType="tmRoot"/>
+      </p:par>
+    </p:tnLst>
+  </p:timing>
+</p:sld>
+</file>
+
+<file path=ppt/slides/slide29.xml><?xml version="1.0" encoding="utf-8"?>
+<p:sld xmlns:a="http://schemas.openxmlformats.org/drawingml/2006/main" xmlns:r="http://schemas.openxmlformats.org/officeDocument/2006/relationships" xmlns:p="http://schemas.openxmlformats.org/presentationml/2006/main">
+  <p:cSld>
+    <p:spTree>
+      <p:nvGrpSpPr>
+        <p:cNvPr id="1" name=""/>
+        <p:cNvGrpSpPr/>
+        <p:nvPr/>
+      </p:nvGrpSpPr>
+      <p:grpSpPr>
+        <a:xfrm>
+          <a:off x="0" y="0"/>
+          <a:ext cx="0" cy="0"/>
+          <a:chOff x="0" y="0"/>
+          <a:chExt cx="0" cy="0"/>
+        </a:xfrm>
+      </p:grpSpPr>
+      <p:sp>
+        <p:nvSpPr>
+          <p:cNvPr id="2" name="Title 1"/>
+          <p:cNvSpPr>
+            <a:spLocks noGrp="1"/>
+          </p:cNvSpPr>
+          <p:nvPr>
+            <p:ph type="title"/>
+          </p:nvPr>
+        </p:nvSpPr>
+        <p:spPr/>
+        <p:txBody>
+          <a:bodyPr/>
+          <a:lstStyle/>
+          <a:p>
+            <a:r>
+              <a:rPr lang="en-ZA" dirty="0" smtClean="0"/>
+              <a:t>Principles</a:t>
+            </a:r>
+            <a:endParaRPr lang="en-ZA" dirty="0"/>
+          </a:p>
+        </p:txBody>
+      </p:sp>
+      <p:sp>
+        <p:nvSpPr>
+          <p:cNvPr id="3" name="Content Placeholder 2"/>
+          <p:cNvSpPr>
+            <a:spLocks noGrp="1"/>
+          </p:cNvSpPr>
+          <p:nvPr>
+            <p:ph idx="1"/>
+          </p:nvPr>
+        </p:nvSpPr>
+        <p:spPr/>
+        <p:txBody>
+          <a:bodyPr>
+            <a:normAutofit lnSpcReduction="10000"/>
+          </a:bodyPr>
+          <a:lstStyle/>
+          <a:p>
+            <a:r>
+              <a:rPr lang="en-ZA" dirty="0"/>
+              <a:t>“Content, not Chrome”</a:t>
+            </a:r>
+          </a:p>
+          <a:p>
+            <a:pPr lvl="2"/>
+            <a:r>
+              <a:rPr lang="en-ZA" dirty="0"/>
+              <a:t>Decoration is a distraction</a:t>
+            </a:r>
+          </a:p>
+          <a:p>
+            <a:pPr lvl="3"/>
+            <a:r>
+              <a:rPr lang="en-ZA" dirty="0"/>
+              <a:t>E.g. backgrounds with gradients, </a:t>
+            </a:r>
+            <a:r>
+              <a:rPr lang="en-ZA" dirty="0" err="1"/>
+              <a:t>etc</a:t>
+            </a:r>
+            <a:endParaRPr lang="en-ZA" dirty="0"/>
+          </a:p>
+          <a:p>
+            <a:pPr lvl="1"/>
+            <a:r>
+              <a:rPr lang="en-ZA" dirty="0"/>
+              <a:t>Content instead of decoration</a:t>
+            </a:r>
+          </a:p>
+          <a:p>
+            <a:pPr lvl="1"/>
+            <a:r>
+              <a:rPr lang="en-ZA" dirty="0"/>
+              <a:t>Reduce visuals that </a:t>
+            </a:r>
+            <a:r>
+              <a:rPr lang="en-ZA" dirty="0" err="1"/>
+              <a:t>arent</a:t>
+            </a:r>
+            <a:r>
+              <a:rPr lang="en-ZA" dirty="0"/>
+              <a:t> content</a:t>
+            </a:r>
+          </a:p>
+          <a:p>
+            <a:pPr lvl="1"/>
+            <a:r>
+              <a:rPr lang="en-ZA" dirty="0"/>
+              <a:t>Content the UI</a:t>
+            </a:r>
+          </a:p>
+          <a:p>
+            <a:pPr lvl="1"/>
+            <a:r>
+              <a:rPr lang="en-ZA" dirty="0"/>
+              <a:t>Direct interaction with the </a:t>
+            </a:r>
+            <a:r>
+              <a:rPr lang="en-ZA" dirty="0" smtClean="0"/>
+              <a:t>content</a:t>
+            </a:r>
+          </a:p>
+          <a:p>
+            <a:r>
+              <a:rPr lang="en-ZA" dirty="0"/>
+              <a:t>Simplify your app</a:t>
+            </a:r>
+          </a:p>
+          <a:p>
+            <a:pPr lvl="1"/>
+            <a:r>
+              <a:rPr lang="en-ZA" dirty="0"/>
+              <a:t>All you want is the business logic</a:t>
+            </a:r>
+          </a:p>
+          <a:p>
+            <a:pPr lvl="1"/>
+            <a:r>
+              <a:rPr lang="en-ZA" dirty="0"/>
+              <a:t>When you open the app you must be able to see it very quickly</a:t>
+            </a:r>
+          </a:p>
+          <a:p>
+            <a:pPr lvl="1"/>
+            <a:r>
+              <a:rPr lang="en-ZA" dirty="0"/>
+              <a:t>How many people open apps just to look at how pretty they are?</a:t>
+            </a:r>
+          </a:p>
+          <a:p>
+            <a:pPr marL="0" lvl="1" indent="0">
+              <a:buNone/>
+            </a:pPr>
+            <a:endParaRPr lang="en-ZA" dirty="0"/>
+          </a:p>
+          <a:p>
+            <a:endParaRPr lang="en-ZA" dirty="0"/>
+          </a:p>
+        </p:txBody>
+      </p:sp>
+    </p:spTree>
+    <p:extLst>
+      <p:ext uri="{BB962C8B-B14F-4D97-AF65-F5344CB8AC3E}">
+        <p14:creationId xmlns:p14="http://schemas.microsoft.com/office/powerpoint/2010/main" val="2663252875"/>
+      </p:ext>
+    </p:extLst>
+  </p:cSld>
+  <p:clrMapOvr>
+    <a:masterClrMapping/>
+  </p:clrMapOvr>
+  <p:timing>
+    <p:tnLst>
+      <p:par>
+        <p:cTn id="1" dur="indefinite" restart="never" nodeType="tmRoot"/>
+      </p:par>
+    </p:tnLst>
+  </p:timing>
+</p:sld>
+</file>
+
+<file path=ppt/slides/slide3.xml><?xml version="1.0" encoding="utf-8"?>
+<p:sld xmlns:a="http://schemas.openxmlformats.org/drawingml/2006/main" xmlns:r="http://schemas.openxmlformats.org/officeDocument/2006/relationships" xmlns:p="http://schemas.openxmlformats.org/presentationml/2006/main">
+  <p:cSld>
+    <p:spTree>
+      <p:nvGrpSpPr>
+        <p:cNvPr id="1" name=""/>
+        <p:cNvGrpSpPr/>
+        <p:nvPr/>
+      </p:nvGrpSpPr>
+      <p:grpSpPr>
+        <a:xfrm>
+          <a:off x="0" y="0"/>
+          <a:ext cx="0" cy="0"/>
+          <a:chOff x="0" y="0"/>
+          <a:chExt cx="0" cy="0"/>
+        </a:xfrm>
+      </p:grpSpPr>
+      <p:sp>
+        <p:nvSpPr>
+          <p:cNvPr id="2" name="Title 1"/>
+          <p:cNvSpPr>
+            <a:spLocks noGrp="1"/>
+          </p:cNvSpPr>
+          <p:nvPr>
+            <p:ph type="title"/>
+          </p:nvPr>
+        </p:nvSpPr>
+        <p:spPr/>
+        <p:txBody>
+          <a:bodyPr/>
+          <a:lstStyle/>
+          <a:p>
+            <a:r>
+              <a:rPr lang="en-ZA" dirty="0" smtClean="0"/>
+              <a:t>Reporting and Information Systems</a:t>
+            </a:r>
+            <a:endParaRPr lang="en-ZA" dirty="0"/>
+          </a:p>
+        </p:txBody>
+      </p:sp>
+      <p:sp>
+        <p:nvSpPr>
+          <p:cNvPr id="3" name="Content Placeholder 2"/>
+          <p:cNvSpPr>
+            <a:spLocks noGrp="1"/>
+          </p:cNvSpPr>
+          <p:nvPr>
+            <p:ph idx="1"/>
+          </p:nvPr>
+        </p:nvSpPr>
+        <p:spPr/>
+        <p:txBody>
+          <a:bodyPr/>
+          <a:lstStyle/>
+          <a:p>
+            <a:pPr>
+              <a:buFont typeface="Arial" panose="020B0604020202020204" pitchFamily="34" charset="0"/>
+              <a:buChar char="•"/>
+            </a:pPr>
+            <a:r>
+              <a:rPr lang="en-ZA" dirty="0" smtClean="0"/>
+              <a:t>A report is any outcome of an information system where the result is interpretable information which has been extrapolated from data.</a:t>
+            </a:r>
+          </a:p>
+          <a:p>
+            <a:pPr>
+              <a:buFont typeface="Arial" panose="020B0604020202020204" pitchFamily="34" charset="0"/>
+              <a:buChar char="•"/>
+            </a:pPr>
+            <a:r>
+              <a:rPr lang="en-ZA" dirty="0" smtClean="0"/>
+              <a:t>Can be a website dashboard</a:t>
+            </a:r>
+          </a:p>
+          <a:p>
+            <a:pPr>
+              <a:buFont typeface="Arial" panose="020B0604020202020204" pitchFamily="34" charset="0"/>
+              <a:buChar char="•"/>
+            </a:pPr>
+            <a:r>
+              <a:rPr lang="en-ZA" dirty="0" smtClean="0"/>
+              <a:t>Can be a form</a:t>
+            </a:r>
+          </a:p>
+          <a:p>
+            <a:pPr>
+              <a:buFont typeface="Arial" panose="020B0604020202020204" pitchFamily="34" charset="0"/>
+              <a:buChar char="•"/>
+            </a:pPr>
+            <a:r>
+              <a:rPr lang="en-ZA" dirty="0" smtClean="0"/>
+              <a:t>Can be a spreadsheet or other document</a:t>
+            </a:r>
+            <a:endParaRPr lang="en-ZA" dirty="0"/>
+          </a:p>
+        </p:txBody>
+      </p:sp>
+    </p:spTree>
+    <p:extLst>
+      <p:ext uri="{BB962C8B-B14F-4D97-AF65-F5344CB8AC3E}">
+        <p14:creationId xmlns:p14="http://schemas.microsoft.com/office/powerpoint/2010/main" val="3551211492"/>
+      </p:ext>
+    </p:extLst>
+  </p:cSld>
+  <p:clrMapOvr>
+    <a:masterClrMapping/>
+  </p:clrMapOvr>
+  <p:timing>
+    <p:tnLst>
+      <p:par>
+        <p:cTn id="1" dur="indefinite" restart="never" nodeType="tmRoot"/>
+      </p:par>
+    </p:tnLst>
+  </p:timing>
+</p:sld>
+</file>
+
+<file path=ppt/slides/slide30.xml><?xml version="1.0" encoding="utf-8"?>
+<p:sld xmlns:a="http://schemas.openxmlformats.org/drawingml/2006/main" xmlns:r="http://schemas.openxmlformats.org/officeDocument/2006/relationships" xmlns:p="http://schemas.openxmlformats.org/presentationml/2006/main">
+  <p:cSld>
+    <p:spTree>
+      <p:nvGrpSpPr>
+        <p:cNvPr id="1" name=""/>
+        <p:cNvGrpSpPr/>
+        <p:nvPr/>
+      </p:nvGrpSpPr>
+      <p:grpSpPr>
+        <a:xfrm>
+          <a:off x="0" y="0"/>
+          <a:ext cx="0" cy="0"/>
+          <a:chOff x="0" y="0"/>
+          <a:chExt cx="0" cy="0"/>
+        </a:xfrm>
+      </p:grpSpPr>
+      <p:sp>
+        <p:nvSpPr>
+          <p:cNvPr id="2" name="Title 1"/>
+          <p:cNvSpPr>
+            <a:spLocks noGrp="1"/>
+          </p:cNvSpPr>
+          <p:nvPr>
+            <p:ph type="title"/>
+          </p:nvPr>
+        </p:nvSpPr>
+        <p:spPr/>
+        <p:txBody>
+          <a:bodyPr/>
+          <a:lstStyle/>
+          <a:p>
+            <a:r>
+              <a:rPr lang="en-ZA" dirty="0" smtClean="0"/>
+              <a:t>Mobile Example</a:t>
+            </a:r>
+            <a:endParaRPr lang="en-ZA" dirty="0"/>
+          </a:p>
+        </p:txBody>
+      </p:sp>
+      <p:pic>
+        <p:nvPicPr>
+          <p:cNvPr id="4" name="Picture 2" descr="http://az36026.vo.msecnd.net/Image?type=Visualization&amp;id=99d1da43-e7a7-4f74-a680-f707411c96b0"/>
+          <p:cNvPicPr>
+            <a:picLocks noChangeAspect="1" noChangeArrowheads="1"/>
+          </p:cNvPicPr>
+          <p:nvPr/>
+        </p:nvPicPr>
+        <p:blipFill>
+          <a:blip r:embed="rId2">
+            <a:extLst>
+              <a:ext uri="{28A0092B-C50C-407E-A947-70E740481C1C}">
+                <a14:useLocalDpi xmlns:a14="http://schemas.microsoft.com/office/drawing/2010/main" val="0"/>
+              </a:ext>
+            </a:extLst>
+          </a:blip>
+          <a:srcRect/>
+          <a:stretch>
+            <a:fillRect/>
+          </a:stretch>
+        </p:blipFill>
+        <p:spPr bwMode="auto">
+          <a:xfrm>
+            <a:off x="2495600" y="548681"/>
+            <a:ext cx="6858000" cy="5143501"/>
+          </a:xfrm>
+          <a:prstGeom prst="rect">
+            <a:avLst/>
+          </a:prstGeom>
+          <a:noFill/>
+          <a:extLst>
+            <a:ext uri="{909E8E84-426E-40DD-AFC4-6F175D3DCCD1}">
+              <a14:hiddenFill xmlns:a14="http://schemas.microsoft.com/office/drawing/2010/main">
+                <a:solidFill>
+                  <a:srgbClr val="FFFFFF"/>
+                </a:solidFill>
+              </a14:hiddenFill>
+            </a:ext>
+          </a:extLst>
+        </p:spPr>
+      </p:pic>
+    </p:spTree>
+    <p:extLst>
+      <p:ext uri="{BB962C8B-B14F-4D97-AF65-F5344CB8AC3E}">
+        <p14:creationId xmlns:p14="http://schemas.microsoft.com/office/powerpoint/2010/main" val="1972242246"/>
+      </p:ext>
+    </p:extLst>
+  </p:cSld>
+  <p:clrMapOvr>
+    <a:masterClrMapping/>
+  </p:clrMapOvr>
+  <p:timing>
+    <p:tnLst>
+      <p:par>
+        <p:cTn id="1" dur="indefinite" restart="never" nodeType="tmRoot"/>
+      </p:par>
+    </p:tnLst>
+  </p:timing>
+</p:sld>
+</file>
+
+<file path=ppt/slides/slide31.xml><?xml version="1.0" encoding="utf-8"?>
+<p:sld xmlns:a="http://schemas.openxmlformats.org/drawingml/2006/main" xmlns:r="http://schemas.openxmlformats.org/officeDocument/2006/relationships" xmlns:p="http://schemas.openxmlformats.org/presentationml/2006/main">
+  <p:cSld>
+    <p:spTree>
+      <p:nvGrpSpPr>
+        <p:cNvPr id="1" name=""/>
+        <p:cNvGrpSpPr/>
+        <p:nvPr/>
+      </p:nvGrpSpPr>
+      <p:grpSpPr>
+        <a:xfrm>
+          <a:off x="0" y="0"/>
+          <a:ext cx="0" cy="0"/>
+          <a:chOff x="0" y="0"/>
+          <a:chExt cx="0" cy="0"/>
+        </a:xfrm>
+      </p:grpSpPr>
+      <p:sp>
+        <p:nvSpPr>
+          <p:cNvPr id="2" name="Title 1"/>
+          <p:cNvSpPr>
+            <a:spLocks noGrp="1"/>
+          </p:cNvSpPr>
+          <p:nvPr>
+            <p:ph type="title"/>
+          </p:nvPr>
+        </p:nvSpPr>
+        <p:spPr/>
+        <p:txBody>
+          <a:bodyPr/>
+          <a:lstStyle/>
+          <a:p>
+            <a:r>
+              <a:rPr lang="en-ZA" dirty="0" smtClean="0"/>
+              <a:t>What went Wrong?</a:t>
+            </a:r>
+            <a:endParaRPr lang="en-ZA" dirty="0"/>
+          </a:p>
+        </p:txBody>
+      </p:sp>
+      <p:sp>
+        <p:nvSpPr>
+          <p:cNvPr id="3" name="Content Placeholder 2"/>
+          <p:cNvSpPr>
+            <a:spLocks noGrp="1"/>
+          </p:cNvSpPr>
+          <p:nvPr>
+            <p:ph idx="1"/>
+          </p:nvPr>
+        </p:nvSpPr>
+        <p:spPr/>
+        <p:txBody>
+          <a:bodyPr/>
+          <a:lstStyle/>
+          <a:p>
+            <a:pPr>
+              <a:buFont typeface="Arial" panose="020B0604020202020204" pitchFamily="34" charset="0"/>
+              <a:buChar char="•"/>
+            </a:pPr>
+            <a:r>
+              <a:rPr lang="en-ZA" dirty="0" smtClean="0"/>
+              <a:t>Learned intuitiveness </a:t>
+            </a:r>
+            <a:r>
+              <a:rPr lang="en-ZA" dirty="0" err="1" smtClean="0"/>
+              <a:t>vs</a:t>
+            </a:r>
+            <a:r>
+              <a:rPr lang="en-ZA" dirty="0" smtClean="0"/>
+              <a:t> natural intuitiveness</a:t>
+            </a:r>
+          </a:p>
+          <a:p>
+            <a:pPr>
+              <a:buFont typeface="Arial" panose="020B0604020202020204" pitchFamily="34" charset="0"/>
+              <a:buChar char="•"/>
+            </a:pPr>
+            <a:r>
+              <a:rPr lang="en-ZA" dirty="0" smtClean="0"/>
+              <a:t>Microsoft removed convention and “old” consistency</a:t>
+            </a:r>
+          </a:p>
+          <a:p>
+            <a:pPr>
+              <a:buFont typeface="Arial" panose="020B0604020202020204" pitchFamily="34" charset="0"/>
+              <a:buChar char="•"/>
+            </a:pPr>
+            <a:r>
+              <a:rPr lang="en-ZA" dirty="0" smtClean="0"/>
+              <a:t>People panicked</a:t>
+            </a:r>
+            <a:endParaRPr lang="en-ZA" dirty="0"/>
+          </a:p>
+        </p:txBody>
+      </p:sp>
+    </p:spTree>
+    <p:extLst>
+      <p:ext uri="{BB962C8B-B14F-4D97-AF65-F5344CB8AC3E}">
+        <p14:creationId xmlns:p14="http://schemas.microsoft.com/office/powerpoint/2010/main" val="946059531"/>
+      </p:ext>
+    </p:extLst>
+  </p:cSld>
+  <p:clrMapOvr>
+    <a:masterClrMapping/>
+  </p:clrMapOvr>
+  <p:timing>
+    <p:tnLst>
+      <p:par>
+        <p:cTn id="1" dur="indefinite" restart="never" nodeType="tmRoot"/>
+      </p:par>
+    </p:tnLst>
+  </p:timing>
+</p:sld>
+</file>
+
+<file path=ppt/slides/slide32.xml><?xml version="1.0" encoding="utf-8"?>
+<p:sld xmlns:a="http://schemas.openxmlformats.org/drawingml/2006/main" xmlns:r="http://schemas.openxmlformats.org/officeDocument/2006/relationships" xmlns:p="http://schemas.openxmlformats.org/presentationml/2006/main">
+  <p:cSld>
+    <p:spTree>
+      <p:nvGrpSpPr>
+        <p:cNvPr id="1" name=""/>
+        <p:cNvGrpSpPr/>
+        <p:nvPr/>
+      </p:nvGrpSpPr>
+      <p:grpSpPr>
+        <a:xfrm>
+          <a:off x="0" y="0"/>
+          <a:ext cx="0" cy="0"/>
+          <a:chOff x="0" y="0"/>
+          <a:chExt cx="0" cy="0"/>
+        </a:xfrm>
+      </p:grpSpPr>
+      <p:sp>
+        <p:nvSpPr>
+          <p:cNvPr id="2" name="Title 1"/>
+          <p:cNvSpPr>
+            <a:spLocks noGrp="1"/>
+          </p:cNvSpPr>
+          <p:nvPr>
+            <p:ph type="title"/>
+          </p:nvPr>
+        </p:nvSpPr>
+        <p:spPr/>
+        <p:txBody>
+          <a:bodyPr/>
+          <a:lstStyle/>
+          <a:p>
+            <a:r>
+              <a:rPr lang="en-ZA" dirty="0" smtClean="0"/>
+              <a:t>Metro UI Tutorial</a:t>
+            </a:r>
+            <a:endParaRPr lang="en-ZA" dirty="0"/>
+          </a:p>
+        </p:txBody>
+      </p:sp>
+      <p:sp>
+        <p:nvSpPr>
+          <p:cNvPr id="3" name="Content Placeholder 2"/>
+          <p:cNvSpPr>
+            <a:spLocks noGrp="1"/>
+          </p:cNvSpPr>
+          <p:nvPr>
+            <p:ph idx="1"/>
+          </p:nvPr>
+        </p:nvSpPr>
+        <p:spPr/>
+        <p:txBody>
+          <a:bodyPr/>
+          <a:lstStyle/>
+          <a:p>
+            <a:pPr>
+              <a:buFont typeface="Arial" panose="020B0604020202020204" pitchFamily="34" charset="0"/>
+              <a:buChar char="•"/>
+            </a:pPr>
+            <a:r>
+              <a:rPr lang="en-ZA" dirty="0">
+                <a:hlinkClick r:id="rId2"/>
+              </a:rPr>
+              <a:t>http://denricdenise.info/2014/09/how-to-use-winforms-modern-ui</a:t>
+            </a:r>
+            <a:r>
+              <a:rPr lang="en-ZA" dirty="0" smtClean="0">
+                <a:hlinkClick r:id="rId2"/>
+              </a:rPr>
+              <a:t>/</a:t>
+            </a:r>
+            <a:endParaRPr lang="en-ZA" dirty="0" smtClean="0"/>
+          </a:p>
+          <a:p>
+            <a:pPr>
+              <a:buFont typeface="Arial" panose="020B0604020202020204" pitchFamily="34" charset="0"/>
+              <a:buChar char="•"/>
+            </a:pPr>
+            <a:r>
+              <a:rPr lang="en-ZA" dirty="0">
+                <a:hlinkClick r:id="rId3"/>
+              </a:rPr>
+              <a:t>http://thielj.github.io/MetroFramework</a:t>
+            </a:r>
+            <a:r>
+              <a:rPr lang="en-ZA" dirty="0" smtClean="0">
+                <a:hlinkClick r:id="rId3"/>
+              </a:rPr>
+              <a:t>/</a:t>
+            </a:r>
+            <a:endParaRPr lang="en-ZA" dirty="0" smtClean="0"/>
+          </a:p>
+          <a:p>
+            <a:pPr>
+              <a:buFont typeface="Arial" panose="020B0604020202020204" pitchFamily="34" charset="0"/>
+              <a:buChar char="•"/>
+            </a:pPr>
+            <a:endParaRPr lang="en-ZA" dirty="0"/>
+          </a:p>
+          <a:p>
+            <a:pPr>
+              <a:buFont typeface="Arial" panose="020B0604020202020204" pitchFamily="34" charset="0"/>
+              <a:buChar char="•"/>
+            </a:pPr>
+            <a:r>
+              <a:rPr lang="en-ZA" dirty="0" smtClean="0"/>
+              <a:t>Note: Using </a:t>
+            </a:r>
+            <a:r>
+              <a:rPr lang="en-ZA" dirty="0" err="1" smtClean="0"/>
+              <a:t>.net</a:t>
+            </a:r>
+            <a:r>
+              <a:rPr lang="en-ZA" dirty="0" smtClean="0"/>
+              <a:t> and C#</a:t>
+            </a:r>
+            <a:endParaRPr lang="en-ZA" dirty="0" smtClean="0"/>
+          </a:p>
+          <a:p>
+            <a:pPr>
+              <a:buFont typeface="Arial" panose="020B0604020202020204" pitchFamily="34" charset="0"/>
+              <a:buChar char="•"/>
+            </a:pPr>
+            <a:endParaRPr lang="en-ZA" dirty="0" smtClean="0"/>
+          </a:p>
+          <a:p>
+            <a:pPr>
+              <a:buFont typeface="Arial" panose="020B0604020202020204" pitchFamily="34" charset="0"/>
+              <a:buChar char="•"/>
+            </a:pPr>
+            <a:endParaRPr lang="en-ZA" dirty="0"/>
+          </a:p>
+        </p:txBody>
+      </p:sp>
+    </p:spTree>
+    <p:extLst>
+      <p:ext uri="{BB962C8B-B14F-4D97-AF65-F5344CB8AC3E}">
+        <p14:creationId xmlns:p14="http://schemas.microsoft.com/office/powerpoint/2010/main" val="2512861413"/>
+      </p:ext>
+    </p:extLst>
+  </p:cSld>
+  <p:clrMapOvr>
+    <a:masterClrMapping/>
+  </p:clrMapOvr>
+  <p:timing>
+    <p:tnLst>
+      <p:par>
+        <p:cTn id="1" dur="indefinite" restart="never" nodeType="tmRoot"/>
+      </p:par>
+    </p:tnLst>
+  </p:timing>
+</p:sld>
+</file>
+
+<file path=ppt/slides/slide33.xml><?xml version="1.0" encoding="utf-8"?>
+<p:sld xmlns:a="http://schemas.openxmlformats.org/drawingml/2006/main" xmlns:r="http://schemas.openxmlformats.org/officeDocument/2006/relationships" xmlns:p="http://schemas.openxmlformats.org/presentationml/2006/main">
+  <p:cSld>
+    <p:spTree>
+      <p:nvGrpSpPr>
+        <p:cNvPr id="1" name=""/>
+        <p:cNvGrpSpPr/>
+        <p:nvPr/>
+      </p:nvGrpSpPr>
+      <p:grpSpPr>
+        <a:xfrm>
+          <a:off x="0" y="0"/>
+          <a:ext cx="0" cy="0"/>
+          <a:chOff x="0" y="0"/>
+          <a:chExt cx="0" cy="0"/>
+        </a:xfrm>
+      </p:grpSpPr>
+      <p:sp>
+        <p:nvSpPr>
+          <p:cNvPr id="2" name="Title 1"/>
+          <p:cNvSpPr>
+            <a:spLocks noGrp="1"/>
+          </p:cNvSpPr>
+          <p:nvPr>
+            <p:ph type="title"/>
+          </p:nvPr>
+        </p:nvSpPr>
+        <p:spPr/>
+        <p:txBody>
+          <a:bodyPr/>
+          <a:lstStyle/>
+          <a:p>
+            <a:r>
+              <a:rPr lang="en-ZA" dirty="0" smtClean="0"/>
+              <a:t>Metro UI Links</a:t>
+            </a:r>
+            <a:endParaRPr lang="en-ZA" dirty="0"/>
+          </a:p>
+        </p:txBody>
+      </p:sp>
+      <p:sp>
+        <p:nvSpPr>
+          <p:cNvPr id="3" name="Content Placeholder 2"/>
+          <p:cNvSpPr>
+            <a:spLocks noGrp="1"/>
+          </p:cNvSpPr>
+          <p:nvPr>
+            <p:ph idx="1"/>
+          </p:nvPr>
+        </p:nvSpPr>
+        <p:spPr/>
+        <p:txBody>
+          <a:bodyPr/>
+          <a:lstStyle/>
+          <a:p>
+            <a:pPr>
+              <a:buFont typeface="Arial" panose="020B0604020202020204" pitchFamily="34" charset="0"/>
+              <a:buChar char="•"/>
+            </a:pPr>
+            <a:r>
+              <a:rPr lang="en-ZA" dirty="0">
+                <a:hlinkClick r:id="rId2"/>
+              </a:rPr>
+              <a:t>https://msdn.microsoft.com/en-us/library/windows/apps/hh465424.aspx</a:t>
+            </a:r>
+          </a:p>
+          <a:p>
+            <a:pPr>
+              <a:buFont typeface="Arial" panose="020B0604020202020204" pitchFamily="34" charset="0"/>
+              <a:buChar char="•"/>
+            </a:pPr>
+            <a:r>
+              <a:rPr lang="en-ZA" dirty="0" smtClean="0">
+                <a:hlinkClick r:id="rId2"/>
+              </a:rPr>
+              <a:t>https</a:t>
+            </a:r>
+            <a:r>
+              <a:rPr lang="en-ZA" dirty="0">
+                <a:hlinkClick r:id="rId2"/>
+              </a:rPr>
+              <a:t>://en.wikipedia.org/wiki/Metro_(design_language</a:t>
+            </a:r>
+            <a:r>
+              <a:rPr lang="en-ZA" dirty="0" smtClean="0">
+                <a:hlinkClick r:id="rId2"/>
+              </a:rPr>
+              <a:t>)</a:t>
+            </a:r>
+            <a:endParaRPr lang="en-ZA" dirty="0" smtClean="0"/>
+          </a:p>
+          <a:p>
+            <a:pPr>
+              <a:buFont typeface="Arial" panose="020B0604020202020204" pitchFamily="34" charset="0"/>
+              <a:buChar char="•"/>
+            </a:pPr>
+            <a:r>
+              <a:rPr lang="en-ZA" dirty="0">
+                <a:hlinkClick r:id="rId3"/>
+              </a:rPr>
+              <a:t>https://</a:t>
+            </a:r>
+            <a:r>
+              <a:rPr lang="en-ZA" dirty="0" smtClean="0">
+                <a:hlinkClick r:id="rId3"/>
+              </a:rPr>
+              <a:t>dev.windows.com/en-us/design</a:t>
+            </a:r>
+            <a:endParaRPr lang="en-ZA" dirty="0" smtClean="0"/>
+          </a:p>
+          <a:p>
+            <a:pPr>
+              <a:buFont typeface="Arial" panose="020B0604020202020204" pitchFamily="34" charset="0"/>
+              <a:buChar char="•"/>
+            </a:pPr>
+            <a:endParaRPr lang="en-ZA" dirty="0" smtClean="0"/>
+          </a:p>
+          <a:p>
+            <a:pPr>
+              <a:buFont typeface="Arial" panose="020B0604020202020204" pitchFamily="34" charset="0"/>
+              <a:buChar char="•"/>
+            </a:pPr>
+            <a:r>
+              <a:rPr lang="en-ZA" dirty="0">
+                <a:hlinkClick r:id="rId4"/>
+              </a:rPr>
+              <a:t>http://</a:t>
+            </a:r>
+            <a:r>
+              <a:rPr lang="en-ZA" dirty="0" smtClean="0">
+                <a:hlinkClick r:id="rId4"/>
+              </a:rPr>
+              <a:t>www.newyorker.com/business/currency/how-new-yorks-subway-signs-came-to-be</a:t>
+            </a:r>
+            <a:endParaRPr lang="en-ZA" dirty="0" smtClean="0"/>
+          </a:p>
+          <a:p>
+            <a:pPr>
+              <a:buFont typeface="Arial" panose="020B0604020202020204" pitchFamily="34" charset="0"/>
+              <a:buChar char="•"/>
+            </a:pPr>
+            <a:endParaRPr lang="en-ZA" dirty="0"/>
+          </a:p>
+        </p:txBody>
+      </p:sp>
+    </p:spTree>
+    <p:extLst>
+      <p:ext uri="{BB962C8B-B14F-4D97-AF65-F5344CB8AC3E}">
+        <p14:creationId xmlns:p14="http://schemas.microsoft.com/office/powerpoint/2010/main" val="1323944117"/>
+      </p:ext>
+    </p:extLst>
+  </p:cSld>
+  <p:clrMapOvr>
+    <a:masterClrMapping/>
+  </p:clrMapOvr>
+  <p:timing>
+    <p:tnLst>
+      <p:par>
+        <p:cTn id="1" dur="indefinite" restart="never" nodeType="tmRoot"/>
+      </p:par>
+    </p:tnLst>
+  </p:timing>
+</p:sld>
+</file>
+
+<file path=ppt/slides/slide34.xml><?xml version="1.0" encoding="utf-8"?>
+<p:sld xmlns:a="http://schemas.openxmlformats.org/drawingml/2006/main" xmlns:r="http://schemas.openxmlformats.org/officeDocument/2006/relationships" xmlns:p="http://schemas.openxmlformats.org/presentationml/2006/main">
+  <p:cSld>
+    <p:spTree>
+      <p:nvGrpSpPr>
+        <p:cNvPr id="1" name=""/>
+        <p:cNvGrpSpPr/>
+        <p:nvPr/>
+      </p:nvGrpSpPr>
+      <p:grpSpPr>
+        <a:xfrm>
+          <a:off x="0" y="0"/>
+          <a:ext cx="0" cy="0"/>
+          <a:chOff x="0" y="0"/>
+          <a:chExt cx="0" cy="0"/>
+        </a:xfrm>
+      </p:grpSpPr>
+      <p:sp>
+        <p:nvSpPr>
+          <p:cNvPr id="2" name="Title 1"/>
+          <p:cNvSpPr>
+            <a:spLocks noGrp="1"/>
+          </p:cNvSpPr>
+          <p:nvPr>
+            <p:ph type="title"/>
+          </p:nvPr>
+        </p:nvSpPr>
+        <p:spPr/>
+        <p:txBody>
+          <a:bodyPr/>
+          <a:lstStyle/>
+          <a:p>
+            <a:r>
+              <a:rPr lang="en-ZA" dirty="0"/>
+              <a:t>Google Materials Design</a:t>
+            </a:r>
+          </a:p>
+        </p:txBody>
+      </p:sp>
+      <p:sp>
+        <p:nvSpPr>
+          <p:cNvPr id="3" name="Content Placeholder 2"/>
+          <p:cNvSpPr>
+            <a:spLocks noGrp="1"/>
+          </p:cNvSpPr>
+          <p:nvPr>
+            <p:ph idx="1"/>
+          </p:nvPr>
+        </p:nvSpPr>
+        <p:spPr/>
+        <p:txBody>
+          <a:bodyPr/>
+          <a:lstStyle/>
+          <a:p>
+            <a:pPr>
+              <a:buFont typeface="Arial" panose="020B0604020202020204" pitchFamily="34" charset="0"/>
+              <a:buChar char="•"/>
+            </a:pPr>
+            <a:r>
+              <a:rPr lang="en-ZA" dirty="0" smtClean="0"/>
+              <a:t>Similar to </a:t>
+            </a:r>
+            <a:r>
+              <a:rPr lang="en-ZA" dirty="0" err="1" smtClean="0"/>
+              <a:t>MetroUI</a:t>
+            </a:r>
+            <a:endParaRPr lang="en-ZA" dirty="0" smtClean="0"/>
+          </a:p>
+          <a:p>
+            <a:pPr>
+              <a:buFont typeface="Arial" panose="020B0604020202020204" pitchFamily="34" charset="0"/>
+              <a:buChar char="•"/>
+            </a:pPr>
+            <a:r>
+              <a:rPr lang="en-ZA" dirty="0" smtClean="0"/>
+              <a:t>Focuses on the correct focal points</a:t>
+            </a:r>
+          </a:p>
+          <a:p>
+            <a:pPr>
+              <a:buFont typeface="Arial" panose="020B0604020202020204" pitchFamily="34" charset="0"/>
+              <a:buChar char="•"/>
+            </a:pPr>
+            <a:r>
+              <a:rPr lang="en-ZA" dirty="0" smtClean="0"/>
+              <a:t>Is 3D space</a:t>
+            </a:r>
+          </a:p>
+          <a:p>
+            <a:pPr>
+              <a:buFont typeface="Arial" panose="020B0604020202020204" pitchFamily="34" charset="0"/>
+              <a:buChar char="•"/>
+            </a:pPr>
+            <a:r>
+              <a:rPr lang="en-ZA" dirty="0" smtClean="0"/>
+              <a:t>Looks at shadow and colour</a:t>
+            </a:r>
+          </a:p>
+          <a:p>
+            <a:pPr>
+              <a:buFont typeface="Arial" panose="020B0604020202020204" pitchFamily="34" charset="0"/>
+              <a:buChar char="•"/>
+            </a:pPr>
+            <a:r>
+              <a:rPr lang="en-ZA" dirty="0" smtClean="0"/>
+              <a:t>Where Metro and Chrome UI meet</a:t>
+            </a:r>
+          </a:p>
+          <a:p>
+            <a:pPr>
+              <a:buFont typeface="Arial" panose="020B0604020202020204" pitchFamily="34" charset="0"/>
+              <a:buChar char="•"/>
+            </a:pPr>
+            <a:r>
+              <a:rPr lang="en-ZA" dirty="0" smtClean="0"/>
+              <a:t>Interactive elements</a:t>
+            </a:r>
+            <a:endParaRPr lang="en-ZA" dirty="0"/>
+          </a:p>
+          <a:p>
+            <a:pPr marL="0" indent="0"/>
+            <a:r>
+              <a:rPr lang="en-ZA" dirty="0" smtClean="0"/>
+              <a:t>See Examples:</a:t>
+            </a:r>
+            <a:endParaRPr lang="en-ZA" dirty="0"/>
+          </a:p>
+        </p:txBody>
+      </p:sp>
+    </p:spTree>
+    <p:extLst>
+      <p:ext uri="{BB962C8B-B14F-4D97-AF65-F5344CB8AC3E}">
+        <p14:creationId xmlns:p14="http://schemas.microsoft.com/office/powerpoint/2010/main" val="1363303588"/>
+      </p:ext>
+    </p:extLst>
+  </p:cSld>
+  <p:clrMapOvr>
+    <a:masterClrMapping/>
+  </p:clrMapOvr>
+  <p:timing>
+    <p:tnLst>
+      <p:par>
+        <p:cTn id="1" dur="indefinite" restart="never" nodeType="tmRoot"/>
+      </p:par>
+    </p:tnLst>
+  </p:timing>
+</p:sld>
+</file>
+
+<file path=ppt/slides/slide35.xml><?xml version="1.0" encoding="utf-8"?>
+<p:sld xmlns:a="http://schemas.openxmlformats.org/drawingml/2006/main" xmlns:r="http://schemas.openxmlformats.org/officeDocument/2006/relationships" xmlns:p="http://schemas.openxmlformats.org/presentationml/2006/main">
+  <p:cSld>
+    <p:spTree>
+      <p:nvGrpSpPr>
+        <p:cNvPr id="1" name=""/>
+        <p:cNvGrpSpPr/>
+        <p:nvPr/>
+      </p:nvGrpSpPr>
+      <p:grpSpPr>
+        <a:xfrm>
+          <a:off x="0" y="0"/>
+          <a:ext cx="0" cy="0"/>
+          <a:chOff x="0" y="0"/>
+          <a:chExt cx="0" cy="0"/>
+        </a:xfrm>
+      </p:grpSpPr>
+      <p:sp>
+        <p:nvSpPr>
+          <p:cNvPr id="2" name="Title 1"/>
+          <p:cNvSpPr>
+            <a:spLocks noGrp="1"/>
+          </p:cNvSpPr>
+          <p:nvPr>
+            <p:ph type="title"/>
+          </p:nvPr>
+        </p:nvSpPr>
+        <p:spPr/>
+        <p:txBody>
+          <a:bodyPr/>
+          <a:lstStyle/>
+          <a:p>
+            <a:r>
+              <a:rPr lang="en-ZA" dirty="0" smtClean="0"/>
+              <a:t>Google Materials Design</a:t>
+            </a:r>
+            <a:endParaRPr lang="en-ZA" dirty="0"/>
+          </a:p>
+        </p:txBody>
+      </p:sp>
+      <p:sp>
+        <p:nvSpPr>
+          <p:cNvPr id="3" name="Content Placeholder 2"/>
+          <p:cNvSpPr>
+            <a:spLocks noGrp="1"/>
+          </p:cNvSpPr>
+          <p:nvPr>
+            <p:ph idx="1"/>
+          </p:nvPr>
+        </p:nvSpPr>
+        <p:spPr/>
+        <p:txBody>
+          <a:bodyPr>
+            <a:normAutofit/>
+          </a:bodyPr>
+          <a:lstStyle/>
+          <a:p>
+            <a:pPr marL="0" indent="0"/>
+            <a:r>
+              <a:rPr lang="en-ZA" dirty="0"/>
+              <a:t>Guidelines:</a:t>
+            </a:r>
+          </a:p>
+          <a:p>
+            <a:pPr>
+              <a:buFont typeface="Arial" panose="020B0604020202020204" pitchFamily="34" charset="0"/>
+              <a:buChar char="•"/>
+            </a:pPr>
+            <a:r>
+              <a:rPr lang="en-ZA" dirty="0">
+                <a:hlinkClick r:id="rId2"/>
+              </a:rPr>
+              <a:t>https://www.google.com/design/spec/material-design/introduction.html#</a:t>
+            </a:r>
+            <a:endParaRPr lang="en-ZA" dirty="0"/>
+          </a:p>
+          <a:p>
+            <a:pPr>
+              <a:buFont typeface="Arial" panose="020B0604020202020204" pitchFamily="34" charset="0"/>
+              <a:buChar char="•"/>
+            </a:pPr>
+            <a:r>
+              <a:rPr lang="en-ZA" dirty="0">
+                <a:hlinkClick r:id="rId3"/>
+              </a:rPr>
+              <a:t>https://design.google.com</a:t>
+            </a:r>
+            <a:r>
+              <a:rPr lang="en-ZA" dirty="0" smtClean="0">
+                <a:hlinkClick r:id="rId3"/>
+              </a:rPr>
+              <a:t>/</a:t>
+            </a:r>
+            <a:endParaRPr lang="en-ZA" dirty="0" smtClean="0"/>
+          </a:p>
+          <a:p>
+            <a:pPr>
+              <a:buFont typeface="Arial" panose="020B0604020202020204" pitchFamily="34" charset="0"/>
+              <a:buChar char="•"/>
+            </a:pPr>
+            <a:r>
+              <a:rPr lang="en-ZA" dirty="0">
+                <a:hlinkClick r:id="rId4"/>
+              </a:rPr>
+              <a:t>https://</a:t>
+            </a:r>
+            <a:r>
+              <a:rPr lang="en-ZA" dirty="0" smtClean="0">
+                <a:hlinkClick r:id="rId4"/>
+              </a:rPr>
+              <a:t>www.google.com/design/spec/style/color.html</a:t>
+            </a:r>
+            <a:endParaRPr lang="en-ZA" dirty="0"/>
+          </a:p>
+          <a:p>
+            <a:pPr>
+              <a:buFont typeface="Arial" panose="020B0604020202020204" pitchFamily="34" charset="0"/>
+              <a:buChar char="•"/>
+            </a:pPr>
+            <a:r>
+              <a:rPr lang="en-ZA" dirty="0">
+                <a:hlinkClick r:id="rId5"/>
+              </a:rPr>
+              <a:t>http://www.getmdl.io/</a:t>
+            </a:r>
+            <a:endParaRPr lang="en-ZA" dirty="0"/>
+          </a:p>
+          <a:p>
+            <a:pPr>
+              <a:buFont typeface="Arial" panose="020B0604020202020204" pitchFamily="34" charset="0"/>
+              <a:buChar char="•"/>
+            </a:pPr>
+            <a:endParaRPr lang="en-ZA" dirty="0"/>
+          </a:p>
+        </p:txBody>
+      </p:sp>
+    </p:spTree>
+    <p:extLst>
+      <p:ext uri="{BB962C8B-B14F-4D97-AF65-F5344CB8AC3E}">
+        <p14:creationId xmlns:p14="http://schemas.microsoft.com/office/powerpoint/2010/main" val="2634096932"/>
+      </p:ext>
+    </p:extLst>
+  </p:cSld>
+  <p:clrMapOvr>
+    <a:masterClrMapping/>
+  </p:clrMapOvr>
+  <p:timing>
+    <p:tnLst>
+      <p:par>
+        <p:cTn id="1" dur="indefinite" restart="never" nodeType="tmRoot"/>
+      </p:par>
+    </p:tnLst>
+  </p:timing>
+</p:sld>
+</file>
+
+<file path=ppt/slides/slide36.xml><?xml version="1.0" encoding="utf-8"?>
+<p:sld xmlns:a="http://schemas.openxmlformats.org/drawingml/2006/main" xmlns:r="http://schemas.openxmlformats.org/officeDocument/2006/relationships" xmlns:p="http://schemas.openxmlformats.org/presentationml/2006/main">
+  <p:cSld>
+    <p:spTree>
+      <p:nvGrpSpPr>
+        <p:cNvPr id="1" name=""/>
+        <p:cNvGrpSpPr/>
+        <p:nvPr/>
+      </p:nvGrpSpPr>
+      <p:grpSpPr>
+        <a:xfrm>
+          <a:off x="0" y="0"/>
+          <a:ext cx="0" cy="0"/>
+          <a:chOff x="0" y="0"/>
+          <a:chExt cx="0" cy="0"/>
+        </a:xfrm>
+      </p:grpSpPr>
+      <p:sp>
+        <p:nvSpPr>
+          <p:cNvPr id="2" name="Title 1"/>
+          <p:cNvSpPr>
+            <a:spLocks noGrp="1"/>
+          </p:cNvSpPr>
+          <p:nvPr>
+            <p:ph type="title"/>
+          </p:nvPr>
+        </p:nvSpPr>
+        <p:spPr/>
+        <p:txBody>
+          <a:bodyPr/>
+          <a:lstStyle/>
+          <a:p>
+            <a:r>
+              <a:rPr lang="en-ZA" dirty="0" smtClean="0"/>
+              <a:t>Chrome / Apple Design</a:t>
+            </a:r>
+            <a:endParaRPr lang="en-ZA" dirty="0"/>
+          </a:p>
+        </p:txBody>
+      </p:sp>
+      <p:sp>
+        <p:nvSpPr>
+          <p:cNvPr id="3" name="Content Placeholder 2"/>
+          <p:cNvSpPr>
+            <a:spLocks noGrp="1"/>
+          </p:cNvSpPr>
+          <p:nvPr>
+            <p:ph idx="1"/>
+          </p:nvPr>
+        </p:nvSpPr>
+        <p:spPr/>
+        <p:txBody>
+          <a:bodyPr/>
+          <a:lstStyle/>
+          <a:p>
+            <a:pPr>
+              <a:buFont typeface="Arial" panose="020B0604020202020204" pitchFamily="34" charset="0"/>
+              <a:buChar char="•"/>
+            </a:pPr>
+            <a:r>
+              <a:rPr lang="en-ZA" dirty="0" smtClean="0"/>
+              <a:t>Original one which others take ideas from</a:t>
+            </a:r>
+          </a:p>
+          <a:p>
+            <a:pPr>
+              <a:buFont typeface="Arial" panose="020B0604020202020204" pitchFamily="34" charset="0"/>
+              <a:buChar char="•"/>
+            </a:pPr>
+            <a:r>
+              <a:rPr lang="en-ZA" dirty="0" smtClean="0"/>
+              <a:t>Tried to improve on “old school” Windows design</a:t>
+            </a:r>
+            <a:endParaRPr lang="en-ZA" dirty="0"/>
+          </a:p>
+        </p:txBody>
+      </p:sp>
+    </p:spTree>
+    <p:extLst>
+      <p:ext uri="{BB962C8B-B14F-4D97-AF65-F5344CB8AC3E}">
+        <p14:creationId xmlns:p14="http://schemas.microsoft.com/office/powerpoint/2010/main" val="1960221591"/>
+      </p:ext>
+    </p:extLst>
+  </p:cSld>
+  <p:clrMapOvr>
+    <a:masterClrMapping/>
+  </p:clrMapOvr>
+  <p:timing>
+    <p:tnLst>
+      <p:par>
+        <p:cTn id="1" dur="indefinite" restart="never" nodeType="tmRoot"/>
+      </p:par>
+    </p:tnLst>
+  </p:timing>
+</p:sld>
+</file>
+
+<file path=ppt/slides/slide37.xml><?xml version="1.0" encoding="utf-8"?>
+<p:sld xmlns:a="http://schemas.openxmlformats.org/drawingml/2006/main" xmlns:r="http://schemas.openxmlformats.org/officeDocument/2006/relationships" xmlns:p="http://schemas.openxmlformats.org/presentationml/2006/main">
+  <p:cSld>
+    <p:spTree>
+      <p:nvGrpSpPr>
+        <p:cNvPr id="1" name=""/>
+        <p:cNvGrpSpPr/>
+        <p:nvPr/>
+      </p:nvGrpSpPr>
+      <p:grpSpPr>
+        <a:xfrm>
+          <a:off x="0" y="0"/>
+          <a:ext cx="0" cy="0"/>
+          <a:chOff x="0" y="0"/>
+          <a:chExt cx="0" cy="0"/>
+        </a:xfrm>
+      </p:grpSpPr>
+      <p:sp>
+        <p:nvSpPr>
+          <p:cNvPr id="2" name="Title 1"/>
+          <p:cNvSpPr>
+            <a:spLocks noGrp="1"/>
+          </p:cNvSpPr>
+          <p:nvPr>
+            <p:ph type="title"/>
+          </p:nvPr>
+        </p:nvSpPr>
+        <p:spPr/>
+        <p:txBody>
+          <a:bodyPr/>
+          <a:lstStyle/>
+          <a:p>
+            <a:r>
+              <a:rPr lang="en-ZA" dirty="0" smtClean="0"/>
+              <a:t>Chrome Principles</a:t>
+            </a:r>
+            <a:endParaRPr lang="en-ZA" dirty="0"/>
+          </a:p>
+        </p:txBody>
+      </p:sp>
+      <p:sp>
+        <p:nvSpPr>
+          <p:cNvPr id="3" name="Content Placeholder 2"/>
+          <p:cNvSpPr>
+            <a:spLocks noGrp="1"/>
+          </p:cNvSpPr>
+          <p:nvPr>
+            <p:ph idx="1"/>
+          </p:nvPr>
+        </p:nvSpPr>
+        <p:spPr/>
+        <p:txBody>
+          <a:bodyPr/>
+          <a:lstStyle/>
+          <a:p>
+            <a:pPr>
+              <a:buFont typeface="Arial" panose="020B0604020202020204" pitchFamily="34" charset="0"/>
+              <a:buChar char="•"/>
+            </a:pPr>
+            <a:r>
+              <a:rPr lang="en-ZA" dirty="0"/>
+              <a:t>Aesthetic </a:t>
+            </a:r>
+            <a:r>
+              <a:rPr lang="en-ZA" dirty="0" smtClean="0"/>
+              <a:t>Integrity</a:t>
+            </a:r>
+          </a:p>
+          <a:p>
+            <a:pPr>
+              <a:buFont typeface="Arial" panose="020B0604020202020204" pitchFamily="34" charset="0"/>
+              <a:buChar char="•"/>
+            </a:pPr>
+            <a:r>
+              <a:rPr lang="en-ZA" dirty="0" smtClean="0"/>
+              <a:t>Consistency</a:t>
+            </a:r>
+            <a:endParaRPr lang="en-ZA" dirty="0"/>
+          </a:p>
+          <a:p>
+            <a:pPr>
+              <a:buFont typeface="Arial" panose="020B0604020202020204" pitchFamily="34" charset="0"/>
+              <a:buChar char="•"/>
+            </a:pPr>
+            <a:r>
+              <a:rPr lang="en-ZA" dirty="0"/>
+              <a:t>Direct </a:t>
+            </a:r>
+            <a:r>
+              <a:rPr lang="en-ZA" dirty="0" smtClean="0"/>
+              <a:t>Manipulation</a:t>
+            </a:r>
+            <a:endParaRPr lang="en-ZA" dirty="0"/>
+          </a:p>
+          <a:p>
+            <a:pPr>
+              <a:buFont typeface="Arial" panose="020B0604020202020204" pitchFamily="34" charset="0"/>
+              <a:buChar char="•"/>
+            </a:pPr>
+            <a:r>
+              <a:rPr lang="en-ZA" dirty="0" smtClean="0"/>
+              <a:t>Feedback</a:t>
+            </a:r>
+          </a:p>
+          <a:p>
+            <a:pPr>
+              <a:buFont typeface="Arial" panose="020B0604020202020204" pitchFamily="34" charset="0"/>
+              <a:buChar char="•"/>
+            </a:pPr>
+            <a:r>
+              <a:rPr lang="en-ZA" dirty="0" smtClean="0"/>
+              <a:t>UI Metaphors</a:t>
+            </a:r>
+          </a:p>
+          <a:p>
+            <a:pPr>
+              <a:buFont typeface="Arial" panose="020B0604020202020204" pitchFamily="34" charset="0"/>
+              <a:buChar char="•"/>
+            </a:pPr>
+            <a:r>
+              <a:rPr lang="en-ZA" dirty="0" smtClean="0"/>
+              <a:t>User driven control</a:t>
+            </a:r>
+            <a:endParaRPr lang="en-ZA" dirty="0"/>
+          </a:p>
+        </p:txBody>
+      </p:sp>
+    </p:spTree>
+    <p:extLst>
+      <p:ext uri="{BB962C8B-B14F-4D97-AF65-F5344CB8AC3E}">
+        <p14:creationId xmlns:p14="http://schemas.microsoft.com/office/powerpoint/2010/main" val="1356450910"/>
+      </p:ext>
+    </p:extLst>
+  </p:cSld>
+  <p:clrMapOvr>
+    <a:masterClrMapping/>
+  </p:clrMapOvr>
+  <p:timing>
+    <p:tnLst>
+      <p:par>
+        <p:cTn id="1" dur="indefinite" restart="never" nodeType="tmRoot"/>
+      </p:par>
+    </p:tnLst>
+  </p:timing>
+</p:sld>
+</file>
+
+<file path=ppt/slides/slide38.xml><?xml version="1.0" encoding="utf-8"?>
+<p:sld xmlns:a="http://schemas.openxmlformats.org/drawingml/2006/main" xmlns:r="http://schemas.openxmlformats.org/officeDocument/2006/relationships" xmlns:p="http://schemas.openxmlformats.org/presentationml/2006/main">
+  <p:cSld>
+    <p:spTree>
+      <p:nvGrpSpPr>
+        <p:cNvPr id="1" name=""/>
+        <p:cNvGrpSpPr/>
+        <p:nvPr/>
+      </p:nvGrpSpPr>
+      <p:grpSpPr>
+        <a:xfrm>
+          <a:off x="0" y="0"/>
+          <a:ext cx="0" cy="0"/>
+          <a:chOff x="0" y="0"/>
+          <a:chExt cx="0" cy="0"/>
+        </a:xfrm>
+      </p:grpSpPr>
+      <p:sp>
+        <p:nvSpPr>
+          <p:cNvPr id="2" name="Title 1"/>
+          <p:cNvSpPr>
+            <a:spLocks noGrp="1"/>
+          </p:cNvSpPr>
+          <p:nvPr>
+            <p:ph type="title"/>
+          </p:nvPr>
+        </p:nvSpPr>
+        <p:spPr/>
+        <p:txBody>
+          <a:bodyPr/>
+          <a:lstStyle/>
+          <a:p>
+            <a:r>
+              <a:rPr lang="en-ZA" dirty="0" smtClean="0"/>
+              <a:t>Chrome Design</a:t>
+            </a:r>
+            <a:endParaRPr lang="en-ZA" dirty="0"/>
+          </a:p>
+        </p:txBody>
+      </p:sp>
+      <p:sp>
+        <p:nvSpPr>
+          <p:cNvPr id="3" name="Content Placeholder 2"/>
+          <p:cNvSpPr>
+            <a:spLocks noGrp="1"/>
+          </p:cNvSpPr>
+          <p:nvPr>
+            <p:ph idx="1"/>
+          </p:nvPr>
+        </p:nvSpPr>
+        <p:spPr/>
+        <p:txBody>
+          <a:bodyPr/>
+          <a:lstStyle/>
+          <a:p>
+            <a:r>
+              <a:rPr lang="en-ZA" dirty="0"/>
+              <a:t>See principles: </a:t>
+            </a:r>
+            <a:r>
+              <a:rPr lang="en-ZA" dirty="0">
+                <a:hlinkClick r:id="rId2"/>
+              </a:rPr>
+              <a:t>https://</a:t>
+            </a:r>
+            <a:r>
+              <a:rPr lang="en-ZA" dirty="0" smtClean="0">
+                <a:hlinkClick r:id="rId2"/>
+              </a:rPr>
+              <a:t>developer.apple.com/library/ios/documentation/UserExperience/Conceptual/MobileHIG/Principles.html</a:t>
+            </a:r>
+            <a:endParaRPr lang="en-ZA" dirty="0" smtClean="0"/>
+          </a:p>
+          <a:p>
+            <a:r>
+              <a:rPr lang="en-ZA" dirty="0" smtClean="0"/>
+              <a:t>OSX:</a:t>
+            </a:r>
+            <a:endParaRPr lang="en-ZA" dirty="0" smtClean="0"/>
+          </a:p>
+          <a:p>
+            <a:r>
+              <a:rPr lang="en-ZA" dirty="0">
+                <a:hlinkClick r:id="rId3"/>
+              </a:rPr>
+              <a:t>https://developer.apple.com/library/mac/documentation/UserExperience/Conceptual/OSXHIGuidelines</a:t>
+            </a:r>
+            <a:r>
+              <a:rPr lang="en-ZA" dirty="0" smtClean="0">
+                <a:hlinkClick r:id="rId3"/>
+              </a:rPr>
+              <a:t>/</a:t>
+            </a:r>
+            <a:endParaRPr lang="en-ZA" dirty="0" smtClean="0"/>
+          </a:p>
+          <a:p>
+            <a:endParaRPr lang="en-ZA" dirty="0"/>
+          </a:p>
+        </p:txBody>
+      </p:sp>
+    </p:spTree>
+    <p:extLst>
+      <p:ext uri="{BB962C8B-B14F-4D97-AF65-F5344CB8AC3E}">
+        <p14:creationId xmlns:p14="http://schemas.microsoft.com/office/powerpoint/2010/main" val="2166421590"/>
+      </p:ext>
+    </p:extLst>
+  </p:cSld>
+  <p:clrMapOvr>
+    <a:masterClrMapping/>
+  </p:clrMapOvr>
+  <p:timing>
+    <p:tnLst>
+      <p:par>
+        <p:cTn id="1" dur="indefinite" restart="never" nodeType="tmRoot"/>
+      </p:par>
+    </p:tnLst>
+  </p:timing>
+</p:sld>
+</file>
+
+<file path=ppt/slides/slide39.xml><?xml version="1.0" encoding="utf-8"?>
+<p:sld xmlns:a="http://schemas.openxmlformats.org/drawingml/2006/main" xmlns:r="http://schemas.openxmlformats.org/officeDocument/2006/relationships" xmlns:p="http://schemas.openxmlformats.org/presentationml/2006/main">
+  <p:cSld>
+    <p:spTree>
+      <p:nvGrpSpPr>
+        <p:cNvPr id="1" name=""/>
+        <p:cNvGrpSpPr/>
+        <p:nvPr/>
+      </p:nvGrpSpPr>
+      <p:grpSpPr>
+        <a:xfrm>
+          <a:off x="0" y="0"/>
+          <a:ext cx="0" cy="0"/>
+          <a:chOff x="0" y="0"/>
+          <a:chExt cx="0" cy="0"/>
+        </a:xfrm>
+      </p:grpSpPr>
+      <p:sp>
+        <p:nvSpPr>
+          <p:cNvPr id="2" name="Title 1"/>
+          <p:cNvSpPr>
+            <a:spLocks noGrp="1"/>
+          </p:cNvSpPr>
+          <p:nvPr>
+            <p:ph type="title"/>
+          </p:nvPr>
+        </p:nvSpPr>
+        <p:spPr/>
+        <p:txBody>
+          <a:bodyPr/>
+          <a:lstStyle/>
+          <a:p>
+            <a:r>
+              <a:rPr lang="en-ZA" dirty="0" smtClean="0"/>
+              <a:t>Web Design</a:t>
+            </a:r>
+            <a:endParaRPr lang="en-ZA" dirty="0"/>
+          </a:p>
+        </p:txBody>
+      </p:sp>
+      <p:sp>
+        <p:nvSpPr>
+          <p:cNvPr id="3" name="Content Placeholder 2"/>
+          <p:cNvSpPr>
+            <a:spLocks noGrp="1"/>
+          </p:cNvSpPr>
+          <p:nvPr>
+            <p:ph idx="1"/>
+          </p:nvPr>
+        </p:nvSpPr>
+        <p:spPr/>
+        <p:txBody>
+          <a:bodyPr/>
+          <a:lstStyle/>
+          <a:p>
+            <a:pPr>
+              <a:buFont typeface="Arial" panose="020B0604020202020204" pitchFamily="34" charset="0"/>
+              <a:buChar char="•"/>
+            </a:pPr>
+            <a:r>
+              <a:rPr lang="en-ZA" dirty="0" smtClean="0"/>
+              <a:t>Takes on similar design principles of the desktop</a:t>
+            </a:r>
+          </a:p>
+          <a:p>
+            <a:pPr>
+              <a:buFont typeface="Arial" panose="020B0604020202020204" pitchFamily="34" charset="0"/>
+              <a:buChar char="•"/>
+            </a:pPr>
+            <a:r>
+              <a:rPr lang="en-ZA" dirty="0" smtClean="0"/>
+              <a:t>Uses web technologies to achieve this</a:t>
+            </a:r>
+          </a:p>
+          <a:p>
+            <a:pPr>
+              <a:buFont typeface="Arial" panose="020B0604020202020204" pitchFamily="34" charset="0"/>
+              <a:buChar char="•"/>
+            </a:pPr>
+            <a:r>
+              <a:rPr lang="en-ZA" dirty="0" smtClean="0"/>
+              <a:t>Lots of </a:t>
+            </a:r>
+            <a:r>
+              <a:rPr lang="en-ZA" dirty="0" smtClean="0"/>
+              <a:t>animations</a:t>
+            </a:r>
+          </a:p>
+          <a:p>
+            <a:pPr>
+              <a:buFont typeface="Arial" panose="020B0604020202020204" pitchFamily="34" charset="0"/>
+              <a:buChar char="•"/>
+            </a:pPr>
+            <a:endParaRPr lang="en-ZA" dirty="0"/>
+          </a:p>
+          <a:p>
+            <a:pPr>
+              <a:buFont typeface="Arial" panose="020B0604020202020204" pitchFamily="34" charset="0"/>
+              <a:buChar char="•"/>
+            </a:pPr>
+            <a:r>
+              <a:rPr lang="en-ZA" dirty="0" smtClean="0"/>
+              <a:t>Can use any design guidelines</a:t>
+            </a:r>
+            <a:endParaRPr lang="en-ZA" dirty="0"/>
+          </a:p>
+        </p:txBody>
+      </p:sp>
+    </p:spTree>
+    <p:extLst>
+      <p:ext uri="{BB962C8B-B14F-4D97-AF65-F5344CB8AC3E}">
+        <p14:creationId xmlns:p14="http://schemas.microsoft.com/office/powerpoint/2010/main" val="3553760989"/>
+      </p:ext>
+    </p:extLst>
+  </p:cSld>
+  <p:clrMapOvr>
+    <a:masterClrMapping/>
+  </p:clrMapOvr>
+  <p:timing>
+    <p:tnLst>
+      <p:par>
+        <p:cTn id="1" dur="indefinite" restart="never" nodeType="tmRoot"/>
+      </p:par>
+    </p:tnLst>
+  </p:timing>
+</p:sld>
+</file>
+
+<file path=ppt/slides/slide4.xml><?xml version="1.0" encoding="utf-8"?>
+<p:sld xmlns:a="http://schemas.openxmlformats.org/drawingml/2006/main" xmlns:r="http://schemas.openxmlformats.org/officeDocument/2006/relationships" xmlns:p="http://schemas.openxmlformats.org/presentationml/2006/main">
+  <p:cSld>
+    <p:spTree>
+      <p:nvGrpSpPr>
+        <p:cNvPr id="1" name=""/>
+        <p:cNvGrpSpPr/>
+        <p:nvPr/>
+      </p:nvGrpSpPr>
+      <p:grpSpPr>
+        <a:xfrm>
+          <a:off x="0" y="0"/>
+          <a:ext cx="0" cy="0"/>
+          <a:chOff x="0" y="0"/>
+          <a:chExt cx="0" cy="0"/>
+        </a:xfrm>
+      </p:grpSpPr>
+      <p:sp>
+        <p:nvSpPr>
+          <p:cNvPr id="2" name="Title 1"/>
+          <p:cNvSpPr>
+            <a:spLocks noGrp="1"/>
+          </p:cNvSpPr>
+          <p:nvPr>
+            <p:ph type="title"/>
+          </p:nvPr>
+        </p:nvSpPr>
+        <p:spPr/>
+        <p:txBody>
+          <a:bodyPr/>
+          <a:lstStyle/>
+          <a:p>
+            <a:r>
+              <a:rPr lang="en-ZA" dirty="0" smtClean="0"/>
+              <a:t>Basic User Interface strategies</a:t>
+            </a:r>
+            <a:endParaRPr lang="en-ZA" dirty="0"/>
+          </a:p>
+        </p:txBody>
+      </p:sp>
+      <p:sp>
+        <p:nvSpPr>
+          <p:cNvPr id="3" name="Content Placeholder 2"/>
+          <p:cNvSpPr>
+            <a:spLocks noGrp="1"/>
+          </p:cNvSpPr>
+          <p:nvPr>
+            <p:ph idx="1"/>
+          </p:nvPr>
+        </p:nvSpPr>
+        <p:spPr/>
+        <p:txBody>
+          <a:bodyPr/>
+          <a:lstStyle/>
+          <a:p>
+            <a:pPr marL="0" indent="0"/>
+            <a:r>
+              <a:rPr lang="en-ZA" dirty="0" smtClean="0"/>
+              <a:t>Very Intuitive</a:t>
+            </a:r>
+          </a:p>
+          <a:p>
+            <a:pPr>
+              <a:buFont typeface="Arial" panose="020B0604020202020204" pitchFamily="34" charset="0"/>
+              <a:buChar char="•"/>
+            </a:pPr>
+            <a:r>
+              <a:rPr lang="en-ZA" dirty="0" smtClean="0"/>
+              <a:t>Double Coding</a:t>
+            </a:r>
+          </a:p>
+          <a:p>
+            <a:pPr>
+              <a:buFont typeface="Arial" panose="020B0604020202020204" pitchFamily="34" charset="0"/>
+              <a:buChar char="•"/>
+            </a:pPr>
+            <a:r>
+              <a:rPr lang="en-ZA" dirty="0" smtClean="0"/>
+              <a:t>Data Grouping</a:t>
+            </a:r>
+          </a:p>
+          <a:p>
+            <a:pPr>
+              <a:buFont typeface="Arial" panose="020B0604020202020204" pitchFamily="34" charset="0"/>
+              <a:buChar char="•"/>
+            </a:pPr>
+            <a:r>
+              <a:rPr lang="en-ZA" dirty="0" smtClean="0"/>
+              <a:t>Symmetry</a:t>
+            </a:r>
+          </a:p>
+          <a:p>
+            <a:pPr>
+              <a:buFont typeface="Arial" panose="020B0604020202020204" pitchFamily="34" charset="0"/>
+              <a:buChar char="•"/>
+            </a:pPr>
+            <a:r>
+              <a:rPr lang="en-ZA" dirty="0" smtClean="0"/>
+              <a:t>Data Density</a:t>
+            </a:r>
+          </a:p>
+          <a:p>
+            <a:pPr>
+              <a:buFont typeface="Arial" panose="020B0604020202020204" pitchFamily="34" charset="0"/>
+              <a:buChar char="•"/>
+            </a:pPr>
+            <a:r>
+              <a:rPr lang="en-ZA" dirty="0" smtClean="0"/>
+              <a:t>Contrast</a:t>
+            </a:r>
+          </a:p>
+          <a:p>
+            <a:pPr>
+              <a:buFont typeface="Arial" panose="020B0604020202020204" pitchFamily="34" charset="0"/>
+              <a:buChar char="•"/>
+            </a:pPr>
+            <a:r>
+              <a:rPr lang="en-ZA" dirty="0" smtClean="0"/>
+              <a:t>Consistency</a:t>
+            </a:r>
+            <a:endParaRPr lang="en-ZA" dirty="0"/>
+          </a:p>
+        </p:txBody>
+      </p:sp>
+    </p:spTree>
+    <p:extLst>
+      <p:ext uri="{BB962C8B-B14F-4D97-AF65-F5344CB8AC3E}">
+        <p14:creationId xmlns:p14="http://schemas.microsoft.com/office/powerpoint/2010/main" val="2605404799"/>
+      </p:ext>
+    </p:extLst>
+  </p:cSld>
+  <p:clrMapOvr>
+    <a:masterClrMapping/>
+  </p:clrMapOvr>
+  <p:timing>
+    <p:tnLst>
+      <p:par>
+        <p:cTn id="1" dur="indefinite" restart="never" nodeType="tmRoot"/>
+      </p:par>
+    </p:tnLst>
+  </p:timing>
+</p:sld>
+</file>
+
+<file path=ppt/slides/slide40.xml><?xml version="1.0" encoding="utf-8"?>
+<p:sld xmlns:a="http://schemas.openxmlformats.org/drawingml/2006/main" xmlns:r="http://schemas.openxmlformats.org/officeDocument/2006/relationships" xmlns:p="http://schemas.openxmlformats.org/presentationml/2006/main">
+  <p:cSld>
+    <p:spTree>
+      <p:nvGrpSpPr>
+        <p:cNvPr id="1" name=""/>
+        <p:cNvGrpSpPr/>
+        <p:nvPr/>
+      </p:nvGrpSpPr>
+      <p:grpSpPr>
+        <a:xfrm>
+          <a:off x="0" y="0"/>
+          <a:ext cx="0" cy="0"/>
+          <a:chOff x="0" y="0"/>
+          <a:chExt cx="0" cy="0"/>
+        </a:xfrm>
+      </p:grpSpPr>
+      <p:sp>
+        <p:nvSpPr>
+          <p:cNvPr id="2" name="Title 1"/>
+          <p:cNvSpPr>
+            <a:spLocks noGrp="1"/>
+          </p:cNvSpPr>
+          <p:nvPr>
+            <p:ph type="title"/>
+          </p:nvPr>
+        </p:nvSpPr>
+        <p:spPr/>
+        <p:txBody>
+          <a:bodyPr/>
+          <a:lstStyle/>
+          <a:p>
+            <a:r>
+              <a:rPr lang="en-ZA" dirty="0" smtClean="0"/>
+              <a:t>Web Design Technologies </a:t>
+            </a:r>
+            <a:endParaRPr lang="en-ZA" dirty="0"/>
+          </a:p>
+        </p:txBody>
+      </p:sp>
+      <p:sp>
+        <p:nvSpPr>
+          <p:cNvPr id="3" name="Content Placeholder 2"/>
+          <p:cNvSpPr>
+            <a:spLocks noGrp="1"/>
+          </p:cNvSpPr>
+          <p:nvPr>
+            <p:ph idx="1"/>
+          </p:nvPr>
+        </p:nvSpPr>
+        <p:spPr/>
+        <p:txBody>
+          <a:bodyPr/>
+          <a:lstStyle/>
+          <a:p>
+            <a:pPr marL="0" indent="0"/>
+            <a:r>
+              <a:rPr lang="en-ZA" dirty="0" smtClean="0"/>
+              <a:t>CSS</a:t>
+            </a:r>
+          </a:p>
+          <a:p>
+            <a:pPr>
+              <a:buFont typeface="Arial" panose="020B0604020202020204" pitchFamily="34" charset="0"/>
+              <a:buChar char="•"/>
+            </a:pPr>
+            <a:r>
+              <a:rPr lang="en-ZA" dirty="0" smtClean="0">
+                <a:hlinkClick r:id="rId2"/>
+              </a:rPr>
+              <a:t>http</a:t>
+            </a:r>
+            <a:r>
+              <a:rPr lang="en-ZA" dirty="0">
+                <a:hlinkClick r:id="rId2"/>
+              </a:rPr>
+              <a:t>://</a:t>
+            </a:r>
+            <a:r>
+              <a:rPr lang="en-ZA" dirty="0" smtClean="0">
+                <a:hlinkClick r:id="rId2"/>
+              </a:rPr>
+              <a:t>www.w3schools.com/css/css_intro.asp</a:t>
+            </a:r>
+            <a:endParaRPr lang="en-ZA" dirty="0" smtClean="0"/>
+          </a:p>
+          <a:p>
+            <a:pPr>
+              <a:buFont typeface="Arial" panose="020B0604020202020204" pitchFamily="34" charset="0"/>
+              <a:buChar char="•"/>
+            </a:pPr>
+            <a:r>
+              <a:rPr lang="en-ZA" dirty="0" smtClean="0">
+                <a:hlinkClick r:id="rId3"/>
+              </a:rPr>
+              <a:t>http</a:t>
+            </a:r>
+            <a:r>
+              <a:rPr lang="en-ZA" dirty="0">
+                <a:hlinkClick r:id="rId3"/>
+              </a:rPr>
+              <a:t>://www.w3schools.com/css</a:t>
+            </a:r>
+            <a:r>
+              <a:rPr lang="en-ZA" dirty="0" smtClean="0">
+                <a:hlinkClick r:id="rId3"/>
+              </a:rPr>
+              <a:t>/</a:t>
+            </a:r>
+            <a:endParaRPr lang="en-ZA" dirty="0" smtClean="0"/>
+          </a:p>
+          <a:p>
+            <a:pPr marL="0" indent="0"/>
+            <a:r>
+              <a:rPr lang="en-ZA" dirty="0" smtClean="0"/>
+              <a:t>Bootstrap</a:t>
+            </a:r>
+          </a:p>
+          <a:p>
+            <a:pPr marL="285750" indent="-285750">
+              <a:buFont typeface="Arial" panose="020B0604020202020204" pitchFamily="34" charset="0"/>
+              <a:buChar char="•"/>
+            </a:pPr>
+            <a:r>
+              <a:rPr lang="en-ZA" dirty="0">
+                <a:hlinkClick r:id="rId4"/>
+              </a:rPr>
+              <a:t>http://www.w3schools.com/bootstrap</a:t>
+            </a:r>
+            <a:r>
+              <a:rPr lang="en-ZA" dirty="0" smtClean="0">
+                <a:hlinkClick r:id="rId4"/>
+              </a:rPr>
+              <a:t>/</a:t>
+            </a:r>
+            <a:endParaRPr lang="en-ZA" dirty="0" smtClean="0"/>
+          </a:p>
+          <a:p>
+            <a:pPr marL="285750" indent="-285750">
+              <a:buFont typeface="Arial" panose="020B0604020202020204" pitchFamily="34" charset="0"/>
+              <a:buChar char="•"/>
+            </a:pPr>
+            <a:r>
+              <a:rPr lang="en-ZA" dirty="0">
+                <a:hlinkClick r:id="rId5"/>
+              </a:rPr>
+              <a:t>http://getbootstrap.com</a:t>
+            </a:r>
+            <a:r>
+              <a:rPr lang="en-ZA" dirty="0" smtClean="0">
+                <a:hlinkClick r:id="rId5"/>
+              </a:rPr>
+              <a:t>/</a:t>
+            </a:r>
+            <a:endParaRPr lang="en-ZA" dirty="0" smtClean="0"/>
+          </a:p>
+          <a:p>
+            <a:pPr marL="0" indent="0"/>
+            <a:endParaRPr lang="en-ZA" dirty="0"/>
+          </a:p>
+          <a:p>
+            <a:pPr marL="0" indent="0"/>
+            <a:r>
+              <a:rPr lang="en-ZA" dirty="0" smtClean="0"/>
+              <a:t>Bootstrap Templates:</a:t>
+            </a:r>
+          </a:p>
+          <a:p>
+            <a:pPr marL="285750" indent="-285750">
+              <a:buFont typeface="Arial" panose="020B0604020202020204" pitchFamily="34" charset="0"/>
+              <a:buChar char="•"/>
+            </a:pPr>
+            <a:r>
+              <a:rPr lang="en-ZA" dirty="0">
+                <a:hlinkClick r:id="rId6"/>
+              </a:rPr>
+              <a:t>http://www.bootstrapzero.com</a:t>
+            </a:r>
+            <a:r>
+              <a:rPr lang="en-ZA" dirty="0" smtClean="0">
+                <a:hlinkClick r:id="rId6"/>
+              </a:rPr>
+              <a:t>/</a:t>
+            </a:r>
+            <a:endParaRPr lang="en-ZA" dirty="0" smtClean="0"/>
+          </a:p>
+          <a:p>
+            <a:pPr marL="0" indent="0"/>
+            <a:endParaRPr lang="en-ZA" dirty="0"/>
+          </a:p>
+          <a:p>
+            <a:pPr>
+              <a:buFont typeface="Arial" panose="020B0604020202020204" pitchFamily="34" charset="0"/>
+              <a:buChar char="•"/>
+            </a:pPr>
+            <a:endParaRPr lang="en-ZA" dirty="0"/>
+          </a:p>
+        </p:txBody>
+      </p:sp>
+    </p:spTree>
+    <p:extLst>
+      <p:ext uri="{BB962C8B-B14F-4D97-AF65-F5344CB8AC3E}">
+        <p14:creationId xmlns:p14="http://schemas.microsoft.com/office/powerpoint/2010/main" val="3641776122"/>
+      </p:ext>
+    </p:extLst>
+  </p:cSld>
+  <p:clrMapOvr>
+    <a:masterClrMapping/>
+  </p:clrMapOvr>
+  <p:timing>
+    <p:tnLst>
+      <p:par>
+        <p:cTn id="1" dur="indefinite" restart="never" nodeType="tmRoot"/>
+      </p:par>
+    </p:tnLst>
+  </p:timing>
+</p:sld>
+</file>
+
+<file path=ppt/slides/slide41.xml><?xml version="1.0" encoding="utf-8"?>
+<p:sld xmlns:a="http://schemas.openxmlformats.org/drawingml/2006/main" xmlns:r="http://schemas.openxmlformats.org/officeDocument/2006/relationships" xmlns:p="http://schemas.openxmlformats.org/presentationml/2006/main">
+  <p:cSld>
+    <p:spTree>
+      <p:nvGrpSpPr>
+        <p:cNvPr id="1" name=""/>
+        <p:cNvGrpSpPr/>
+        <p:nvPr/>
+      </p:nvGrpSpPr>
+      <p:grpSpPr>
+        <a:xfrm>
+          <a:off x="0" y="0"/>
+          <a:ext cx="0" cy="0"/>
+          <a:chOff x="0" y="0"/>
+          <a:chExt cx="0" cy="0"/>
+        </a:xfrm>
+      </p:grpSpPr>
+      <p:sp>
+        <p:nvSpPr>
+          <p:cNvPr id="2" name="Title 1"/>
+          <p:cNvSpPr>
+            <a:spLocks noGrp="1"/>
+          </p:cNvSpPr>
+          <p:nvPr>
+            <p:ph type="title"/>
+          </p:nvPr>
+        </p:nvSpPr>
+        <p:spPr/>
+        <p:txBody>
+          <a:bodyPr/>
+          <a:lstStyle/>
+          <a:p>
+            <a:r>
+              <a:rPr lang="en-ZA" dirty="0" smtClean="0"/>
               <a:t>Research</a:t>
             </a:r>
             <a:endParaRPr lang="en-ZA" dirty="0"/>
@@ -7194,11 +10604,7 @@
           </p:cNvGraphicFramePr>
           <p:nvPr>
             <p:ph idx="1"/>
-            <p:extLst>
-              <p:ext uri="{D42A27DB-BD31-4B8C-83A1-F6EECF244321}">
-                <p14:modId xmlns:p14="http://schemas.microsoft.com/office/powerpoint/2010/main" val="679882166"/>
-              </p:ext>
-            </p:extLst>
+            <p:extLst/>
           </p:nvPr>
         </p:nvGraphicFramePr>
         <p:xfrm>
@@ -7364,7 +10770,7 @@
     </p:spTree>
     <p:extLst>
       <p:ext uri="{BB962C8B-B14F-4D97-AF65-F5344CB8AC3E}">
-        <p14:creationId xmlns:p14="http://schemas.microsoft.com/office/powerpoint/2010/main" val="1194597886"/>
+        <p14:creationId xmlns:p14="http://schemas.microsoft.com/office/powerpoint/2010/main" val="2345475723"/>
       </p:ext>
     </p:extLst>
   </p:cSld>
@@ -7374,3719 +10780,7 @@
 </p:sld>
 </file>
 
-<file path=ppt/slides/slide2.xml><?xml version="1.0" encoding="utf-8"?>
-<p:sld xmlns:a="http://schemas.openxmlformats.org/drawingml/2006/main" xmlns:r="http://schemas.openxmlformats.org/officeDocument/2006/relationships" xmlns:p="http://schemas.openxmlformats.org/presentationml/2006/main">
-  <p:cSld>
-    <p:spTree>
-      <p:nvGrpSpPr>
-        <p:cNvPr id="1" name=""/>
-        <p:cNvGrpSpPr/>
-        <p:nvPr/>
-      </p:nvGrpSpPr>
-      <p:grpSpPr>
-        <a:xfrm>
-          <a:off x="0" y="0"/>
-          <a:ext cx="0" cy="0"/>
-          <a:chOff x="0" y="0"/>
-          <a:chExt cx="0" cy="0"/>
-        </a:xfrm>
-      </p:grpSpPr>
-      <p:sp>
-        <p:nvSpPr>
-          <p:cNvPr id="2" name="Title 1"/>
-          <p:cNvSpPr>
-            <a:spLocks noGrp="1"/>
-          </p:cNvSpPr>
-          <p:nvPr>
-            <p:ph type="title"/>
-          </p:nvPr>
-        </p:nvSpPr>
-        <p:spPr/>
-        <p:txBody>
-          <a:bodyPr/>
-          <a:lstStyle/>
-          <a:p>
-            <a:r>
-              <a:rPr lang="en-ZA" dirty="0" smtClean="0"/>
-              <a:t>The Homework from session </a:t>
-            </a:r>
-            <a:r>
-              <a:rPr lang="en-ZA" dirty="0" smtClean="0"/>
-              <a:t>4</a:t>
-            </a:r>
-            <a:endParaRPr lang="en-ZA" dirty="0"/>
-          </a:p>
-        </p:txBody>
-      </p:sp>
-      <p:sp>
-        <p:nvSpPr>
-          <p:cNvPr id="3" name="Content Placeholder 2"/>
-          <p:cNvSpPr>
-            <a:spLocks noGrp="1"/>
-          </p:cNvSpPr>
-          <p:nvPr>
-            <p:ph idx="1"/>
-          </p:nvPr>
-        </p:nvSpPr>
-        <p:spPr/>
-        <p:txBody>
-          <a:bodyPr/>
-          <a:lstStyle/>
-          <a:p>
-            <a:r>
-              <a:rPr lang="en-ZA" dirty="0" smtClean="0"/>
-              <a:t>See Example</a:t>
-            </a:r>
-            <a:endParaRPr lang="en-ZA" dirty="0"/>
-          </a:p>
-        </p:txBody>
-      </p:sp>
-    </p:spTree>
-    <p:extLst>
-      <p:ext uri="{BB962C8B-B14F-4D97-AF65-F5344CB8AC3E}">
-        <p14:creationId xmlns:p14="http://schemas.microsoft.com/office/powerpoint/2010/main" val="1518874736"/>
-      </p:ext>
-    </p:extLst>
-  </p:cSld>
-  <p:clrMapOvr>
-    <a:masterClrMapping/>
-  </p:clrMapOvr>
-  <p:timing>
-    <p:tnLst>
-      <p:par>
-        <p:cTn id="1" dur="indefinite" restart="never" nodeType="tmRoot"/>
-      </p:par>
-    </p:tnLst>
-  </p:timing>
-</p:sld>
-</file>
-
-<file path=ppt/slides/slide20.xml><?xml version="1.0" encoding="utf-8"?>
-<p:sld xmlns:a="http://schemas.openxmlformats.org/drawingml/2006/main" xmlns:r="http://schemas.openxmlformats.org/officeDocument/2006/relationships" xmlns:p="http://schemas.openxmlformats.org/presentationml/2006/main">
-  <p:cSld>
-    <p:spTree>
-      <p:nvGrpSpPr>
-        <p:cNvPr id="1" name=""/>
-        <p:cNvGrpSpPr/>
-        <p:nvPr/>
-      </p:nvGrpSpPr>
-      <p:grpSpPr>
-        <a:xfrm>
-          <a:off x="0" y="0"/>
-          <a:ext cx="0" cy="0"/>
-          <a:chOff x="0" y="0"/>
-          <a:chExt cx="0" cy="0"/>
-        </a:xfrm>
-      </p:grpSpPr>
-      <p:sp>
-        <p:nvSpPr>
-          <p:cNvPr id="2" name="Title 1"/>
-          <p:cNvSpPr>
-            <a:spLocks noGrp="1"/>
-          </p:cNvSpPr>
-          <p:nvPr>
-            <p:ph type="title"/>
-          </p:nvPr>
-        </p:nvSpPr>
-        <p:spPr/>
-        <p:txBody>
-          <a:bodyPr/>
-          <a:lstStyle/>
-          <a:p>
-            <a:r>
-              <a:rPr lang="en-ZA" dirty="0" smtClean="0"/>
-              <a:t>User Persona</a:t>
-            </a:r>
-            <a:endParaRPr lang="en-ZA" dirty="0"/>
-          </a:p>
-        </p:txBody>
-      </p:sp>
-      <p:sp>
-        <p:nvSpPr>
-          <p:cNvPr id="3" name="Content Placeholder 2"/>
-          <p:cNvSpPr>
-            <a:spLocks noGrp="1"/>
-          </p:cNvSpPr>
-          <p:nvPr>
-            <p:ph idx="1"/>
-          </p:nvPr>
-        </p:nvSpPr>
-        <p:spPr/>
-        <p:txBody>
-          <a:bodyPr>
-            <a:normAutofit lnSpcReduction="10000"/>
-          </a:bodyPr>
-          <a:lstStyle/>
-          <a:p>
-            <a:r>
-              <a:rPr lang="en-ZA" dirty="0" smtClean="0"/>
-              <a:t>Name</a:t>
-            </a:r>
-          </a:p>
-          <a:p>
-            <a:r>
-              <a:rPr lang="en-ZA" dirty="0" smtClean="0"/>
-              <a:t>Picture</a:t>
-            </a:r>
-          </a:p>
-          <a:p>
-            <a:r>
-              <a:rPr lang="en-ZA" dirty="0" smtClean="0"/>
-              <a:t>Who Are They?</a:t>
-            </a:r>
-          </a:p>
-          <a:p>
-            <a:r>
-              <a:rPr lang="en-ZA" dirty="0" smtClean="0"/>
-              <a:t>Demographics</a:t>
-            </a:r>
-          </a:p>
-          <a:p>
-            <a:r>
-              <a:rPr lang="en-ZA" dirty="0" smtClean="0"/>
-              <a:t>Role</a:t>
-            </a:r>
-          </a:p>
-          <a:p>
-            <a:r>
-              <a:rPr lang="en-ZA" dirty="0" smtClean="0"/>
-              <a:t>Activities</a:t>
-            </a:r>
-          </a:p>
-          <a:p>
-            <a:r>
-              <a:rPr lang="en-ZA" dirty="0" smtClean="0"/>
-              <a:t>Behaviours</a:t>
-            </a:r>
-          </a:p>
-          <a:p>
-            <a:r>
-              <a:rPr lang="en-ZA" dirty="0" smtClean="0"/>
-              <a:t>Attitudes</a:t>
-            </a:r>
-          </a:p>
-          <a:p>
-            <a:r>
-              <a:rPr lang="en-ZA" dirty="0" smtClean="0"/>
-              <a:t>Technology Experience</a:t>
-            </a:r>
-          </a:p>
-          <a:p>
-            <a:r>
-              <a:rPr lang="en-ZA" dirty="0" smtClean="0"/>
-              <a:t>Goals which are tied to the product</a:t>
-            </a:r>
-            <a:endParaRPr lang="en-ZA" dirty="0"/>
-          </a:p>
-        </p:txBody>
-      </p:sp>
-    </p:spTree>
-    <p:extLst>
-      <p:ext uri="{BB962C8B-B14F-4D97-AF65-F5344CB8AC3E}">
-        <p14:creationId xmlns:p14="http://schemas.microsoft.com/office/powerpoint/2010/main" val="4101349770"/>
-      </p:ext>
-    </p:extLst>
-  </p:cSld>
-  <p:clrMapOvr>
-    <a:masterClrMapping/>
-  </p:clrMapOvr>
-</p:sld>
-</file>
-
-<file path=ppt/slides/slide21.xml><?xml version="1.0" encoding="utf-8"?>
-<p:sld xmlns:a="http://schemas.openxmlformats.org/drawingml/2006/main" xmlns:r="http://schemas.openxmlformats.org/officeDocument/2006/relationships" xmlns:p="http://schemas.openxmlformats.org/presentationml/2006/main">
-  <p:cSld>
-    <p:spTree>
-      <p:nvGrpSpPr>
-        <p:cNvPr id="1" name=""/>
-        <p:cNvGrpSpPr/>
-        <p:nvPr/>
-      </p:nvGrpSpPr>
-      <p:grpSpPr>
-        <a:xfrm>
-          <a:off x="0" y="0"/>
-          <a:ext cx="0" cy="0"/>
-          <a:chOff x="0" y="0"/>
-          <a:chExt cx="0" cy="0"/>
-        </a:xfrm>
-      </p:grpSpPr>
-      <p:sp>
-        <p:nvSpPr>
-          <p:cNvPr id="2" name="Title 1"/>
-          <p:cNvSpPr>
-            <a:spLocks noGrp="1"/>
-          </p:cNvSpPr>
-          <p:nvPr>
-            <p:ph type="title"/>
-          </p:nvPr>
-        </p:nvSpPr>
-        <p:spPr/>
-        <p:txBody>
-          <a:bodyPr/>
-          <a:lstStyle/>
-          <a:p>
-            <a:r>
-              <a:rPr lang="en-ZA" dirty="0" smtClean="0"/>
-              <a:t>Create a user story	</a:t>
-            </a:r>
-            <a:endParaRPr lang="en-ZA" dirty="0"/>
-          </a:p>
-        </p:txBody>
-      </p:sp>
-      <p:sp>
-        <p:nvSpPr>
-          <p:cNvPr id="3" name="Content Placeholder 2"/>
-          <p:cNvSpPr>
-            <a:spLocks noGrp="1"/>
-          </p:cNvSpPr>
-          <p:nvPr>
-            <p:ph idx="1"/>
-          </p:nvPr>
-        </p:nvSpPr>
-        <p:spPr/>
-        <p:txBody>
-          <a:bodyPr/>
-          <a:lstStyle/>
-          <a:p>
-            <a:r>
-              <a:rPr lang="en-ZA" dirty="0" smtClean="0"/>
-              <a:t>Develop Primary and Secondary Personas</a:t>
-            </a:r>
-          </a:p>
-          <a:p>
-            <a:r>
-              <a:rPr lang="en-ZA" dirty="0" smtClean="0"/>
-              <a:t>Use primary goals to develop product functionality</a:t>
-            </a:r>
-          </a:p>
-          <a:p>
-            <a:r>
-              <a:rPr lang="en-ZA" dirty="0" smtClean="0"/>
-              <a:t>Capture the user-sequence of how functions will be used, the visual design and the non-functional qualities required</a:t>
-            </a:r>
-          </a:p>
-          <a:p>
-            <a:r>
-              <a:rPr lang="en-ZA" dirty="0" smtClean="0"/>
-              <a:t>Decompose functions into user stories</a:t>
-            </a:r>
-            <a:endParaRPr lang="en-ZA" dirty="0"/>
-          </a:p>
-        </p:txBody>
-      </p:sp>
-    </p:spTree>
-    <p:extLst>
-      <p:ext uri="{BB962C8B-B14F-4D97-AF65-F5344CB8AC3E}">
-        <p14:creationId xmlns:p14="http://schemas.microsoft.com/office/powerpoint/2010/main" val="4100689204"/>
-      </p:ext>
-    </p:extLst>
-  </p:cSld>
-  <p:clrMapOvr>
-    <a:masterClrMapping/>
-  </p:clrMapOvr>
-</p:sld>
-</file>
-
-<file path=ppt/slides/slide22.xml><?xml version="1.0" encoding="utf-8"?>
-<p:sld xmlns:a="http://schemas.openxmlformats.org/drawingml/2006/main" xmlns:r="http://schemas.openxmlformats.org/officeDocument/2006/relationships" xmlns:p="http://schemas.openxmlformats.org/presentationml/2006/main">
-  <p:cSld>
-    <p:spTree>
-      <p:nvGrpSpPr>
-        <p:cNvPr id="1" name=""/>
-        <p:cNvGrpSpPr/>
-        <p:nvPr/>
-      </p:nvGrpSpPr>
-      <p:grpSpPr>
-        <a:xfrm>
-          <a:off x="0" y="0"/>
-          <a:ext cx="0" cy="0"/>
-          <a:chOff x="0" y="0"/>
-          <a:chExt cx="0" cy="0"/>
-        </a:xfrm>
-      </p:grpSpPr>
-      <p:sp>
-        <p:nvSpPr>
-          <p:cNvPr id="2" name="Title 1"/>
-          <p:cNvSpPr>
-            <a:spLocks noGrp="1"/>
-          </p:cNvSpPr>
-          <p:nvPr>
-            <p:ph type="title"/>
-          </p:nvPr>
-        </p:nvSpPr>
-        <p:spPr/>
-        <p:txBody>
-          <a:bodyPr/>
-          <a:lstStyle/>
-          <a:p>
-            <a:r>
-              <a:rPr lang="en-ZA" dirty="0" smtClean="0"/>
-              <a:t>Design Guidelines</a:t>
-            </a:r>
-            <a:endParaRPr lang="en-ZA" dirty="0"/>
-          </a:p>
-        </p:txBody>
-      </p:sp>
-      <p:sp>
-        <p:nvSpPr>
-          <p:cNvPr id="3" name="Content Placeholder 2"/>
-          <p:cNvSpPr>
-            <a:spLocks noGrp="1"/>
-          </p:cNvSpPr>
-          <p:nvPr>
-            <p:ph idx="1"/>
-          </p:nvPr>
-        </p:nvSpPr>
-        <p:spPr/>
-        <p:txBody>
-          <a:bodyPr/>
-          <a:lstStyle/>
-          <a:p>
-            <a:pPr>
-              <a:buFont typeface="Arial" panose="020B0604020202020204" pitchFamily="34" charset="0"/>
-              <a:buChar char="•"/>
-            </a:pPr>
-            <a:r>
-              <a:rPr lang="en-ZA" dirty="0" smtClean="0"/>
-              <a:t>Guidelines which have been authored for specific </a:t>
-            </a:r>
-            <a:r>
-              <a:rPr lang="en-ZA" dirty="0" err="1" smtClean="0"/>
-              <a:t>OSes</a:t>
-            </a:r>
-            <a:r>
-              <a:rPr lang="en-ZA" dirty="0" smtClean="0"/>
-              <a:t> by their respective companies</a:t>
-            </a:r>
-          </a:p>
-          <a:p>
-            <a:pPr>
-              <a:buFont typeface="Arial" panose="020B0604020202020204" pitchFamily="34" charset="0"/>
-              <a:buChar char="•"/>
-            </a:pPr>
-            <a:r>
-              <a:rPr lang="en-ZA" dirty="0" smtClean="0"/>
-              <a:t>Provides consistency on a device</a:t>
-            </a:r>
-          </a:p>
-          <a:p>
-            <a:pPr>
-              <a:buFont typeface="Arial" panose="020B0604020202020204" pitchFamily="34" charset="0"/>
-              <a:buChar char="•"/>
-            </a:pPr>
-            <a:endParaRPr lang="en-ZA" dirty="0"/>
-          </a:p>
-        </p:txBody>
-      </p:sp>
-    </p:spTree>
-    <p:extLst>
-      <p:ext uri="{BB962C8B-B14F-4D97-AF65-F5344CB8AC3E}">
-        <p14:creationId xmlns:p14="http://schemas.microsoft.com/office/powerpoint/2010/main" val="2881363480"/>
-      </p:ext>
-    </p:extLst>
-  </p:cSld>
-  <p:clrMapOvr>
-    <a:masterClrMapping/>
-  </p:clrMapOvr>
-  <p:timing>
-    <p:tnLst>
-      <p:par>
-        <p:cTn id="1" dur="indefinite" restart="never" nodeType="tmRoot"/>
-      </p:par>
-    </p:tnLst>
-  </p:timing>
-</p:sld>
-</file>
-
-<file path=ppt/slides/slide23.xml><?xml version="1.0" encoding="utf-8"?>
-<p:sld xmlns:a="http://schemas.openxmlformats.org/drawingml/2006/main" xmlns:r="http://schemas.openxmlformats.org/officeDocument/2006/relationships" xmlns:p="http://schemas.openxmlformats.org/presentationml/2006/main">
-  <p:cSld>
-    <p:spTree>
-      <p:nvGrpSpPr>
-        <p:cNvPr id="1" name=""/>
-        <p:cNvGrpSpPr/>
-        <p:nvPr/>
-      </p:nvGrpSpPr>
-      <p:grpSpPr>
-        <a:xfrm>
-          <a:off x="0" y="0"/>
-          <a:ext cx="0" cy="0"/>
-          <a:chOff x="0" y="0"/>
-          <a:chExt cx="0" cy="0"/>
-        </a:xfrm>
-      </p:grpSpPr>
-      <p:sp>
-        <p:nvSpPr>
-          <p:cNvPr id="2" name="Title 1"/>
-          <p:cNvSpPr>
-            <a:spLocks noGrp="1"/>
-          </p:cNvSpPr>
-          <p:nvPr>
-            <p:ph type="title"/>
-          </p:nvPr>
-        </p:nvSpPr>
-        <p:spPr/>
-        <p:txBody>
-          <a:bodyPr/>
-          <a:lstStyle/>
-          <a:p>
-            <a:r>
-              <a:rPr lang="en-ZA" dirty="0" smtClean="0"/>
-              <a:t>METRO UI</a:t>
-            </a:r>
-            <a:endParaRPr lang="en-ZA" dirty="0"/>
-          </a:p>
-        </p:txBody>
-      </p:sp>
-      <p:pic>
-        <p:nvPicPr>
-          <p:cNvPr id="1028" name="Picture 4" descr="http://devcomponents.com/blog/wp-content/uploads/DotNetBarMetroUI.png"/>
-          <p:cNvPicPr>
-            <a:picLocks noGrp="1" noChangeAspect="1" noChangeArrowheads="1"/>
-          </p:cNvPicPr>
-          <p:nvPr>
-            <p:ph idx="1"/>
-          </p:nvPr>
-        </p:nvPicPr>
-        <p:blipFill>
-          <a:blip r:embed="rId2">
-            <a:extLst>
-              <a:ext uri="{28A0092B-C50C-407E-A947-70E740481C1C}">
-                <a14:useLocalDpi xmlns:a14="http://schemas.microsoft.com/office/drawing/2010/main" val="0"/>
-              </a:ext>
-            </a:extLst>
-          </a:blip>
-          <a:srcRect/>
-          <a:stretch>
-            <a:fillRect/>
-          </a:stretch>
-        </p:blipFill>
-        <p:spPr bwMode="auto">
-          <a:xfrm>
-            <a:off x="3490776" y="1100138"/>
-            <a:ext cx="5232672" cy="3579812"/>
-          </a:xfrm>
-          <a:prstGeom prst="rect">
-            <a:avLst/>
-          </a:prstGeom>
-          <a:noFill/>
-          <a:extLst>
-            <a:ext uri="{909E8E84-426E-40DD-AFC4-6F175D3DCCD1}">
-              <a14:hiddenFill xmlns:a14="http://schemas.microsoft.com/office/drawing/2010/main">
-                <a:solidFill>
-                  <a:srgbClr val="FFFFFF"/>
-                </a:solidFill>
-              </a14:hiddenFill>
-            </a:ext>
-          </a:extLst>
-        </p:spPr>
-      </p:pic>
-    </p:spTree>
-    <p:extLst>
-      <p:ext uri="{BB962C8B-B14F-4D97-AF65-F5344CB8AC3E}">
-        <p14:creationId xmlns:p14="http://schemas.microsoft.com/office/powerpoint/2010/main" val="3596513607"/>
-      </p:ext>
-    </p:extLst>
-  </p:cSld>
-  <p:clrMapOvr>
-    <a:masterClrMapping/>
-  </p:clrMapOvr>
-  <p:timing>
-    <p:tnLst>
-      <p:par>
-        <p:cTn id="1" dur="indefinite" restart="never" nodeType="tmRoot"/>
-      </p:par>
-    </p:tnLst>
-  </p:timing>
-</p:sld>
-</file>
-
-<file path=ppt/slides/slide24.xml><?xml version="1.0" encoding="utf-8"?>
-<p:sld xmlns:a="http://schemas.openxmlformats.org/drawingml/2006/main" xmlns:r="http://schemas.openxmlformats.org/officeDocument/2006/relationships" xmlns:p="http://schemas.openxmlformats.org/presentationml/2006/main">
-  <p:cSld>
-    <p:spTree>
-      <p:nvGrpSpPr>
-        <p:cNvPr id="1" name=""/>
-        <p:cNvGrpSpPr/>
-        <p:nvPr/>
-      </p:nvGrpSpPr>
-      <p:grpSpPr>
-        <a:xfrm>
-          <a:off x="0" y="0"/>
-          <a:ext cx="0" cy="0"/>
-          <a:chOff x="0" y="0"/>
-          <a:chExt cx="0" cy="0"/>
-        </a:xfrm>
-      </p:grpSpPr>
-      <p:sp>
-        <p:nvSpPr>
-          <p:cNvPr id="7" name="Title 1"/>
-          <p:cNvSpPr txBox="1">
-            <a:spLocks/>
-          </p:cNvSpPr>
-          <p:nvPr/>
-        </p:nvSpPr>
-        <p:spPr>
-          <a:xfrm>
-            <a:off x="2133600" y="274638"/>
-            <a:ext cx="7924800" cy="1143000"/>
-          </a:xfrm>
-          <a:prstGeom prst="rect">
-            <a:avLst/>
-          </a:prstGeom>
-        </p:spPr>
-        <p:txBody>
-          <a:bodyPr vert="horz" lIns="91440" tIns="45720" rIns="91440" bIns="45720" rtlCol="0" anchor="ctr">
-            <a:noAutofit/>
-          </a:bodyPr>
-          <a:lstStyle>
-            <a:lvl1pPr algn="l" defTabSz="914400" rtl="0" eaLnBrk="1" latinLnBrk="0" hangingPunct="1">
-              <a:spcBef>
-                <a:spcPct val="0"/>
-              </a:spcBef>
-              <a:buNone/>
-              <a:defRPr sz="2800" kern="1200" cap="all" baseline="0">
-                <a:solidFill>
-                  <a:schemeClr val="tx1"/>
-                </a:solidFill>
-                <a:latin typeface="+mj-lt"/>
-                <a:ea typeface="+mj-ea"/>
-                <a:cs typeface="+mj-cs"/>
-              </a:defRPr>
-            </a:lvl1pPr>
-          </a:lstStyle>
-          <a:p>
-            <a:r>
-              <a:rPr lang="en-ZA"/>
-              <a:t>Story of Metro</a:t>
-            </a:r>
-            <a:endParaRPr lang="en-ZA" dirty="0"/>
-          </a:p>
-        </p:txBody>
-      </p:sp>
-      <p:sp>
-        <p:nvSpPr>
-          <p:cNvPr id="8" name="Content Placeholder 2"/>
-          <p:cNvSpPr>
-            <a:spLocks noGrp="1"/>
-          </p:cNvSpPr>
-          <p:nvPr>
-            <p:ph sz="quarter" idx="4294967295"/>
-          </p:nvPr>
-        </p:nvSpPr>
-        <p:spPr>
-          <a:xfrm>
-            <a:off x="2123108" y="1268760"/>
-            <a:ext cx="7924800" cy="4114800"/>
-          </a:xfrm>
-          <a:prstGeom prst="rect">
-            <a:avLst/>
-          </a:prstGeom>
-        </p:spPr>
-        <p:txBody>
-          <a:bodyPr>
-            <a:normAutofit lnSpcReduction="10000"/>
-          </a:bodyPr>
-          <a:lstStyle/>
-          <a:p>
-            <a:r>
-              <a:rPr lang="en-ZA" dirty="0" smtClean="0"/>
-              <a:t>Visual cues everywhere</a:t>
-            </a:r>
-          </a:p>
-          <a:p>
-            <a:pPr lvl="1"/>
-            <a:r>
-              <a:rPr lang="en-ZA" dirty="0" smtClean="0"/>
-              <a:t>Driving</a:t>
-            </a:r>
-          </a:p>
-          <a:p>
-            <a:pPr lvl="1"/>
-            <a:r>
-              <a:rPr lang="en-ZA" dirty="0" smtClean="0"/>
-              <a:t>Airport</a:t>
-            </a:r>
-          </a:p>
-          <a:p>
-            <a:pPr lvl="1"/>
-            <a:r>
-              <a:rPr lang="en-ZA" dirty="0" smtClean="0"/>
-              <a:t>Looking for the bathroom</a:t>
-            </a:r>
-          </a:p>
-          <a:p>
-            <a:pPr lvl="1"/>
-            <a:r>
-              <a:rPr lang="en-ZA" dirty="0" smtClean="0"/>
-              <a:t>Train station</a:t>
-            </a:r>
-          </a:p>
-          <a:p>
-            <a:r>
-              <a:rPr lang="en-ZA" dirty="0" smtClean="0"/>
-              <a:t>Simple signs</a:t>
-            </a:r>
-          </a:p>
-          <a:p>
-            <a:pPr lvl="1"/>
-            <a:r>
-              <a:rPr lang="en-ZA" dirty="0" smtClean="0"/>
-              <a:t>“Bathroom this way”</a:t>
-            </a:r>
-          </a:p>
-          <a:p>
-            <a:pPr marL="514350" indent="-457200"/>
-            <a:r>
-              <a:rPr lang="en-ZA" dirty="0" smtClean="0"/>
-              <a:t>The whole concept behind metro</a:t>
-            </a:r>
-          </a:p>
-          <a:p>
-            <a:pPr>
-              <a:buFont typeface="Arial" panose="020B0604020202020204" pitchFamily="34" charset="0"/>
-              <a:buChar char="•"/>
-            </a:pPr>
-            <a:r>
-              <a:rPr lang="en-ZA" dirty="0"/>
-              <a:t>Very little code</a:t>
-            </a:r>
-          </a:p>
-          <a:p>
-            <a:pPr>
-              <a:buFont typeface="Arial" panose="020B0604020202020204" pitchFamily="34" charset="0"/>
-              <a:buChar char="•"/>
-            </a:pPr>
-            <a:r>
-              <a:rPr lang="en-ZA" dirty="0"/>
-              <a:t>Very little information on screen</a:t>
-            </a:r>
-          </a:p>
-          <a:p>
-            <a:pPr marL="514350" indent="-457200"/>
-            <a:endParaRPr lang="en-ZA" dirty="0"/>
-          </a:p>
-        </p:txBody>
-      </p:sp>
-      <p:pic>
-        <p:nvPicPr>
-          <p:cNvPr id="2050" name="Picture 2" descr="http://home.wangjianshuo.com/archives/2005/01/04/newyrok-subway-signs.jpg"/>
-          <p:cNvPicPr>
-            <a:picLocks noChangeAspect="1" noChangeArrowheads="1"/>
-          </p:cNvPicPr>
-          <p:nvPr/>
-        </p:nvPicPr>
-        <p:blipFill>
-          <a:blip r:embed="rId2">
-            <a:extLst>
-              <a:ext uri="{28A0092B-C50C-407E-A947-70E740481C1C}">
-                <a14:useLocalDpi xmlns:a14="http://schemas.microsoft.com/office/drawing/2010/main" val="0"/>
-              </a:ext>
-            </a:extLst>
-          </a:blip>
-          <a:srcRect/>
-          <a:stretch>
-            <a:fillRect/>
-          </a:stretch>
-        </p:blipFill>
-        <p:spPr bwMode="auto">
-          <a:xfrm>
-            <a:off x="7133168" y="1638982"/>
-            <a:ext cx="2925233" cy="2193925"/>
-          </a:xfrm>
-          <a:prstGeom prst="rect">
-            <a:avLst/>
-          </a:prstGeom>
-          <a:noFill/>
-          <a:extLst>
-            <a:ext uri="{909E8E84-426E-40DD-AFC4-6F175D3DCCD1}">
-              <a14:hiddenFill xmlns:a14="http://schemas.microsoft.com/office/drawing/2010/main">
-                <a:solidFill>
-                  <a:srgbClr val="FFFFFF"/>
-                </a:solidFill>
-              </a14:hiddenFill>
-            </a:ext>
-          </a:extLst>
-        </p:spPr>
-      </p:pic>
-    </p:spTree>
-    <p:extLst>
-      <p:ext uri="{BB962C8B-B14F-4D97-AF65-F5344CB8AC3E}">
-        <p14:creationId xmlns:p14="http://schemas.microsoft.com/office/powerpoint/2010/main" val="2899917012"/>
-      </p:ext>
-    </p:extLst>
-  </p:cSld>
-  <p:clrMapOvr>
-    <a:masterClrMapping/>
-  </p:clrMapOvr>
-  <p:timing>
-    <p:tnLst>
-      <p:par>
-        <p:cTn id="1" dur="indefinite" restart="never" nodeType="tmRoot"/>
-      </p:par>
-    </p:tnLst>
-  </p:timing>
-</p:sld>
-</file>
-
-<file path=ppt/slides/slide25.xml><?xml version="1.0" encoding="utf-8"?>
-<p:sld xmlns:a="http://schemas.openxmlformats.org/drawingml/2006/main" xmlns:r="http://schemas.openxmlformats.org/officeDocument/2006/relationships" xmlns:p="http://schemas.openxmlformats.org/presentationml/2006/main">
-  <p:cSld>
-    <p:spTree>
-      <p:nvGrpSpPr>
-        <p:cNvPr id="1" name=""/>
-        <p:cNvGrpSpPr/>
-        <p:nvPr/>
-      </p:nvGrpSpPr>
-      <p:grpSpPr>
-        <a:xfrm>
-          <a:off x="0" y="0"/>
-          <a:ext cx="0" cy="0"/>
-          <a:chOff x="0" y="0"/>
-          <a:chExt cx="0" cy="0"/>
-        </a:xfrm>
-      </p:grpSpPr>
-      <p:sp>
-        <p:nvSpPr>
-          <p:cNvPr id="2" name="Title 1"/>
-          <p:cNvSpPr>
-            <a:spLocks noGrp="1"/>
-          </p:cNvSpPr>
-          <p:nvPr>
-            <p:ph type="title"/>
-          </p:nvPr>
-        </p:nvSpPr>
-        <p:spPr/>
-        <p:txBody>
-          <a:bodyPr/>
-          <a:lstStyle/>
-          <a:p>
-            <a:r>
-              <a:rPr lang="en-ZA" dirty="0" smtClean="0"/>
-              <a:t>Abu Dhabi VS OR Tambo</a:t>
-            </a:r>
-            <a:endParaRPr lang="en-ZA" dirty="0"/>
-          </a:p>
-        </p:txBody>
-      </p:sp>
-      <p:pic>
-        <p:nvPicPr>
-          <p:cNvPr id="4" name="Picture 4" descr="https://thepurplejournal.files.wordpress.com/2009/09/metro3.jpg"/>
-          <p:cNvPicPr>
-            <a:picLocks noChangeAspect="1" noChangeArrowheads="1"/>
-          </p:cNvPicPr>
-          <p:nvPr/>
-        </p:nvPicPr>
-        <p:blipFill>
-          <a:blip r:embed="rId2" cstate="print">
-            <a:extLst>
-              <a:ext uri="{28A0092B-C50C-407E-A947-70E740481C1C}">
-                <a14:useLocalDpi xmlns:a14="http://schemas.microsoft.com/office/drawing/2010/main" val="0"/>
-              </a:ext>
-            </a:extLst>
-          </a:blip>
-          <a:srcRect/>
-          <a:stretch>
-            <a:fillRect/>
-          </a:stretch>
-        </p:blipFill>
-        <p:spPr bwMode="auto">
-          <a:xfrm>
-            <a:off x="1874033" y="1484784"/>
-            <a:ext cx="3850493" cy="2560168"/>
-          </a:xfrm>
-          <a:prstGeom prst="rect">
-            <a:avLst/>
-          </a:prstGeom>
-          <a:noFill/>
-          <a:extLst>
-            <a:ext uri="{909E8E84-426E-40DD-AFC4-6F175D3DCCD1}">
-              <a14:hiddenFill xmlns:a14="http://schemas.microsoft.com/office/drawing/2010/main">
-                <a:solidFill>
-                  <a:srgbClr val="FFFFFF"/>
-                </a:solidFill>
-              </a14:hiddenFill>
-            </a:ext>
-          </a:extLst>
-        </p:spPr>
-      </p:pic>
-      <p:pic>
-        <p:nvPicPr>
-          <p:cNvPr id="3074" name="Picture 2" descr="http://www.emerald-guesthouse.co.za/UserFiles/terminal-a-arrival-sign.jpg"/>
-          <p:cNvPicPr>
-            <a:picLocks noChangeAspect="1" noChangeArrowheads="1"/>
-          </p:cNvPicPr>
-          <p:nvPr/>
-        </p:nvPicPr>
-        <p:blipFill>
-          <a:blip r:embed="rId3">
-            <a:extLst>
-              <a:ext uri="{28A0092B-C50C-407E-A947-70E740481C1C}">
-                <a14:useLocalDpi xmlns:a14="http://schemas.microsoft.com/office/drawing/2010/main" val="0"/>
-              </a:ext>
-            </a:extLst>
-          </a:blip>
-          <a:srcRect/>
-          <a:stretch>
-            <a:fillRect/>
-          </a:stretch>
-        </p:blipFill>
-        <p:spPr bwMode="auto">
-          <a:xfrm>
-            <a:off x="6107431" y="1736168"/>
-            <a:ext cx="4143375" cy="2057401"/>
-          </a:xfrm>
-          <a:prstGeom prst="rect">
-            <a:avLst/>
-          </a:prstGeom>
-          <a:noFill/>
-          <a:extLst>
-            <a:ext uri="{909E8E84-426E-40DD-AFC4-6F175D3DCCD1}">
-              <a14:hiddenFill xmlns:a14="http://schemas.microsoft.com/office/drawing/2010/main">
-                <a:solidFill>
-                  <a:srgbClr val="FFFFFF"/>
-                </a:solidFill>
-              </a14:hiddenFill>
-            </a:ext>
-          </a:extLst>
-        </p:spPr>
-      </p:pic>
-    </p:spTree>
-    <p:extLst>
-      <p:ext uri="{BB962C8B-B14F-4D97-AF65-F5344CB8AC3E}">
-        <p14:creationId xmlns:p14="http://schemas.microsoft.com/office/powerpoint/2010/main" val="366767816"/>
-      </p:ext>
-    </p:extLst>
-  </p:cSld>
-  <p:clrMapOvr>
-    <a:masterClrMapping/>
-  </p:clrMapOvr>
-  <p:timing>
-    <p:tnLst>
-      <p:par>
-        <p:cTn id="1" dur="indefinite" restart="never" nodeType="tmRoot"/>
-      </p:par>
-    </p:tnLst>
-  </p:timing>
-</p:sld>
-</file>
-
-<file path=ppt/slides/slide26.xml><?xml version="1.0" encoding="utf-8"?>
-<p:sld xmlns:a="http://schemas.openxmlformats.org/drawingml/2006/main" xmlns:r="http://schemas.openxmlformats.org/officeDocument/2006/relationships" xmlns:p="http://schemas.openxmlformats.org/presentationml/2006/main">
-  <p:cSld>
-    <p:spTree>
-      <p:nvGrpSpPr>
-        <p:cNvPr id="1" name=""/>
-        <p:cNvGrpSpPr/>
-        <p:nvPr/>
-      </p:nvGrpSpPr>
-      <p:grpSpPr>
-        <a:xfrm>
-          <a:off x="0" y="0"/>
-          <a:ext cx="0" cy="0"/>
-          <a:chOff x="0" y="0"/>
-          <a:chExt cx="0" cy="0"/>
-        </a:xfrm>
-      </p:grpSpPr>
-      <p:sp>
-        <p:nvSpPr>
-          <p:cNvPr id="2" name="Title 1"/>
-          <p:cNvSpPr>
-            <a:spLocks noGrp="1"/>
-          </p:cNvSpPr>
-          <p:nvPr>
-            <p:ph type="title"/>
-          </p:nvPr>
-        </p:nvSpPr>
-        <p:spPr/>
-        <p:txBody>
-          <a:bodyPr/>
-          <a:lstStyle/>
-          <a:p>
-            <a:r>
-              <a:rPr lang="en-ZA" dirty="0" smtClean="0"/>
-              <a:t>What Microsoft faced</a:t>
-            </a:r>
-            <a:endParaRPr lang="en-ZA" dirty="0"/>
-          </a:p>
-        </p:txBody>
-      </p:sp>
-      <p:sp>
-        <p:nvSpPr>
-          <p:cNvPr id="3" name="Content Placeholder 2"/>
-          <p:cNvSpPr>
-            <a:spLocks noGrp="1"/>
-          </p:cNvSpPr>
-          <p:nvPr>
-            <p:ph idx="1"/>
-          </p:nvPr>
-        </p:nvSpPr>
-        <p:spPr/>
-        <p:txBody>
-          <a:bodyPr/>
-          <a:lstStyle/>
-          <a:p>
-            <a:r>
-              <a:rPr lang="en-ZA" dirty="0"/>
-              <a:t>Windows Mobile</a:t>
-            </a:r>
-          </a:p>
-          <a:p>
-            <a:pPr lvl="1"/>
-            <a:r>
-              <a:rPr lang="en-ZA" dirty="0"/>
-              <a:t>Took explorer and “squashed” it into a tiny display</a:t>
-            </a:r>
-          </a:p>
-          <a:p>
-            <a:pPr lvl="1"/>
-            <a:r>
-              <a:rPr lang="en-ZA" dirty="0"/>
-              <a:t>Open menu =&gt; see nothing</a:t>
-            </a:r>
-          </a:p>
-          <a:p>
-            <a:pPr lvl="1"/>
-            <a:endParaRPr lang="en-ZA" dirty="0"/>
-          </a:p>
-          <a:p>
-            <a:r>
-              <a:rPr lang="en-ZA" dirty="0"/>
-              <a:t>Microsoft’s “screen” targets</a:t>
-            </a:r>
-          </a:p>
-          <a:p>
-            <a:pPr lvl="1"/>
-            <a:r>
-              <a:rPr lang="en-ZA" dirty="0"/>
-              <a:t>PC</a:t>
-            </a:r>
-          </a:p>
-          <a:p>
-            <a:pPr lvl="1"/>
-            <a:r>
-              <a:rPr lang="en-ZA" dirty="0"/>
-              <a:t>TV (Xbox)</a:t>
-            </a:r>
-          </a:p>
-          <a:p>
-            <a:pPr lvl="1"/>
-            <a:r>
-              <a:rPr lang="en-ZA" dirty="0"/>
-              <a:t>Mobile devices</a:t>
-            </a:r>
-          </a:p>
-          <a:p>
-            <a:endParaRPr lang="en-ZA" dirty="0"/>
-          </a:p>
-        </p:txBody>
-      </p:sp>
-    </p:spTree>
-    <p:extLst>
-      <p:ext uri="{BB962C8B-B14F-4D97-AF65-F5344CB8AC3E}">
-        <p14:creationId xmlns:p14="http://schemas.microsoft.com/office/powerpoint/2010/main" val="852261126"/>
-      </p:ext>
-    </p:extLst>
-  </p:cSld>
-  <p:clrMapOvr>
-    <a:masterClrMapping/>
-  </p:clrMapOvr>
-  <p:timing>
-    <p:tnLst>
-      <p:par>
-        <p:cTn id="1" dur="indefinite" restart="never" nodeType="tmRoot"/>
-      </p:par>
-    </p:tnLst>
-  </p:timing>
-</p:sld>
-</file>
-
-<file path=ppt/slides/slide27.xml><?xml version="1.0" encoding="utf-8"?>
-<p:sld xmlns:a="http://schemas.openxmlformats.org/drawingml/2006/main" xmlns:r="http://schemas.openxmlformats.org/officeDocument/2006/relationships" xmlns:p="http://schemas.openxmlformats.org/presentationml/2006/main">
-  <p:cSld>
-    <p:spTree>
-      <p:nvGrpSpPr>
-        <p:cNvPr id="1" name=""/>
-        <p:cNvGrpSpPr/>
-        <p:nvPr/>
-      </p:nvGrpSpPr>
-      <p:grpSpPr>
-        <a:xfrm>
-          <a:off x="0" y="0"/>
-          <a:ext cx="0" cy="0"/>
-          <a:chOff x="0" y="0"/>
-          <a:chExt cx="0" cy="0"/>
-        </a:xfrm>
-      </p:grpSpPr>
-      <p:sp>
-        <p:nvSpPr>
-          <p:cNvPr id="2" name="Title 1"/>
-          <p:cNvSpPr>
-            <a:spLocks noGrp="1"/>
-          </p:cNvSpPr>
-          <p:nvPr>
-            <p:ph type="title"/>
-          </p:nvPr>
-        </p:nvSpPr>
-        <p:spPr/>
-        <p:txBody>
-          <a:bodyPr/>
-          <a:lstStyle/>
-          <a:p>
-            <a:r>
-              <a:rPr lang="en-ZA" dirty="0" smtClean="0"/>
-              <a:t>Now What?</a:t>
-            </a:r>
-            <a:endParaRPr lang="en-ZA" dirty="0"/>
-          </a:p>
-        </p:txBody>
-      </p:sp>
-      <p:sp>
-        <p:nvSpPr>
-          <p:cNvPr id="3" name="Content Placeholder 2"/>
-          <p:cNvSpPr>
-            <a:spLocks noGrp="1"/>
-          </p:cNvSpPr>
-          <p:nvPr>
-            <p:ph idx="1"/>
-          </p:nvPr>
-        </p:nvSpPr>
-        <p:spPr/>
-        <p:txBody>
-          <a:bodyPr/>
-          <a:lstStyle/>
-          <a:p>
-            <a:r>
-              <a:rPr lang="en-ZA" dirty="0"/>
-              <a:t>“explorer” interface will </a:t>
-            </a:r>
-            <a:r>
-              <a:rPr lang="en-ZA" dirty="0" err="1"/>
-              <a:t>dissapear</a:t>
-            </a:r>
-            <a:endParaRPr lang="en-ZA" dirty="0"/>
-          </a:p>
-          <a:p>
-            <a:endParaRPr lang="en-ZA" dirty="0"/>
-          </a:p>
-          <a:p>
-            <a:r>
-              <a:rPr lang="en-ZA" dirty="0"/>
-              <a:t>Basic concept</a:t>
-            </a:r>
-          </a:p>
-          <a:p>
-            <a:pPr lvl="1"/>
-            <a:r>
-              <a:rPr lang="en-ZA" dirty="0"/>
-              <a:t>Get a lot of information quickly</a:t>
-            </a:r>
-          </a:p>
-          <a:p>
-            <a:pPr lvl="1"/>
-            <a:r>
-              <a:rPr lang="en-ZA" dirty="0"/>
-              <a:t>The UI shouldn’t be distracting</a:t>
-            </a:r>
-          </a:p>
-          <a:p>
-            <a:endParaRPr lang="en-ZA" dirty="0"/>
-          </a:p>
-        </p:txBody>
-      </p:sp>
-    </p:spTree>
-    <p:extLst>
-      <p:ext uri="{BB962C8B-B14F-4D97-AF65-F5344CB8AC3E}">
-        <p14:creationId xmlns:p14="http://schemas.microsoft.com/office/powerpoint/2010/main" val="3668673638"/>
-      </p:ext>
-    </p:extLst>
-  </p:cSld>
-  <p:clrMapOvr>
-    <a:masterClrMapping/>
-  </p:clrMapOvr>
-  <p:timing>
-    <p:tnLst>
-      <p:par>
-        <p:cTn id="1" dur="indefinite" restart="never" nodeType="tmRoot"/>
-      </p:par>
-    </p:tnLst>
-  </p:timing>
-</p:sld>
-</file>
-
-<file path=ppt/slides/slide28.xml><?xml version="1.0" encoding="utf-8"?>
-<p:sld xmlns:a="http://schemas.openxmlformats.org/drawingml/2006/main" xmlns:r="http://schemas.openxmlformats.org/officeDocument/2006/relationships" xmlns:p="http://schemas.openxmlformats.org/presentationml/2006/main">
-  <p:cSld>
-    <p:spTree>
-      <p:nvGrpSpPr>
-        <p:cNvPr id="1" name=""/>
-        <p:cNvGrpSpPr/>
-        <p:nvPr/>
-      </p:nvGrpSpPr>
-      <p:grpSpPr>
-        <a:xfrm>
-          <a:off x="0" y="0"/>
-          <a:ext cx="0" cy="0"/>
-          <a:chOff x="0" y="0"/>
-          <a:chExt cx="0" cy="0"/>
-        </a:xfrm>
-      </p:grpSpPr>
-      <p:sp>
-        <p:nvSpPr>
-          <p:cNvPr id="2" name="Title 1"/>
-          <p:cNvSpPr>
-            <a:spLocks noGrp="1"/>
-          </p:cNvSpPr>
-          <p:nvPr>
-            <p:ph type="title"/>
-          </p:nvPr>
-        </p:nvSpPr>
-        <p:spPr/>
-        <p:txBody>
-          <a:bodyPr/>
-          <a:lstStyle/>
-          <a:p>
-            <a:r>
-              <a:rPr lang="en-ZA" dirty="0" smtClean="0"/>
-              <a:t>Chrome UI</a:t>
-            </a:r>
-            <a:endParaRPr lang="en-ZA" dirty="0"/>
-          </a:p>
-        </p:txBody>
-      </p:sp>
-      <p:pic>
-        <p:nvPicPr>
-          <p:cNvPr id="4" name="Picture 2" descr="http://images.apple.com/ios/shared/what-is/images/interface.jpg"/>
-          <p:cNvPicPr>
-            <a:picLocks noChangeAspect="1" noChangeArrowheads="1"/>
-          </p:cNvPicPr>
-          <p:nvPr/>
-        </p:nvPicPr>
-        <p:blipFill>
-          <a:blip r:embed="rId2">
-            <a:extLst>
-              <a:ext uri="{28A0092B-C50C-407E-A947-70E740481C1C}">
-                <a14:useLocalDpi xmlns:a14="http://schemas.microsoft.com/office/drawing/2010/main" val="0"/>
-              </a:ext>
-            </a:extLst>
-          </a:blip>
-          <a:srcRect/>
-          <a:stretch>
-            <a:fillRect/>
-          </a:stretch>
-        </p:blipFill>
-        <p:spPr bwMode="auto">
-          <a:xfrm>
-            <a:off x="2867070" y="888629"/>
-            <a:ext cx="6480720" cy="4856521"/>
-          </a:xfrm>
-          <a:prstGeom prst="rect">
-            <a:avLst/>
-          </a:prstGeom>
-          <a:noFill/>
-          <a:extLst>
-            <a:ext uri="{909E8E84-426E-40DD-AFC4-6F175D3DCCD1}">
-              <a14:hiddenFill xmlns:a14="http://schemas.microsoft.com/office/drawing/2010/main">
-                <a:solidFill>
-                  <a:srgbClr val="FFFFFF"/>
-                </a:solidFill>
-              </a14:hiddenFill>
-            </a:ext>
-          </a:extLst>
-        </p:spPr>
-      </p:pic>
-    </p:spTree>
-    <p:extLst>
-      <p:ext uri="{BB962C8B-B14F-4D97-AF65-F5344CB8AC3E}">
-        <p14:creationId xmlns:p14="http://schemas.microsoft.com/office/powerpoint/2010/main" val="1095303791"/>
-      </p:ext>
-    </p:extLst>
-  </p:cSld>
-  <p:clrMapOvr>
-    <a:masterClrMapping/>
-  </p:clrMapOvr>
-  <p:timing>
-    <p:tnLst>
-      <p:par>
-        <p:cTn id="1" dur="indefinite" restart="never" nodeType="tmRoot"/>
-      </p:par>
-    </p:tnLst>
-  </p:timing>
-</p:sld>
-</file>
-
-<file path=ppt/slides/slide29.xml><?xml version="1.0" encoding="utf-8"?>
-<p:sld xmlns:a="http://schemas.openxmlformats.org/drawingml/2006/main" xmlns:r="http://schemas.openxmlformats.org/officeDocument/2006/relationships" xmlns:p="http://schemas.openxmlformats.org/presentationml/2006/main">
-  <p:cSld>
-    <p:spTree>
-      <p:nvGrpSpPr>
-        <p:cNvPr id="1" name=""/>
-        <p:cNvGrpSpPr/>
-        <p:nvPr/>
-      </p:nvGrpSpPr>
-      <p:grpSpPr>
-        <a:xfrm>
-          <a:off x="0" y="0"/>
-          <a:ext cx="0" cy="0"/>
-          <a:chOff x="0" y="0"/>
-          <a:chExt cx="0" cy="0"/>
-        </a:xfrm>
-      </p:grpSpPr>
-      <p:sp>
-        <p:nvSpPr>
-          <p:cNvPr id="2" name="Title 1"/>
-          <p:cNvSpPr>
-            <a:spLocks noGrp="1"/>
-          </p:cNvSpPr>
-          <p:nvPr>
-            <p:ph type="title"/>
-          </p:nvPr>
-        </p:nvSpPr>
-        <p:spPr/>
-        <p:txBody>
-          <a:bodyPr/>
-          <a:lstStyle/>
-          <a:p>
-            <a:r>
-              <a:rPr lang="en-ZA" dirty="0" smtClean="0"/>
-              <a:t>What It Does Right</a:t>
-            </a:r>
-            <a:endParaRPr lang="en-ZA" dirty="0"/>
-          </a:p>
-        </p:txBody>
-      </p:sp>
-      <p:sp>
-        <p:nvSpPr>
-          <p:cNvPr id="3" name="Content Placeholder 2"/>
-          <p:cNvSpPr>
-            <a:spLocks noGrp="1"/>
-          </p:cNvSpPr>
-          <p:nvPr>
-            <p:ph idx="1"/>
-          </p:nvPr>
-        </p:nvSpPr>
-        <p:spPr/>
-        <p:txBody>
-          <a:bodyPr/>
-          <a:lstStyle/>
-          <a:p>
-            <a:r>
-              <a:rPr lang="en-ZA" dirty="0"/>
-              <a:t>iPhone</a:t>
-            </a:r>
-          </a:p>
-          <a:p>
-            <a:pPr lvl="1"/>
-            <a:r>
-              <a:rPr lang="en-ZA" dirty="0"/>
-              <a:t>Page through applications to see the information</a:t>
-            </a:r>
-          </a:p>
-          <a:p>
-            <a:pPr lvl="1"/>
-            <a:endParaRPr lang="en-ZA" dirty="0"/>
-          </a:p>
-          <a:p>
-            <a:r>
-              <a:rPr lang="en-ZA" dirty="0"/>
-              <a:t>Take information and boil it down as much as we can</a:t>
-            </a:r>
-          </a:p>
-          <a:p>
-            <a:r>
-              <a:rPr lang="en-ZA" dirty="0"/>
-              <a:t>Make information relevant</a:t>
-            </a:r>
-          </a:p>
-          <a:p>
-            <a:endParaRPr lang="en-ZA" dirty="0"/>
-          </a:p>
-        </p:txBody>
-      </p:sp>
-    </p:spTree>
-    <p:extLst>
-      <p:ext uri="{BB962C8B-B14F-4D97-AF65-F5344CB8AC3E}">
-        <p14:creationId xmlns:p14="http://schemas.microsoft.com/office/powerpoint/2010/main" val="2804578572"/>
-      </p:ext>
-    </p:extLst>
-  </p:cSld>
-  <p:clrMapOvr>
-    <a:masterClrMapping/>
-  </p:clrMapOvr>
-  <p:timing>
-    <p:tnLst>
-      <p:par>
-        <p:cTn id="1" dur="indefinite" restart="never" nodeType="tmRoot"/>
-      </p:par>
-    </p:tnLst>
-  </p:timing>
-</p:sld>
-</file>
-
-<file path=ppt/slides/slide3.xml><?xml version="1.0" encoding="utf-8"?>
-<p:sld xmlns:a="http://schemas.openxmlformats.org/drawingml/2006/main" xmlns:r="http://schemas.openxmlformats.org/officeDocument/2006/relationships" xmlns:p="http://schemas.openxmlformats.org/presentationml/2006/main">
-  <p:cSld>
-    <p:spTree>
-      <p:nvGrpSpPr>
-        <p:cNvPr id="1" name=""/>
-        <p:cNvGrpSpPr/>
-        <p:nvPr/>
-      </p:nvGrpSpPr>
-      <p:grpSpPr>
-        <a:xfrm>
-          <a:off x="0" y="0"/>
-          <a:ext cx="0" cy="0"/>
-          <a:chOff x="0" y="0"/>
-          <a:chExt cx="0" cy="0"/>
-        </a:xfrm>
-      </p:grpSpPr>
-      <p:sp>
-        <p:nvSpPr>
-          <p:cNvPr id="2" name="Title 1"/>
-          <p:cNvSpPr>
-            <a:spLocks noGrp="1"/>
-          </p:cNvSpPr>
-          <p:nvPr>
-            <p:ph type="title"/>
-          </p:nvPr>
-        </p:nvSpPr>
-        <p:spPr/>
-        <p:txBody>
-          <a:bodyPr/>
-          <a:lstStyle/>
-          <a:p>
-            <a:r>
-              <a:rPr lang="en-ZA" dirty="0" smtClean="0"/>
-              <a:t>Reporting and Information Systems</a:t>
-            </a:r>
-            <a:endParaRPr lang="en-ZA" dirty="0"/>
-          </a:p>
-        </p:txBody>
-      </p:sp>
-      <p:sp>
-        <p:nvSpPr>
-          <p:cNvPr id="3" name="Content Placeholder 2"/>
-          <p:cNvSpPr>
-            <a:spLocks noGrp="1"/>
-          </p:cNvSpPr>
-          <p:nvPr>
-            <p:ph idx="1"/>
-          </p:nvPr>
-        </p:nvSpPr>
-        <p:spPr/>
-        <p:txBody>
-          <a:bodyPr/>
-          <a:lstStyle/>
-          <a:p>
-            <a:pPr>
-              <a:buFont typeface="Arial" panose="020B0604020202020204" pitchFamily="34" charset="0"/>
-              <a:buChar char="•"/>
-            </a:pPr>
-            <a:r>
-              <a:rPr lang="en-ZA" dirty="0" smtClean="0"/>
-              <a:t>A report is any outcome of an information system where the result is interpretable information which has been extrapolated from data.</a:t>
-            </a:r>
-          </a:p>
-          <a:p>
-            <a:pPr>
-              <a:buFont typeface="Arial" panose="020B0604020202020204" pitchFamily="34" charset="0"/>
-              <a:buChar char="•"/>
-            </a:pPr>
-            <a:r>
-              <a:rPr lang="en-ZA" dirty="0" smtClean="0"/>
-              <a:t>Can be a website dashboard</a:t>
-            </a:r>
-          </a:p>
-          <a:p>
-            <a:pPr>
-              <a:buFont typeface="Arial" panose="020B0604020202020204" pitchFamily="34" charset="0"/>
-              <a:buChar char="•"/>
-            </a:pPr>
-            <a:r>
-              <a:rPr lang="en-ZA" dirty="0" smtClean="0"/>
-              <a:t>Can be a form</a:t>
-            </a:r>
-          </a:p>
-          <a:p>
-            <a:pPr>
-              <a:buFont typeface="Arial" panose="020B0604020202020204" pitchFamily="34" charset="0"/>
-              <a:buChar char="•"/>
-            </a:pPr>
-            <a:r>
-              <a:rPr lang="en-ZA" dirty="0" smtClean="0"/>
-              <a:t>Can be a spreadsheet or other document</a:t>
-            </a:r>
-            <a:endParaRPr lang="en-ZA" dirty="0"/>
-          </a:p>
-        </p:txBody>
-      </p:sp>
-    </p:spTree>
-    <p:extLst>
-      <p:ext uri="{BB962C8B-B14F-4D97-AF65-F5344CB8AC3E}">
-        <p14:creationId xmlns:p14="http://schemas.microsoft.com/office/powerpoint/2010/main" val="3551211492"/>
-      </p:ext>
-    </p:extLst>
-  </p:cSld>
-  <p:clrMapOvr>
-    <a:masterClrMapping/>
-  </p:clrMapOvr>
-  <p:timing>
-    <p:tnLst>
-      <p:par>
-        <p:cTn id="1" dur="indefinite" restart="never" nodeType="tmRoot"/>
-      </p:par>
-    </p:tnLst>
-  </p:timing>
-</p:sld>
-</file>
-
-<file path=ppt/slides/slide30.xml><?xml version="1.0" encoding="utf-8"?>
-<p:sld xmlns:a="http://schemas.openxmlformats.org/drawingml/2006/main" xmlns:r="http://schemas.openxmlformats.org/officeDocument/2006/relationships" xmlns:p="http://schemas.openxmlformats.org/presentationml/2006/main">
-  <p:cSld>
-    <p:spTree>
-      <p:nvGrpSpPr>
-        <p:cNvPr id="1" name=""/>
-        <p:cNvGrpSpPr/>
-        <p:nvPr/>
-      </p:nvGrpSpPr>
-      <p:grpSpPr>
-        <a:xfrm>
-          <a:off x="0" y="0"/>
-          <a:ext cx="0" cy="0"/>
-          <a:chOff x="0" y="0"/>
-          <a:chExt cx="0" cy="0"/>
-        </a:xfrm>
-      </p:grpSpPr>
-      <p:sp>
-        <p:nvSpPr>
-          <p:cNvPr id="2" name="Title 1"/>
-          <p:cNvSpPr>
-            <a:spLocks noGrp="1"/>
-          </p:cNvSpPr>
-          <p:nvPr>
-            <p:ph type="title"/>
-          </p:nvPr>
-        </p:nvSpPr>
-        <p:spPr/>
-        <p:txBody>
-          <a:bodyPr/>
-          <a:lstStyle/>
-          <a:p>
-            <a:r>
-              <a:rPr lang="en-ZA" dirty="0" smtClean="0"/>
-              <a:t>Why not Chrome UI?</a:t>
-            </a:r>
-            <a:endParaRPr lang="en-ZA" dirty="0"/>
-          </a:p>
-        </p:txBody>
-      </p:sp>
-      <p:sp>
-        <p:nvSpPr>
-          <p:cNvPr id="3" name="Content Placeholder 2"/>
-          <p:cNvSpPr>
-            <a:spLocks noGrp="1"/>
-          </p:cNvSpPr>
-          <p:nvPr>
-            <p:ph idx="1"/>
-          </p:nvPr>
-        </p:nvSpPr>
-        <p:spPr/>
-        <p:txBody>
-          <a:bodyPr/>
-          <a:lstStyle/>
-          <a:p>
-            <a:r>
-              <a:rPr lang="en-ZA" dirty="0"/>
-              <a:t>Round edges on icons distracts users</a:t>
-            </a:r>
-          </a:p>
-          <a:p>
-            <a:pPr lvl="1"/>
-            <a:r>
-              <a:rPr lang="en-ZA" dirty="0"/>
-              <a:t>Hence flat</a:t>
-            </a:r>
-          </a:p>
-          <a:p>
-            <a:pPr lvl="1"/>
-            <a:r>
-              <a:rPr lang="en-ZA" dirty="0"/>
-              <a:t>How many round signs have you seen?</a:t>
-            </a:r>
-          </a:p>
-          <a:p>
-            <a:pPr lvl="1"/>
-            <a:endParaRPr lang="en-ZA" dirty="0"/>
-          </a:p>
-          <a:p>
-            <a:r>
-              <a:rPr lang="en-ZA" dirty="0"/>
-              <a:t>The cue is taken from basic signage everywhere</a:t>
-            </a:r>
-          </a:p>
-          <a:p>
-            <a:endParaRPr lang="en-ZA" dirty="0"/>
-          </a:p>
-        </p:txBody>
-      </p:sp>
-      <p:pic>
-        <p:nvPicPr>
-          <p:cNvPr id="4" name="Picture 2" descr="http://media.onsugar.com/files/ons1/264/2643897/20_2009/741256c80856a577_WallSign_Sets_219_New-York-Subway-Signs-Posters.jpg"/>
-          <p:cNvPicPr>
-            <a:picLocks noChangeAspect="1" noChangeArrowheads="1"/>
-          </p:cNvPicPr>
-          <p:nvPr/>
-        </p:nvPicPr>
-        <p:blipFill>
-          <a:blip r:embed="rId2">
-            <a:extLst>
-              <a:ext uri="{28A0092B-C50C-407E-A947-70E740481C1C}">
-                <a14:useLocalDpi xmlns:a14="http://schemas.microsoft.com/office/drawing/2010/main" val="0"/>
-              </a:ext>
-            </a:extLst>
-          </a:blip>
-          <a:srcRect/>
-          <a:stretch>
-            <a:fillRect/>
-          </a:stretch>
-        </p:blipFill>
-        <p:spPr bwMode="auto">
-          <a:xfrm>
-            <a:off x="6858000" y="365760"/>
-            <a:ext cx="3810000" cy="3943350"/>
-          </a:xfrm>
-          <a:prstGeom prst="rect">
-            <a:avLst/>
-          </a:prstGeom>
-          <a:noFill/>
-          <a:extLst>
-            <a:ext uri="{909E8E84-426E-40DD-AFC4-6F175D3DCCD1}">
-              <a14:hiddenFill xmlns:a14="http://schemas.microsoft.com/office/drawing/2010/main">
-                <a:solidFill>
-                  <a:srgbClr val="FFFFFF"/>
-                </a:solidFill>
-              </a14:hiddenFill>
-            </a:ext>
-          </a:extLst>
-        </p:spPr>
-      </p:pic>
-    </p:spTree>
-    <p:extLst>
-      <p:ext uri="{BB962C8B-B14F-4D97-AF65-F5344CB8AC3E}">
-        <p14:creationId xmlns:p14="http://schemas.microsoft.com/office/powerpoint/2010/main" val="3355597519"/>
-      </p:ext>
-    </p:extLst>
-  </p:cSld>
-  <p:clrMapOvr>
-    <a:masterClrMapping/>
-  </p:clrMapOvr>
-  <p:timing>
-    <p:tnLst>
-      <p:par>
-        <p:cTn id="1" dur="indefinite" restart="never" nodeType="tmRoot"/>
-      </p:par>
-    </p:tnLst>
-  </p:timing>
-</p:sld>
-</file>
-
-<file path=ppt/slides/slide31.xml><?xml version="1.0" encoding="utf-8"?>
-<p:sld xmlns:a="http://schemas.openxmlformats.org/drawingml/2006/main" xmlns:r="http://schemas.openxmlformats.org/officeDocument/2006/relationships" xmlns:p="http://schemas.openxmlformats.org/presentationml/2006/main">
-  <p:cSld>
-    <p:spTree>
-      <p:nvGrpSpPr>
-        <p:cNvPr id="1" name=""/>
-        <p:cNvGrpSpPr/>
-        <p:nvPr/>
-      </p:nvGrpSpPr>
-      <p:grpSpPr>
-        <a:xfrm>
-          <a:off x="0" y="0"/>
-          <a:ext cx="0" cy="0"/>
-          <a:chOff x="0" y="0"/>
-          <a:chExt cx="0" cy="0"/>
-        </a:xfrm>
-      </p:grpSpPr>
-      <p:sp>
-        <p:nvSpPr>
-          <p:cNvPr id="2" name="Title 1"/>
-          <p:cNvSpPr>
-            <a:spLocks noGrp="1"/>
-          </p:cNvSpPr>
-          <p:nvPr>
-            <p:ph type="title"/>
-          </p:nvPr>
-        </p:nvSpPr>
-        <p:spPr/>
-        <p:txBody>
-          <a:bodyPr/>
-          <a:lstStyle/>
-          <a:p>
-            <a:r>
-              <a:rPr lang="en-ZA" dirty="0" smtClean="0"/>
-              <a:t>Principles</a:t>
-            </a:r>
-            <a:endParaRPr lang="en-ZA" dirty="0"/>
-          </a:p>
-        </p:txBody>
-      </p:sp>
-      <p:sp>
-        <p:nvSpPr>
-          <p:cNvPr id="3" name="Content Placeholder 2"/>
-          <p:cNvSpPr>
-            <a:spLocks noGrp="1"/>
-          </p:cNvSpPr>
-          <p:nvPr>
-            <p:ph idx="1"/>
-          </p:nvPr>
-        </p:nvSpPr>
-        <p:spPr/>
-        <p:txBody>
-          <a:bodyPr/>
-          <a:lstStyle/>
-          <a:p>
-            <a:r>
-              <a:rPr lang="en-ZA" dirty="0"/>
-              <a:t>Text becomes part of the experience</a:t>
-            </a:r>
-          </a:p>
-          <a:p>
-            <a:pPr marL="0" lvl="1" indent="0">
-              <a:buNone/>
-            </a:pPr>
-            <a:r>
-              <a:rPr lang="en-ZA" dirty="0"/>
-              <a:t>Things scrolling off left or right still partially visible</a:t>
-            </a:r>
-          </a:p>
-          <a:p>
-            <a:pPr>
-              <a:buFont typeface="Arial" panose="020B0604020202020204" pitchFamily="34" charset="0"/>
-              <a:buChar char="•"/>
-            </a:pPr>
-            <a:r>
-              <a:rPr lang="en-ZA" dirty="0"/>
-              <a:t>Feels fast and responsive</a:t>
-            </a:r>
-          </a:p>
-          <a:p>
-            <a:pPr>
-              <a:buFont typeface="Arial" panose="020B0604020202020204" pitchFamily="34" charset="0"/>
-              <a:buChar char="•"/>
-            </a:pPr>
-            <a:r>
-              <a:rPr lang="en-ZA" dirty="0"/>
-              <a:t>Focus on Primary Tasks</a:t>
-            </a:r>
-          </a:p>
-          <a:p>
-            <a:pPr>
-              <a:buFont typeface="Arial" panose="020B0604020202020204" pitchFamily="34" charset="0"/>
-              <a:buChar char="•"/>
-            </a:pPr>
-            <a:r>
-              <a:rPr lang="en-ZA" dirty="0"/>
-              <a:t>Do a lot with very little</a:t>
-            </a:r>
-          </a:p>
-          <a:p>
-            <a:pPr>
-              <a:buFont typeface="Arial" panose="020B0604020202020204" pitchFamily="34" charset="0"/>
-              <a:buChar char="•"/>
-            </a:pPr>
-            <a:r>
-              <a:rPr lang="en-ZA" dirty="0"/>
-              <a:t>Fierce reduction of the unnecessary</a:t>
-            </a:r>
-          </a:p>
-          <a:p>
-            <a:pPr>
-              <a:buFont typeface="Arial" panose="020B0604020202020204" pitchFamily="34" charset="0"/>
-              <a:buChar char="•"/>
-            </a:pPr>
-            <a:r>
-              <a:rPr lang="en-ZA" dirty="0"/>
-              <a:t>Delightful use of whitespace</a:t>
-            </a:r>
-          </a:p>
-          <a:p>
-            <a:pPr>
-              <a:buFont typeface="Arial" panose="020B0604020202020204" pitchFamily="34" charset="0"/>
-              <a:buChar char="•"/>
-            </a:pPr>
-            <a:r>
-              <a:rPr lang="en-ZA" dirty="0"/>
-              <a:t>Full bleed canvas</a:t>
-            </a:r>
-          </a:p>
-          <a:p>
-            <a:endParaRPr lang="en-ZA" dirty="0"/>
-          </a:p>
-        </p:txBody>
-      </p:sp>
-    </p:spTree>
-    <p:extLst>
-      <p:ext uri="{BB962C8B-B14F-4D97-AF65-F5344CB8AC3E}">
-        <p14:creationId xmlns:p14="http://schemas.microsoft.com/office/powerpoint/2010/main" val="1150209280"/>
-      </p:ext>
-    </p:extLst>
-  </p:cSld>
-  <p:clrMapOvr>
-    <a:masterClrMapping/>
-  </p:clrMapOvr>
-  <p:timing>
-    <p:tnLst>
-      <p:par>
-        <p:cTn id="1" dur="indefinite" restart="never" nodeType="tmRoot"/>
-      </p:par>
-    </p:tnLst>
-  </p:timing>
-</p:sld>
-</file>
-
-<file path=ppt/slides/slide32.xml><?xml version="1.0" encoding="utf-8"?>
-<p:sld xmlns:a="http://schemas.openxmlformats.org/drawingml/2006/main" xmlns:r="http://schemas.openxmlformats.org/officeDocument/2006/relationships" xmlns:p="http://schemas.openxmlformats.org/presentationml/2006/main">
-  <p:cSld>
-    <p:spTree>
-      <p:nvGrpSpPr>
-        <p:cNvPr id="1" name=""/>
-        <p:cNvGrpSpPr/>
-        <p:nvPr/>
-      </p:nvGrpSpPr>
-      <p:grpSpPr>
-        <a:xfrm>
-          <a:off x="0" y="0"/>
-          <a:ext cx="0" cy="0"/>
-          <a:chOff x="0" y="0"/>
-          <a:chExt cx="0" cy="0"/>
-        </a:xfrm>
-      </p:grpSpPr>
-      <p:sp>
-        <p:nvSpPr>
-          <p:cNvPr id="2" name="Title 1"/>
-          <p:cNvSpPr>
-            <a:spLocks noGrp="1"/>
-          </p:cNvSpPr>
-          <p:nvPr>
-            <p:ph type="title"/>
-          </p:nvPr>
-        </p:nvSpPr>
-        <p:spPr/>
-        <p:txBody>
-          <a:bodyPr/>
-          <a:lstStyle/>
-          <a:p>
-            <a:r>
-              <a:rPr lang="en-ZA" dirty="0" smtClean="0"/>
-              <a:t>Principles</a:t>
-            </a:r>
-            <a:endParaRPr lang="en-ZA" dirty="0"/>
-          </a:p>
-        </p:txBody>
-      </p:sp>
-      <p:sp>
-        <p:nvSpPr>
-          <p:cNvPr id="3" name="Content Placeholder 2"/>
-          <p:cNvSpPr>
-            <a:spLocks noGrp="1"/>
-          </p:cNvSpPr>
-          <p:nvPr>
-            <p:ph idx="1"/>
-          </p:nvPr>
-        </p:nvSpPr>
-        <p:spPr/>
-        <p:txBody>
-          <a:bodyPr>
-            <a:normAutofit lnSpcReduction="10000"/>
-          </a:bodyPr>
-          <a:lstStyle/>
-          <a:p>
-            <a:r>
-              <a:rPr lang="en-ZA" dirty="0"/>
-              <a:t>“Content, not Chrome”</a:t>
-            </a:r>
-          </a:p>
-          <a:p>
-            <a:pPr lvl="2"/>
-            <a:r>
-              <a:rPr lang="en-ZA" dirty="0"/>
-              <a:t>Decoration is a distraction</a:t>
-            </a:r>
-          </a:p>
-          <a:p>
-            <a:pPr lvl="3"/>
-            <a:r>
-              <a:rPr lang="en-ZA" dirty="0"/>
-              <a:t>E.g. backgrounds with gradients, </a:t>
-            </a:r>
-            <a:r>
-              <a:rPr lang="en-ZA" dirty="0" err="1"/>
-              <a:t>etc</a:t>
-            </a:r>
-            <a:endParaRPr lang="en-ZA" dirty="0"/>
-          </a:p>
-          <a:p>
-            <a:pPr lvl="1"/>
-            <a:r>
-              <a:rPr lang="en-ZA" dirty="0"/>
-              <a:t>Content instead of decoration</a:t>
-            </a:r>
-          </a:p>
-          <a:p>
-            <a:pPr lvl="1"/>
-            <a:r>
-              <a:rPr lang="en-ZA" dirty="0"/>
-              <a:t>Reduce visuals that </a:t>
-            </a:r>
-            <a:r>
-              <a:rPr lang="en-ZA" dirty="0" err="1"/>
-              <a:t>arent</a:t>
-            </a:r>
-            <a:r>
-              <a:rPr lang="en-ZA" dirty="0"/>
-              <a:t> content</a:t>
-            </a:r>
-          </a:p>
-          <a:p>
-            <a:pPr lvl="1"/>
-            <a:r>
-              <a:rPr lang="en-ZA" dirty="0"/>
-              <a:t>Content the UI</a:t>
-            </a:r>
-          </a:p>
-          <a:p>
-            <a:pPr lvl="1"/>
-            <a:r>
-              <a:rPr lang="en-ZA" dirty="0"/>
-              <a:t>Direct interaction with the </a:t>
-            </a:r>
-            <a:r>
-              <a:rPr lang="en-ZA" dirty="0" smtClean="0"/>
-              <a:t>content</a:t>
-            </a:r>
-          </a:p>
-          <a:p>
-            <a:r>
-              <a:rPr lang="en-ZA" dirty="0"/>
-              <a:t>Simplify your app</a:t>
-            </a:r>
-          </a:p>
-          <a:p>
-            <a:pPr lvl="1"/>
-            <a:r>
-              <a:rPr lang="en-ZA" dirty="0"/>
-              <a:t>All you want is the business logic</a:t>
-            </a:r>
-          </a:p>
-          <a:p>
-            <a:pPr lvl="1"/>
-            <a:r>
-              <a:rPr lang="en-ZA" dirty="0"/>
-              <a:t>When you open the app you must be able to see it very quickly</a:t>
-            </a:r>
-          </a:p>
-          <a:p>
-            <a:pPr lvl="1"/>
-            <a:r>
-              <a:rPr lang="en-ZA" dirty="0"/>
-              <a:t>How many people open apps just to look at how pretty they are?</a:t>
-            </a:r>
-          </a:p>
-          <a:p>
-            <a:pPr marL="0" lvl="1" indent="0">
-              <a:buNone/>
-            </a:pPr>
-            <a:endParaRPr lang="en-ZA" dirty="0"/>
-          </a:p>
-          <a:p>
-            <a:endParaRPr lang="en-ZA" dirty="0"/>
-          </a:p>
-        </p:txBody>
-      </p:sp>
-    </p:spTree>
-    <p:extLst>
-      <p:ext uri="{BB962C8B-B14F-4D97-AF65-F5344CB8AC3E}">
-        <p14:creationId xmlns:p14="http://schemas.microsoft.com/office/powerpoint/2010/main" val="2663252875"/>
-      </p:ext>
-    </p:extLst>
-  </p:cSld>
-  <p:clrMapOvr>
-    <a:masterClrMapping/>
-  </p:clrMapOvr>
-  <p:timing>
-    <p:tnLst>
-      <p:par>
-        <p:cTn id="1" dur="indefinite" restart="never" nodeType="tmRoot"/>
-      </p:par>
-    </p:tnLst>
-  </p:timing>
-</p:sld>
-</file>
-
-<file path=ppt/slides/slide33.xml><?xml version="1.0" encoding="utf-8"?>
-<p:sld xmlns:a="http://schemas.openxmlformats.org/drawingml/2006/main" xmlns:r="http://schemas.openxmlformats.org/officeDocument/2006/relationships" xmlns:p="http://schemas.openxmlformats.org/presentationml/2006/main">
-  <p:cSld>
-    <p:spTree>
-      <p:nvGrpSpPr>
-        <p:cNvPr id="1" name=""/>
-        <p:cNvGrpSpPr/>
-        <p:nvPr/>
-      </p:nvGrpSpPr>
-      <p:grpSpPr>
-        <a:xfrm>
-          <a:off x="0" y="0"/>
-          <a:ext cx="0" cy="0"/>
-          <a:chOff x="0" y="0"/>
-          <a:chExt cx="0" cy="0"/>
-        </a:xfrm>
-      </p:grpSpPr>
-      <p:sp>
-        <p:nvSpPr>
-          <p:cNvPr id="2" name="Title 1"/>
-          <p:cNvSpPr>
-            <a:spLocks noGrp="1"/>
-          </p:cNvSpPr>
-          <p:nvPr>
-            <p:ph type="title"/>
-          </p:nvPr>
-        </p:nvSpPr>
-        <p:spPr/>
-        <p:txBody>
-          <a:bodyPr/>
-          <a:lstStyle/>
-          <a:p>
-            <a:r>
-              <a:rPr lang="en-ZA" dirty="0" smtClean="0"/>
-              <a:t>Mobile Example</a:t>
-            </a:r>
-            <a:endParaRPr lang="en-ZA" dirty="0"/>
-          </a:p>
-        </p:txBody>
-      </p:sp>
-      <p:pic>
-        <p:nvPicPr>
-          <p:cNvPr id="4" name="Picture 2" descr="http://az36026.vo.msecnd.net/Image?type=Visualization&amp;id=99d1da43-e7a7-4f74-a680-f707411c96b0"/>
-          <p:cNvPicPr>
-            <a:picLocks noChangeAspect="1" noChangeArrowheads="1"/>
-          </p:cNvPicPr>
-          <p:nvPr/>
-        </p:nvPicPr>
-        <p:blipFill>
-          <a:blip r:embed="rId2">
-            <a:extLst>
-              <a:ext uri="{28A0092B-C50C-407E-A947-70E740481C1C}">
-                <a14:useLocalDpi xmlns:a14="http://schemas.microsoft.com/office/drawing/2010/main" val="0"/>
-              </a:ext>
-            </a:extLst>
-          </a:blip>
-          <a:srcRect/>
-          <a:stretch>
-            <a:fillRect/>
-          </a:stretch>
-        </p:blipFill>
-        <p:spPr bwMode="auto">
-          <a:xfrm>
-            <a:off x="2495600" y="548681"/>
-            <a:ext cx="6858000" cy="5143501"/>
-          </a:xfrm>
-          <a:prstGeom prst="rect">
-            <a:avLst/>
-          </a:prstGeom>
-          <a:noFill/>
-          <a:extLst>
-            <a:ext uri="{909E8E84-426E-40DD-AFC4-6F175D3DCCD1}">
-              <a14:hiddenFill xmlns:a14="http://schemas.microsoft.com/office/drawing/2010/main">
-                <a:solidFill>
-                  <a:srgbClr val="FFFFFF"/>
-                </a:solidFill>
-              </a14:hiddenFill>
-            </a:ext>
-          </a:extLst>
-        </p:spPr>
-      </p:pic>
-    </p:spTree>
-    <p:extLst>
-      <p:ext uri="{BB962C8B-B14F-4D97-AF65-F5344CB8AC3E}">
-        <p14:creationId xmlns:p14="http://schemas.microsoft.com/office/powerpoint/2010/main" val="1972242246"/>
-      </p:ext>
-    </p:extLst>
-  </p:cSld>
-  <p:clrMapOvr>
-    <a:masterClrMapping/>
-  </p:clrMapOvr>
-  <p:timing>
-    <p:tnLst>
-      <p:par>
-        <p:cTn id="1" dur="indefinite" restart="never" nodeType="tmRoot"/>
-      </p:par>
-    </p:tnLst>
-  </p:timing>
-</p:sld>
-</file>
-
-<file path=ppt/slides/slide34.xml><?xml version="1.0" encoding="utf-8"?>
-<p:sld xmlns:a="http://schemas.openxmlformats.org/drawingml/2006/main" xmlns:r="http://schemas.openxmlformats.org/officeDocument/2006/relationships" xmlns:p="http://schemas.openxmlformats.org/presentationml/2006/main">
-  <p:cSld>
-    <p:spTree>
-      <p:nvGrpSpPr>
-        <p:cNvPr id="1" name=""/>
-        <p:cNvGrpSpPr/>
-        <p:nvPr/>
-      </p:nvGrpSpPr>
-      <p:grpSpPr>
-        <a:xfrm>
-          <a:off x="0" y="0"/>
-          <a:ext cx="0" cy="0"/>
-          <a:chOff x="0" y="0"/>
-          <a:chExt cx="0" cy="0"/>
-        </a:xfrm>
-      </p:grpSpPr>
-      <p:sp>
-        <p:nvSpPr>
-          <p:cNvPr id="2" name="Title 1"/>
-          <p:cNvSpPr>
-            <a:spLocks noGrp="1"/>
-          </p:cNvSpPr>
-          <p:nvPr>
-            <p:ph type="title"/>
-          </p:nvPr>
-        </p:nvSpPr>
-        <p:spPr/>
-        <p:txBody>
-          <a:bodyPr/>
-          <a:lstStyle/>
-          <a:p>
-            <a:r>
-              <a:rPr lang="en-ZA" dirty="0" smtClean="0"/>
-              <a:t>What went Wrong?</a:t>
-            </a:r>
-            <a:endParaRPr lang="en-ZA" dirty="0"/>
-          </a:p>
-        </p:txBody>
-      </p:sp>
-      <p:sp>
-        <p:nvSpPr>
-          <p:cNvPr id="3" name="Content Placeholder 2"/>
-          <p:cNvSpPr>
-            <a:spLocks noGrp="1"/>
-          </p:cNvSpPr>
-          <p:nvPr>
-            <p:ph idx="1"/>
-          </p:nvPr>
-        </p:nvSpPr>
-        <p:spPr/>
-        <p:txBody>
-          <a:bodyPr/>
-          <a:lstStyle/>
-          <a:p>
-            <a:pPr>
-              <a:buFont typeface="Arial" panose="020B0604020202020204" pitchFamily="34" charset="0"/>
-              <a:buChar char="•"/>
-            </a:pPr>
-            <a:r>
-              <a:rPr lang="en-ZA" dirty="0" smtClean="0"/>
-              <a:t>Learned intuitiveness </a:t>
-            </a:r>
-            <a:r>
-              <a:rPr lang="en-ZA" dirty="0" err="1" smtClean="0"/>
-              <a:t>vs</a:t>
-            </a:r>
-            <a:r>
-              <a:rPr lang="en-ZA" dirty="0" smtClean="0"/>
-              <a:t> natural intuitiveness</a:t>
-            </a:r>
-          </a:p>
-          <a:p>
-            <a:pPr>
-              <a:buFont typeface="Arial" panose="020B0604020202020204" pitchFamily="34" charset="0"/>
-              <a:buChar char="•"/>
-            </a:pPr>
-            <a:r>
-              <a:rPr lang="en-ZA" dirty="0" smtClean="0"/>
-              <a:t>Microsoft removed convention and “old” consistency</a:t>
-            </a:r>
-          </a:p>
-          <a:p>
-            <a:pPr>
-              <a:buFont typeface="Arial" panose="020B0604020202020204" pitchFamily="34" charset="0"/>
-              <a:buChar char="•"/>
-            </a:pPr>
-            <a:r>
-              <a:rPr lang="en-ZA" dirty="0" smtClean="0"/>
-              <a:t>People panicked</a:t>
-            </a:r>
-            <a:endParaRPr lang="en-ZA" dirty="0"/>
-          </a:p>
-        </p:txBody>
-      </p:sp>
-    </p:spTree>
-    <p:extLst>
-      <p:ext uri="{BB962C8B-B14F-4D97-AF65-F5344CB8AC3E}">
-        <p14:creationId xmlns:p14="http://schemas.microsoft.com/office/powerpoint/2010/main" val="946059531"/>
-      </p:ext>
-    </p:extLst>
-  </p:cSld>
-  <p:clrMapOvr>
-    <a:masterClrMapping/>
-  </p:clrMapOvr>
-  <p:timing>
-    <p:tnLst>
-      <p:par>
-        <p:cTn id="1" dur="indefinite" restart="never" nodeType="tmRoot"/>
-      </p:par>
-    </p:tnLst>
-  </p:timing>
-</p:sld>
-</file>
-
-<file path=ppt/slides/slide35.xml><?xml version="1.0" encoding="utf-8"?>
-<p:sld xmlns:a="http://schemas.openxmlformats.org/drawingml/2006/main" xmlns:r="http://schemas.openxmlformats.org/officeDocument/2006/relationships" xmlns:p="http://schemas.openxmlformats.org/presentationml/2006/main">
-  <p:cSld>
-    <p:spTree>
-      <p:nvGrpSpPr>
-        <p:cNvPr id="1" name=""/>
-        <p:cNvGrpSpPr/>
-        <p:nvPr/>
-      </p:nvGrpSpPr>
-      <p:grpSpPr>
-        <a:xfrm>
-          <a:off x="0" y="0"/>
-          <a:ext cx="0" cy="0"/>
-          <a:chOff x="0" y="0"/>
-          <a:chExt cx="0" cy="0"/>
-        </a:xfrm>
-      </p:grpSpPr>
-      <p:sp>
-        <p:nvSpPr>
-          <p:cNvPr id="2" name="Title 1"/>
-          <p:cNvSpPr>
-            <a:spLocks noGrp="1"/>
-          </p:cNvSpPr>
-          <p:nvPr>
-            <p:ph type="title"/>
-          </p:nvPr>
-        </p:nvSpPr>
-        <p:spPr/>
-        <p:txBody>
-          <a:bodyPr/>
-          <a:lstStyle/>
-          <a:p>
-            <a:r>
-              <a:rPr lang="en-ZA" dirty="0" smtClean="0"/>
-              <a:t>Metro UI Tutorial</a:t>
-            </a:r>
-            <a:endParaRPr lang="en-ZA" dirty="0"/>
-          </a:p>
-        </p:txBody>
-      </p:sp>
-      <p:sp>
-        <p:nvSpPr>
-          <p:cNvPr id="3" name="Content Placeholder 2"/>
-          <p:cNvSpPr>
-            <a:spLocks noGrp="1"/>
-          </p:cNvSpPr>
-          <p:nvPr>
-            <p:ph idx="1"/>
-          </p:nvPr>
-        </p:nvSpPr>
-        <p:spPr/>
-        <p:txBody>
-          <a:bodyPr/>
-          <a:lstStyle/>
-          <a:p>
-            <a:pPr>
-              <a:buFont typeface="Arial" panose="020B0604020202020204" pitchFamily="34" charset="0"/>
-              <a:buChar char="•"/>
-            </a:pPr>
-            <a:r>
-              <a:rPr lang="en-ZA" dirty="0">
-                <a:hlinkClick r:id="rId2"/>
-              </a:rPr>
-              <a:t>http://denricdenise.info/2014/09/how-to-use-winforms-modern-ui</a:t>
-            </a:r>
-            <a:r>
-              <a:rPr lang="en-ZA" dirty="0" smtClean="0">
-                <a:hlinkClick r:id="rId2"/>
-              </a:rPr>
-              <a:t>/</a:t>
-            </a:r>
-            <a:endParaRPr lang="en-ZA" dirty="0" smtClean="0"/>
-          </a:p>
-          <a:p>
-            <a:pPr>
-              <a:buFont typeface="Arial" panose="020B0604020202020204" pitchFamily="34" charset="0"/>
-              <a:buChar char="•"/>
-            </a:pPr>
-            <a:r>
-              <a:rPr lang="en-ZA" dirty="0">
-                <a:hlinkClick r:id="rId3"/>
-              </a:rPr>
-              <a:t>http://thielj.github.io/MetroFramework</a:t>
-            </a:r>
-            <a:r>
-              <a:rPr lang="en-ZA" dirty="0" smtClean="0">
-                <a:hlinkClick r:id="rId3"/>
-              </a:rPr>
-              <a:t>/</a:t>
-            </a:r>
-            <a:endParaRPr lang="en-ZA" dirty="0" smtClean="0"/>
-          </a:p>
-          <a:p>
-            <a:pPr>
-              <a:buFont typeface="Arial" panose="020B0604020202020204" pitchFamily="34" charset="0"/>
-              <a:buChar char="•"/>
-            </a:pPr>
-            <a:endParaRPr lang="en-ZA" dirty="0"/>
-          </a:p>
-          <a:p>
-            <a:pPr marL="0" indent="0"/>
-            <a:r>
-              <a:rPr lang="en-ZA" dirty="0" smtClean="0"/>
-              <a:t>Another Framework</a:t>
-            </a:r>
-          </a:p>
-          <a:p>
-            <a:pPr>
-              <a:buFont typeface="Arial" panose="020B0604020202020204" pitchFamily="34" charset="0"/>
-              <a:buChar char="•"/>
-            </a:pPr>
-            <a:r>
-              <a:rPr lang="en-ZA" dirty="0">
-                <a:hlinkClick r:id="rId4"/>
-              </a:rPr>
-              <a:t>http://mahapps.com</a:t>
-            </a:r>
-            <a:r>
-              <a:rPr lang="en-ZA" dirty="0" smtClean="0">
-                <a:hlinkClick r:id="rId4"/>
-              </a:rPr>
-              <a:t>/</a:t>
-            </a:r>
-            <a:endParaRPr lang="en-ZA" dirty="0" smtClean="0"/>
-          </a:p>
-          <a:p>
-            <a:pPr>
-              <a:buFont typeface="Arial" panose="020B0604020202020204" pitchFamily="34" charset="0"/>
-              <a:buChar char="•"/>
-            </a:pPr>
-            <a:r>
-              <a:rPr lang="en-ZA" dirty="0">
-                <a:hlinkClick r:id="rId5"/>
-              </a:rPr>
-              <a:t>http://</a:t>
-            </a:r>
-            <a:r>
-              <a:rPr lang="en-ZA" dirty="0" smtClean="0">
-                <a:hlinkClick r:id="rId5"/>
-              </a:rPr>
-              <a:t>mahapps.com/guides/quick-start.html</a:t>
-            </a:r>
-            <a:endParaRPr lang="en-ZA" dirty="0" smtClean="0"/>
-          </a:p>
-          <a:p>
-            <a:pPr>
-              <a:buFont typeface="Arial" panose="020B0604020202020204" pitchFamily="34" charset="0"/>
-              <a:buChar char="•"/>
-            </a:pPr>
-            <a:endParaRPr lang="en-ZA" dirty="0" smtClean="0"/>
-          </a:p>
-          <a:p>
-            <a:pPr>
-              <a:buFont typeface="Arial" panose="020B0604020202020204" pitchFamily="34" charset="0"/>
-              <a:buChar char="•"/>
-            </a:pPr>
-            <a:endParaRPr lang="en-ZA" dirty="0" smtClean="0"/>
-          </a:p>
-          <a:p>
-            <a:pPr>
-              <a:buFont typeface="Arial" panose="020B0604020202020204" pitchFamily="34" charset="0"/>
-              <a:buChar char="•"/>
-            </a:pPr>
-            <a:endParaRPr lang="en-ZA" dirty="0"/>
-          </a:p>
-        </p:txBody>
-      </p:sp>
-    </p:spTree>
-    <p:extLst>
-      <p:ext uri="{BB962C8B-B14F-4D97-AF65-F5344CB8AC3E}">
-        <p14:creationId xmlns:p14="http://schemas.microsoft.com/office/powerpoint/2010/main" val="2512861413"/>
-      </p:ext>
-    </p:extLst>
-  </p:cSld>
-  <p:clrMapOvr>
-    <a:masterClrMapping/>
-  </p:clrMapOvr>
-  <p:timing>
-    <p:tnLst>
-      <p:par>
-        <p:cTn id="1" dur="indefinite" restart="never" nodeType="tmRoot"/>
-      </p:par>
-    </p:tnLst>
-  </p:timing>
-</p:sld>
-</file>
-
-<file path=ppt/slides/slide36.xml><?xml version="1.0" encoding="utf-8"?>
-<p:sld xmlns:a="http://schemas.openxmlformats.org/drawingml/2006/main" xmlns:r="http://schemas.openxmlformats.org/officeDocument/2006/relationships" xmlns:p="http://schemas.openxmlformats.org/presentationml/2006/main">
-  <p:cSld>
-    <p:spTree>
-      <p:nvGrpSpPr>
-        <p:cNvPr id="1" name=""/>
-        <p:cNvGrpSpPr/>
-        <p:nvPr/>
-      </p:nvGrpSpPr>
-      <p:grpSpPr>
-        <a:xfrm>
-          <a:off x="0" y="0"/>
-          <a:ext cx="0" cy="0"/>
-          <a:chOff x="0" y="0"/>
-          <a:chExt cx="0" cy="0"/>
-        </a:xfrm>
-      </p:grpSpPr>
-      <p:sp>
-        <p:nvSpPr>
-          <p:cNvPr id="2" name="Title 1"/>
-          <p:cNvSpPr>
-            <a:spLocks noGrp="1"/>
-          </p:cNvSpPr>
-          <p:nvPr>
-            <p:ph type="title"/>
-          </p:nvPr>
-        </p:nvSpPr>
-        <p:spPr/>
-        <p:txBody>
-          <a:bodyPr/>
-          <a:lstStyle/>
-          <a:p>
-            <a:r>
-              <a:rPr lang="en-ZA" dirty="0" smtClean="0"/>
-              <a:t>Metro UI Links</a:t>
-            </a:r>
-            <a:endParaRPr lang="en-ZA" dirty="0"/>
-          </a:p>
-        </p:txBody>
-      </p:sp>
-      <p:sp>
-        <p:nvSpPr>
-          <p:cNvPr id="3" name="Content Placeholder 2"/>
-          <p:cNvSpPr>
-            <a:spLocks noGrp="1"/>
-          </p:cNvSpPr>
-          <p:nvPr>
-            <p:ph idx="1"/>
-          </p:nvPr>
-        </p:nvSpPr>
-        <p:spPr/>
-        <p:txBody>
-          <a:bodyPr/>
-          <a:lstStyle/>
-          <a:p>
-            <a:pPr>
-              <a:buFont typeface="Arial" panose="020B0604020202020204" pitchFamily="34" charset="0"/>
-              <a:buChar char="•"/>
-            </a:pPr>
-            <a:r>
-              <a:rPr lang="en-ZA" dirty="0">
-                <a:hlinkClick r:id="rId2"/>
-              </a:rPr>
-              <a:t>https://msdn.microsoft.com/en-us/library/windows/apps/hh465424.aspx</a:t>
-            </a:r>
-          </a:p>
-          <a:p>
-            <a:pPr>
-              <a:buFont typeface="Arial" panose="020B0604020202020204" pitchFamily="34" charset="0"/>
-              <a:buChar char="•"/>
-            </a:pPr>
-            <a:r>
-              <a:rPr lang="en-ZA" dirty="0" smtClean="0">
-                <a:hlinkClick r:id="rId2"/>
-              </a:rPr>
-              <a:t>https</a:t>
-            </a:r>
-            <a:r>
-              <a:rPr lang="en-ZA" dirty="0">
-                <a:hlinkClick r:id="rId2"/>
-              </a:rPr>
-              <a:t>://en.wikipedia.org/wiki/Metro_(design_language</a:t>
-            </a:r>
-            <a:r>
-              <a:rPr lang="en-ZA" dirty="0" smtClean="0">
-                <a:hlinkClick r:id="rId2"/>
-              </a:rPr>
-              <a:t>)</a:t>
-            </a:r>
-            <a:endParaRPr lang="en-ZA" dirty="0" smtClean="0"/>
-          </a:p>
-          <a:p>
-            <a:pPr>
-              <a:buFont typeface="Arial" panose="020B0604020202020204" pitchFamily="34" charset="0"/>
-              <a:buChar char="•"/>
-            </a:pPr>
-            <a:r>
-              <a:rPr lang="en-ZA" dirty="0">
-                <a:hlinkClick r:id="rId3"/>
-              </a:rPr>
-              <a:t>https://</a:t>
-            </a:r>
-            <a:r>
-              <a:rPr lang="en-ZA" dirty="0" smtClean="0">
-                <a:hlinkClick r:id="rId3"/>
-              </a:rPr>
-              <a:t>dev.windows.com/en-us/design</a:t>
-            </a:r>
-            <a:endParaRPr lang="en-ZA" dirty="0" smtClean="0"/>
-          </a:p>
-          <a:p>
-            <a:pPr>
-              <a:buFont typeface="Arial" panose="020B0604020202020204" pitchFamily="34" charset="0"/>
-              <a:buChar char="•"/>
-            </a:pPr>
-            <a:endParaRPr lang="en-ZA" dirty="0" smtClean="0"/>
-          </a:p>
-          <a:p>
-            <a:pPr>
-              <a:buFont typeface="Arial" panose="020B0604020202020204" pitchFamily="34" charset="0"/>
-              <a:buChar char="•"/>
-            </a:pPr>
-            <a:r>
-              <a:rPr lang="en-ZA" dirty="0">
-                <a:hlinkClick r:id="rId4"/>
-              </a:rPr>
-              <a:t>http://</a:t>
-            </a:r>
-            <a:r>
-              <a:rPr lang="en-ZA" dirty="0" smtClean="0">
-                <a:hlinkClick r:id="rId4"/>
-              </a:rPr>
-              <a:t>www.newyorker.com/business/currency/how-new-yorks-subway-signs-came-to-be</a:t>
-            </a:r>
-            <a:endParaRPr lang="en-ZA" dirty="0" smtClean="0"/>
-          </a:p>
-          <a:p>
-            <a:pPr>
-              <a:buFont typeface="Arial" panose="020B0604020202020204" pitchFamily="34" charset="0"/>
-              <a:buChar char="•"/>
-            </a:pPr>
-            <a:endParaRPr lang="en-ZA" dirty="0"/>
-          </a:p>
-        </p:txBody>
-      </p:sp>
-    </p:spTree>
-    <p:extLst>
-      <p:ext uri="{BB962C8B-B14F-4D97-AF65-F5344CB8AC3E}">
-        <p14:creationId xmlns:p14="http://schemas.microsoft.com/office/powerpoint/2010/main" val="1323944117"/>
-      </p:ext>
-    </p:extLst>
-  </p:cSld>
-  <p:clrMapOvr>
-    <a:masterClrMapping/>
-  </p:clrMapOvr>
-  <p:timing>
-    <p:tnLst>
-      <p:par>
-        <p:cTn id="1" dur="indefinite" restart="never" nodeType="tmRoot"/>
-      </p:par>
-    </p:tnLst>
-  </p:timing>
-</p:sld>
-</file>
-
-<file path=ppt/slides/slide37.xml><?xml version="1.0" encoding="utf-8"?>
-<p:sld xmlns:a="http://schemas.openxmlformats.org/drawingml/2006/main" xmlns:r="http://schemas.openxmlformats.org/officeDocument/2006/relationships" xmlns:p="http://schemas.openxmlformats.org/presentationml/2006/main">
-  <p:cSld>
-    <p:spTree>
-      <p:nvGrpSpPr>
-        <p:cNvPr id="1" name=""/>
-        <p:cNvGrpSpPr/>
-        <p:nvPr/>
-      </p:nvGrpSpPr>
-      <p:grpSpPr>
-        <a:xfrm>
-          <a:off x="0" y="0"/>
-          <a:ext cx="0" cy="0"/>
-          <a:chOff x="0" y="0"/>
-          <a:chExt cx="0" cy="0"/>
-        </a:xfrm>
-      </p:grpSpPr>
-      <p:sp>
-        <p:nvSpPr>
-          <p:cNvPr id="2" name="Title 1"/>
-          <p:cNvSpPr>
-            <a:spLocks noGrp="1"/>
-          </p:cNvSpPr>
-          <p:nvPr>
-            <p:ph type="title"/>
-          </p:nvPr>
-        </p:nvSpPr>
-        <p:spPr/>
-        <p:txBody>
-          <a:bodyPr/>
-          <a:lstStyle/>
-          <a:p>
-            <a:r>
-              <a:rPr lang="en-ZA" dirty="0"/>
-              <a:t>Google Materials Design</a:t>
-            </a:r>
-          </a:p>
-        </p:txBody>
-      </p:sp>
-      <p:sp>
-        <p:nvSpPr>
-          <p:cNvPr id="3" name="Content Placeholder 2"/>
-          <p:cNvSpPr>
-            <a:spLocks noGrp="1"/>
-          </p:cNvSpPr>
-          <p:nvPr>
-            <p:ph idx="1"/>
-          </p:nvPr>
-        </p:nvSpPr>
-        <p:spPr/>
-        <p:txBody>
-          <a:bodyPr/>
-          <a:lstStyle/>
-          <a:p>
-            <a:pPr>
-              <a:buFont typeface="Arial" panose="020B0604020202020204" pitchFamily="34" charset="0"/>
-              <a:buChar char="•"/>
-            </a:pPr>
-            <a:r>
-              <a:rPr lang="en-ZA" dirty="0" smtClean="0"/>
-              <a:t>Similar to </a:t>
-            </a:r>
-            <a:r>
-              <a:rPr lang="en-ZA" dirty="0" err="1" smtClean="0"/>
-              <a:t>MetroUI</a:t>
-            </a:r>
-            <a:endParaRPr lang="en-ZA" dirty="0" smtClean="0"/>
-          </a:p>
-          <a:p>
-            <a:pPr>
-              <a:buFont typeface="Arial" panose="020B0604020202020204" pitchFamily="34" charset="0"/>
-              <a:buChar char="•"/>
-            </a:pPr>
-            <a:r>
-              <a:rPr lang="en-ZA" dirty="0" smtClean="0"/>
-              <a:t>Focuses on the correct focal points</a:t>
-            </a:r>
-          </a:p>
-          <a:p>
-            <a:pPr>
-              <a:buFont typeface="Arial" panose="020B0604020202020204" pitchFamily="34" charset="0"/>
-              <a:buChar char="•"/>
-            </a:pPr>
-            <a:r>
-              <a:rPr lang="en-ZA" dirty="0" smtClean="0"/>
-              <a:t>Is 3D space</a:t>
-            </a:r>
-          </a:p>
-          <a:p>
-            <a:pPr>
-              <a:buFont typeface="Arial" panose="020B0604020202020204" pitchFamily="34" charset="0"/>
-              <a:buChar char="•"/>
-            </a:pPr>
-            <a:r>
-              <a:rPr lang="en-ZA" dirty="0" smtClean="0"/>
-              <a:t>Looks at shadow and colour</a:t>
-            </a:r>
-          </a:p>
-          <a:p>
-            <a:pPr>
-              <a:buFont typeface="Arial" panose="020B0604020202020204" pitchFamily="34" charset="0"/>
-              <a:buChar char="•"/>
-            </a:pPr>
-            <a:r>
-              <a:rPr lang="en-ZA" dirty="0" smtClean="0"/>
-              <a:t>Where Metro and Chrome UI meet</a:t>
-            </a:r>
-          </a:p>
-          <a:p>
-            <a:pPr>
-              <a:buFont typeface="Arial" panose="020B0604020202020204" pitchFamily="34" charset="0"/>
-              <a:buChar char="•"/>
-            </a:pPr>
-            <a:r>
-              <a:rPr lang="en-ZA" dirty="0" smtClean="0"/>
-              <a:t>Interactive elements</a:t>
-            </a:r>
-            <a:endParaRPr lang="en-ZA" dirty="0"/>
-          </a:p>
-          <a:p>
-            <a:pPr marL="0" indent="0"/>
-            <a:r>
-              <a:rPr lang="en-ZA" dirty="0" smtClean="0"/>
-              <a:t>See Examples:</a:t>
-            </a:r>
-            <a:endParaRPr lang="en-ZA" dirty="0"/>
-          </a:p>
-        </p:txBody>
-      </p:sp>
-    </p:spTree>
-    <p:extLst>
-      <p:ext uri="{BB962C8B-B14F-4D97-AF65-F5344CB8AC3E}">
-        <p14:creationId xmlns:p14="http://schemas.microsoft.com/office/powerpoint/2010/main" val="1363303588"/>
-      </p:ext>
-    </p:extLst>
-  </p:cSld>
-  <p:clrMapOvr>
-    <a:masterClrMapping/>
-  </p:clrMapOvr>
-  <p:timing>
-    <p:tnLst>
-      <p:par>
-        <p:cTn id="1" dur="indefinite" restart="never" nodeType="tmRoot"/>
-      </p:par>
-    </p:tnLst>
-  </p:timing>
-</p:sld>
-</file>
-
-<file path=ppt/slides/slide38.xml><?xml version="1.0" encoding="utf-8"?>
-<p:sld xmlns:a="http://schemas.openxmlformats.org/drawingml/2006/main" xmlns:r="http://schemas.openxmlformats.org/officeDocument/2006/relationships" xmlns:p="http://schemas.openxmlformats.org/presentationml/2006/main">
-  <p:cSld>
-    <p:spTree>
-      <p:nvGrpSpPr>
-        <p:cNvPr id="1" name=""/>
-        <p:cNvGrpSpPr/>
-        <p:nvPr/>
-      </p:nvGrpSpPr>
-      <p:grpSpPr>
-        <a:xfrm>
-          <a:off x="0" y="0"/>
-          <a:ext cx="0" cy="0"/>
-          <a:chOff x="0" y="0"/>
-          <a:chExt cx="0" cy="0"/>
-        </a:xfrm>
-      </p:grpSpPr>
-      <p:sp>
-        <p:nvSpPr>
-          <p:cNvPr id="2" name="Title 1"/>
-          <p:cNvSpPr>
-            <a:spLocks noGrp="1"/>
-          </p:cNvSpPr>
-          <p:nvPr>
-            <p:ph type="title"/>
-          </p:nvPr>
-        </p:nvSpPr>
-        <p:spPr/>
-        <p:txBody>
-          <a:bodyPr/>
-          <a:lstStyle/>
-          <a:p>
-            <a:r>
-              <a:rPr lang="en-ZA" dirty="0" smtClean="0"/>
-              <a:t>Google Materials Design</a:t>
-            </a:r>
-            <a:endParaRPr lang="en-ZA" dirty="0"/>
-          </a:p>
-        </p:txBody>
-      </p:sp>
-      <p:sp>
-        <p:nvSpPr>
-          <p:cNvPr id="3" name="Content Placeholder 2"/>
-          <p:cNvSpPr>
-            <a:spLocks noGrp="1"/>
-          </p:cNvSpPr>
-          <p:nvPr>
-            <p:ph idx="1"/>
-          </p:nvPr>
-        </p:nvSpPr>
-        <p:spPr/>
-        <p:txBody>
-          <a:bodyPr>
-            <a:normAutofit lnSpcReduction="10000"/>
-          </a:bodyPr>
-          <a:lstStyle/>
-          <a:p>
-            <a:pPr marL="0" indent="0"/>
-            <a:r>
-              <a:rPr lang="en-ZA" dirty="0"/>
-              <a:t>Guidelines:</a:t>
-            </a:r>
-          </a:p>
-          <a:p>
-            <a:pPr>
-              <a:buFont typeface="Arial" panose="020B0604020202020204" pitchFamily="34" charset="0"/>
-              <a:buChar char="•"/>
-            </a:pPr>
-            <a:r>
-              <a:rPr lang="en-ZA" dirty="0">
-                <a:hlinkClick r:id="rId2"/>
-              </a:rPr>
-              <a:t>https://www.google.com/design/spec/material-design/introduction.html#</a:t>
-            </a:r>
-            <a:endParaRPr lang="en-ZA" dirty="0"/>
-          </a:p>
-          <a:p>
-            <a:pPr>
-              <a:buFont typeface="Arial" panose="020B0604020202020204" pitchFamily="34" charset="0"/>
-              <a:buChar char="•"/>
-            </a:pPr>
-            <a:r>
-              <a:rPr lang="en-ZA" dirty="0">
-                <a:hlinkClick r:id="rId3"/>
-              </a:rPr>
-              <a:t>https://design.google.com</a:t>
-            </a:r>
-            <a:r>
-              <a:rPr lang="en-ZA" dirty="0" smtClean="0">
-                <a:hlinkClick r:id="rId3"/>
-              </a:rPr>
-              <a:t>/</a:t>
-            </a:r>
-            <a:endParaRPr lang="en-ZA" dirty="0" smtClean="0"/>
-          </a:p>
-          <a:p>
-            <a:pPr>
-              <a:buFont typeface="Arial" panose="020B0604020202020204" pitchFamily="34" charset="0"/>
-              <a:buChar char="•"/>
-            </a:pPr>
-            <a:r>
-              <a:rPr lang="en-ZA" dirty="0">
-                <a:hlinkClick r:id="rId4"/>
-              </a:rPr>
-              <a:t>https://</a:t>
-            </a:r>
-            <a:r>
-              <a:rPr lang="en-ZA" dirty="0" smtClean="0">
-                <a:hlinkClick r:id="rId4"/>
-              </a:rPr>
-              <a:t>www.google.com/design/spec/style/color.html</a:t>
-            </a:r>
-            <a:endParaRPr lang="en-ZA" dirty="0"/>
-          </a:p>
-          <a:p>
-            <a:pPr>
-              <a:buFont typeface="Arial" panose="020B0604020202020204" pitchFamily="34" charset="0"/>
-              <a:buChar char="•"/>
-            </a:pPr>
-            <a:r>
-              <a:rPr lang="en-ZA" dirty="0">
-                <a:hlinkClick r:id="rId5"/>
-              </a:rPr>
-              <a:t>http://www.getmdl.io/</a:t>
-            </a:r>
-            <a:endParaRPr lang="en-ZA" dirty="0"/>
-          </a:p>
-          <a:p>
-            <a:r>
-              <a:rPr lang="en-ZA" dirty="0"/>
-              <a:t>Tutorial:</a:t>
-            </a:r>
-          </a:p>
-          <a:p>
-            <a:pPr>
-              <a:buFont typeface="Arial" panose="020B0604020202020204" pitchFamily="34" charset="0"/>
-              <a:buChar char="•"/>
-            </a:pPr>
-            <a:r>
-              <a:rPr lang="en-ZA" dirty="0">
-                <a:hlinkClick r:id="rId6"/>
-              </a:rPr>
-              <a:t>http://materialdesigninxaml.net</a:t>
-            </a:r>
-            <a:r>
-              <a:rPr lang="en-ZA" dirty="0" smtClean="0">
-                <a:hlinkClick r:id="rId6"/>
-              </a:rPr>
-              <a:t>/</a:t>
-            </a:r>
-            <a:endParaRPr lang="en-ZA" dirty="0" smtClean="0"/>
-          </a:p>
-          <a:p>
-            <a:pPr>
-              <a:buFont typeface="Arial" panose="020B0604020202020204" pitchFamily="34" charset="0"/>
-              <a:buChar char="•"/>
-            </a:pPr>
-            <a:r>
-              <a:rPr lang="en-ZA" dirty="0" smtClean="0">
-                <a:hlinkClick r:id="rId7"/>
-              </a:rPr>
-              <a:t>https</a:t>
-            </a:r>
-            <a:r>
-              <a:rPr lang="en-ZA" dirty="0">
-                <a:hlinkClick r:id="rId7"/>
-              </a:rPr>
-              <a:t>://github.com/ButchersBoy/MaterialDesignInXamlToolkit/</a:t>
-            </a:r>
-            <a:endParaRPr lang="en-ZA" dirty="0"/>
-          </a:p>
-          <a:p>
-            <a:pPr>
-              <a:buFont typeface="Arial" panose="020B0604020202020204" pitchFamily="34" charset="0"/>
-              <a:buChar char="•"/>
-            </a:pPr>
-            <a:r>
-              <a:rPr lang="en-ZA" dirty="0">
-                <a:hlinkClick r:id="rId8"/>
-              </a:rPr>
-              <a:t>http://www.c-sharpcorner.com/UploadFile/c7830b/material-design-themed-timepicker-and-clock-controls-for-wpf/</a:t>
-            </a:r>
-            <a:endParaRPr lang="en-ZA" dirty="0"/>
-          </a:p>
-          <a:p>
-            <a:pPr>
-              <a:buFont typeface="Arial" panose="020B0604020202020204" pitchFamily="34" charset="0"/>
-              <a:buChar char="•"/>
-            </a:pPr>
-            <a:endParaRPr lang="en-ZA" dirty="0"/>
-          </a:p>
-        </p:txBody>
-      </p:sp>
-    </p:spTree>
-    <p:extLst>
-      <p:ext uri="{BB962C8B-B14F-4D97-AF65-F5344CB8AC3E}">
-        <p14:creationId xmlns:p14="http://schemas.microsoft.com/office/powerpoint/2010/main" val="2634096932"/>
-      </p:ext>
-    </p:extLst>
-  </p:cSld>
-  <p:clrMapOvr>
-    <a:masterClrMapping/>
-  </p:clrMapOvr>
-  <p:timing>
-    <p:tnLst>
-      <p:par>
-        <p:cTn id="1" dur="indefinite" restart="never" nodeType="tmRoot"/>
-      </p:par>
-    </p:tnLst>
-  </p:timing>
-</p:sld>
-</file>
-
-<file path=ppt/slides/slide39.xml><?xml version="1.0" encoding="utf-8"?>
-<p:sld xmlns:a="http://schemas.openxmlformats.org/drawingml/2006/main" xmlns:r="http://schemas.openxmlformats.org/officeDocument/2006/relationships" xmlns:p="http://schemas.openxmlformats.org/presentationml/2006/main">
-  <p:cSld>
-    <p:spTree>
-      <p:nvGrpSpPr>
-        <p:cNvPr id="1" name=""/>
-        <p:cNvGrpSpPr/>
-        <p:nvPr/>
-      </p:nvGrpSpPr>
-      <p:grpSpPr>
-        <a:xfrm>
-          <a:off x="0" y="0"/>
-          <a:ext cx="0" cy="0"/>
-          <a:chOff x="0" y="0"/>
-          <a:chExt cx="0" cy="0"/>
-        </a:xfrm>
-      </p:grpSpPr>
-      <p:sp>
-        <p:nvSpPr>
-          <p:cNvPr id="2" name="Title 1"/>
-          <p:cNvSpPr>
-            <a:spLocks noGrp="1"/>
-          </p:cNvSpPr>
-          <p:nvPr>
-            <p:ph type="title"/>
-          </p:nvPr>
-        </p:nvSpPr>
-        <p:spPr/>
-        <p:txBody>
-          <a:bodyPr/>
-          <a:lstStyle/>
-          <a:p>
-            <a:r>
-              <a:rPr lang="en-ZA" dirty="0" smtClean="0"/>
-              <a:t>Chrome / Apple Design</a:t>
-            </a:r>
-            <a:endParaRPr lang="en-ZA" dirty="0"/>
-          </a:p>
-        </p:txBody>
-      </p:sp>
-      <p:sp>
-        <p:nvSpPr>
-          <p:cNvPr id="3" name="Content Placeholder 2"/>
-          <p:cNvSpPr>
-            <a:spLocks noGrp="1"/>
-          </p:cNvSpPr>
-          <p:nvPr>
-            <p:ph idx="1"/>
-          </p:nvPr>
-        </p:nvSpPr>
-        <p:spPr/>
-        <p:txBody>
-          <a:bodyPr/>
-          <a:lstStyle/>
-          <a:p>
-            <a:pPr>
-              <a:buFont typeface="Arial" panose="020B0604020202020204" pitchFamily="34" charset="0"/>
-              <a:buChar char="•"/>
-            </a:pPr>
-            <a:r>
-              <a:rPr lang="en-ZA" dirty="0" smtClean="0"/>
-              <a:t>Original one which others take ideas from</a:t>
-            </a:r>
-          </a:p>
-          <a:p>
-            <a:pPr>
-              <a:buFont typeface="Arial" panose="020B0604020202020204" pitchFamily="34" charset="0"/>
-              <a:buChar char="•"/>
-            </a:pPr>
-            <a:r>
-              <a:rPr lang="en-ZA" dirty="0" smtClean="0"/>
-              <a:t>Tried to improve on “old school” Windows design</a:t>
-            </a:r>
-            <a:endParaRPr lang="en-ZA" dirty="0"/>
-          </a:p>
-        </p:txBody>
-      </p:sp>
-    </p:spTree>
-    <p:extLst>
-      <p:ext uri="{BB962C8B-B14F-4D97-AF65-F5344CB8AC3E}">
-        <p14:creationId xmlns:p14="http://schemas.microsoft.com/office/powerpoint/2010/main" val="1960221591"/>
-      </p:ext>
-    </p:extLst>
-  </p:cSld>
-  <p:clrMapOvr>
-    <a:masterClrMapping/>
-  </p:clrMapOvr>
-  <p:timing>
-    <p:tnLst>
-      <p:par>
-        <p:cTn id="1" dur="indefinite" restart="never" nodeType="tmRoot"/>
-      </p:par>
-    </p:tnLst>
-  </p:timing>
-</p:sld>
-</file>
-
-<file path=ppt/slides/slide4.xml><?xml version="1.0" encoding="utf-8"?>
-<p:sld xmlns:a="http://schemas.openxmlformats.org/drawingml/2006/main" xmlns:r="http://schemas.openxmlformats.org/officeDocument/2006/relationships" xmlns:p="http://schemas.openxmlformats.org/presentationml/2006/main">
-  <p:cSld>
-    <p:spTree>
-      <p:nvGrpSpPr>
-        <p:cNvPr id="1" name=""/>
-        <p:cNvGrpSpPr/>
-        <p:nvPr/>
-      </p:nvGrpSpPr>
-      <p:grpSpPr>
-        <a:xfrm>
-          <a:off x="0" y="0"/>
-          <a:ext cx="0" cy="0"/>
-          <a:chOff x="0" y="0"/>
-          <a:chExt cx="0" cy="0"/>
-        </a:xfrm>
-      </p:grpSpPr>
-      <p:sp>
-        <p:nvSpPr>
-          <p:cNvPr id="2" name="Title 1"/>
-          <p:cNvSpPr>
-            <a:spLocks noGrp="1"/>
-          </p:cNvSpPr>
-          <p:nvPr>
-            <p:ph type="title"/>
-          </p:nvPr>
-        </p:nvSpPr>
-        <p:spPr/>
-        <p:txBody>
-          <a:bodyPr/>
-          <a:lstStyle/>
-          <a:p>
-            <a:r>
-              <a:rPr lang="en-ZA" dirty="0" smtClean="0"/>
-              <a:t>Basic User Interface strategies</a:t>
-            </a:r>
-            <a:endParaRPr lang="en-ZA" dirty="0"/>
-          </a:p>
-        </p:txBody>
-      </p:sp>
-      <p:sp>
-        <p:nvSpPr>
-          <p:cNvPr id="3" name="Content Placeholder 2"/>
-          <p:cNvSpPr>
-            <a:spLocks noGrp="1"/>
-          </p:cNvSpPr>
-          <p:nvPr>
-            <p:ph idx="1"/>
-          </p:nvPr>
-        </p:nvSpPr>
-        <p:spPr/>
-        <p:txBody>
-          <a:bodyPr/>
-          <a:lstStyle/>
-          <a:p>
-            <a:pPr marL="0" indent="0"/>
-            <a:r>
-              <a:rPr lang="en-ZA" dirty="0" smtClean="0"/>
-              <a:t>Very Intuitive</a:t>
-            </a:r>
-          </a:p>
-          <a:p>
-            <a:pPr>
-              <a:buFont typeface="Arial" panose="020B0604020202020204" pitchFamily="34" charset="0"/>
-              <a:buChar char="•"/>
-            </a:pPr>
-            <a:r>
-              <a:rPr lang="en-ZA" dirty="0" smtClean="0"/>
-              <a:t>Double Coding</a:t>
-            </a:r>
-          </a:p>
-          <a:p>
-            <a:pPr>
-              <a:buFont typeface="Arial" panose="020B0604020202020204" pitchFamily="34" charset="0"/>
-              <a:buChar char="•"/>
-            </a:pPr>
-            <a:r>
-              <a:rPr lang="en-ZA" dirty="0" smtClean="0"/>
-              <a:t>Data Grouping</a:t>
-            </a:r>
-          </a:p>
-          <a:p>
-            <a:pPr>
-              <a:buFont typeface="Arial" panose="020B0604020202020204" pitchFamily="34" charset="0"/>
-              <a:buChar char="•"/>
-            </a:pPr>
-            <a:r>
-              <a:rPr lang="en-ZA" dirty="0" smtClean="0"/>
-              <a:t>Symmetry</a:t>
-            </a:r>
-          </a:p>
-          <a:p>
-            <a:pPr>
-              <a:buFont typeface="Arial" panose="020B0604020202020204" pitchFamily="34" charset="0"/>
-              <a:buChar char="•"/>
-            </a:pPr>
-            <a:r>
-              <a:rPr lang="en-ZA" dirty="0" smtClean="0"/>
-              <a:t>Data Density</a:t>
-            </a:r>
-          </a:p>
-          <a:p>
-            <a:pPr>
-              <a:buFont typeface="Arial" panose="020B0604020202020204" pitchFamily="34" charset="0"/>
-              <a:buChar char="•"/>
-            </a:pPr>
-            <a:r>
-              <a:rPr lang="en-ZA" dirty="0" smtClean="0"/>
-              <a:t>Contrast</a:t>
-            </a:r>
-          </a:p>
-          <a:p>
-            <a:pPr>
-              <a:buFont typeface="Arial" panose="020B0604020202020204" pitchFamily="34" charset="0"/>
-              <a:buChar char="•"/>
-            </a:pPr>
-            <a:r>
-              <a:rPr lang="en-ZA" dirty="0" smtClean="0"/>
-              <a:t>Consistency</a:t>
-            </a:r>
-            <a:endParaRPr lang="en-ZA" dirty="0"/>
-          </a:p>
-        </p:txBody>
-      </p:sp>
-    </p:spTree>
-    <p:extLst>
-      <p:ext uri="{BB962C8B-B14F-4D97-AF65-F5344CB8AC3E}">
-        <p14:creationId xmlns:p14="http://schemas.microsoft.com/office/powerpoint/2010/main" val="2605404799"/>
-      </p:ext>
-    </p:extLst>
-  </p:cSld>
-  <p:clrMapOvr>
-    <a:masterClrMapping/>
-  </p:clrMapOvr>
-  <p:timing>
-    <p:tnLst>
-      <p:par>
-        <p:cTn id="1" dur="indefinite" restart="never" nodeType="tmRoot"/>
-      </p:par>
-    </p:tnLst>
-  </p:timing>
-</p:sld>
-</file>
-
-<file path=ppt/slides/slide40.xml><?xml version="1.0" encoding="utf-8"?>
-<p:sld xmlns:a="http://schemas.openxmlformats.org/drawingml/2006/main" xmlns:r="http://schemas.openxmlformats.org/officeDocument/2006/relationships" xmlns:p="http://schemas.openxmlformats.org/presentationml/2006/main">
-  <p:cSld>
-    <p:spTree>
-      <p:nvGrpSpPr>
-        <p:cNvPr id="1" name=""/>
-        <p:cNvGrpSpPr/>
-        <p:nvPr/>
-      </p:nvGrpSpPr>
-      <p:grpSpPr>
-        <a:xfrm>
-          <a:off x="0" y="0"/>
-          <a:ext cx="0" cy="0"/>
-          <a:chOff x="0" y="0"/>
-          <a:chExt cx="0" cy="0"/>
-        </a:xfrm>
-      </p:grpSpPr>
-      <p:sp>
-        <p:nvSpPr>
-          <p:cNvPr id="2" name="Title 1"/>
-          <p:cNvSpPr>
-            <a:spLocks noGrp="1"/>
-          </p:cNvSpPr>
-          <p:nvPr>
-            <p:ph type="title"/>
-          </p:nvPr>
-        </p:nvSpPr>
-        <p:spPr/>
-        <p:txBody>
-          <a:bodyPr/>
-          <a:lstStyle/>
-          <a:p>
-            <a:r>
-              <a:rPr lang="en-ZA" dirty="0" smtClean="0"/>
-              <a:t>Chrome Principles</a:t>
-            </a:r>
-            <a:endParaRPr lang="en-ZA" dirty="0"/>
-          </a:p>
-        </p:txBody>
-      </p:sp>
-      <p:sp>
-        <p:nvSpPr>
-          <p:cNvPr id="3" name="Content Placeholder 2"/>
-          <p:cNvSpPr>
-            <a:spLocks noGrp="1"/>
-          </p:cNvSpPr>
-          <p:nvPr>
-            <p:ph idx="1"/>
-          </p:nvPr>
-        </p:nvSpPr>
-        <p:spPr/>
-        <p:txBody>
-          <a:bodyPr/>
-          <a:lstStyle/>
-          <a:p>
-            <a:pPr>
-              <a:buFont typeface="Arial" panose="020B0604020202020204" pitchFamily="34" charset="0"/>
-              <a:buChar char="•"/>
-            </a:pPr>
-            <a:r>
-              <a:rPr lang="en-ZA" dirty="0"/>
-              <a:t>Aesthetic </a:t>
-            </a:r>
-            <a:r>
-              <a:rPr lang="en-ZA" dirty="0" smtClean="0"/>
-              <a:t>Integrity</a:t>
-            </a:r>
-          </a:p>
-          <a:p>
-            <a:pPr>
-              <a:buFont typeface="Arial" panose="020B0604020202020204" pitchFamily="34" charset="0"/>
-              <a:buChar char="•"/>
-            </a:pPr>
-            <a:r>
-              <a:rPr lang="en-ZA" dirty="0" smtClean="0"/>
-              <a:t>Consistency</a:t>
-            </a:r>
-            <a:endParaRPr lang="en-ZA" dirty="0"/>
-          </a:p>
-          <a:p>
-            <a:pPr>
-              <a:buFont typeface="Arial" panose="020B0604020202020204" pitchFamily="34" charset="0"/>
-              <a:buChar char="•"/>
-            </a:pPr>
-            <a:r>
-              <a:rPr lang="en-ZA" dirty="0"/>
-              <a:t>Direct </a:t>
-            </a:r>
-            <a:r>
-              <a:rPr lang="en-ZA" dirty="0" smtClean="0"/>
-              <a:t>Manipulation</a:t>
-            </a:r>
-            <a:endParaRPr lang="en-ZA" dirty="0"/>
-          </a:p>
-          <a:p>
-            <a:pPr>
-              <a:buFont typeface="Arial" panose="020B0604020202020204" pitchFamily="34" charset="0"/>
-              <a:buChar char="•"/>
-            </a:pPr>
-            <a:r>
-              <a:rPr lang="en-ZA" dirty="0" smtClean="0"/>
-              <a:t>Feedback</a:t>
-            </a:r>
-          </a:p>
-          <a:p>
-            <a:pPr>
-              <a:buFont typeface="Arial" panose="020B0604020202020204" pitchFamily="34" charset="0"/>
-              <a:buChar char="•"/>
-            </a:pPr>
-            <a:r>
-              <a:rPr lang="en-ZA" dirty="0" smtClean="0"/>
-              <a:t>UI Metaphors</a:t>
-            </a:r>
-          </a:p>
-          <a:p>
-            <a:pPr>
-              <a:buFont typeface="Arial" panose="020B0604020202020204" pitchFamily="34" charset="0"/>
-              <a:buChar char="•"/>
-            </a:pPr>
-            <a:r>
-              <a:rPr lang="en-ZA" dirty="0" smtClean="0"/>
-              <a:t>User driven control</a:t>
-            </a:r>
-            <a:endParaRPr lang="en-ZA" dirty="0"/>
-          </a:p>
-        </p:txBody>
-      </p:sp>
-    </p:spTree>
-    <p:extLst>
-      <p:ext uri="{BB962C8B-B14F-4D97-AF65-F5344CB8AC3E}">
-        <p14:creationId xmlns:p14="http://schemas.microsoft.com/office/powerpoint/2010/main" val="1356450910"/>
-      </p:ext>
-    </p:extLst>
-  </p:cSld>
-  <p:clrMapOvr>
-    <a:masterClrMapping/>
-  </p:clrMapOvr>
-  <p:timing>
-    <p:tnLst>
-      <p:par>
-        <p:cTn id="1" dur="indefinite" restart="never" nodeType="tmRoot"/>
-      </p:par>
-    </p:tnLst>
-  </p:timing>
-</p:sld>
-</file>
-
-<file path=ppt/slides/slide41.xml><?xml version="1.0" encoding="utf-8"?>
-<p:sld xmlns:a="http://schemas.openxmlformats.org/drawingml/2006/main" xmlns:r="http://schemas.openxmlformats.org/officeDocument/2006/relationships" xmlns:p="http://schemas.openxmlformats.org/presentationml/2006/main">
-  <p:cSld>
-    <p:spTree>
-      <p:nvGrpSpPr>
-        <p:cNvPr id="1" name=""/>
-        <p:cNvGrpSpPr/>
-        <p:nvPr/>
-      </p:nvGrpSpPr>
-      <p:grpSpPr>
-        <a:xfrm>
-          <a:off x="0" y="0"/>
-          <a:ext cx="0" cy="0"/>
-          <a:chOff x="0" y="0"/>
-          <a:chExt cx="0" cy="0"/>
-        </a:xfrm>
-      </p:grpSpPr>
-      <p:sp>
-        <p:nvSpPr>
-          <p:cNvPr id="2" name="Title 1"/>
-          <p:cNvSpPr>
-            <a:spLocks noGrp="1"/>
-          </p:cNvSpPr>
-          <p:nvPr>
-            <p:ph type="title"/>
-          </p:nvPr>
-        </p:nvSpPr>
-        <p:spPr/>
-        <p:txBody>
-          <a:bodyPr/>
-          <a:lstStyle/>
-          <a:p>
-            <a:r>
-              <a:rPr lang="en-ZA" dirty="0" smtClean="0"/>
-              <a:t>Chrome Design</a:t>
-            </a:r>
-            <a:endParaRPr lang="en-ZA" dirty="0"/>
-          </a:p>
-        </p:txBody>
-      </p:sp>
-      <p:sp>
-        <p:nvSpPr>
-          <p:cNvPr id="3" name="Content Placeholder 2"/>
-          <p:cNvSpPr>
-            <a:spLocks noGrp="1"/>
-          </p:cNvSpPr>
-          <p:nvPr>
-            <p:ph idx="1"/>
-          </p:nvPr>
-        </p:nvSpPr>
-        <p:spPr/>
-        <p:txBody>
-          <a:bodyPr/>
-          <a:lstStyle/>
-          <a:p>
-            <a:r>
-              <a:rPr lang="en-ZA" dirty="0"/>
-              <a:t>See principles: </a:t>
-            </a:r>
-            <a:r>
-              <a:rPr lang="en-ZA" dirty="0">
-                <a:hlinkClick r:id="rId2"/>
-              </a:rPr>
-              <a:t>https://</a:t>
-            </a:r>
-            <a:r>
-              <a:rPr lang="en-ZA" dirty="0" smtClean="0">
-                <a:hlinkClick r:id="rId2"/>
-              </a:rPr>
-              <a:t>developer.apple.com/library/ios/documentation/UserExperience/Conceptual/MobileHIG/Principles.html</a:t>
-            </a:r>
-            <a:endParaRPr lang="en-ZA" dirty="0" smtClean="0"/>
-          </a:p>
-          <a:p>
-            <a:r>
-              <a:rPr lang="en-ZA" dirty="0" smtClean="0"/>
-              <a:t>OSX:</a:t>
-            </a:r>
-          </a:p>
-          <a:p>
-            <a:r>
-              <a:rPr lang="en-ZA" dirty="0">
-                <a:hlinkClick r:id="rId3"/>
-              </a:rPr>
-              <a:t>https://developer.apple.com/library/mac/documentation/UserExperience/Conceptual/OSXHIGuidelines</a:t>
-            </a:r>
-            <a:r>
-              <a:rPr lang="en-ZA" dirty="0" smtClean="0">
-                <a:hlinkClick r:id="rId3"/>
-              </a:rPr>
-              <a:t>/</a:t>
-            </a:r>
-            <a:endParaRPr lang="en-ZA" dirty="0" smtClean="0"/>
-          </a:p>
-          <a:p>
-            <a:endParaRPr lang="en-ZA" dirty="0"/>
-          </a:p>
-        </p:txBody>
-      </p:sp>
-    </p:spTree>
-    <p:extLst>
-      <p:ext uri="{BB962C8B-B14F-4D97-AF65-F5344CB8AC3E}">
-        <p14:creationId xmlns:p14="http://schemas.microsoft.com/office/powerpoint/2010/main" val="2166421590"/>
-      </p:ext>
-    </p:extLst>
-  </p:cSld>
-  <p:clrMapOvr>
-    <a:masterClrMapping/>
-  </p:clrMapOvr>
-  <p:timing>
-    <p:tnLst>
-      <p:par>
-        <p:cTn id="1" dur="indefinite" restart="never" nodeType="tmRoot"/>
-      </p:par>
-    </p:tnLst>
-  </p:timing>
-</p:sld>
-</file>
-
 <file path=ppt/slides/slide42.xml><?xml version="1.0" encoding="utf-8"?>
-<p:sld xmlns:a="http://schemas.openxmlformats.org/drawingml/2006/main" xmlns:r="http://schemas.openxmlformats.org/officeDocument/2006/relationships" xmlns:p="http://schemas.openxmlformats.org/presentationml/2006/main">
-  <p:cSld>
-    <p:spTree>
-      <p:nvGrpSpPr>
-        <p:cNvPr id="1" name=""/>
-        <p:cNvGrpSpPr/>
-        <p:nvPr/>
-      </p:nvGrpSpPr>
-      <p:grpSpPr>
-        <a:xfrm>
-          <a:off x="0" y="0"/>
-          <a:ext cx="0" cy="0"/>
-          <a:chOff x="0" y="0"/>
-          <a:chExt cx="0" cy="0"/>
-        </a:xfrm>
-      </p:grpSpPr>
-      <p:sp>
-        <p:nvSpPr>
-          <p:cNvPr id="2" name="Title 1"/>
-          <p:cNvSpPr>
-            <a:spLocks noGrp="1"/>
-          </p:cNvSpPr>
-          <p:nvPr>
-            <p:ph type="title"/>
-          </p:nvPr>
-        </p:nvSpPr>
-        <p:spPr/>
-        <p:txBody>
-          <a:bodyPr/>
-          <a:lstStyle/>
-          <a:p>
-            <a:r>
-              <a:rPr lang="en-ZA" dirty="0" smtClean="0"/>
-              <a:t>Web Design</a:t>
-            </a:r>
-            <a:endParaRPr lang="en-ZA" dirty="0"/>
-          </a:p>
-        </p:txBody>
-      </p:sp>
-      <p:sp>
-        <p:nvSpPr>
-          <p:cNvPr id="3" name="Content Placeholder 2"/>
-          <p:cNvSpPr>
-            <a:spLocks noGrp="1"/>
-          </p:cNvSpPr>
-          <p:nvPr>
-            <p:ph idx="1"/>
-          </p:nvPr>
-        </p:nvSpPr>
-        <p:spPr/>
-        <p:txBody>
-          <a:bodyPr/>
-          <a:lstStyle/>
-          <a:p>
-            <a:pPr>
-              <a:buFont typeface="Arial" panose="020B0604020202020204" pitchFamily="34" charset="0"/>
-              <a:buChar char="•"/>
-            </a:pPr>
-            <a:r>
-              <a:rPr lang="en-ZA" dirty="0" smtClean="0"/>
-              <a:t>Takes on similar design principles of the desktop</a:t>
-            </a:r>
-          </a:p>
-          <a:p>
-            <a:pPr>
-              <a:buFont typeface="Arial" panose="020B0604020202020204" pitchFamily="34" charset="0"/>
-              <a:buChar char="•"/>
-            </a:pPr>
-            <a:r>
-              <a:rPr lang="en-ZA" dirty="0" smtClean="0"/>
-              <a:t>Uses web technologies to achieve this</a:t>
-            </a:r>
-          </a:p>
-          <a:p>
-            <a:pPr>
-              <a:buFont typeface="Arial" panose="020B0604020202020204" pitchFamily="34" charset="0"/>
-              <a:buChar char="•"/>
-            </a:pPr>
-            <a:r>
-              <a:rPr lang="en-ZA" dirty="0" smtClean="0"/>
-              <a:t>Lots of animations</a:t>
-            </a:r>
-            <a:endParaRPr lang="en-ZA" dirty="0"/>
-          </a:p>
-        </p:txBody>
-      </p:sp>
-    </p:spTree>
-    <p:extLst>
-      <p:ext uri="{BB962C8B-B14F-4D97-AF65-F5344CB8AC3E}">
-        <p14:creationId xmlns:p14="http://schemas.microsoft.com/office/powerpoint/2010/main" val="3553760989"/>
-      </p:ext>
-    </p:extLst>
-  </p:cSld>
-  <p:clrMapOvr>
-    <a:masterClrMapping/>
-  </p:clrMapOvr>
-  <p:timing>
-    <p:tnLst>
-      <p:par>
-        <p:cTn id="1" dur="indefinite" restart="never" nodeType="tmRoot"/>
-      </p:par>
-    </p:tnLst>
-  </p:timing>
-</p:sld>
-</file>
-
-<file path=ppt/slides/slide43.xml><?xml version="1.0" encoding="utf-8"?>
-<p:sld xmlns:a="http://schemas.openxmlformats.org/drawingml/2006/main" xmlns:r="http://schemas.openxmlformats.org/officeDocument/2006/relationships" xmlns:p="http://schemas.openxmlformats.org/presentationml/2006/main">
-  <p:cSld>
-    <p:spTree>
-      <p:nvGrpSpPr>
-        <p:cNvPr id="1" name=""/>
-        <p:cNvGrpSpPr/>
-        <p:nvPr/>
-      </p:nvGrpSpPr>
-      <p:grpSpPr>
-        <a:xfrm>
-          <a:off x="0" y="0"/>
-          <a:ext cx="0" cy="0"/>
-          <a:chOff x="0" y="0"/>
-          <a:chExt cx="0" cy="0"/>
-        </a:xfrm>
-      </p:grpSpPr>
-      <p:sp>
-        <p:nvSpPr>
-          <p:cNvPr id="2" name="Title 1"/>
-          <p:cNvSpPr>
-            <a:spLocks noGrp="1"/>
-          </p:cNvSpPr>
-          <p:nvPr>
-            <p:ph type="title"/>
-          </p:nvPr>
-        </p:nvSpPr>
-        <p:spPr/>
-        <p:txBody>
-          <a:bodyPr/>
-          <a:lstStyle/>
-          <a:p>
-            <a:r>
-              <a:rPr lang="en-ZA" dirty="0" smtClean="0"/>
-              <a:t>Web Design Technologies </a:t>
-            </a:r>
-            <a:endParaRPr lang="en-ZA" dirty="0"/>
-          </a:p>
-        </p:txBody>
-      </p:sp>
-      <p:sp>
-        <p:nvSpPr>
-          <p:cNvPr id="3" name="Content Placeholder 2"/>
-          <p:cNvSpPr>
-            <a:spLocks noGrp="1"/>
-          </p:cNvSpPr>
-          <p:nvPr>
-            <p:ph idx="1"/>
-          </p:nvPr>
-        </p:nvSpPr>
-        <p:spPr/>
-        <p:txBody>
-          <a:bodyPr/>
-          <a:lstStyle/>
-          <a:p>
-            <a:pPr marL="0" indent="0"/>
-            <a:r>
-              <a:rPr lang="en-ZA" dirty="0" smtClean="0"/>
-              <a:t>CSS</a:t>
-            </a:r>
-          </a:p>
-          <a:p>
-            <a:pPr>
-              <a:buFont typeface="Arial" panose="020B0604020202020204" pitchFamily="34" charset="0"/>
-              <a:buChar char="•"/>
-            </a:pPr>
-            <a:r>
-              <a:rPr lang="en-ZA" dirty="0" smtClean="0">
-                <a:hlinkClick r:id="rId2"/>
-              </a:rPr>
-              <a:t>http</a:t>
-            </a:r>
-            <a:r>
-              <a:rPr lang="en-ZA" dirty="0">
-                <a:hlinkClick r:id="rId2"/>
-              </a:rPr>
-              <a:t>://</a:t>
-            </a:r>
-            <a:r>
-              <a:rPr lang="en-ZA" dirty="0" smtClean="0">
-                <a:hlinkClick r:id="rId2"/>
-              </a:rPr>
-              <a:t>www.w3schools.com/css/css_intro.asp</a:t>
-            </a:r>
-            <a:endParaRPr lang="en-ZA" dirty="0" smtClean="0"/>
-          </a:p>
-          <a:p>
-            <a:pPr>
-              <a:buFont typeface="Arial" panose="020B0604020202020204" pitchFamily="34" charset="0"/>
-              <a:buChar char="•"/>
-            </a:pPr>
-            <a:r>
-              <a:rPr lang="en-ZA" dirty="0" smtClean="0">
-                <a:hlinkClick r:id="rId3"/>
-              </a:rPr>
-              <a:t>http</a:t>
-            </a:r>
-            <a:r>
-              <a:rPr lang="en-ZA" dirty="0">
-                <a:hlinkClick r:id="rId3"/>
-              </a:rPr>
-              <a:t>://www.w3schools.com/css</a:t>
-            </a:r>
-            <a:r>
-              <a:rPr lang="en-ZA" dirty="0" smtClean="0">
-                <a:hlinkClick r:id="rId3"/>
-              </a:rPr>
-              <a:t>/</a:t>
-            </a:r>
-            <a:endParaRPr lang="en-ZA" dirty="0" smtClean="0"/>
-          </a:p>
-          <a:p>
-            <a:pPr marL="0" indent="0"/>
-            <a:r>
-              <a:rPr lang="en-ZA" dirty="0" smtClean="0"/>
-              <a:t>Bootstrap</a:t>
-            </a:r>
-          </a:p>
-          <a:p>
-            <a:pPr marL="285750" indent="-285750">
-              <a:buFont typeface="Arial" panose="020B0604020202020204" pitchFamily="34" charset="0"/>
-              <a:buChar char="•"/>
-            </a:pPr>
-            <a:r>
-              <a:rPr lang="en-ZA" dirty="0">
-                <a:hlinkClick r:id="rId4"/>
-              </a:rPr>
-              <a:t>http://www.w3schools.com/bootstrap</a:t>
-            </a:r>
-            <a:r>
-              <a:rPr lang="en-ZA" dirty="0" smtClean="0">
-                <a:hlinkClick r:id="rId4"/>
-              </a:rPr>
-              <a:t>/</a:t>
-            </a:r>
-            <a:endParaRPr lang="en-ZA" dirty="0" smtClean="0"/>
-          </a:p>
-          <a:p>
-            <a:pPr marL="285750" indent="-285750">
-              <a:buFont typeface="Arial" panose="020B0604020202020204" pitchFamily="34" charset="0"/>
-              <a:buChar char="•"/>
-            </a:pPr>
-            <a:r>
-              <a:rPr lang="en-ZA" dirty="0">
-                <a:hlinkClick r:id="rId5"/>
-              </a:rPr>
-              <a:t>http://getbootstrap.com</a:t>
-            </a:r>
-            <a:r>
-              <a:rPr lang="en-ZA" dirty="0" smtClean="0">
-                <a:hlinkClick r:id="rId5"/>
-              </a:rPr>
-              <a:t>/</a:t>
-            </a:r>
-            <a:endParaRPr lang="en-ZA" dirty="0" smtClean="0"/>
-          </a:p>
-          <a:p>
-            <a:pPr marL="0" indent="0"/>
-            <a:endParaRPr lang="en-ZA" dirty="0"/>
-          </a:p>
-          <a:p>
-            <a:pPr marL="0" indent="0"/>
-            <a:r>
-              <a:rPr lang="en-ZA" dirty="0" smtClean="0"/>
-              <a:t>Bootstrap Templates:</a:t>
-            </a:r>
-          </a:p>
-          <a:p>
-            <a:pPr marL="285750" indent="-285750">
-              <a:buFont typeface="Arial" panose="020B0604020202020204" pitchFamily="34" charset="0"/>
-              <a:buChar char="•"/>
-            </a:pPr>
-            <a:r>
-              <a:rPr lang="en-ZA" dirty="0">
-                <a:hlinkClick r:id="rId6"/>
-              </a:rPr>
-              <a:t>http://www.bootstrapzero.com</a:t>
-            </a:r>
-            <a:r>
-              <a:rPr lang="en-ZA" dirty="0" smtClean="0">
-                <a:hlinkClick r:id="rId6"/>
-              </a:rPr>
-              <a:t>/</a:t>
-            </a:r>
-            <a:endParaRPr lang="en-ZA" dirty="0" smtClean="0"/>
-          </a:p>
-          <a:p>
-            <a:pPr marL="0" indent="0"/>
-            <a:endParaRPr lang="en-ZA" dirty="0"/>
-          </a:p>
-          <a:p>
-            <a:pPr>
-              <a:buFont typeface="Arial" panose="020B0604020202020204" pitchFamily="34" charset="0"/>
-              <a:buChar char="•"/>
-            </a:pPr>
-            <a:endParaRPr lang="en-ZA" dirty="0"/>
-          </a:p>
-        </p:txBody>
-      </p:sp>
-    </p:spTree>
-    <p:extLst>
-      <p:ext uri="{BB962C8B-B14F-4D97-AF65-F5344CB8AC3E}">
-        <p14:creationId xmlns:p14="http://schemas.microsoft.com/office/powerpoint/2010/main" val="3641776122"/>
-      </p:ext>
-    </p:extLst>
-  </p:cSld>
-  <p:clrMapOvr>
-    <a:masterClrMapping/>
-  </p:clrMapOvr>
-  <p:timing>
-    <p:tnLst>
-      <p:par>
-        <p:cTn id="1" dur="indefinite" restart="never" nodeType="tmRoot"/>
-      </p:par>
-    </p:tnLst>
-  </p:timing>
-</p:sld>
-</file>
-
-<file path=ppt/slides/slide44.xml><?xml version="1.0" encoding="utf-8"?>
 <p:sld xmlns:a="http://schemas.openxmlformats.org/drawingml/2006/main" xmlns:r="http://schemas.openxmlformats.org/officeDocument/2006/relationships" xmlns:p="http://schemas.openxmlformats.org/presentationml/2006/main">
   <p:cSld>
     <p:spTree>
@@ -11224,7 +10918,139 @@
 </p:sld>
 </file>
 
-<file path=ppt/slides/slide45.xml><?xml version="1.0" encoding="utf-8"?>
+<file path=ppt/slides/slide43.xml><?xml version="1.0" encoding="utf-8"?>
+<p:sld xmlns:a="http://schemas.openxmlformats.org/drawingml/2006/main" xmlns:r="http://schemas.openxmlformats.org/officeDocument/2006/relationships" xmlns:p="http://schemas.openxmlformats.org/presentationml/2006/main">
+  <p:cSld>
+    <p:spTree>
+      <p:nvGrpSpPr>
+        <p:cNvPr id="1" name=""/>
+        <p:cNvGrpSpPr/>
+        <p:nvPr/>
+      </p:nvGrpSpPr>
+      <p:grpSpPr>
+        <a:xfrm>
+          <a:off x="0" y="0"/>
+          <a:ext cx="0" cy="0"/>
+          <a:chOff x="0" y="0"/>
+          <a:chExt cx="0" cy="0"/>
+        </a:xfrm>
+      </p:grpSpPr>
+      <p:sp>
+        <p:nvSpPr>
+          <p:cNvPr id="2" name="Title 1"/>
+          <p:cNvSpPr>
+            <a:spLocks noGrp="1"/>
+          </p:cNvSpPr>
+          <p:nvPr>
+            <p:ph type="title"/>
+          </p:nvPr>
+        </p:nvSpPr>
+        <p:spPr/>
+        <p:txBody>
+          <a:bodyPr/>
+          <a:lstStyle/>
+          <a:p>
+            <a:r>
+              <a:rPr lang="en-ZA" dirty="0" smtClean="0"/>
+              <a:t>User Persona</a:t>
+            </a:r>
+            <a:endParaRPr lang="en-ZA" dirty="0"/>
+          </a:p>
+        </p:txBody>
+      </p:sp>
+      <p:sp>
+        <p:nvSpPr>
+          <p:cNvPr id="3" name="Content Placeholder 2"/>
+          <p:cNvSpPr>
+            <a:spLocks noGrp="1"/>
+          </p:cNvSpPr>
+          <p:nvPr>
+            <p:ph idx="1"/>
+          </p:nvPr>
+        </p:nvSpPr>
+        <p:spPr/>
+        <p:txBody>
+          <a:bodyPr>
+            <a:normAutofit lnSpcReduction="10000"/>
+          </a:bodyPr>
+          <a:lstStyle/>
+          <a:p>
+            <a:r>
+              <a:rPr lang="en-ZA" dirty="0" smtClean="0"/>
+              <a:t>Name</a:t>
+            </a:r>
+          </a:p>
+          <a:p>
+            <a:r>
+              <a:rPr lang="en-ZA" dirty="0" smtClean="0"/>
+              <a:t>Picture</a:t>
+            </a:r>
+          </a:p>
+          <a:p>
+            <a:r>
+              <a:rPr lang="en-ZA" dirty="0" smtClean="0"/>
+              <a:t>Who Are They?</a:t>
+            </a:r>
+          </a:p>
+          <a:p>
+            <a:r>
+              <a:rPr lang="en-ZA" dirty="0" smtClean="0"/>
+              <a:t>Demographics</a:t>
+            </a:r>
+          </a:p>
+          <a:p>
+            <a:r>
+              <a:rPr lang="en-ZA" dirty="0" smtClean="0"/>
+              <a:t>Role</a:t>
+            </a:r>
+          </a:p>
+          <a:p>
+            <a:r>
+              <a:rPr lang="en-ZA" dirty="0" smtClean="0"/>
+              <a:t>Activities</a:t>
+            </a:r>
+          </a:p>
+          <a:p>
+            <a:r>
+              <a:rPr lang="en-ZA" dirty="0" smtClean="0"/>
+              <a:t>Behaviours</a:t>
+            </a:r>
+          </a:p>
+          <a:p>
+            <a:r>
+              <a:rPr lang="en-ZA" dirty="0" smtClean="0"/>
+              <a:t>Attitudes</a:t>
+            </a:r>
+          </a:p>
+          <a:p>
+            <a:r>
+              <a:rPr lang="en-ZA" dirty="0" smtClean="0"/>
+              <a:t>Technology Experience</a:t>
+            </a:r>
+          </a:p>
+          <a:p>
+            <a:r>
+              <a:rPr lang="en-ZA" dirty="0" smtClean="0"/>
+              <a:t>Goals which are tied to the product</a:t>
+            </a:r>
+            <a:endParaRPr lang="en-ZA" dirty="0"/>
+          </a:p>
+        </p:txBody>
+      </p:sp>
+    </p:spTree>
+    <p:extLst>
+      <p:ext uri="{BB962C8B-B14F-4D97-AF65-F5344CB8AC3E}">
+        <p14:creationId xmlns:p14="http://schemas.microsoft.com/office/powerpoint/2010/main" val="1389430039"/>
+      </p:ext>
+    </p:extLst>
+  </p:cSld>
+  <p:clrMapOvr>
+    <a:masterClrMapping/>
+  </p:clrMapOvr>
+</p:sld>
+</file>
+
+<file path=ppt/slides/slide44.xml><?xml version="1.0" encoding="utf-8"?>
 <p:sld xmlns:a="http://schemas.openxmlformats.org/drawingml/2006/main" xmlns:r="http://schemas.openxmlformats.org/officeDocument/2006/relationships" xmlns:p="http://schemas.openxmlformats.org/presentationml/2006/main">
   <p:cSld>
     <p:spTree>
@@ -11362,7 +11188,7 @@
 </p:sld>
 </file>
 
-<file path=ppt/slides/slide46.xml><?xml version="1.0" encoding="utf-8"?>
+<file path=ppt/slides/slide45.xml><?xml version="1.0" encoding="utf-8"?>
 <p:sld xmlns:a="http://schemas.openxmlformats.org/drawingml/2006/main" xmlns:r="http://schemas.openxmlformats.org/officeDocument/2006/relationships" xmlns:p="http://schemas.openxmlformats.org/presentationml/2006/main">
   <p:cSld>
     <p:spTree>
@@ -11465,6 +11291,100 @@
 </p:sld>
 </file>
 
+<file path=ppt/slides/slide46.xml><?xml version="1.0" encoding="utf-8"?>
+<p:sld xmlns:a="http://schemas.openxmlformats.org/drawingml/2006/main" xmlns:r="http://schemas.openxmlformats.org/officeDocument/2006/relationships" xmlns:p="http://schemas.openxmlformats.org/presentationml/2006/main">
+  <p:cSld>
+    <p:spTree>
+      <p:nvGrpSpPr>
+        <p:cNvPr id="1" name=""/>
+        <p:cNvGrpSpPr/>
+        <p:nvPr/>
+      </p:nvGrpSpPr>
+      <p:grpSpPr>
+        <a:xfrm>
+          <a:off x="0" y="0"/>
+          <a:ext cx="0" cy="0"/>
+          <a:chOff x="0" y="0"/>
+          <a:chExt cx="0" cy="0"/>
+        </a:xfrm>
+      </p:grpSpPr>
+      <p:sp>
+        <p:nvSpPr>
+          <p:cNvPr id="2" name="Title 1"/>
+          <p:cNvSpPr>
+            <a:spLocks noGrp="1"/>
+          </p:cNvSpPr>
+          <p:nvPr>
+            <p:ph type="title"/>
+          </p:nvPr>
+        </p:nvSpPr>
+        <p:spPr/>
+        <p:txBody>
+          <a:bodyPr/>
+          <a:lstStyle/>
+          <a:p>
+            <a:r>
+              <a:rPr lang="en-ZA" dirty="0" smtClean="0"/>
+              <a:t>Create a user story	</a:t>
+            </a:r>
+            <a:endParaRPr lang="en-ZA" dirty="0"/>
+          </a:p>
+        </p:txBody>
+      </p:sp>
+      <p:sp>
+        <p:nvSpPr>
+          <p:cNvPr id="3" name="Content Placeholder 2"/>
+          <p:cNvSpPr>
+            <a:spLocks noGrp="1"/>
+          </p:cNvSpPr>
+          <p:nvPr>
+            <p:ph idx="1"/>
+          </p:nvPr>
+        </p:nvSpPr>
+        <p:spPr/>
+        <p:txBody>
+          <a:bodyPr/>
+          <a:lstStyle/>
+          <a:p>
+            <a:r>
+              <a:rPr lang="en-ZA" dirty="0" smtClean="0"/>
+              <a:t>Develop Primary and Secondary Personas</a:t>
+            </a:r>
+          </a:p>
+          <a:p>
+            <a:r>
+              <a:rPr lang="en-ZA" dirty="0" smtClean="0"/>
+              <a:t>Use primary goals to develop product functionality</a:t>
+            </a:r>
+          </a:p>
+          <a:p>
+            <a:r>
+              <a:rPr lang="en-ZA" dirty="0" smtClean="0"/>
+              <a:t>Capture the user-sequence of how functions will be used, the visual design and the non-functional qualities required</a:t>
+            </a:r>
+          </a:p>
+          <a:p>
+            <a:r>
+              <a:rPr lang="en-ZA" dirty="0" smtClean="0"/>
+              <a:t>Decompose functions into user stories</a:t>
+            </a:r>
+            <a:endParaRPr lang="en-ZA" dirty="0"/>
+          </a:p>
+        </p:txBody>
+      </p:sp>
+    </p:spTree>
+    <p:extLst>
+      <p:ext uri="{BB962C8B-B14F-4D97-AF65-F5344CB8AC3E}">
+        <p14:creationId xmlns:p14="http://schemas.microsoft.com/office/powerpoint/2010/main" val="4045056892"/>
+      </p:ext>
+    </p:extLst>
+  </p:cSld>
+  <p:clrMapOvr>
+    <a:masterClrMapping/>
+  </p:clrMapOvr>
+</p:sld>
+</file>
+
 <file path=ppt/slides/slide47.xml><?xml version="1.0" encoding="utf-8"?>
 <p:sld xmlns:a="http://schemas.openxmlformats.org/drawingml/2006/main" xmlns:r="http://schemas.openxmlformats.org/officeDocument/2006/relationships" xmlns:p="http://schemas.openxmlformats.org/presentationml/2006/main">
   <p:cSld>
@@ -11619,6 +11539,320 @@
           <a:lstStyle/>
           <a:p>
             <a:r>
+              <a:rPr lang="en-ZA" dirty="0" smtClean="0"/>
+              <a:t>Estimation for the AGILE Approach</a:t>
+            </a:r>
+            <a:endParaRPr lang="en-ZA" dirty="0"/>
+          </a:p>
+        </p:txBody>
+      </p:sp>
+      <p:sp>
+        <p:nvSpPr>
+          <p:cNvPr id="3" name="Content Placeholder 2"/>
+          <p:cNvSpPr>
+            <a:spLocks noGrp="1"/>
+          </p:cNvSpPr>
+          <p:nvPr>
+            <p:ph idx="1"/>
+          </p:nvPr>
+        </p:nvSpPr>
+        <p:spPr/>
+        <p:txBody>
+          <a:bodyPr/>
+          <a:lstStyle/>
+          <a:p>
+            <a:r>
+              <a:rPr lang="en-ZA" dirty="0" smtClean="0"/>
+              <a:t>Estimation is really hard</a:t>
+            </a:r>
+          </a:p>
+          <a:p>
+            <a:r>
+              <a:rPr lang="en-ZA" dirty="0" smtClean="0"/>
+              <a:t>Usually takes 3 times longer – no matter how hard the task is to complete</a:t>
+            </a:r>
+          </a:p>
+          <a:p>
+            <a:r>
+              <a:rPr lang="en-ZA" dirty="0" smtClean="0"/>
+              <a:t>Could use previous work data and statistics</a:t>
+            </a:r>
+          </a:p>
+          <a:p>
+            <a:pPr lvl="1"/>
+            <a:r>
+              <a:rPr lang="en-ZA" dirty="0" smtClean="0"/>
+              <a:t>Normal distribution or “bell curve”</a:t>
+            </a:r>
+          </a:p>
+          <a:p>
+            <a:endParaRPr lang="en-ZA" dirty="0" smtClean="0"/>
+          </a:p>
+          <a:p>
+            <a:endParaRPr lang="en-ZA" dirty="0"/>
+          </a:p>
+        </p:txBody>
+      </p:sp>
+    </p:spTree>
+    <p:extLst>
+      <p:ext uri="{BB962C8B-B14F-4D97-AF65-F5344CB8AC3E}">
+        <p14:creationId xmlns:p14="http://schemas.microsoft.com/office/powerpoint/2010/main" val="2724314629"/>
+      </p:ext>
+    </p:extLst>
+  </p:cSld>
+  <p:clrMapOvr>
+    <a:masterClrMapping/>
+  </p:clrMapOvr>
+</p:sld>
+</file>
+
+<file path=ppt/slides/slide49.xml><?xml version="1.0" encoding="utf-8"?>
+<p:sld xmlns:a="http://schemas.openxmlformats.org/drawingml/2006/main" xmlns:r="http://schemas.openxmlformats.org/officeDocument/2006/relationships" xmlns:p="http://schemas.openxmlformats.org/presentationml/2006/main">
+  <p:cSld>
+    <p:spTree>
+      <p:nvGrpSpPr>
+        <p:cNvPr id="1" name=""/>
+        <p:cNvGrpSpPr/>
+        <p:nvPr/>
+      </p:nvGrpSpPr>
+      <p:grpSpPr>
+        <a:xfrm>
+          <a:off x="0" y="0"/>
+          <a:ext cx="0" cy="0"/>
+          <a:chOff x="0" y="0"/>
+          <a:chExt cx="0" cy="0"/>
+        </a:xfrm>
+      </p:grpSpPr>
+      <p:sp>
+        <p:nvSpPr>
+          <p:cNvPr id="2" name="Title 1"/>
+          <p:cNvSpPr>
+            <a:spLocks noGrp="1"/>
+          </p:cNvSpPr>
+          <p:nvPr>
+            <p:ph type="title"/>
+          </p:nvPr>
+        </p:nvSpPr>
+        <p:spPr/>
+        <p:txBody>
+          <a:bodyPr/>
+          <a:lstStyle/>
+          <a:p>
+            <a:r>
+              <a:rPr lang="en-ZA" dirty="0" smtClean="0"/>
+              <a:t>Estimation	</a:t>
+            </a:r>
+            <a:endParaRPr lang="en-ZA" dirty="0"/>
+          </a:p>
+        </p:txBody>
+      </p:sp>
+      <p:sp>
+        <p:nvSpPr>
+          <p:cNvPr id="3" name="Content Placeholder 2"/>
+          <p:cNvSpPr>
+            <a:spLocks noGrp="1"/>
+          </p:cNvSpPr>
+          <p:nvPr>
+            <p:ph idx="1"/>
+          </p:nvPr>
+        </p:nvSpPr>
+        <p:spPr/>
+        <p:txBody>
+          <a:bodyPr/>
+          <a:lstStyle/>
+          <a:p>
+            <a:r>
+              <a:rPr lang="en-ZA" dirty="0" smtClean="0"/>
+              <a:t>Always be honest</a:t>
+            </a:r>
+          </a:p>
+          <a:p>
+            <a:r>
+              <a:rPr lang="en-ZA" dirty="0" smtClean="0"/>
+              <a:t>Will never be able to be properly accurate with estimation of costs and time</a:t>
+            </a:r>
+          </a:p>
+          <a:p>
+            <a:endParaRPr lang="en-ZA" dirty="0"/>
+          </a:p>
+          <a:p>
+            <a:r>
+              <a:rPr lang="en-ZA" dirty="0">
+                <a:hlinkClick r:id="rId2"/>
+              </a:rPr>
+              <a:t>https://</a:t>
+            </a:r>
+            <a:r>
+              <a:rPr lang="en-ZA" dirty="0" smtClean="0">
+                <a:hlinkClick r:id="rId2"/>
+              </a:rPr>
+              <a:t>8thlight.com/blog/uncle-bob/2012/04/20/Why-Is-Estimating-So-Hard.html</a:t>
+            </a:r>
+            <a:endParaRPr lang="en-ZA" dirty="0" smtClean="0"/>
+          </a:p>
+          <a:p>
+            <a:r>
+              <a:rPr lang="en-ZA" dirty="0">
+                <a:hlinkClick r:id="rId3"/>
+              </a:rPr>
+              <a:t>https://codingjourneyman.com/2014/10/06/the-clean-coder-estimation</a:t>
+            </a:r>
+            <a:r>
+              <a:rPr lang="en-ZA" dirty="0" smtClean="0">
+                <a:hlinkClick r:id="rId3"/>
+              </a:rPr>
+              <a:t>/</a:t>
+            </a:r>
+            <a:endParaRPr lang="en-ZA" dirty="0" smtClean="0"/>
+          </a:p>
+          <a:p>
+            <a:endParaRPr lang="en-ZA" dirty="0"/>
+          </a:p>
+        </p:txBody>
+      </p:sp>
+    </p:spTree>
+    <p:extLst>
+      <p:ext uri="{BB962C8B-B14F-4D97-AF65-F5344CB8AC3E}">
+        <p14:creationId xmlns:p14="http://schemas.microsoft.com/office/powerpoint/2010/main" val="3278036804"/>
+      </p:ext>
+    </p:extLst>
+  </p:cSld>
+  <p:clrMapOvr>
+    <a:masterClrMapping/>
+  </p:clrMapOvr>
+</p:sld>
+</file>
+
+<file path=ppt/slides/slide5.xml><?xml version="1.0" encoding="utf-8"?>
+<p:sld xmlns:a="http://schemas.openxmlformats.org/drawingml/2006/main" xmlns:r="http://schemas.openxmlformats.org/officeDocument/2006/relationships" xmlns:p="http://schemas.openxmlformats.org/presentationml/2006/main">
+  <p:cSld>
+    <p:spTree>
+      <p:nvGrpSpPr>
+        <p:cNvPr id="1" name=""/>
+        <p:cNvGrpSpPr/>
+        <p:nvPr/>
+      </p:nvGrpSpPr>
+      <p:grpSpPr>
+        <a:xfrm>
+          <a:off x="0" y="0"/>
+          <a:ext cx="0" cy="0"/>
+          <a:chOff x="0" y="0"/>
+          <a:chExt cx="0" cy="0"/>
+        </a:xfrm>
+      </p:grpSpPr>
+      <p:sp>
+        <p:nvSpPr>
+          <p:cNvPr id="2" name="Title 1"/>
+          <p:cNvSpPr>
+            <a:spLocks noGrp="1"/>
+          </p:cNvSpPr>
+          <p:nvPr>
+            <p:ph type="title"/>
+          </p:nvPr>
+        </p:nvSpPr>
+        <p:spPr/>
+        <p:txBody>
+          <a:bodyPr/>
+          <a:lstStyle/>
+          <a:p>
+            <a:r>
+              <a:rPr lang="en-ZA" dirty="0" smtClean="0"/>
+              <a:t> Double coding</a:t>
+            </a:r>
+            <a:endParaRPr lang="en-ZA" dirty="0"/>
+          </a:p>
+        </p:txBody>
+      </p:sp>
+      <p:sp>
+        <p:nvSpPr>
+          <p:cNvPr id="3" name="Content Placeholder 2"/>
+          <p:cNvSpPr>
+            <a:spLocks noGrp="1"/>
+          </p:cNvSpPr>
+          <p:nvPr>
+            <p:ph idx="1"/>
+          </p:nvPr>
+        </p:nvSpPr>
+        <p:spPr/>
+        <p:txBody>
+          <a:bodyPr/>
+          <a:lstStyle/>
+          <a:p>
+            <a:pPr>
+              <a:buFont typeface="Arial" panose="020B0604020202020204" pitchFamily="34" charset="0"/>
+              <a:buChar char="•"/>
+            </a:pPr>
+            <a:r>
+              <a:rPr lang="en-ZA" dirty="0" smtClean="0"/>
+              <a:t>When there are multiple elements of the design which reinforce the same idea</a:t>
+            </a:r>
+          </a:p>
+          <a:p>
+            <a:pPr>
+              <a:buFont typeface="Arial" panose="020B0604020202020204" pitchFamily="34" charset="0"/>
+              <a:buChar char="•"/>
+            </a:pPr>
+            <a:r>
+              <a:rPr lang="en-ZA" dirty="0" smtClean="0"/>
+              <a:t>E.g. An icon and text next to it</a:t>
+            </a:r>
+            <a:endParaRPr lang="en-ZA" dirty="0"/>
+          </a:p>
+        </p:txBody>
+      </p:sp>
+    </p:spTree>
+    <p:extLst>
+      <p:ext uri="{BB962C8B-B14F-4D97-AF65-F5344CB8AC3E}">
+        <p14:creationId xmlns:p14="http://schemas.microsoft.com/office/powerpoint/2010/main" val="3296529060"/>
+      </p:ext>
+    </p:extLst>
+  </p:cSld>
+  <p:clrMapOvr>
+    <a:masterClrMapping/>
+  </p:clrMapOvr>
+  <p:timing>
+    <p:tnLst>
+      <p:par>
+        <p:cTn id="1" dur="indefinite" restart="never" nodeType="tmRoot"/>
+      </p:par>
+    </p:tnLst>
+  </p:timing>
+</p:sld>
+</file>
+
+<file path=ppt/slides/slide50.xml><?xml version="1.0" encoding="utf-8"?>
+<p:sld xmlns:a="http://schemas.openxmlformats.org/drawingml/2006/main" xmlns:r="http://schemas.openxmlformats.org/officeDocument/2006/relationships" xmlns:p="http://schemas.openxmlformats.org/presentationml/2006/main">
+  <p:cSld>
+    <p:spTree>
+      <p:nvGrpSpPr>
+        <p:cNvPr id="1" name=""/>
+        <p:cNvGrpSpPr/>
+        <p:nvPr/>
+      </p:nvGrpSpPr>
+      <p:grpSpPr>
+        <a:xfrm>
+          <a:off x="0" y="0"/>
+          <a:ext cx="0" cy="0"/>
+          <a:chOff x="0" y="0"/>
+          <a:chExt cx="0" cy="0"/>
+        </a:xfrm>
+      </p:grpSpPr>
+      <p:sp>
+        <p:nvSpPr>
+          <p:cNvPr id="2" name="Title 1"/>
+          <p:cNvSpPr>
+            <a:spLocks noGrp="1"/>
+          </p:cNvSpPr>
+          <p:nvPr>
+            <p:ph type="title"/>
+          </p:nvPr>
+        </p:nvSpPr>
+        <p:spPr/>
+        <p:txBody>
+          <a:bodyPr/>
+          <a:lstStyle/>
+          <a:p>
+            <a:r>
               <a:rPr lang="en-US" dirty="0" smtClean="0"/>
               <a:t>The Course Project</a:t>
             </a:r>
@@ -11740,7 +11974,7 @@
 </p:sld>
 </file>
 
-<file path=ppt/slides/slide49.xml><?xml version="1.0" encoding="utf-8"?>
+<file path=ppt/slides/slide51.xml><?xml version="1.0" encoding="utf-8"?>
 <p:sld xmlns:a="http://schemas.openxmlformats.org/drawingml/2006/main" xmlns:r="http://schemas.openxmlformats.org/officeDocument/2006/relationships" xmlns:p="http://schemas.openxmlformats.org/presentationml/2006/main">
   <p:cSld>
     <p:spTree>
@@ -11773,8 +12007,8 @@
           <a:lstStyle/>
           <a:p>
             <a:r>
-              <a:rPr lang="en-US" dirty="0" smtClean="0"/>
-              <a:t>So Long and Thanks For All The Fish!</a:t>
+              <a:rPr lang="en-ZA" dirty="0" smtClean="0"/>
+              <a:t>Bibliography</a:t>
             </a:r>
             <a:endParaRPr lang="en-ZA" dirty="0"/>
           </a:p>
@@ -11796,105 +12030,20 @@
           <a:lstStyle/>
           <a:p>
             <a:r>
-              <a:rPr lang="en-ZA" dirty="0"/>
-              <a:t>And Free stuff for </a:t>
-            </a:r>
-            <a:r>
-              <a:rPr lang="en-ZA" b="1" dirty="0"/>
-              <a:t>students</a:t>
-            </a:r>
-            <a:r>
-              <a:rPr lang="en-ZA" dirty="0"/>
-              <a:t> (Just remember to add your student emails to your accounts on each site)</a:t>
-            </a:r>
-          </a:p>
-          <a:p>
-            <a:pPr>
-              <a:buFont typeface="Arial" panose="020B0604020202020204" pitchFamily="34" charset="0"/>
-              <a:buChar char="•"/>
-            </a:pPr>
-            <a:r>
-              <a:rPr lang="en-ZA" dirty="0" err="1"/>
-              <a:t>Jetbrains</a:t>
-            </a:r>
-            <a:r>
-              <a:rPr lang="en-ZA" dirty="0"/>
-              <a:t> </a:t>
-            </a:r>
-            <a:r>
-              <a:rPr lang="en-ZA" dirty="0">
-                <a:hlinkClick r:id="rId2"/>
-              </a:rPr>
-              <a:t>https://www.jetbrains.com/student/</a:t>
-            </a:r>
-            <a:r>
-              <a:rPr lang="en-ZA" dirty="0"/>
-              <a:t> </a:t>
-            </a:r>
-          </a:p>
-          <a:p>
-            <a:pPr>
-              <a:buFont typeface="Arial" panose="020B0604020202020204" pitchFamily="34" charset="0"/>
-              <a:buChar char="•"/>
-            </a:pPr>
-            <a:r>
-              <a:rPr lang="en-ZA" dirty="0"/>
-              <a:t>GitHub </a:t>
-            </a:r>
-            <a:r>
-              <a:rPr lang="en-ZA" dirty="0">
-                <a:hlinkClick r:id="rId3"/>
-              </a:rPr>
-              <a:t>https://education.github.com/discount_requests/new</a:t>
-            </a:r>
-            <a:r>
-              <a:rPr lang="en-ZA" dirty="0"/>
-              <a:t> </a:t>
-            </a:r>
-          </a:p>
-          <a:p>
-            <a:pPr marL="0" indent="0"/>
-            <a:r>
-              <a:rPr lang="en-ZA" dirty="0"/>
-              <a:t>You can find me at: </a:t>
-            </a:r>
-            <a:r>
-              <a:rPr lang="en-ZA" dirty="0" smtClean="0">
-                <a:hlinkClick r:id="rId4"/>
-              </a:rPr>
-              <a:t>https://</a:t>
-            </a:r>
-            <a:r>
-              <a:rPr lang="en-ZA" dirty="0">
-                <a:hlinkClick r:id="rId4"/>
-              </a:rPr>
-              <a:t>jasonchalom.com</a:t>
-            </a:r>
-            <a:endParaRPr lang="en-ZA" dirty="0"/>
-          </a:p>
-          <a:p>
-            <a:pPr marL="0" indent="0"/>
-            <a:r>
-              <a:rPr lang="en-ZA" dirty="0" smtClean="0"/>
-              <a:t>Email me at: </a:t>
-            </a:r>
-            <a:r>
-              <a:rPr lang="en-ZA" dirty="0" smtClean="0">
-                <a:hlinkClick r:id="rId5"/>
-              </a:rPr>
-              <a:t>contact@jasonchalom.com</a:t>
-            </a:r>
-            <a:endParaRPr lang="en-ZA" dirty="0" smtClean="0"/>
-          </a:p>
-          <a:p>
-            <a:pPr marL="400050" lvl="1" indent="0"/>
-            <a:r>
-              <a:rPr lang="en-US" dirty="0" smtClean="0"/>
-              <a:t>Have the subject line: SoftDev2016 “what </a:t>
-            </a:r>
-            <a:r>
-              <a:rPr lang="en-US" smtClean="0"/>
-              <a:t>your subject is”</a:t>
+              <a:rPr lang="en-ZA" dirty="0" smtClean="0"/>
+              <a:t>Used content from the information systems user experience course offered by The University of the Witwatersrand 2016</a:t>
+            </a:r>
+          </a:p>
+          <a:p>
+            <a:r>
+              <a:rPr lang="en-ZA" dirty="0" smtClean="0"/>
+              <a:t>Used past Wits Software Development content provided by Ernest Loveland</a:t>
+            </a:r>
+          </a:p>
+          <a:p>
+            <a:r>
+              <a:rPr lang="en-ZA" dirty="0" smtClean="0"/>
+              <a:t>Links as provided above</a:t>
             </a:r>
             <a:endParaRPr lang="en-ZA" dirty="0"/>
           </a:p>
@@ -11903,24 +12052,17 @@
     </p:spTree>
     <p:extLst>
       <p:ext uri="{BB962C8B-B14F-4D97-AF65-F5344CB8AC3E}">
-        <p14:creationId xmlns:p14="http://schemas.microsoft.com/office/powerpoint/2010/main" val="2246281164"/>
+        <p14:creationId xmlns:p14="http://schemas.microsoft.com/office/powerpoint/2010/main" val="813902017"/>
       </p:ext>
     </p:extLst>
   </p:cSld>
   <p:clrMapOvr>
     <a:masterClrMapping/>
   </p:clrMapOvr>
-  <p:timing>
-    <p:tnLst>
-      <p:par>
-        <p:cTn id="1" dur="indefinite" restart="never" nodeType="tmRoot"/>
-      </p:par>
-    </p:tnLst>
-  </p:timing>
 </p:sld>
 </file>
 
-<file path=ppt/slides/slide5.xml><?xml version="1.0" encoding="utf-8"?>
+<file path=ppt/slides/slide52.xml><?xml version="1.0" encoding="utf-8"?>
 <p:sld xmlns:a="http://schemas.openxmlformats.org/drawingml/2006/main" xmlns:r="http://schemas.openxmlformats.org/officeDocument/2006/relationships" xmlns:p="http://schemas.openxmlformats.org/presentationml/2006/main">
   <p:cSld>
     <p:spTree>
@@ -11953,8 +12095,8 @@
           <a:lstStyle/>
           <a:p>
             <a:r>
-              <a:rPr lang="en-ZA" dirty="0" smtClean="0"/>
-              <a:t> Double coding</a:t>
+              <a:rPr lang="en-US" dirty="0" smtClean="0"/>
+              <a:t>So Long and Thanks For All The Fish!</a:t>
             </a:r>
             <a:endParaRPr lang="en-ZA" dirty="0"/>
           </a:p>
@@ -11974,14 +12116,42 @@
         <p:txBody>
           <a:bodyPr/>
           <a:lstStyle/>
+          <a:p>
+            <a:r>
+              <a:rPr lang="en-ZA" dirty="0"/>
+              <a:t>And Free stuff for </a:t>
+            </a:r>
+            <a:r>
+              <a:rPr lang="en-ZA" b="1" dirty="0"/>
+              <a:t>students</a:t>
+            </a:r>
+            <a:r>
+              <a:rPr lang="en-ZA" dirty="0"/>
+              <a:t> (Just remember to add your student emails to your accounts on each site)</a:t>
+            </a:r>
+          </a:p>
           <a:p>
             <a:pPr>
               <a:buFont typeface="Arial" panose="020B0604020202020204" pitchFamily="34" charset="0"/>
               <a:buChar char="•"/>
             </a:pPr>
             <a:r>
-              <a:rPr lang="en-ZA" dirty="0" smtClean="0"/>
-              <a:t>When there are multiple elements of the design which reinforce the same idea</a:t>
+              <a:rPr lang="en-ZA" dirty="0" err="1"/>
+              <a:t>Jetbrains</a:t>
+            </a:r>
+            <a:r>
+              <a:rPr lang="en-ZA" dirty="0"/>
+              <a:t> </a:t>
+            </a:r>
+            <a:r>
+              <a:rPr lang="en-ZA" dirty="0">
+                <a:hlinkClick r:id="rId2"/>
+              </a:rPr>
+              <a:t>https://www.jetbrains.com/student/</a:t>
+            </a:r>
+            <a:r>
+              <a:rPr lang="en-ZA" dirty="0"/>
+              <a:t> </a:t>
             </a:r>
           </a:p>
           <a:p>
@@ -11990,8 +12160,63 @@
               <a:buChar char="•"/>
             </a:pPr>
             <a:r>
-              <a:rPr lang="en-ZA" dirty="0" smtClean="0"/>
-              <a:t>E.g. An icon and text next to it</a:t>
+              <a:rPr lang="en-ZA" dirty="0"/>
+              <a:t>GitHub </a:t>
+            </a:r>
+            <a:r>
+              <a:rPr lang="en-ZA" dirty="0">
+                <a:hlinkClick r:id="rId3"/>
+              </a:rPr>
+              <a:t>https://education.github.com/discount_requests/new</a:t>
+            </a:r>
+            <a:r>
+              <a:rPr lang="en-ZA" dirty="0"/>
+              <a:t> </a:t>
+            </a:r>
+          </a:p>
+          <a:p>
+            <a:pPr marL="0" indent="0"/>
+            <a:r>
+              <a:rPr lang="en-ZA" dirty="0"/>
+              <a:t>You can find me at: </a:t>
+            </a:r>
+            <a:r>
+              <a:rPr lang="en-ZA" dirty="0" smtClean="0">
+                <a:hlinkClick r:id="rId4"/>
+              </a:rPr>
+              <a:t>https://</a:t>
+            </a:r>
+            <a:r>
+              <a:rPr lang="en-ZA" dirty="0">
+                <a:hlinkClick r:id="rId4"/>
+              </a:rPr>
+              <a:t>jasonchalom.com</a:t>
+            </a:r>
+            <a:endParaRPr lang="en-ZA" dirty="0"/>
+          </a:p>
+          <a:p>
+            <a:pPr marL="0" indent="0"/>
+            <a:r>
+              <a:rPr lang="en-ZA" dirty="0" smtClean="0"/>
+              <a:t>Email me at: </a:t>
+            </a:r>
+            <a:r>
+              <a:rPr lang="en-ZA" dirty="0" smtClean="0">
+                <a:hlinkClick r:id="rId5"/>
+              </a:rPr>
+              <a:t>contact@jasonchalom.com</a:t>
+            </a:r>
+            <a:endParaRPr lang="en-ZA" dirty="0" smtClean="0"/>
+          </a:p>
+          <a:p>
+            <a:pPr marL="400050" lvl="1" indent="0"/>
+            <a:r>
+              <a:rPr lang="en-US" dirty="0" smtClean="0"/>
+              <a:t>Have the subject line: SoftDev2016 “what </a:t>
+            </a:r>
+            <a:r>
+              <a:rPr lang="en-US" smtClean="0"/>
+              <a:t>your subject is”</a:t>
             </a:r>
             <a:endParaRPr lang="en-ZA" dirty="0"/>
           </a:p>
@@ -12000,7 +12225,7 @@
     </p:spTree>
     <p:extLst>
       <p:ext uri="{BB962C8B-B14F-4D97-AF65-F5344CB8AC3E}">
-        <p14:creationId xmlns:p14="http://schemas.microsoft.com/office/powerpoint/2010/main" val="3296529060"/>
+        <p14:creationId xmlns:p14="http://schemas.microsoft.com/office/powerpoint/2010/main" val="2246281164"/>
       </p:ext>
     </p:extLst>
   </p:cSld>

--- a/Session 5/Softdev Session 5 2016.pptx
+++ b/Session 5/Softdev Session 5 2016.pptx
@@ -39,21 +39,19 @@
     <p:sldId id="331" r:id="rId33"/>
     <p:sldId id="332" r:id="rId34"/>
     <p:sldId id="333" r:id="rId35"/>
-    <p:sldId id="334" r:id="rId36"/>
-    <p:sldId id="335" r:id="rId37"/>
-    <p:sldId id="336" r:id="rId38"/>
-    <p:sldId id="337" r:id="rId39"/>
-    <p:sldId id="338" r:id="rId40"/>
-    <p:sldId id="339" r:id="rId41"/>
-    <p:sldId id="340" r:id="rId42"/>
-    <p:sldId id="341" r:id="rId43"/>
-    <p:sldId id="342" r:id="rId44"/>
-    <p:sldId id="343" r:id="rId45"/>
-    <p:sldId id="344" r:id="rId46"/>
-    <p:sldId id="345" r:id="rId47"/>
-    <p:sldId id="346" r:id="rId48"/>
-    <p:sldId id="307" r:id="rId49"/>
-    <p:sldId id="285" r:id="rId50"/>
+    <p:sldId id="335" r:id="rId36"/>
+    <p:sldId id="336" r:id="rId37"/>
+    <p:sldId id="337" r:id="rId38"/>
+    <p:sldId id="340" r:id="rId39"/>
+    <p:sldId id="341" r:id="rId40"/>
+    <p:sldId id="342" r:id="rId41"/>
+    <p:sldId id="343" r:id="rId42"/>
+    <p:sldId id="344" r:id="rId43"/>
+    <p:sldId id="345" r:id="rId44"/>
+    <p:sldId id="346" r:id="rId45"/>
+    <p:sldId id="356" r:id="rId46"/>
+    <p:sldId id="307" r:id="rId47"/>
+    <p:sldId id="285" r:id="rId48"/>
   </p:sldIdLst>
   <p:sldSz cx="12192000" cy="6858000"/>
   <p:notesSz cx="6858000" cy="9144000"/>
@@ -154,7 +152,7 @@
   </p:defaultTextStyle>
   <p:extLst>
     <p:ext uri="{EFAFB233-063F-42B5-8137-9DF3F51BA10A}">
-      <p15:sldGuideLst xmlns:p15="http://schemas.microsoft.com/office/powerpoint/2012/main">
+      <p15:sldGuideLst xmlns:p15="http://schemas.microsoft.com/office/powerpoint/2012/main" xmlns="">
         <p15:guide id="1" orient="horz" pos="2160">
           <p15:clr>
             <a:srgbClr val="A4A3A4"/>
@@ -357,7 +355,7 @@
           <a:p>
             <a:fld id="{FBDF5932-50BA-4683-BD71-901965AADFF2}" type="datetimeFigureOut">
               <a:rPr lang="en-ZA" smtClean="0"/>
-              <a:t>2016/12/19</a:t>
+              <a:t>2016-12-20</a:t>
             </a:fld>
             <a:endParaRPr lang="en-ZA"/>
           </a:p>
@@ -632,7 +630,7 @@
           <a:p>
             <a:fld id="{FBDF5932-50BA-4683-BD71-901965AADFF2}" type="datetimeFigureOut">
               <a:rPr lang="en-ZA" smtClean="0"/>
-              <a:t>2016/12/19</a:t>
+              <a:t>2016-12-20</a:t>
             </a:fld>
             <a:endParaRPr lang="en-ZA"/>
           </a:p>
@@ -826,7 +824,7 @@
           <a:p>
             <a:fld id="{FBDF5932-50BA-4683-BD71-901965AADFF2}" type="datetimeFigureOut">
               <a:rPr lang="en-ZA" smtClean="0"/>
-              <a:t>2016/12/19</a:t>
+              <a:t>2016-12-20</a:t>
             </a:fld>
             <a:endParaRPr lang="en-ZA"/>
           </a:p>
@@ -1097,7 +1095,7 @@
           <a:p>
             <a:fld id="{FBDF5932-50BA-4683-BD71-901965AADFF2}" type="datetimeFigureOut">
               <a:rPr lang="en-ZA" smtClean="0"/>
-              <a:t>2016/12/19</a:t>
+              <a:t>2016-12-20</a:t>
             </a:fld>
             <a:endParaRPr lang="en-ZA"/>
           </a:p>
@@ -1424,7 +1422,7 @@
           <a:p>
             <a:fld id="{FBDF5932-50BA-4683-BD71-901965AADFF2}" type="datetimeFigureOut">
               <a:rPr lang="en-ZA" smtClean="0"/>
-              <a:t>2016/12/19</a:t>
+              <a:t>2016-12-20</a:t>
             </a:fld>
             <a:endParaRPr lang="en-ZA"/>
           </a:p>
@@ -2043,7 +2041,7 @@
           <a:p>
             <a:fld id="{FBDF5932-50BA-4683-BD71-901965AADFF2}" type="datetimeFigureOut">
               <a:rPr lang="en-ZA" smtClean="0"/>
-              <a:t>2016/12/19</a:t>
+              <a:t>2016-12-20</a:t>
             </a:fld>
             <a:endParaRPr lang="en-ZA"/>
           </a:p>
@@ -2890,7 +2888,7 @@
           <a:p>
             <a:fld id="{FBDF5932-50BA-4683-BD71-901965AADFF2}" type="datetimeFigureOut">
               <a:rPr lang="en-ZA" smtClean="0"/>
-              <a:t>2016/12/19</a:t>
+              <a:t>2016-12-20</a:t>
             </a:fld>
             <a:endParaRPr lang="en-ZA"/>
           </a:p>
@@ -3060,7 +3058,7 @@
           <a:p>
             <a:fld id="{FBDF5932-50BA-4683-BD71-901965AADFF2}" type="datetimeFigureOut">
               <a:rPr lang="en-ZA" smtClean="0"/>
-              <a:t>2016/12/19</a:t>
+              <a:t>2016-12-20</a:t>
             </a:fld>
             <a:endParaRPr lang="en-ZA"/>
           </a:p>
@@ -3240,7 +3238,7 @@
           <a:p>
             <a:fld id="{FBDF5932-50BA-4683-BD71-901965AADFF2}" type="datetimeFigureOut">
               <a:rPr lang="en-ZA" smtClean="0"/>
-              <a:t>2016/12/19</a:t>
+              <a:t>2016-12-20</a:t>
             </a:fld>
             <a:endParaRPr lang="en-ZA"/>
           </a:p>
@@ -3410,7 +3408,7 @@
           <a:p>
             <a:fld id="{FBDF5932-50BA-4683-BD71-901965AADFF2}" type="datetimeFigureOut">
               <a:rPr lang="en-ZA" smtClean="0"/>
-              <a:t>2016/12/19</a:t>
+              <a:t>2016-12-20</a:t>
             </a:fld>
             <a:endParaRPr lang="en-ZA"/>
           </a:p>
@@ -3657,7 +3655,7 @@
           <a:p>
             <a:fld id="{FBDF5932-50BA-4683-BD71-901965AADFF2}" type="datetimeFigureOut">
               <a:rPr lang="en-ZA" smtClean="0"/>
-              <a:t>2016/12/19</a:t>
+              <a:t>2016-12-20</a:t>
             </a:fld>
             <a:endParaRPr lang="en-ZA"/>
           </a:p>
@@ -3949,7 +3947,7 @@
           <a:p>
             <a:fld id="{FBDF5932-50BA-4683-BD71-901965AADFF2}" type="datetimeFigureOut">
               <a:rPr lang="en-ZA" smtClean="0"/>
-              <a:t>2016/12/19</a:t>
+              <a:t>2016-12-20</a:t>
             </a:fld>
             <a:endParaRPr lang="en-ZA"/>
           </a:p>
@@ -4393,7 +4391,7 @@
           <a:p>
             <a:fld id="{FBDF5932-50BA-4683-BD71-901965AADFF2}" type="datetimeFigureOut">
               <a:rPr lang="en-ZA" smtClean="0"/>
-              <a:t>2016/12/19</a:t>
+              <a:t>2016-12-20</a:t>
             </a:fld>
             <a:endParaRPr lang="en-ZA"/>
           </a:p>
@@ -4511,7 +4509,7 @@
           <a:p>
             <a:fld id="{FBDF5932-50BA-4683-BD71-901965AADFF2}" type="datetimeFigureOut">
               <a:rPr lang="en-ZA" smtClean="0"/>
-              <a:t>2016/12/19</a:t>
+              <a:t>2016-12-20</a:t>
             </a:fld>
             <a:endParaRPr lang="en-ZA"/>
           </a:p>
@@ -4606,7 +4604,7 @@
           <a:p>
             <a:fld id="{FBDF5932-50BA-4683-BD71-901965AADFF2}" type="datetimeFigureOut">
               <a:rPr lang="en-ZA" smtClean="0"/>
-              <a:t>2016/12/19</a:t>
+              <a:t>2016-12-20</a:t>
             </a:fld>
             <a:endParaRPr lang="en-ZA"/>
           </a:p>
@@ -4885,7 +4883,7 @@
           <a:p>
             <a:fld id="{FBDF5932-50BA-4683-BD71-901965AADFF2}" type="datetimeFigureOut">
               <a:rPr lang="en-ZA" smtClean="0"/>
-              <a:t>2016/12/19</a:t>
+              <a:t>2016-12-20</a:t>
             </a:fld>
             <a:endParaRPr lang="en-ZA"/>
           </a:p>
@@ -5160,7 +5158,7 @@
           <a:p>
             <a:fld id="{FBDF5932-50BA-4683-BD71-901965AADFF2}" type="datetimeFigureOut">
               <a:rPr lang="en-ZA" smtClean="0"/>
-              <a:t>2016/12/19</a:t>
+              <a:t>2016-12-20</a:t>
             </a:fld>
             <a:endParaRPr lang="en-ZA"/>
           </a:p>
@@ -5583,7 +5581,7 @@
           <a:p>
             <a:fld id="{FBDF5932-50BA-4683-BD71-901965AADFF2}" type="datetimeFigureOut">
               <a:rPr lang="en-ZA" smtClean="0"/>
-              <a:t>2016/12/19</a:t>
+              <a:t>2016-12-20</a:t>
             </a:fld>
             <a:endParaRPr lang="en-ZA"/>
           </a:p>
@@ -6152,7 +6150,6 @@
               <a:rPr lang="en-ZA" dirty="0"/>
               <a:t>5</a:t>
             </a:r>
-            <a:endParaRPr lang="en-ZA" dirty="0"/>
           </a:p>
         </p:txBody>
       </p:sp>
@@ -6504,7 +6501,27 @@
           <a:p>
             <a:r>
               <a:rPr lang="en-ZA" dirty="0" smtClean="0"/>
-              <a:t>In Visual Studio make a new Windows forms application and produce a bad user interface.</a:t>
+              <a:t>Produce </a:t>
+            </a:r>
+            <a:r>
+              <a:rPr lang="en-ZA" dirty="0" smtClean="0"/>
+              <a:t>a bad user </a:t>
+            </a:r>
+            <a:r>
+              <a:rPr lang="en-ZA" dirty="0" smtClean="0"/>
+              <a:t>interface</a:t>
+            </a:r>
+            <a:r>
+              <a:rPr lang="en-ZA" dirty="0"/>
+              <a:t> </a:t>
+            </a:r>
+            <a:r>
+              <a:rPr lang="en-ZA" dirty="0" smtClean="0"/>
+              <a:t>using Express and </a:t>
+            </a:r>
+            <a:r>
+              <a:rPr lang="en-ZA" dirty="0" err="1" smtClean="0"/>
+              <a:t>NodeJS</a:t>
             </a:r>
             <a:endParaRPr lang="en-ZA" dirty="0"/>
           </a:p>
@@ -6668,6 +6685,13 @@
   <p:clrMapOvr>
     <a:masterClrMapping/>
   </p:clrMapOvr>
+  <p:timing>
+    <p:tnLst>
+      <p:par>
+        <p:cTn id="1" dur="indefinite" restart="never" nodeType="tmRoot"/>
+      </p:par>
+    </p:tnLst>
+  </p:timing>
 </p:sld>
 </file>
 
@@ -6762,6 +6786,13 @@
   <p:clrMapOvr>
     <a:masterClrMapping/>
   </p:clrMapOvr>
+  <p:timing>
+    <p:tnLst>
+      <p:par>
+        <p:cTn id="1" dur="indefinite" restart="never" nodeType="tmRoot"/>
+      </p:par>
+    </p:tnLst>
+  </p:timing>
 </p:sld>
 </file>
 
@@ -6867,6 +6898,13 @@
   <p:clrMapOvr>
     <a:masterClrMapping/>
   </p:clrMapOvr>
+  <p:timing>
+    <p:tnLst>
+      <p:par>
+        <p:cTn id="1" dur="indefinite" restart="never" nodeType="tmRoot"/>
+      </p:par>
+    </p:tnLst>
+  </p:timing>
 </p:sld>
 </file>
 
@@ -6969,6 +7007,13 @@
   <p:clrMapOvr>
     <a:masterClrMapping/>
   </p:clrMapOvr>
+  <p:timing>
+    <p:tnLst>
+      <p:par>
+        <p:cTn id="1" dur="indefinite" restart="never" nodeType="tmRoot"/>
+      </p:par>
+    </p:tnLst>
+  </p:timing>
 </p:sld>
 </file>
 
@@ -7051,7 +7096,11 @@
           </a:bodyPr>
           <a:lstStyle/>
           <a:p>
-            <a:endParaRPr lang="en-ZA"/>
+            <a:r>
+              <a:rPr lang="en-US" dirty="0" smtClean="0"/>
+              <a:t>UCD</a:t>
+            </a:r>
+            <a:endParaRPr lang="en-ZA" dirty="0"/>
           </a:p>
         </p:txBody>
       </p:sp>
@@ -7065,6 +7114,13 @@
   <p:clrMapOvr>
     <a:masterClrMapping/>
   </p:clrMapOvr>
+  <p:timing>
+    <p:tnLst>
+      <p:par>
+        <p:cTn id="1" dur="indefinite" restart="never" nodeType="tmRoot"/>
+      </p:par>
+    </p:tnLst>
+  </p:timing>
 </p:sld>
 </file>
 
@@ -7100,7 +7156,11 @@
           <a:bodyPr/>
           <a:lstStyle/>
           <a:p>
-            <a:endParaRPr lang="en-ZA"/>
+            <a:r>
+              <a:rPr lang="en-US" dirty="0" smtClean="0"/>
+              <a:t>UCD</a:t>
+            </a:r>
+            <a:endParaRPr lang="en-ZA" dirty="0"/>
           </a:p>
         </p:txBody>
       </p:sp>
@@ -7143,6 +7203,13 @@
   <p:clrMapOvr>
     <a:masterClrMapping/>
   </p:clrMapOvr>
+  <p:timing>
+    <p:tnLst>
+      <p:par>
+        <p:cTn id="1" dur="indefinite" restart="never" nodeType="tmRoot"/>
+      </p:par>
+    </p:tnLst>
+  </p:timing>
 </p:sld>
 </file>
 
@@ -7371,6 +7438,13 @@
   <p:clrMapOvr>
     <a:masterClrMapping/>
   </p:clrMapOvr>
+  <p:timing>
+    <p:tnLst>
+      <p:par>
+        <p:cTn id="1" dur="indefinite" restart="never" nodeType="tmRoot"/>
+      </p:par>
+    </p:tnLst>
+  </p:timing>
 </p:sld>
 </file>
 
@@ -7408,11 +7482,7 @@
           <a:p>
             <a:r>
               <a:rPr lang="en-ZA" dirty="0" smtClean="0"/>
-              <a:t>The Homework from session </a:t>
-            </a:r>
-            <a:r>
-              <a:rPr lang="en-ZA" dirty="0" smtClean="0"/>
-              <a:t>4</a:t>
+              <a:t>The Homework from session 4</a:t>
             </a:r>
             <a:endParaRPr lang="en-ZA" dirty="0"/>
           </a:p>
@@ -7488,7 +7558,12 @@
             <p:ph type="title"/>
           </p:nvPr>
         </p:nvSpPr>
-        <p:spPr/>
+        <p:spPr>
+          <a:xfrm>
+            <a:off x="632463" y="384480"/>
+            <a:ext cx="9404723" cy="1400530"/>
+          </a:xfrm>
+        </p:spPr>
         <p:txBody>
           <a:bodyPr/>
           <a:lstStyle/>
@@ -7511,7 +7586,12 @@
             <p:ph idx="1"/>
           </p:nvPr>
         </p:nvSpPr>
-        <p:spPr/>
+        <p:spPr>
+          <a:xfrm>
+            <a:off x="1157903" y="1520655"/>
+            <a:ext cx="8946541" cy="4195481"/>
+          </a:xfrm>
+        </p:spPr>
         <p:txBody>
           <a:bodyPr>
             <a:normAutofit lnSpcReduction="10000"/>
@@ -7590,6 +7670,13 @@
   <p:clrMapOvr>
     <a:masterClrMapping/>
   </p:clrMapOvr>
+  <p:timing>
+    <p:tnLst>
+      <p:par>
+        <p:cTn id="1" dur="indefinite" restart="never" nodeType="tmRoot"/>
+      </p:par>
+    </p:tnLst>
+  </p:timing>
 </p:sld>
 </file>
 
@@ -7684,6 +7771,13 @@
   <p:clrMapOvr>
     <a:masterClrMapping/>
   </p:clrMapOvr>
+  <p:timing>
+    <p:tnLst>
+      <p:par>
+        <p:cTn id="1" dur="indefinite" restart="never" nodeType="tmRoot"/>
+      </p:par>
+    </p:tnLst>
+  </p:timing>
 </p:sld>
 </file>
 
@@ -7863,7 +7957,7 @@
         </p:blipFill>
         <p:spPr bwMode="auto">
           <a:xfrm>
-            <a:off x="3490776" y="1100138"/>
+            <a:off x="3286059" y="1632401"/>
             <a:ext cx="5232672" cy="3579812"/>
           </a:xfrm>
           <a:prstGeom prst="rect">
@@ -8091,7 +8185,7 @@
         </p:blipFill>
         <p:spPr bwMode="auto">
           <a:xfrm>
-            <a:off x="7133168" y="1638982"/>
+            <a:off x="7801908" y="1952881"/>
             <a:ext cx="2925233" cy="2193925"/>
           </a:xfrm>
           <a:prstGeom prst="rect">
@@ -8577,7 +8671,7 @@
         </p:blipFill>
         <p:spPr bwMode="auto">
           <a:xfrm>
-            <a:off x="2867070" y="888629"/>
+            <a:off x="2703297" y="1420892"/>
             <a:ext cx="6480720" cy="4856521"/>
           </a:xfrm>
           <a:prstGeom prst="rect">
@@ -8952,7 +9046,7 @@
         </p:blipFill>
         <p:spPr bwMode="auto">
           <a:xfrm>
-            <a:off x="6858000" y="365760"/>
+            <a:off x="7840639" y="1703241"/>
             <a:ext cx="3810000" cy="3943350"/>
           </a:xfrm>
           <a:prstGeom prst="rect">
@@ -9573,7 +9667,7 @@
           <a:p>
             <a:r>
               <a:rPr lang="en-ZA" dirty="0" smtClean="0"/>
-              <a:t>Metro UI Tutorial</a:t>
+              <a:t>Metro UI Links</a:t>
             </a:r>
             <a:endParaRPr lang="en-ZA" dirty="0"/>
           </a:p>
@@ -9602,15 +9696,8 @@
               <a:rPr lang="en-ZA" dirty="0">
                 <a:hlinkClick r:id="rId2"/>
               </a:rPr>
-              <a:t>http://denricdenise.info/2014/09/how-to-use-winforms-modern-ui</a:t>
-            </a:r>
-            <a:r>
-              <a:rPr lang="en-ZA" dirty="0" smtClean="0">
-                <a:hlinkClick r:id="rId2"/>
-              </a:rPr>
-              <a:t>/</a:t>
-            </a:r>
-            <a:endParaRPr lang="en-ZA" dirty="0" smtClean="0"/>
+              <a:t>https://msdn.microsoft.com/en-us/library/windows/apps/hh465424.aspx</a:t>
+            </a:r>
           </a:p>
           <a:p>
             <a:pPr>
@@ -9618,16 +9705,93 @@
               <a:buChar char="•"/>
             </a:pPr>
             <a:r>
+              <a:rPr lang="en-ZA" dirty="0" smtClean="0">
+                <a:hlinkClick r:id="rId2"/>
+              </a:rPr>
+              <a:t>https</a:t>
+            </a:r>
+            <a:r>
+              <a:rPr lang="en-ZA" dirty="0">
+                <a:hlinkClick r:id="rId2"/>
+              </a:rPr>
+              <a:t>://en.wikipedia.org/wiki/Metro_(design_language</a:t>
+            </a:r>
+            <a:r>
+              <a:rPr lang="en-ZA" dirty="0" smtClean="0">
+                <a:hlinkClick r:id="rId2"/>
+              </a:rPr>
+              <a:t>)</a:t>
+            </a:r>
+            <a:endParaRPr lang="en-ZA" dirty="0" smtClean="0"/>
+          </a:p>
+          <a:p>
+            <a:pPr>
+              <a:buFont typeface="Arial" panose="020B0604020202020204" pitchFamily="34" charset="0"/>
+              <a:buChar char="•"/>
+            </a:pPr>
+            <a:r>
               <a:rPr lang="en-ZA" dirty="0">
                 <a:hlinkClick r:id="rId3"/>
               </a:rPr>
-              <a:t>http://thielj.github.io/MetroFramework</a:t>
+              <a:t>https://</a:t>
             </a:r>
             <a:r>
               <a:rPr lang="en-ZA" dirty="0" smtClean="0">
                 <a:hlinkClick r:id="rId3"/>
               </a:rPr>
-              <a:t>/</a:t>
+              <a:t>dev.windows.com/en-us/design</a:t>
+            </a:r>
+            <a:endParaRPr lang="en-ZA" dirty="0" smtClean="0"/>
+          </a:p>
+          <a:p>
+            <a:pPr>
+              <a:buFont typeface="Arial" panose="020B0604020202020204" pitchFamily="34" charset="0"/>
+              <a:buChar char="•"/>
+            </a:pPr>
+            <a:endParaRPr lang="en-ZA" dirty="0" smtClean="0"/>
+          </a:p>
+          <a:p>
+            <a:pPr>
+              <a:buFont typeface="Arial" panose="020B0604020202020204" pitchFamily="34" charset="0"/>
+              <a:buChar char="•"/>
+            </a:pPr>
+            <a:r>
+              <a:rPr lang="en-ZA" dirty="0">
+                <a:hlinkClick r:id="rId4"/>
+              </a:rPr>
+              <a:t>http://</a:t>
+            </a:r>
+            <a:r>
+              <a:rPr lang="en-ZA" dirty="0" smtClean="0">
+                <a:hlinkClick r:id="rId4"/>
+              </a:rPr>
+              <a:t>www.newyorker.com/business/currency/how-new-yorks-subway-signs-came-to-be</a:t>
+            </a:r>
+            <a:endParaRPr lang="en-ZA" dirty="0" smtClean="0"/>
+          </a:p>
+          <a:p>
+            <a:pPr>
+              <a:buFont typeface="Arial" panose="020B0604020202020204" pitchFamily="34" charset="0"/>
+              <a:buChar char="•"/>
+            </a:pPr>
+            <a:endParaRPr lang="en-US" dirty="0"/>
+          </a:p>
+          <a:p>
+            <a:pPr>
+              <a:buFont typeface="Arial" panose="020B0604020202020204" pitchFamily="34" charset="0"/>
+              <a:buChar char="•"/>
+            </a:pPr>
+            <a:r>
+              <a:rPr lang="en-US" dirty="0" smtClean="0"/>
+              <a:t>Note: </a:t>
+            </a:r>
+            <a:r>
+              <a:rPr lang="en-US" dirty="0" err="1" smtClean="0"/>
+              <a:t>.net</a:t>
+            </a:r>
+            <a:r>
+              <a:rPr lang="en-US" dirty="0" smtClean="0"/>
+              <a:t> and C#</a:t>
             </a:r>
             <a:endParaRPr lang="en-ZA" dirty="0" smtClean="0"/>
           </a:p>
@@ -9638,78 +9802,12 @@
             </a:pPr>
             <a:endParaRPr lang="en-ZA" dirty="0"/>
           </a:p>
-          <a:p>
-            <a:pPr marL="0" indent="0"/>
-            <a:r>
-              <a:rPr lang="en-ZA" dirty="0" smtClean="0"/>
-              <a:t>Another Framework</a:t>
-            </a:r>
-          </a:p>
-          <a:p>
-            <a:pPr>
-              <a:buFont typeface="Arial" panose="020B0604020202020204" pitchFamily="34" charset="0"/>
-              <a:buChar char="•"/>
-            </a:pPr>
-            <a:r>
-              <a:rPr lang="en-ZA" dirty="0">
-                <a:hlinkClick r:id="rId4"/>
-              </a:rPr>
-              <a:t>http://mahapps.com</a:t>
-            </a:r>
-            <a:r>
-              <a:rPr lang="en-ZA" dirty="0" smtClean="0">
-                <a:hlinkClick r:id="rId4"/>
-              </a:rPr>
-              <a:t>/</a:t>
-            </a:r>
-            <a:endParaRPr lang="en-ZA" dirty="0" smtClean="0"/>
-          </a:p>
-          <a:p>
-            <a:pPr>
-              <a:buFont typeface="Arial" panose="020B0604020202020204" pitchFamily="34" charset="0"/>
-              <a:buChar char="•"/>
-            </a:pPr>
-            <a:r>
-              <a:rPr lang="en-ZA" dirty="0">
-                <a:hlinkClick r:id="rId5"/>
-              </a:rPr>
-              <a:t>http://</a:t>
-            </a:r>
-            <a:r>
-              <a:rPr lang="en-ZA" dirty="0" smtClean="0">
-                <a:hlinkClick r:id="rId5"/>
-              </a:rPr>
-              <a:t>mahapps.com/guides/quick-start.html</a:t>
-            </a:r>
-            <a:endParaRPr lang="en-ZA" dirty="0" smtClean="0"/>
-          </a:p>
-          <a:p>
-            <a:pPr>
-              <a:buFont typeface="Arial" panose="020B0604020202020204" pitchFamily="34" charset="0"/>
-              <a:buChar char="•"/>
-            </a:pPr>
-            <a:endParaRPr lang="en-ZA" dirty="0" smtClean="0"/>
-          </a:p>
-          <a:p>
-            <a:pPr>
-              <a:buFont typeface="Arial" panose="020B0604020202020204" pitchFamily="34" charset="0"/>
-              <a:buChar char="•"/>
-            </a:pPr>
-            <a:endParaRPr lang="en-ZA" dirty="0" smtClean="0"/>
-          </a:p>
-          <a:p>
-            <a:pPr>
-              <a:buFont typeface="Arial" panose="020B0604020202020204" pitchFamily="34" charset="0"/>
-              <a:buChar char="•"/>
-            </a:pPr>
-            <a:endParaRPr lang="en-ZA" dirty="0"/>
-          </a:p>
         </p:txBody>
       </p:sp>
     </p:spTree>
     <p:extLst>
       <p:ext uri="{BB962C8B-B14F-4D97-AF65-F5344CB8AC3E}">
-        <p14:creationId xmlns:p14="http://schemas.microsoft.com/office/powerpoint/2010/main" val="2512861413"/>
+        <p14:creationId xmlns:p14="http://schemas.microsoft.com/office/powerpoint/2010/main" val="1323944117"/>
       </p:ext>
     </p:extLst>
   </p:cSld>
@@ -9759,10 +9857,9 @@
           <a:lstStyle/>
           <a:p>
             <a:r>
-              <a:rPr lang="en-ZA" dirty="0" smtClean="0"/>
-              <a:t>Metro UI Links</a:t>
-            </a:r>
-            <a:endParaRPr lang="en-ZA" dirty="0"/>
+              <a:rPr lang="en-ZA" dirty="0"/>
+              <a:t>Google Materials Design</a:t>
+            </a:r>
           </a:p>
         </p:txBody>
       </p:sp>
@@ -9786,11 +9883,14 @@
               <a:buChar char="•"/>
             </a:pPr>
             <a:r>
-              <a:rPr lang="en-ZA" dirty="0">
-                <a:hlinkClick r:id="rId2"/>
-              </a:rPr>
-              <a:t>https://msdn.microsoft.com/en-us/library/windows/apps/hh465424.aspx</a:t>
-            </a:r>
+              <a:rPr lang="en-ZA" dirty="0" smtClean="0"/>
+              <a:t>Similar to </a:t>
+            </a:r>
+            <a:r>
+              <a:rPr lang="en-ZA" dirty="0" err="1" smtClean="0"/>
+              <a:t>MetroUI</a:t>
+            </a:r>
+            <a:endParaRPr lang="en-ZA" dirty="0" smtClean="0"/>
           </a:p>
           <a:p>
             <a:pPr>
@@ -9798,24 +9898,9 @@
               <a:buChar char="•"/>
             </a:pPr>
             <a:r>
-              <a:rPr lang="en-ZA" dirty="0" smtClean="0">
-                <a:hlinkClick r:id="rId2"/>
-              </a:rPr>
-              <a:t>https</a:t>
-            </a:r>
-            <a:r>
-              <a:rPr lang="en-ZA" dirty="0">
-                <a:hlinkClick r:id="rId2"/>
-              </a:rPr>
-              <a:t>://en.wikipedia.org/wiki/Metro_(design_language</a:t>
-            </a:r>
-            <a:r>
-              <a:rPr lang="en-ZA" dirty="0" smtClean="0">
-                <a:hlinkClick r:id="rId2"/>
-              </a:rPr>
-              <a:t>)</a:t>
-            </a:r>
-            <a:endParaRPr lang="en-ZA" dirty="0" smtClean="0"/>
+              <a:rPr lang="en-ZA" dirty="0" smtClean="0"/>
+              <a:t>Focuses on the correct focal points</a:t>
+            </a:r>
           </a:p>
           <a:p>
             <a:pPr>
@@ -9823,25 +9908,19 @@
               <a:buChar char="•"/>
             </a:pPr>
             <a:r>
-              <a:rPr lang="en-ZA" dirty="0">
-                <a:hlinkClick r:id="rId3"/>
-              </a:rPr>
-              <a:t>https://</a:t>
-            </a:r>
-            <a:r>
-              <a:rPr lang="en-ZA" dirty="0" smtClean="0">
-                <a:hlinkClick r:id="rId3"/>
-              </a:rPr>
-              <a:t>dev.windows.com/en-us/design</a:t>
-            </a:r>
-            <a:endParaRPr lang="en-ZA" dirty="0" smtClean="0"/>
+              <a:rPr lang="en-ZA" dirty="0" smtClean="0"/>
+              <a:t>Is 3D space</a:t>
+            </a:r>
           </a:p>
           <a:p>
             <a:pPr>
               <a:buFont typeface="Arial" panose="020B0604020202020204" pitchFamily="34" charset="0"/>
               <a:buChar char="•"/>
             </a:pPr>
-            <a:endParaRPr lang="en-ZA" dirty="0" smtClean="0"/>
+            <a:r>
+              <a:rPr lang="en-ZA" dirty="0" smtClean="0"/>
+              <a:t>Looks at shadow and colour</a:t>
+            </a:r>
           </a:p>
           <a:p>
             <a:pPr>
@@ -9849,24 +9928,23 @@
               <a:buChar char="•"/>
             </a:pPr>
             <a:r>
-              <a:rPr lang="en-ZA" dirty="0">
-                <a:hlinkClick r:id="rId4"/>
-              </a:rPr>
-              <a:t>http://</a:t>
-            </a:r>
-            <a:r>
-              <a:rPr lang="en-ZA" dirty="0" smtClean="0">
-                <a:hlinkClick r:id="rId4"/>
-              </a:rPr>
-              <a:t>www.newyorker.com/business/currency/how-new-yorks-subway-signs-came-to-be</a:t>
-            </a:r>
-            <a:endParaRPr lang="en-ZA" dirty="0" smtClean="0"/>
+              <a:rPr lang="en-ZA" dirty="0" smtClean="0"/>
+              <a:t>Where Metro and Chrome UI meet</a:t>
+            </a:r>
           </a:p>
           <a:p>
             <a:pPr>
               <a:buFont typeface="Arial" panose="020B0604020202020204" pitchFamily="34" charset="0"/>
               <a:buChar char="•"/>
             </a:pPr>
+            <a:r>
+              <a:rPr lang="en-ZA" dirty="0" smtClean="0"/>
+              <a:t>Interactive </a:t>
+            </a:r>
+            <a:r>
+              <a:rPr lang="en-ZA" dirty="0" smtClean="0"/>
+              <a:t>elements</a:t>
+            </a:r>
             <a:endParaRPr lang="en-ZA" dirty="0"/>
           </a:p>
         </p:txBody>
@@ -9874,7 +9952,7 @@
     </p:spTree>
     <p:extLst>
       <p:ext uri="{BB962C8B-B14F-4D97-AF65-F5344CB8AC3E}">
-        <p14:creationId xmlns:p14="http://schemas.microsoft.com/office/powerpoint/2010/main" val="1323944117"/>
+        <p14:creationId xmlns:p14="http://schemas.microsoft.com/office/powerpoint/2010/main" val="1363303588"/>
       </p:ext>
     </p:extLst>
   </p:cSld>
@@ -9924,40 +10002,48 @@
           <a:lstStyle/>
           <a:p>
             <a:r>
+              <a:rPr lang="en-ZA" dirty="0" smtClean="0"/>
+              <a:t>Google Materials Design</a:t>
+            </a:r>
+            <a:endParaRPr lang="en-ZA" dirty="0"/>
+          </a:p>
+        </p:txBody>
+      </p:sp>
+      <p:sp>
+        <p:nvSpPr>
+          <p:cNvPr id="3" name="Content Placeholder 2"/>
+          <p:cNvSpPr>
+            <a:spLocks noGrp="1"/>
+          </p:cNvSpPr>
+          <p:nvPr>
+            <p:ph idx="1"/>
+          </p:nvPr>
+        </p:nvSpPr>
+        <p:spPr/>
+        <p:txBody>
+          <a:bodyPr>
+            <a:normAutofit/>
+          </a:bodyPr>
+          <a:lstStyle/>
+          <a:p>
+            <a:pPr marL="0" indent="0"/>
+            <a:r>
               <a:rPr lang="en-ZA" dirty="0"/>
-              <a:t>Google Materials Design</a:t>
-            </a:r>
-          </a:p>
-        </p:txBody>
-      </p:sp>
-      <p:sp>
-        <p:nvSpPr>
-          <p:cNvPr id="3" name="Content Placeholder 2"/>
-          <p:cNvSpPr>
-            <a:spLocks noGrp="1"/>
-          </p:cNvSpPr>
-          <p:nvPr>
-            <p:ph idx="1"/>
-          </p:nvPr>
-        </p:nvSpPr>
-        <p:spPr/>
-        <p:txBody>
-          <a:bodyPr/>
-          <a:lstStyle/>
+              <a:t>Guidelines:</a:t>
+            </a:r>
+          </a:p>
           <a:p>
             <a:pPr>
               <a:buFont typeface="Arial" panose="020B0604020202020204" pitchFamily="34" charset="0"/>
               <a:buChar char="•"/>
             </a:pPr>
             <a:r>
-              <a:rPr lang="en-ZA" dirty="0" smtClean="0"/>
-              <a:t>Similar to </a:t>
-            </a:r>
-            <a:r>
-              <a:rPr lang="en-ZA" dirty="0" err="1" smtClean="0"/>
-              <a:t>MetroUI</a:t>
-            </a:r>
-            <a:endParaRPr lang="en-ZA" dirty="0" smtClean="0"/>
+              <a:rPr lang="en-ZA" dirty="0">
+                <a:hlinkClick r:id="rId2"/>
+              </a:rPr>
+              <a:t>https://www.google.com/design/spec/material-design/introduction.html#</a:t>
+            </a:r>
+            <a:endParaRPr lang="en-ZA" dirty="0"/>
           </a:p>
           <a:p>
             <a:pPr>
@@ -9965,9 +10051,18 @@
               <a:buChar char="•"/>
             </a:pPr>
             <a:r>
-              <a:rPr lang="en-ZA" dirty="0" smtClean="0"/>
-              <a:t>Focuses on the correct focal points</a:t>
-            </a:r>
+              <a:rPr lang="en-ZA" dirty="0">
+                <a:hlinkClick r:id="rId3"/>
+              </a:rPr>
+              <a:t>https://design.google.com</a:t>
+            </a:r>
+            <a:r>
+              <a:rPr lang="en-ZA" dirty="0" smtClean="0">
+                <a:hlinkClick r:id="rId3"/>
+              </a:rPr>
+              <a:t>/</a:t>
+            </a:r>
+            <a:endParaRPr lang="en-ZA" dirty="0" smtClean="0"/>
           </a:p>
           <a:p>
             <a:pPr>
@@ -9975,9 +10070,18 @@
               <a:buChar char="•"/>
             </a:pPr>
             <a:r>
-              <a:rPr lang="en-ZA" dirty="0" smtClean="0"/>
-              <a:t>Is 3D space</a:t>
-            </a:r>
+              <a:rPr lang="en-ZA" dirty="0">
+                <a:hlinkClick r:id="rId4"/>
+              </a:rPr>
+              <a:t>https://</a:t>
+            </a:r>
+            <a:r>
+              <a:rPr lang="en-ZA" dirty="0" smtClean="0">
+                <a:hlinkClick r:id="rId4"/>
+              </a:rPr>
+              <a:t>www.google.com/design/spec/style/color.html</a:t>
+            </a:r>
+            <a:endParaRPr lang="en-ZA" dirty="0"/>
           </a:p>
           <a:p>
             <a:pPr>
@@ -9985,37 +10089,17 @@
               <a:buChar char="•"/>
             </a:pPr>
             <a:r>
-              <a:rPr lang="en-ZA" dirty="0" smtClean="0"/>
-              <a:t>Looks at shadow and colour</a:t>
-            </a:r>
-          </a:p>
-          <a:p>
-            <a:pPr>
-              <a:buFont typeface="Arial" panose="020B0604020202020204" pitchFamily="34" charset="0"/>
-              <a:buChar char="•"/>
+              <a:rPr lang="en-ZA" dirty="0">
+                <a:hlinkClick r:id="rId5"/>
+              </a:rPr>
+              <a:t>http://www.getmdl.io/</a:t>
+            </a:r>
+            <a:endParaRPr lang="en-ZA" dirty="0"/>
+          </a:p>
+          <a:p>
+            <a:pPr marL="0" indent="0">
+              <a:buNone/>
             </a:pPr>
-            <a:r>
-              <a:rPr lang="en-ZA" dirty="0" smtClean="0"/>
-              <a:t>Where Metro and Chrome UI meet</a:t>
-            </a:r>
-          </a:p>
-          <a:p>
-            <a:pPr>
-              <a:buFont typeface="Arial" panose="020B0604020202020204" pitchFamily="34" charset="0"/>
-              <a:buChar char="•"/>
-            </a:pPr>
-            <a:r>
-              <a:rPr lang="en-ZA" dirty="0" smtClean="0"/>
-              <a:t>Interactive elements</a:t>
-            </a:r>
-            <a:endParaRPr lang="en-ZA" dirty="0"/>
-          </a:p>
-          <a:p>
-            <a:pPr marL="0" indent="0"/>
-            <a:r>
-              <a:rPr lang="en-ZA" dirty="0" smtClean="0"/>
-              <a:t>See Examples:</a:t>
-            </a:r>
             <a:endParaRPr lang="en-ZA" dirty="0"/>
           </a:p>
         </p:txBody>
@@ -10023,7 +10107,7 @@
     </p:spTree>
     <p:extLst>
       <p:ext uri="{BB962C8B-B14F-4D97-AF65-F5344CB8AC3E}">
-        <p14:creationId xmlns:p14="http://schemas.microsoft.com/office/powerpoint/2010/main" val="1363303588"/>
+        <p14:creationId xmlns:p14="http://schemas.microsoft.com/office/powerpoint/2010/main" val="2634096932"/>
       </p:ext>
     </p:extLst>
   </p:cSld>
@@ -10074,7 +10158,7 @@
           <a:p>
             <a:r>
               <a:rPr lang="en-ZA" dirty="0" smtClean="0"/>
-              <a:t>Google Materials Design</a:t>
+              <a:t>Chrome Design</a:t>
             </a:r>
             <a:endParaRPr lang="en-ZA" dirty="0"/>
           </a:p>
@@ -10092,40 +10176,39 @@
         </p:nvSpPr>
         <p:spPr/>
         <p:txBody>
-          <a:bodyPr>
-            <a:normAutofit lnSpcReduction="10000"/>
-          </a:bodyPr>
-          <a:lstStyle/>
-          <a:p>
-            <a:pPr marL="0" indent="0"/>
+          <a:bodyPr/>
+          <a:lstStyle/>
+          <a:p>
             <a:r>
               <a:rPr lang="en-ZA" dirty="0"/>
-              <a:t>Guidelines:</a:t>
-            </a:r>
-          </a:p>
-          <a:p>
-            <a:pPr>
-              <a:buFont typeface="Arial" panose="020B0604020202020204" pitchFamily="34" charset="0"/>
-              <a:buChar char="•"/>
-            </a:pPr>
+              <a:t>See principles: </a:t>
+            </a:r>
             <a:r>
               <a:rPr lang="en-ZA" dirty="0">
                 <a:hlinkClick r:id="rId2"/>
               </a:rPr>
-              <a:t>https://www.google.com/design/spec/material-design/introduction.html#</a:t>
-            </a:r>
-            <a:endParaRPr lang="en-ZA" dirty="0"/>
-          </a:p>
-          <a:p>
-            <a:pPr>
-              <a:buFont typeface="Arial" panose="020B0604020202020204" pitchFamily="34" charset="0"/>
-              <a:buChar char="•"/>
-            </a:pPr>
+              <a:t>https://</a:t>
+            </a:r>
+            <a:r>
+              <a:rPr lang="en-ZA" dirty="0" smtClean="0">
+                <a:hlinkClick r:id="rId2"/>
+              </a:rPr>
+              <a:t>developer.apple.com/library/ios/documentation/UserExperience/Conceptual/MobileHIG/Principles.html</a:t>
+            </a:r>
+            <a:endParaRPr lang="en-ZA" dirty="0" smtClean="0"/>
+          </a:p>
+          <a:p>
+            <a:r>
+              <a:rPr lang="en-ZA" dirty="0" smtClean="0"/>
+              <a:t>OSX:</a:t>
+            </a:r>
+          </a:p>
+          <a:p>
             <a:r>
               <a:rPr lang="en-ZA" dirty="0">
                 <a:hlinkClick r:id="rId3"/>
               </a:rPr>
-              <a:t>https://design.google.com</a:t>
+              <a:t>https://developer.apple.com/library/mac/documentation/UserExperience/Conceptual/OSXHIGuidelines</a:t>
             </a:r>
             <a:r>
               <a:rPr lang="en-ZA" dirty="0" smtClean="0">
@@ -10136,99 +10219,6 @@
             <a:endParaRPr lang="en-ZA" dirty="0" smtClean="0"/>
           </a:p>
           <a:p>
-            <a:pPr>
-              <a:buFont typeface="Arial" panose="020B0604020202020204" pitchFamily="34" charset="0"/>
-              <a:buChar char="•"/>
-            </a:pPr>
-            <a:r>
-              <a:rPr lang="en-ZA" dirty="0">
-                <a:hlinkClick r:id="rId4"/>
-              </a:rPr>
-              <a:t>https://</a:t>
-            </a:r>
-            <a:r>
-              <a:rPr lang="en-ZA" dirty="0" smtClean="0">
-                <a:hlinkClick r:id="rId4"/>
-              </a:rPr>
-              <a:t>www.google.com/design/spec/style/color.html</a:t>
-            </a:r>
-            <a:endParaRPr lang="en-ZA" dirty="0"/>
-          </a:p>
-          <a:p>
-            <a:pPr>
-              <a:buFont typeface="Arial" panose="020B0604020202020204" pitchFamily="34" charset="0"/>
-              <a:buChar char="•"/>
-            </a:pPr>
-            <a:r>
-              <a:rPr lang="en-ZA" dirty="0">
-                <a:hlinkClick r:id="rId5"/>
-              </a:rPr>
-              <a:t>http://www.getmdl.io/</a:t>
-            </a:r>
-            <a:endParaRPr lang="en-ZA" dirty="0"/>
-          </a:p>
-          <a:p>
-            <a:r>
-              <a:rPr lang="en-ZA" dirty="0"/>
-              <a:t>Tutorial:</a:t>
-            </a:r>
-          </a:p>
-          <a:p>
-            <a:pPr>
-              <a:buFont typeface="Arial" panose="020B0604020202020204" pitchFamily="34" charset="0"/>
-              <a:buChar char="•"/>
-            </a:pPr>
-            <a:r>
-              <a:rPr lang="en-ZA" dirty="0">
-                <a:hlinkClick r:id="rId6"/>
-              </a:rPr>
-              <a:t>http://materialdesigninxaml.net</a:t>
-            </a:r>
-            <a:r>
-              <a:rPr lang="en-ZA" dirty="0" smtClean="0">
-                <a:hlinkClick r:id="rId6"/>
-              </a:rPr>
-              <a:t>/</a:t>
-            </a:r>
-            <a:endParaRPr lang="en-ZA" dirty="0" smtClean="0"/>
-          </a:p>
-          <a:p>
-            <a:pPr>
-              <a:buFont typeface="Arial" panose="020B0604020202020204" pitchFamily="34" charset="0"/>
-              <a:buChar char="•"/>
-            </a:pPr>
-            <a:r>
-              <a:rPr lang="en-ZA" dirty="0" smtClean="0">
-                <a:hlinkClick r:id="rId7"/>
-              </a:rPr>
-              <a:t>https</a:t>
-            </a:r>
-            <a:r>
-              <a:rPr lang="en-ZA" dirty="0">
-                <a:hlinkClick r:id="rId7"/>
-              </a:rPr>
-              <a:t>://github.com/ButchersBoy/MaterialDesignInXamlToolkit/</a:t>
-            </a:r>
-            <a:endParaRPr lang="en-ZA" dirty="0"/>
-          </a:p>
-          <a:p>
-            <a:pPr>
-              <a:buFont typeface="Arial" panose="020B0604020202020204" pitchFamily="34" charset="0"/>
-              <a:buChar char="•"/>
-            </a:pPr>
-            <a:r>
-              <a:rPr lang="en-ZA" dirty="0">
-                <a:hlinkClick r:id="rId8"/>
-              </a:rPr>
-              <a:t>http://www.c-sharpcorner.com/UploadFile/c7830b/material-design-themed-timepicker-and-clock-controls-for-wpf/</a:t>
-            </a:r>
-            <a:endParaRPr lang="en-ZA" dirty="0"/>
-          </a:p>
-          <a:p>
-            <a:pPr>
-              <a:buFont typeface="Arial" panose="020B0604020202020204" pitchFamily="34" charset="0"/>
-              <a:buChar char="•"/>
-            </a:pPr>
             <a:endParaRPr lang="en-ZA" dirty="0"/>
           </a:p>
         </p:txBody>
@@ -10236,7 +10226,7 @@
     </p:spTree>
     <p:extLst>
       <p:ext uri="{BB962C8B-B14F-4D97-AF65-F5344CB8AC3E}">
-        <p14:creationId xmlns:p14="http://schemas.microsoft.com/office/powerpoint/2010/main" val="2634096932"/>
+        <p14:creationId xmlns:p14="http://schemas.microsoft.com/office/powerpoint/2010/main" val="2166421590"/>
       </p:ext>
     </p:extLst>
   </p:cSld>
@@ -10287,7 +10277,7 @@
           <a:p>
             <a:r>
               <a:rPr lang="en-ZA" dirty="0" smtClean="0"/>
-              <a:t>Chrome / Apple Design</a:t>
+              <a:t>Web Design</a:t>
             </a:r>
             <a:endParaRPr lang="en-ZA" dirty="0"/>
           </a:p>
@@ -10314,7 +10304,7 @@
             </a:pPr>
             <a:r>
               <a:rPr lang="en-ZA" dirty="0" smtClean="0"/>
-              <a:t>Original one which others take ideas from</a:t>
+              <a:t>Takes on similar design principles of the desktop</a:t>
             </a:r>
           </a:p>
           <a:p>
@@ -10324,7 +10314,17 @@
             </a:pPr>
             <a:r>
               <a:rPr lang="en-ZA" dirty="0" smtClean="0"/>
-              <a:t>Tried to improve on “old school” Windows design</a:t>
+              <a:t>Uses web technologies to achieve this</a:t>
+            </a:r>
+          </a:p>
+          <a:p>
+            <a:pPr>
+              <a:buFont typeface="Arial" panose="020B0604020202020204" pitchFamily="34" charset="0"/>
+              <a:buChar char="•"/>
+            </a:pPr>
+            <a:r>
+              <a:rPr lang="en-ZA" dirty="0" smtClean="0"/>
+              <a:t>Lots of animations</a:t>
             </a:r>
             <a:endParaRPr lang="en-ZA" dirty="0"/>
           </a:p>
@@ -10333,7 +10333,7 @@
     </p:spTree>
     <p:extLst>
       <p:ext uri="{BB962C8B-B14F-4D97-AF65-F5344CB8AC3E}">
-        <p14:creationId xmlns:p14="http://schemas.microsoft.com/office/powerpoint/2010/main" val="1960221591"/>
+        <p14:creationId xmlns:p14="http://schemas.microsoft.com/office/powerpoint/2010/main" val="3553760989"/>
       </p:ext>
     </p:extLst>
   </p:cSld>
@@ -10528,7 +10528,7 @@
           <a:p>
             <a:r>
               <a:rPr lang="en-ZA" dirty="0" smtClean="0"/>
-              <a:t>Chrome Principles</a:t>
+              <a:t>Web Design Technologies </a:t>
             </a:r>
             <a:endParaRPr lang="en-ZA" dirty="0"/>
           </a:p>
@@ -10548,19 +10548,37 @@
         <p:txBody>
           <a:bodyPr/>
           <a:lstStyle/>
+          <a:p>
+            <a:pPr marL="0" indent="0"/>
+            <a:r>
+              <a:rPr lang="en-ZA" dirty="0" smtClean="0"/>
+              <a:t>CSS</a:t>
+            </a:r>
+          </a:p>
           <a:p>
             <a:pPr>
               <a:buFont typeface="Arial" panose="020B0604020202020204" pitchFamily="34" charset="0"/>
               <a:buChar char="•"/>
             </a:pPr>
             <a:r>
-              <a:rPr lang="en-ZA" dirty="0"/>
-              <a:t>Aesthetic </a:t>
-            </a:r>
-            <a:r>
-              <a:rPr lang="en-ZA" dirty="0" smtClean="0"/>
-              <a:t>Integrity</a:t>
-            </a:r>
+              <a:rPr lang="en-ZA" dirty="0" smtClean="0">
+                <a:hlinkClick r:id="rId2"/>
+              </a:rPr>
+              <a:t>http</a:t>
+            </a:r>
+            <a:r>
+              <a:rPr lang="en-ZA" dirty="0">
+                <a:hlinkClick r:id="rId2"/>
+              </a:rPr>
+              <a:t>://</a:t>
+            </a:r>
+            <a:r>
+              <a:rPr lang="en-ZA" dirty="0" smtClean="0">
+                <a:hlinkClick r:id="rId2"/>
+              </a:rPr>
+              <a:t>www.w3schools.com/css/css_intro.asp</a:t>
+            </a:r>
+            <a:endParaRPr lang="en-ZA" dirty="0" smtClean="0"/>
           </a:p>
           <a:p>
             <a:pPr>
@@ -10568,9 +10586,102 @@
               <a:buChar char="•"/>
             </a:pPr>
             <a:r>
-              <a:rPr lang="en-ZA" dirty="0" smtClean="0"/>
-              <a:t>Consistency</a:t>
-            </a:r>
+              <a:rPr lang="en-ZA" dirty="0" smtClean="0">
+                <a:hlinkClick r:id="rId3"/>
+              </a:rPr>
+              <a:t>http</a:t>
+            </a:r>
+            <a:r>
+              <a:rPr lang="en-ZA" dirty="0">
+                <a:hlinkClick r:id="rId3"/>
+              </a:rPr>
+              <a:t>://www.w3schools.com/css</a:t>
+            </a:r>
+            <a:r>
+              <a:rPr lang="en-ZA" dirty="0" smtClean="0">
+                <a:hlinkClick r:id="rId3"/>
+              </a:rPr>
+              <a:t>/</a:t>
+            </a:r>
+            <a:endParaRPr lang="en-ZA" dirty="0" smtClean="0"/>
+          </a:p>
+          <a:p>
+            <a:pPr marL="0" indent="0"/>
+            <a:r>
+              <a:rPr lang="en-ZA" dirty="0" smtClean="0"/>
+              <a:t>Bootstrap</a:t>
+            </a:r>
+          </a:p>
+          <a:p>
+            <a:pPr marL="285750" indent="-285750">
+              <a:buFont typeface="Arial" panose="020B0604020202020204" pitchFamily="34" charset="0"/>
+              <a:buChar char="•"/>
+            </a:pPr>
+            <a:r>
+              <a:rPr lang="en-ZA" dirty="0">
+                <a:hlinkClick r:id="rId4"/>
+              </a:rPr>
+              <a:t>http://www.w3schools.com/bootstrap</a:t>
+            </a:r>
+            <a:r>
+              <a:rPr lang="en-ZA" dirty="0" smtClean="0">
+                <a:hlinkClick r:id="rId4"/>
+              </a:rPr>
+              <a:t>/</a:t>
+            </a:r>
+            <a:endParaRPr lang="en-ZA" dirty="0" smtClean="0"/>
+          </a:p>
+          <a:p>
+            <a:pPr marL="285750" indent="-285750">
+              <a:buFont typeface="Arial" panose="020B0604020202020204" pitchFamily="34" charset="0"/>
+              <a:buChar char="•"/>
+            </a:pPr>
+            <a:r>
+              <a:rPr lang="en-ZA" dirty="0">
+                <a:hlinkClick r:id="rId5"/>
+              </a:rPr>
+              <a:t>http://getbootstrap.com</a:t>
+            </a:r>
+            <a:r>
+              <a:rPr lang="en-ZA" dirty="0" smtClean="0">
+                <a:hlinkClick r:id="rId5"/>
+              </a:rPr>
+              <a:t>/</a:t>
+            </a:r>
+            <a:endParaRPr lang="en-ZA" dirty="0" smtClean="0"/>
+          </a:p>
+          <a:p>
+            <a:pPr marL="0" indent="0"/>
+            <a:endParaRPr lang="en-ZA" dirty="0"/>
+          </a:p>
+          <a:p>
+            <a:pPr marL="0" indent="0"/>
+            <a:r>
+              <a:rPr lang="en-ZA" dirty="0" smtClean="0"/>
+              <a:t>Bootstrap Templates:</a:t>
+            </a:r>
+          </a:p>
+          <a:p>
+            <a:pPr marL="285750" indent="-285750">
+              <a:buFont typeface="Arial" panose="020B0604020202020204" pitchFamily="34" charset="0"/>
+              <a:buChar char="•"/>
+            </a:pPr>
+            <a:r>
+              <a:rPr lang="en-ZA" dirty="0">
+                <a:hlinkClick r:id="rId6"/>
+              </a:rPr>
+              <a:t>http://www.bootstrapzero.com</a:t>
+            </a:r>
+            <a:r>
+              <a:rPr lang="en-ZA" dirty="0" smtClean="0">
+                <a:hlinkClick r:id="rId6"/>
+              </a:rPr>
+              <a:t>/</a:t>
+            </a:r>
+            <a:endParaRPr lang="en-ZA" dirty="0" smtClean="0"/>
+          </a:p>
+          <a:p>
+            <a:pPr marL="0" indent="0"/>
             <a:endParaRPr lang="en-ZA" dirty="0"/>
           </a:p>
           <a:p>
@@ -10578,45 +10689,6 @@
               <a:buFont typeface="Arial" panose="020B0604020202020204" pitchFamily="34" charset="0"/>
               <a:buChar char="•"/>
             </a:pPr>
-            <a:r>
-              <a:rPr lang="en-ZA" dirty="0"/>
-              <a:t>Direct </a:t>
-            </a:r>
-            <a:r>
-              <a:rPr lang="en-ZA" dirty="0" smtClean="0"/>
-              <a:t>Manipulation</a:t>
-            </a:r>
-            <a:endParaRPr lang="en-ZA" dirty="0"/>
-          </a:p>
-          <a:p>
-            <a:pPr>
-              <a:buFont typeface="Arial" panose="020B0604020202020204" pitchFamily="34" charset="0"/>
-              <a:buChar char="•"/>
-            </a:pPr>
-            <a:r>
-              <a:rPr lang="en-ZA" dirty="0" smtClean="0"/>
-              <a:t>Feedback</a:t>
-            </a:r>
-          </a:p>
-          <a:p>
-            <a:pPr>
-              <a:buFont typeface="Arial" panose="020B0604020202020204" pitchFamily="34" charset="0"/>
-              <a:buChar char="•"/>
-            </a:pPr>
-            <a:r>
-              <a:rPr lang="en-ZA" dirty="0" smtClean="0"/>
-              <a:t>UI Metaphors</a:t>
-            </a:r>
-          </a:p>
-          <a:p>
-            <a:pPr>
-              <a:buFont typeface="Arial" panose="020B0604020202020204" pitchFamily="34" charset="0"/>
-              <a:buChar char="•"/>
-            </a:pPr>
-            <a:r>
-              <a:rPr lang="en-ZA" dirty="0" smtClean="0"/>
-              <a:t>User driven control</a:t>
-            </a:r>
             <a:endParaRPr lang="en-ZA" dirty="0"/>
           </a:p>
         </p:txBody>
@@ -10624,7 +10696,7 @@
     </p:spTree>
     <p:extLst>
       <p:ext uri="{BB962C8B-B14F-4D97-AF65-F5344CB8AC3E}">
-        <p14:creationId xmlns:p14="http://schemas.microsoft.com/office/powerpoint/2010/main" val="1356450910"/>
+        <p14:creationId xmlns:p14="http://schemas.microsoft.com/office/powerpoint/2010/main" val="3641776122"/>
       </p:ext>
     </p:extLst>
   </p:cSld>
@@ -10674,451 +10746,6 @@
           <a:lstStyle/>
           <a:p>
             <a:r>
-              <a:rPr lang="en-ZA" dirty="0" smtClean="0"/>
-              <a:t>Chrome Design</a:t>
-            </a:r>
-            <a:endParaRPr lang="en-ZA" dirty="0"/>
-          </a:p>
-        </p:txBody>
-      </p:sp>
-      <p:sp>
-        <p:nvSpPr>
-          <p:cNvPr id="3" name="Content Placeholder 2"/>
-          <p:cNvSpPr>
-            <a:spLocks noGrp="1"/>
-          </p:cNvSpPr>
-          <p:nvPr>
-            <p:ph idx="1"/>
-          </p:nvPr>
-        </p:nvSpPr>
-        <p:spPr/>
-        <p:txBody>
-          <a:bodyPr/>
-          <a:lstStyle/>
-          <a:p>
-            <a:r>
-              <a:rPr lang="en-ZA" dirty="0"/>
-              <a:t>See principles: </a:t>
-            </a:r>
-            <a:r>
-              <a:rPr lang="en-ZA" dirty="0">
-                <a:hlinkClick r:id="rId2"/>
-              </a:rPr>
-              <a:t>https://</a:t>
-            </a:r>
-            <a:r>
-              <a:rPr lang="en-ZA" dirty="0" smtClean="0">
-                <a:hlinkClick r:id="rId2"/>
-              </a:rPr>
-              <a:t>developer.apple.com/library/ios/documentation/UserExperience/Conceptual/MobileHIG/Principles.html</a:t>
-            </a:r>
-            <a:endParaRPr lang="en-ZA" dirty="0" smtClean="0"/>
-          </a:p>
-          <a:p>
-            <a:r>
-              <a:rPr lang="en-ZA" dirty="0" smtClean="0"/>
-              <a:t>OSX:</a:t>
-            </a:r>
-          </a:p>
-          <a:p>
-            <a:r>
-              <a:rPr lang="en-ZA" dirty="0">
-                <a:hlinkClick r:id="rId3"/>
-              </a:rPr>
-              <a:t>https://developer.apple.com/library/mac/documentation/UserExperience/Conceptual/OSXHIGuidelines</a:t>
-            </a:r>
-            <a:r>
-              <a:rPr lang="en-ZA" dirty="0" smtClean="0">
-                <a:hlinkClick r:id="rId3"/>
-              </a:rPr>
-              <a:t>/</a:t>
-            </a:r>
-            <a:endParaRPr lang="en-ZA" dirty="0" smtClean="0"/>
-          </a:p>
-          <a:p>
-            <a:endParaRPr lang="en-ZA" dirty="0"/>
-          </a:p>
-        </p:txBody>
-      </p:sp>
-    </p:spTree>
-    <p:extLst>
-      <p:ext uri="{BB962C8B-B14F-4D97-AF65-F5344CB8AC3E}">
-        <p14:creationId xmlns:p14="http://schemas.microsoft.com/office/powerpoint/2010/main" val="2166421590"/>
-      </p:ext>
-    </p:extLst>
-  </p:cSld>
-  <p:clrMapOvr>
-    <a:masterClrMapping/>
-  </p:clrMapOvr>
-  <p:timing>
-    <p:tnLst>
-      <p:par>
-        <p:cTn id="1" dur="indefinite" restart="never" nodeType="tmRoot"/>
-      </p:par>
-    </p:tnLst>
-  </p:timing>
-</p:sld>
-</file>
-
-<file path=ppt/slides/slide42.xml><?xml version="1.0" encoding="utf-8"?>
-<p:sld xmlns:a="http://schemas.openxmlformats.org/drawingml/2006/main" xmlns:r="http://schemas.openxmlformats.org/officeDocument/2006/relationships" xmlns:p="http://schemas.openxmlformats.org/presentationml/2006/main">
-  <p:cSld>
-    <p:spTree>
-      <p:nvGrpSpPr>
-        <p:cNvPr id="1" name=""/>
-        <p:cNvGrpSpPr/>
-        <p:nvPr/>
-      </p:nvGrpSpPr>
-      <p:grpSpPr>
-        <a:xfrm>
-          <a:off x="0" y="0"/>
-          <a:ext cx="0" cy="0"/>
-          <a:chOff x="0" y="0"/>
-          <a:chExt cx="0" cy="0"/>
-        </a:xfrm>
-      </p:grpSpPr>
-      <p:sp>
-        <p:nvSpPr>
-          <p:cNvPr id="2" name="Title 1"/>
-          <p:cNvSpPr>
-            <a:spLocks noGrp="1"/>
-          </p:cNvSpPr>
-          <p:nvPr>
-            <p:ph type="title"/>
-          </p:nvPr>
-        </p:nvSpPr>
-        <p:spPr/>
-        <p:txBody>
-          <a:bodyPr/>
-          <a:lstStyle/>
-          <a:p>
-            <a:r>
-              <a:rPr lang="en-ZA" dirty="0" smtClean="0"/>
-              <a:t>Web Design</a:t>
-            </a:r>
-            <a:endParaRPr lang="en-ZA" dirty="0"/>
-          </a:p>
-        </p:txBody>
-      </p:sp>
-      <p:sp>
-        <p:nvSpPr>
-          <p:cNvPr id="3" name="Content Placeholder 2"/>
-          <p:cNvSpPr>
-            <a:spLocks noGrp="1"/>
-          </p:cNvSpPr>
-          <p:nvPr>
-            <p:ph idx="1"/>
-          </p:nvPr>
-        </p:nvSpPr>
-        <p:spPr/>
-        <p:txBody>
-          <a:bodyPr/>
-          <a:lstStyle/>
-          <a:p>
-            <a:pPr>
-              <a:buFont typeface="Arial" panose="020B0604020202020204" pitchFamily="34" charset="0"/>
-              <a:buChar char="•"/>
-            </a:pPr>
-            <a:r>
-              <a:rPr lang="en-ZA" dirty="0" smtClean="0"/>
-              <a:t>Takes on similar design principles of the desktop</a:t>
-            </a:r>
-          </a:p>
-          <a:p>
-            <a:pPr>
-              <a:buFont typeface="Arial" panose="020B0604020202020204" pitchFamily="34" charset="0"/>
-              <a:buChar char="•"/>
-            </a:pPr>
-            <a:r>
-              <a:rPr lang="en-ZA" dirty="0" smtClean="0"/>
-              <a:t>Uses web technologies to achieve this</a:t>
-            </a:r>
-          </a:p>
-          <a:p>
-            <a:pPr>
-              <a:buFont typeface="Arial" panose="020B0604020202020204" pitchFamily="34" charset="0"/>
-              <a:buChar char="•"/>
-            </a:pPr>
-            <a:r>
-              <a:rPr lang="en-ZA" dirty="0" smtClean="0"/>
-              <a:t>Lots of animations</a:t>
-            </a:r>
-            <a:endParaRPr lang="en-ZA" dirty="0"/>
-          </a:p>
-        </p:txBody>
-      </p:sp>
-    </p:spTree>
-    <p:extLst>
-      <p:ext uri="{BB962C8B-B14F-4D97-AF65-F5344CB8AC3E}">
-        <p14:creationId xmlns:p14="http://schemas.microsoft.com/office/powerpoint/2010/main" val="3553760989"/>
-      </p:ext>
-    </p:extLst>
-  </p:cSld>
-  <p:clrMapOvr>
-    <a:masterClrMapping/>
-  </p:clrMapOvr>
-  <p:timing>
-    <p:tnLst>
-      <p:par>
-        <p:cTn id="1" dur="indefinite" restart="never" nodeType="tmRoot"/>
-      </p:par>
-    </p:tnLst>
-  </p:timing>
-</p:sld>
-</file>
-
-<file path=ppt/slides/slide43.xml><?xml version="1.0" encoding="utf-8"?>
-<p:sld xmlns:a="http://schemas.openxmlformats.org/drawingml/2006/main" xmlns:r="http://schemas.openxmlformats.org/officeDocument/2006/relationships" xmlns:p="http://schemas.openxmlformats.org/presentationml/2006/main">
-  <p:cSld>
-    <p:spTree>
-      <p:nvGrpSpPr>
-        <p:cNvPr id="1" name=""/>
-        <p:cNvGrpSpPr/>
-        <p:nvPr/>
-      </p:nvGrpSpPr>
-      <p:grpSpPr>
-        <a:xfrm>
-          <a:off x="0" y="0"/>
-          <a:ext cx="0" cy="0"/>
-          <a:chOff x="0" y="0"/>
-          <a:chExt cx="0" cy="0"/>
-        </a:xfrm>
-      </p:grpSpPr>
-      <p:sp>
-        <p:nvSpPr>
-          <p:cNvPr id="2" name="Title 1"/>
-          <p:cNvSpPr>
-            <a:spLocks noGrp="1"/>
-          </p:cNvSpPr>
-          <p:nvPr>
-            <p:ph type="title"/>
-          </p:nvPr>
-        </p:nvSpPr>
-        <p:spPr/>
-        <p:txBody>
-          <a:bodyPr/>
-          <a:lstStyle/>
-          <a:p>
-            <a:r>
-              <a:rPr lang="en-ZA" dirty="0" smtClean="0"/>
-              <a:t>Web Design Technologies </a:t>
-            </a:r>
-            <a:endParaRPr lang="en-ZA" dirty="0"/>
-          </a:p>
-        </p:txBody>
-      </p:sp>
-      <p:sp>
-        <p:nvSpPr>
-          <p:cNvPr id="3" name="Content Placeholder 2"/>
-          <p:cNvSpPr>
-            <a:spLocks noGrp="1"/>
-          </p:cNvSpPr>
-          <p:nvPr>
-            <p:ph idx="1"/>
-          </p:nvPr>
-        </p:nvSpPr>
-        <p:spPr/>
-        <p:txBody>
-          <a:bodyPr/>
-          <a:lstStyle/>
-          <a:p>
-            <a:pPr marL="0" indent="0"/>
-            <a:r>
-              <a:rPr lang="en-ZA" dirty="0" smtClean="0"/>
-              <a:t>CSS</a:t>
-            </a:r>
-          </a:p>
-          <a:p>
-            <a:pPr>
-              <a:buFont typeface="Arial" panose="020B0604020202020204" pitchFamily="34" charset="0"/>
-              <a:buChar char="•"/>
-            </a:pPr>
-            <a:r>
-              <a:rPr lang="en-ZA" dirty="0" smtClean="0">
-                <a:hlinkClick r:id="rId2"/>
-              </a:rPr>
-              <a:t>http</a:t>
-            </a:r>
-            <a:r>
-              <a:rPr lang="en-ZA" dirty="0">
-                <a:hlinkClick r:id="rId2"/>
-              </a:rPr>
-              <a:t>://</a:t>
-            </a:r>
-            <a:r>
-              <a:rPr lang="en-ZA" dirty="0" smtClean="0">
-                <a:hlinkClick r:id="rId2"/>
-              </a:rPr>
-              <a:t>www.w3schools.com/css/css_intro.asp</a:t>
-            </a:r>
-            <a:endParaRPr lang="en-ZA" dirty="0" smtClean="0"/>
-          </a:p>
-          <a:p>
-            <a:pPr>
-              <a:buFont typeface="Arial" panose="020B0604020202020204" pitchFamily="34" charset="0"/>
-              <a:buChar char="•"/>
-            </a:pPr>
-            <a:r>
-              <a:rPr lang="en-ZA" dirty="0" smtClean="0">
-                <a:hlinkClick r:id="rId3"/>
-              </a:rPr>
-              <a:t>http</a:t>
-            </a:r>
-            <a:r>
-              <a:rPr lang="en-ZA" dirty="0">
-                <a:hlinkClick r:id="rId3"/>
-              </a:rPr>
-              <a:t>://www.w3schools.com/css</a:t>
-            </a:r>
-            <a:r>
-              <a:rPr lang="en-ZA" dirty="0" smtClean="0">
-                <a:hlinkClick r:id="rId3"/>
-              </a:rPr>
-              <a:t>/</a:t>
-            </a:r>
-            <a:endParaRPr lang="en-ZA" dirty="0" smtClean="0"/>
-          </a:p>
-          <a:p>
-            <a:pPr marL="0" indent="0"/>
-            <a:r>
-              <a:rPr lang="en-ZA" dirty="0" smtClean="0"/>
-              <a:t>Bootstrap</a:t>
-            </a:r>
-          </a:p>
-          <a:p>
-            <a:pPr marL="285750" indent="-285750">
-              <a:buFont typeface="Arial" panose="020B0604020202020204" pitchFamily="34" charset="0"/>
-              <a:buChar char="•"/>
-            </a:pPr>
-            <a:r>
-              <a:rPr lang="en-ZA" dirty="0">
-                <a:hlinkClick r:id="rId4"/>
-              </a:rPr>
-              <a:t>http://www.w3schools.com/bootstrap</a:t>
-            </a:r>
-            <a:r>
-              <a:rPr lang="en-ZA" dirty="0" smtClean="0">
-                <a:hlinkClick r:id="rId4"/>
-              </a:rPr>
-              <a:t>/</a:t>
-            </a:r>
-            <a:endParaRPr lang="en-ZA" dirty="0" smtClean="0"/>
-          </a:p>
-          <a:p>
-            <a:pPr marL="285750" indent="-285750">
-              <a:buFont typeface="Arial" panose="020B0604020202020204" pitchFamily="34" charset="0"/>
-              <a:buChar char="•"/>
-            </a:pPr>
-            <a:r>
-              <a:rPr lang="en-ZA" dirty="0">
-                <a:hlinkClick r:id="rId5"/>
-              </a:rPr>
-              <a:t>http://getbootstrap.com</a:t>
-            </a:r>
-            <a:r>
-              <a:rPr lang="en-ZA" dirty="0" smtClean="0">
-                <a:hlinkClick r:id="rId5"/>
-              </a:rPr>
-              <a:t>/</a:t>
-            </a:r>
-            <a:endParaRPr lang="en-ZA" dirty="0" smtClean="0"/>
-          </a:p>
-          <a:p>
-            <a:pPr marL="0" indent="0"/>
-            <a:endParaRPr lang="en-ZA" dirty="0"/>
-          </a:p>
-          <a:p>
-            <a:pPr marL="0" indent="0"/>
-            <a:r>
-              <a:rPr lang="en-ZA" dirty="0" smtClean="0"/>
-              <a:t>Bootstrap Templates:</a:t>
-            </a:r>
-          </a:p>
-          <a:p>
-            <a:pPr marL="285750" indent="-285750">
-              <a:buFont typeface="Arial" panose="020B0604020202020204" pitchFamily="34" charset="0"/>
-              <a:buChar char="•"/>
-            </a:pPr>
-            <a:r>
-              <a:rPr lang="en-ZA" dirty="0">
-                <a:hlinkClick r:id="rId6"/>
-              </a:rPr>
-              <a:t>http://www.bootstrapzero.com</a:t>
-            </a:r>
-            <a:r>
-              <a:rPr lang="en-ZA" dirty="0" smtClean="0">
-                <a:hlinkClick r:id="rId6"/>
-              </a:rPr>
-              <a:t>/</a:t>
-            </a:r>
-            <a:endParaRPr lang="en-ZA" dirty="0" smtClean="0"/>
-          </a:p>
-          <a:p>
-            <a:pPr marL="0" indent="0"/>
-            <a:endParaRPr lang="en-ZA" dirty="0"/>
-          </a:p>
-          <a:p>
-            <a:pPr>
-              <a:buFont typeface="Arial" panose="020B0604020202020204" pitchFamily="34" charset="0"/>
-              <a:buChar char="•"/>
-            </a:pPr>
-            <a:endParaRPr lang="en-ZA" dirty="0"/>
-          </a:p>
-        </p:txBody>
-      </p:sp>
-    </p:spTree>
-    <p:extLst>
-      <p:ext uri="{BB962C8B-B14F-4D97-AF65-F5344CB8AC3E}">
-        <p14:creationId xmlns:p14="http://schemas.microsoft.com/office/powerpoint/2010/main" val="3641776122"/>
-      </p:ext>
-    </p:extLst>
-  </p:cSld>
-  <p:clrMapOvr>
-    <a:masterClrMapping/>
-  </p:clrMapOvr>
-  <p:timing>
-    <p:tnLst>
-      <p:par>
-        <p:cTn id="1" dur="indefinite" restart="never" nodeType="tmRoot"/>
-      </p:par>
-    </p:tnLst>
-  </p:timing>
-</p:sld>
-</file>
-
-<file path=ppt/slides/slide44.xml><?xml version="1.0" encoding="utf-8"?>
-<p:sld xmlns:a="http://schemas.openxmlformats.org/drawingml/2006/main" xmlns:r="http://schemas.openxmlformats.org/officeDocument/2006/relationships" xmlns:p="http://schemas.openxmlformats.org/presentationml/2006/main">
-  <p:cSld>
-    <p:spTree>
-      <p:nvGrpSpPr>
-        <p:cNvPr id="1" name=""/>
-        <p:cNvGrpSpPr/>
-        <p:nvPr/>
-      </p:nvGrpSpPr>
-      <p:grpSpPr>
-        <a:xfrm>
-          <a:off x="0" y="0"/>
-          <a:ext cx="0" cy="0"/>
-          <a:chOff x="0" y="0"/>
-          <a:chExt cx="0" cy="0"/>
-        </a:xfrm>
-      </p:grpSpPr>
-      <p:sp>
-        <p:nvSpPr>
-          <p:cNvPr id="2" name="Title 1"/>
-          <p:cNvSpPr>
-            <a:spLocks noGrp="1"/>
-          </p:cNvSpPr>
-          <p:nvPr>
-            <p:ph type="title"/>
-          </p:nvPr>
-        </p:nvSpPr>
-        <p:spPr/>
-        <p:txBody>
-          <a:bodyPr/>
-          <a:lstStyle/>
-          <a:p>
-            <a:r>
               <a:rPr lang="en-ZA" dirty="0" err="1" smtClean="0"/>
               <a:t>Mockups</a:t>
             </a:r>
@@ -11186,7 +10813,7 @@
         </p:blipFill>
         <p:spPr bwMode="auto">
           <a:xfrm>
-            <a:off x="2346960" y="1772817"/>
+            <a:off x="6564118" y="2673569"/>
             <a:ext cx="4539297" cy="3093889"/>
           </a:xfrm>
           <a:prstGeom prst="rect">
@@ -11224,7 +10851,7 @@
 </p:sld>
 </file>
 
-<file path=ppt/slides/slide45.xml><?xml version="1.0" encoding="utf-8"?>
+<file path=ppt/slides/slide42.xml><?xml version="1.0" encoding="utf-8"?>
 <p:sld xmlns:a="http://schemas.openxmlformats.org/drawingml/2006/main" xmlns:r="http://schemas.openxmlformats.org/officeDocument/2006/relationships" xmlns:p="http://schemas.openxmlformats.org/presentationml/2006/main">
   <p:cSld>
     <p:spTree>
@@ -11324,7 +10951,7 @@
         </p:blipFill>
         <p:spPr bwMode="auto">
           <a:xfrm>
-            <a:off x="1919536" y="2006572"/>
+            <a:off x="6498287" y="2325877"/>
             <a:ext cx="5472608" cy="4109042"/>
           </a:xfrm>
           <a:prstGeom prst="rect">
@@ -11362,7 +10989,7 @@
 </p:sld>
 </file>
 
-<file path=ppt/slides/slide46.xml><?xml version="1.0" encoding="utf-8"?>
+<file path=ppt/slides/slide43.xml><?xml version="1.0" encoding="utf-8"?>
 <p:sld xmlns:a="http://schemas.openxmlformats.org/drawingml/2006/main" xmlns:r="http://schemas.openxmlformats.org/officeDocument/2006/relationships" xmlns:p="http://schemas.openxmlformats.org/presentationml/2006/main">
   <p:cSld>
     <p:spTree>
@@ -11427,7 +11054,7 @@
         </p:blipFill>
         <p:spPr bwMode="auto">
           <a:xfrm>
-            <a:off x="2876125" y="1100138"/>
+            <a:off x="2180089" y="2232902"/>
             <a:ext cx="6461974" cy="3579812"/>
           </a:xfrm>
           <a:prstGeom prst="rect">
@@ -11465,7 +11092,7 @@
 </p:sld>
 </file>
 
-<file path=ppt/slides/slide47.xml><?xml version="1.0" encoding="utf-8"?>
+<file path=ppt/slides/slide44.xml><?xml version="1.0" encoding="utf-8"?>
 <p:sld xmlns:a="http://schemas.openxmlformats.org/drawingml/2006/main" xmlns:r="http://schemas.openxmlformats.org/officeDocument/2006/relationships" xmlns:p="http://schemas.openxmlformats.org/presentationml/2006/main">
   <p:cSld>
     <p:spTree>
@@ -11586,7 +11213,7 @@
 </p:sld>
 </file>
 
-<file path=ppt/slides/slide48.xml><?xml version="1.0" encoding="utf-8"?>
+<file path=ppt/slides/slide45.xml><?xml version="1.0" encoding="utf-8"?>
 <p:sld xmlns:a="http://schemas.openxmlformats.org/drawingml/2006/main" xmlns:r="http://schemas.openxmlformats.org/officeDocument/2006/relationships" xmlns:p="http://schemas.openxmlformats.org/presentationml/2006/main">
   <p:cSld>
     <p:spTree>
@@ -11618,6 +11245,74 @@
           <a:bodyPr/>
           <a:lstStyle/>
           <a:p>
+            <a:endParaRPr lang="en-ZA"/>
+          </a:p>
+        </p:txBody>
+      </p:sp>
+      <p:sp>
+        <p:nvSpPr>
+          <p:cNvPr id="3" name="Content Placeholder 2"/>
+          <p:cNvSpPr>
+            <a:spLocks noGrp="1"/>
+          </p:cNvSpPr>
+          <p:nvPr>
+            <p:ph idx="1"/>
+          </p:nvPr>
+        </p:nvSpPr>
+        <p:spPr/>
+        <p:txBody>
+          <a:bodyPr/>
+          <a:lstStyle/>
+          <a:p>
+            <a:endParaRPr lang="en-ZA"/>
+          </a:p>
+        </p:txBody>
+      </p:sp>
+    </p:spTree>
+    <p:extLst>
+      <p:ext uri="{BB962C8B-B14F-4D97-AF65-F5344CB8AC3E}">
+        <p14:creationId xmlns:p14="http://schemas.microsoft.com/office/powerpoint/2010/main" val="1102006285"/>
+      </p:ext>
+    </p:extLst>
+  </p:cSld>
+  <p:clrMapOvr>
+    <a:masterClrMapping/>
+  </p:clrMapOvr>
+</p:sld>
+</file>
+
+<file path=ppt/slides/slide46.xml><?xml version="1.0" encoding="utf-8"?>
+<p:sld xmlns:a="http://schemas.openxmlformats.org/drawingml/2006/main" xmlns:r="http://schemas.openxmlformats.org/officeDocument/2006/relationships" xmlns:p="http://schemas.openxmlformats.org/presentationml/2006/main">
+  <p:cSld>
+    <p:spTree>
+      <p:nvGrpSpPr>
+        <p:cNvPr id="1" name=""/>
+        <p:cNvGrpSpPr/>
+        <p:nvPr/>
+      </p:nvGrpSpPr>
+      <p:grpSpPr>
+        <a:xfrm>
+          <a:off x="0" y="0"/>
+          <a:ext cx="0" cy="0"/>
+          <a:chOff x="0" y="0"/>
+          <a:chExt cx="0" cy="0"/>
+        </a:xfrm>
+      </p:grpSpPr>
+      <p:sp>
+        <p:nvSpPr>
+          <p:cNvPr id="2" name="Title 1"/>
+          <p:cNvSpPr>
+            <a:spLocks noGrp="1"/>
+          </p:cNvSpPr>
+          <p:nvPr>
+            <p:ph type="title"/>
+          </p:nvPr>
+        </p:nvSpPr>
+        <p:spPr/>
+        <p:txBody>
+          <a:bodyPr/>
+          <a:lstStyle/>
+          <a:p>
             <a:r>
               <a:rPr lang="en-US" dirty="0" smtClean="0"/>
               <a:t>The Course Project</a:t>
@@ -11644,79 +11339,40 @@
         </p:spPr>
         <p:txBody>
           <a:bodyPr>
-            <a:normAutofit fontScale="92500" lnSpcReduction="10000"/>
+            <a:normAutofit/>
           </a:bodyPr>
           <a:lstStyle/>
           <a:p>
             <a:r>
               <a:rPr lang="en-US" dirty="0" smtClean="0"/>
-              <a:t>For this project, you will be building a simple web interface which can scan selected folders for media and store that information in a database</a:t>
-            </a:r>
-          </a:p>
-          <a:p>
+              <a:t>For this project, you will be building a simple web interface which can scan selected folders for media and store that information in a </a:t>
+            </a:r>
             <a:r>
               <a:rPr lang="en-US" dirty="0" smtClean="0"/>
-              <a:t>This week take last weeks work and implement a simple </a:t>
+              <a:t>database</a:t>
+            </a:r>
+            <a:endParaRPr lang="en-US" dirty="0"/>
+          </a:p>
+          <a:p>
+            <a:r>
+              <a:rPr lang="en-US" dirty="0" smtClean="0"/>
+              <a:t>Using Bootstrap style your </a:t>
             </a:r>
             <a:r>
               <a:rPr lang="en-US" dirty="0" err="1" smtClean="0"/>
-              <a:t>expressJS</a:t>
+              <a:t>webapp</a:t>
             </a:r>
             <a:r>
               <a:rPr lang="en-US" dirty="0" smtClean="0"/>
-              <a:t> application which accepts user input for a folder and then stores the results in a database.</a:t>
+              <a:t> and make the interface look better</a:t>
             </a:r>
           </a:p>
           <a:p>
             <a:r>
               <a:rPr lang="en-US" dirty="0" smtClean="0"/>
-              <a:t>Then if the user clicks on the data page of the website display the information in the database</a:t>
-            </a:r>
-          </a:p>
-          <a:p>
-            <a:endParaRPr lang="en-ZA" dirty="0" smtClean="0"/>
-          </a:p>
-          <a:p>
-            <a:r>
-              <a:rPr lang="en-US" dirty="0" smtClean="0"/>
-              <a:t>Some Links</a:t>
-            </a:r>
-          </a:p>
-          <a:p>
-            <a:pPr lvl="1"/>
-            <a:r>
-              <a:rPr lang="en-US" dirty="0">
-                <a:hlinkClick r:id="rId2"/>
-              </a:rPr>
-              <a:t>https://</a:t>
-            </a:r>
-            <a:r>
-              <a:rPr lang="en-US" dirty="0" smtClean="0">
-                <a:hlinkClick r:id="rId2"/>
-              </a:rPr>
-              <a:t>www.npmjs.com/package/readline-sync</a:t>
+              <a:t>That will complete the project</a:t>
             </a:r>
             <a:endParaRPr lang="en-US" dirty="0" smtClean="0"/>
-          </a:p>
-          <a:p>
-            <a:pPr lvl="1"/>
-            <a:r>
-              <a:rPr lang="en-US" dirty="0">
-                <a:hlinkClick r:id="rId3"/>
-              </a:rPr>
-              <a:t>http://</a:t>
-            </a:r>
-            <a:r>
-              <a:rPr lang="en-US" dirty="0" smtClean="0">
-                <a:hlinkClick r:id="rId3"/>
-              </a:rPr>
-              <a:t>stackoverflow.com/questions/2727167/getting-all-filenames-in-a-directory-with-node-js</a:t>
-            </a:r>
-            <a:endParaRPr lang="en-US" dirty="0" smtClean="0"/>
-          </a:p>
-          <a:p>
-            <a:pPr lvl="1"/>
-            <a:endParaRPr lang="en-US" dirty="0"/>
           </a:p>
         </p:txBody>
       </p:sp>
@@ -11740,7 +11396,7 @@
 </p:sld>
 </file>
 
-<file path=ppt/slides/slide49.xml><?xml version="1.0" encoding="utf-8"?>
+<file path=ppt/slides/slide47.xml><?xml version="1.0" encoding="utf-8"?>
 <p:sld xmlns:a="http://schemas.openxmlformats.org/drawingml/2006/main" xmlns:r="http://schemas.openxmlformats.org/officeDocument/2006/relationships" xmlns:p="http://schemas.openxmlformats.org/presentationml/2006/main">
   <p:cSld>
     <p:spTree>
@@ -12683,7 +12339,7 @@
   <a:extraClrSchemeLst/>
   <a:extLst>
     <a:ext uri="{05A4C25C-085E-4340-85A3-A5531E510DB2}">
-      <thm15:themeFamily xmlns:thm15="http://schemas.microsoft.com/office/thememl/2012/main" name="Ion" id="{B8441ADB-2E43-4AF7-B97A-BD870242C6A8}" vid="{A207AED3-9ABC-4A18-9978-A59B65688B15}"/>
+      <thm15:themeFamily xmlns:thm15="http://schemas.microsoft.com/office/thememl/2012/main" xmlns="" name="Ion" id="{B8441ADB-2E43-4AF7-B97A-BD870242C6A8}" vid="{A207AED3-9ABC-4A18-9978-A59B65688B15}"/>
     </a:ext>
   </a:extLst>
 </a:theme>

--- a/Session 5/Softdev Session 5 2016.pptx
+++ b/Session 5/Softdev Session 5 2016.pptx
@@ -52,7 +52,8 @@
     <p:sldId id="356" r:id="rId46"/>
     <p:sldId id="357" r:id="rId47"/>
     <p:sldId id="307" r:id="rId48"/>
-    <p:sldId id="285" r:id="rId49"/>
+    <p:sldId id="358" r:id="rId49"/>
+    <p:sldId id="285" r:id="rId50"/>
   </p:sldIdLst>
   <p:sldSz cx="12192000" cy="6858000"/>
   <p:notesSz cx="6858000" cy="9144000"/>
@@ -153,7 +154,7 @@
   </p:defaultTextStyle>
   <p:extLst>
     <p:ext uri="{EFAFB233-063F-42B5-8137-9DF3F51BA10A}">
-      <p15:sldGuideLst xmlns="" xmlns:p15="http://schemas.microsoft.com/office/powerpoint/2012/main">
+      <p15:sldGuideLst xmlns:p15="http://schemas.microsoft.com/office/powerpoint/2012/main" xmlns="">
         <p15:guide id="1" orient="horz" pos="2160">
           <p15:clr>
             <a:srgbClr val="A4A3A4"/>
@@ -11355,7 +11356,7 @@
         <p:spPr/>
         <p:txBody>
           <a:bodyPr>
-            <a:normAutofit lnSpcReduction="10000"/>
+            <a:normAutofit/>
           </a:bodyPr>
           <a:lstStyle/>
           <a:p>
@@ -11492,15 +11493,31 @@
           <a:p>
             <a:r>
               <a:rPr lang="en-US" dirty="0" smtClean="0"/>
-              <a:t>Using Bootstrap style your </a:t>
-            </a:r>
-            <a:r>
-              <a:rPr lang="en-US" dirty="0" err="1" smtClean="0"/>
-              <a:t>webapp</a:t>
+              <a:t>Using </a:t>
+            </a:r>
+            <a:r>
+              <a:rPr lang="en-US" smtClean="0"/>
+              <a:t>Bootstrap </a:t>
+            </a:r>
+            <a:r>
+              <a:rPr lang="en-US" smtClean="0"/>
+              <a:t>to style </a:t>
+            </a:r>
+            <a:r>
+              <a:rPr lang="en-US" smtClean="0"/>
+              <a:t>your </a:t>
+            </a:r>
+            <a:r>
+              <a:rPr lang="en-US" smtClean="0"/>
+              <a:t> webapp</a:t>
             </a:r>
             <a:r>
               <a:rPr lang="en-US" dirty="0" smtClean="0"/>
-              <a:t> and make the interface look better</a:t>
+              <a:t> </a:t>
+            </a:r>
+            <a:r>
+              <a:rPr lang="en-US" dirty="0" smtClean="0"/>
+              <a:t>and make the interface look better</a:t>
             </a:r>
           </a:p>
           <a:p>
@@ -11532,6 +11549,94 @@
 </file>
 
 <file path=ppt/slides/slide48.xml><?xml version="1.0" encoding="utf-8"?>
+<p:sld xmlns:a="http://schemas.openxmlformats.org/drawingml/2006/main" xmlns:r="http://schemas.openxmlformats.org/officeDocument/2006/relationships" xmlns:p="http://schemas.openxmlformats.org/presentationml/2006/main">
+  <p:cSld>
+    <p:spTree>
+      <p:nvGrpSpPr>
+        <p:cNvPr id="1" name=""/>
+        <p:cNvGrpSpPr/>
+        <p:nvPr/>
+      </p:nvGrpSpPr>
+      <p:grpSpPr>
+        <a:xfrm>
+          <a:off x="0" y="0"/>
+          <a:ext cx="0" cy="0"/>
+          <a:chOff x="0" y="0"/>
+          <a:chExt cx="0" cy="0"/>
+        </a:xfrm>
+      </p:grpSpPr>
+      <p:sp>
+        <p:nvSpPr>
+          <p:cNvPr id="2" name="Title 1"/>
+          <p:cNvSpPr>
+            <a:spLocks noGrp="1"/>
+          </p:cNvSpPr>
+          <p:nvPr>
+            <p:ph type="title"/>
+          </p:nvPr>
+        </p:nvSpPr>
+        <p:spPr/>
+        <p:txBody>
+          <a:bodyPr/>
+          <a:lstStyle/>
+          <a:p>
+            <a:r>
+              <a:rPr lang="en-ZA" dirty="0" smtClean="0"/>
+              <a:t>Bibliography</a:t>
+            </a:r>
+            <a:endParaRPr lang="en-ZA" dirty="0"/>
+          </a:p>
+        </p:txBody>
+      </p:sp>
+      <p:sp>
+        <p:nvSpPr>
+          <p:cNvPr id="3" name="Content Placeholder 2"/>
+          <p:cNvSpPr>
+            <a:spLocks noGrp="1"/>
+          </p:cNvSpPr>
+          <p:nvPr>
+            <p:ph idx="1"/>
+          </p:nvPr>
+        </p:nvSpPr>
+        <p:spPr/>
+        <p:txBody>
+          <a:bodyPr/>
+          <a:lstStyle/>
+          <a:p>
+            <a:r>
+              <a:rPr lang="en-ZA" dirty="0" smtClean="0"/>
+              <a:t>Used content from the information systems user experience course offered by The University of the Witwatersrand 2016</a:t>
+            </a:r>
+          </a:p>
+          <a:p>
+            <a:r>
+              <a:rPr lang="en-ZA" dirty="0" smtClean="0"/>
+              <a:t>Used past Wits Software Development content provided by Ernest Loveland</a:t>
+            </a:r>
+          </a:p>
+          <a:p>
+            <a:r>
+              <a:rPr lang="en-ZA" dirty="0" smtClean="0"/>
+              <a:t>Links as provided above</a:t>
+            </a:r>
+            <a:endParaRPr lang="en-ZA" dirty="0"/>
+          </a:p>
+        </p:txBody>
+      </p:sp>
+    </p:spTree>
+    <p:extLst>
+      <p:ext uri="{BB962C8B-B14F-4D97-AF65-F5344CB8AC3E}">
+        <p14:creationId xmlns:p14="http://schemas.microsoft.com/office/powerpoint/2010/main" val="3627394466"/>
+      </p:ext>
+    </p:extLst>
+  </p:cSld>
+  <p:clrMapOvr>
+    <a:masterClrMapping/>
+  </p:clrMapOvr>
+</p:sld>
+</file>
+
+<file path=ppt/slides/slide49.xml><?xml version="1.0" encoding="utf-8"?>
 <p:sld xmlns:a="http://schemas.openxmlformats.org/drawingml/2006/main" xmlns:r="http://schemas.openxmlformats.org/officeDocument/2006/relationships" xmlns:p="http://schemas.openxmlformats.org/presentationml/2006/main">
   <p:cSld>
     <p:spTree>
@@ -12474,7 +12579,7 @@
   <a:extraClrSchemeLst/>
   <a:extLst>
     <a:ext uri="{05A4C25C-085E-4340-85A3-A5531E510DB2}">
-      <thm15:themeFamily xmlns="" xmlns:thm15="http://schemas.microsoft.com/office/thememl/2012/main" name="Ion" id="{B8441ADB-2E43-4AF7-B97A-BD870242C6A8}" vid="{A207AED3-9ABC-4A18-9978-A59B65688B15}"/>
+      <thm15:themeFamily xmlns:thm15="http://schemas.microsoft.com/office/thememl/2012/main" xmlns="" name="Ion" id="{B8441ADB-2E43-4AF7-B97A-BD870242C6A8}" vid="{A207AED3-9ABC-4A18-9978-A59B65688B15}"/>
     </a:ext>
   </a:extLst>
 </a:theme>

--- a/Session 5/Softdev Session 5 2016.pptx
+++ b/Session 5/Softdev Session 5 2016.pptx
@@ -11493,23 +11493,23 @@
           <a:p>
             <a:r>
               <a:rPr lang="en-US" dirty="0" smtClean="0"/>
-              <a:t>Using </a:t>
-            </a:r>
-            <a:r>
-              <a:rPr lang="en-US" smtClean="0"/>
-              <a:t>Bootstrap </a:t>
-            </a:r>
-            <a:r>
-              <a:rPr lang="en-US" smtClean="0"/>
+              <a:t>Using Bootstrap </a:t>
+            </a:r>
+            <a:r>
+              <a:rPr lang="en-US" dirty="0" smtClean="0"/>
               <a:t>to style </a:t>
             </a:r>
             <a:r>
-              <a:rPr lang="en-US" smtClean="0"/>
+              <a:rPr lang="en-US" dirty="0" smtClean="0"/>
               <a:t>your </a:t>
             </a:r>
             <a:r>
-              <a:rPr lang="en-US" smtClean="0"/>
-              <a:t> webapp</a:t>
+              <a:rPr lang="en-US" dirty="0" smtClean="0"/>
+              <a:t> </a:t>
+            </a:r>
+            <a:r>
+              <a:rPr lang="en-US" dirty="0" err="1" smtClean="0"/>
+              <a:t>webapp</a:t>
             </a:r>
             <a:r>
               <a:rPr lang="en-US" dirty="0" smtClean="0"/>
